--- a/smpa/project/docs/Multithreading MPI Communication.pptx
+++ b/smpa/project/docs/Multithreading MPI Communication.pptx
@@ -2,8 +2,11 @@
 <file path=ppt/presentation.xml><?xml version="1.0" encoding="utf-8"?>
 <p:presentation xmlns:a="http://schemas.openxmlformats.org/drawingml/2006/main" xmlns:r="http://schemas.openxmlformats.org/officeDocument/2006/relationships" xmlns:p="http://schemas.openxmlformats.org/presentationml/2006/main" saveSubsetFonts="1">
   <p:sldMasterIdLst>
-    <p:sldMasterId id="2147483689" r:id="rId1"/>
+    <p:sldMasterId id="2147483749" r:id="rId1"/>
   </p:sldMasterIdLst>
+  <p:notesMasterIdLst>
+    <p:notesMasterId r:id="rId16"/>
+  </p:notesMasterIdLst>
   <p:sldIdLst>
     <p:sldId id="256" r:id="rId2"/>
     <p:sldId id="257" r:id="rId3"/>
@@ -11,8 +14,14 @@
     <p:sldId id="259" r:id="rId5"/>
     <p:sldId id="263" r:id="rId6"/>
     <p:sldId id="260" r:id="rId7"/>
-    <p:sldId id="261" r:id="rId8"/>
-    <p:sldId id="262" r:id="rId9"/>
+    <p:sldId id="264" r:id="rId8"/>
+    <p:sldId id="265" r:id="rId9"/>
+    <p:sldId id="267" r:id="rId10"/>
+    <p:sldId id="266" r:id="rId11"/>
+    <p:sldId id="268" r:id="rId12"/>
+    <p:sldId id="269" r:id="rId13"/>
+    <p:sldId id="261" r:id="rId14"/>
+    <p:sldId id="262" r:id="rId15"/>
   </p:sldIdLst>
   <p:sldSz cx="12192000" cy="6858000"/>
   <p:notesSz cx="6858000" cy="9144000"/>
@@ -122,14 +131,456 @@
             <p14:sldId id="259"/>
             <p14:sldId id="263"/>
             <p14:sldId id="260"/>
+            <p14:sldId id="264"/>
+            <p14:sldId id="265"/>
+            <p14:sldId id="267"/>
+            <p14:sldId id="266"/>
+            <p14:sldId id="268"/>
+            <p14:sldId id="269"/>
             <p14:sldId id="261"/>
             <p14:sldId id="262"/>
           </p14:sldIdLst>
         </p14:section>
       </p14:sectionLst>
     </p:ext>
+    <p:ext uri="{EFAFB233-063F-42B5-8137-9DF3F51BA10A}">
+      <p15:sldGuideLst xmlns:p15="http://schemas.microsoft.com/office/powerpoint/2012/main"/>
+    </p:ext>
   </p:extLst>
 </p:presentation>
+</file>
+
+<file path=ppt/notesMasters/notesMaster1.xml><?xml version="1.0" encoding="utf-8"?>
+<p:notesMaster xmlns:a="http://schemas.openxmlformats.org/drawingml/2006/main" xmlns:r="http://schemas.openxmlformats.org/officeDocument/2006/relationships" xmlns:p="http://schemas.openxmlformats.org/presentationml/2006/main">
+  <p:cSld>
+    <p:bg>
+      <p:bgRef idx="1001">
+        <a:schemeClr val="bg1"/>
+      </p:bgRef>
+    </p:bg>
+    <p:spTree>
+      <p:nvGrpSpPr>
+        <p:cNvPr id="1" name=""/>
+        <p:cNvGrpSpPr/>
+        <p:nvPr/>
+      </p:nvGrpSpPr>
+      <p:grpSpPr>
+        <a:xfrm>
+          <a:off x="0" y="0"/>
+          <a:ext cx="0" cy="0"/>
+          <a:chOff x="0" y="0"/>
+          <a:chExt cx="0" cy="0"/>
+        </a:xfrm>
+      </p:grpSpPr>
+      <p:sp>
+        <p:nvSpPr>
+          <p:cNvPr id="2" name="Header Placeholder 1"/>
+          <p:cNvSpPr>
+            <a:spLocks noGrp="1"/>
+          </p:cNvSpPr>
+          <p:nvPr>
+            <p:ph type="hdr" sz="quarter"/>
+          </p:nvPr>
+        </p:nvSpPr>
+        <p:spPr>
+          <a:xfrm>
+            <a:off x="0" y="0"/>
+            <a:ext cx="2971800" cy="458788"/>
+          </a:xfrm>
+          <a:prstGeom prst="rect">
+            <a:avLst/>
+          </a:prstGeom>
+        </p:spPr>
+        <p:txBody>
+          <a:bodyPr vert="horz" lIns="91440" tIns="45720" rIns="91440" bIns="45720" rtlCol="0"/>
+          <a:lstStyle>
+            <a:lvl1pPr algn="l">
+              <a:defRPr sz="1200"/>
+            </a:lvl1pPr>
+          </a:lstStyle>
+          <a:p>
+            <a:endParaRPr lang="en-US"/>
+          </a:p>
+        </p:txBody>
+      </p:sp>
+      <p:sp>
+        <p:nvSpPr>
+          <p:cNvPr id="3" name="Date Placeholder 2"/>
+          <p:cNvSpPr>
+            <a:spLocks noGrp="1"/>
+          </p:cNvSpPr>
+          <p:nvPr>
+            <p:ph type="dt" idx="1"/>
+          </p:nvPr>
+        </p:nvSpPr>
+        <p:spPr>
+          <a:xfrm>
+            <a:off x="3884613" y="0"/>
+            <a:ext cx="2971800" cy="458788"/>
+          </a:xfrm>
+          <a:prstGeom prst="rect">
+            <a:avLst/>
+          </a:prstGeom>
+        </p:spPr>
+        <p:txBody>
+          <a:bodyPr vert="horz" lIns="91440" tIns="45720" rIns="91440" bIns="45720" rtlCol="0"/>
+          <a:lstStyle>
+            <a:lvl1pPr algn="r">
+              <a:defRPr sz="1200"/>
+            </a:lvl1pPr>
+          </a:lstStyle>
+          <a:p>
+            <a:fld id="{47B57961-21F6-478A-A589-2E8418FCA4A0}" type="datetimeFigureOut">
+              <a:rPr lang="en-US" smtClean="0"/>
+              <a:t>6/21/2022</a:t>
+            </a:fld>
+            <a:endParaRPr lang="en-US"/>
+          </a:p>
+        </p:txBody>
+      </p:sp>
+      <p:sp>
+        <p:nvSpPr>
+          <p:cNvPr id="4" name="Slide Image Placeholder 3"/>
+          <p:cNvSpPr>
+            <a:spLocks noGrp="1" noRot="1" noChangeAspect="1"/>
+          </p:cNvSpPr>
+          <p:nvPr>
+            <p:ph type="sldImg" idx="2"/>
+          </p:nvPr>
+        </p:nvSpPr>
+        <p:spPr>
+          <a:xfrm>
+            <a:off x="685800" y="1143000"/>
+            <a:ext cx="5486400" cy="3086100"/>
+          </a:xfrm>
+          <a:prstGeom prst="rect">
+            <a:avLst/>
+          </a:prstGeom>
+          <a:noFill/>
+          <a:ln w="12700">
+            <a:solidFill>
+              <a:prstClr val="black"/>
+            </a:solidFill>
+          </a:ln>
+        </p:spPr>
+        <p:txBody>
+          <a:bodyPr vert="horz" lIns="91440" tIns="45720" rIns="91440" bIns="45720" rtlCol="0" anchor="ctr"/>
+          <a:lstStyle/>
+          <a:p>
+            <a:endParaRPr lang="en-US"/>
+          </a:p>
+        </p:txBody>
+      </p:sp>
+      <p:sp>
+        <p:nvSpPr>
+          <p:cNvPr id="5" name="Notes Placeholder 4"/>
+          <p:cNvSpPr>
+            <a:spLocks noGrp="1"/>
+          </p:cNvSpPr>
+          <p:nvPr>
+            <p:ph type="body" sz="quarter" idx="3"/>
+          </p:nvPr>
+        </p:nvSpPr>
+        <p:spPr>
+          <a:xfrm>
+            <a:off x="685800" y="4400550"/>
+            <a:ext cx="5486400" cy="3600450"/>
+          </a:xfrm>
+          <a:prstGeom prst="rect">
+            <a:avLst/>
+          </a:prstGeom>
+        </p:spPr>
+        <p:txBody>
+          <a:bodyPr vert="horz" lIns="91440" tIns="45720" rIns="91440" bIns="45720" rtlCol="0"/>
+          <a:lstStyle/>
+          <a:p>
+            <a:pPr lvl="0"/>
+            <a:r>
+              <a:rPr lang="en-US"/>
+              <a:t>Click to edit Master text styles</a:t>
+            </a:r>
+          </a:p>
+          <a:p>
+            <a:pPr lvl="1"/>
+            <a:r>
+              <a:rPr lang="en-US"/>
+              <a:t>Second level</a:t>
+            </a:r>
+          </a:p>
+          <a:p>
+            <a:pPr lvl="2"/>
+            <a:r>
+              <a:rPr lang="en-US"/>
+              <a:t>Third level</a:t>
+            </a:r>
+          </a:p>
+          <a:p>
+            <a:pPr lvl="3"/>
+            <a:r>
+              <a:rPr lang="en-US"/>
+              <a:t>Fourth level</a:t>
+            </a:r>
+          </a:p>
+          <a:p>
+            <a:pPr lvl="4"/>
+            <a:r>
+              <a:rPr lang="en-US"/>
+              <a:t>Fifth level</a:t>
+            </a:r>
+          </a:p>
+        </p:txBody>
+      </p:sp>
+      <p:sp>
+        <p:nvSpPr>
+          <p:cNvPr id="6" name="Footer Placeholder 5"/>
+          <p:cNvSpPr>
+            <a:spLocks noGrp="1"/>
+          </p:cNvSpPr>
+          <p:nvPr>
+            <p:ph type="ftr" sz="quarter" idx="4"/>
+          </p:nvPr>
+        </p:nvSpPr>
+        <p:spPr>
+          <a:xfrm>
+            <a:off x="0" y="8685213"/>
+            <a:ext cx="2971800" cy="458787"/>
+          </a:xfrm>
+          <a:prstGeom prst="rect">
+            <a:avLst/>
+          </a:prstGeom>
+        </p:spPr>
+        <p:txBody>
+          <a:bodyPr vert="horz" lIns="91440" tIns="45720" rIns="91440" bIns="45720" rtlCol="0" anchor="b"/>
+          <a:lstStyle>
+            <a:lvl1pPr algn="l">
+              <a:defRPr sz="1200"/>
+            </a:lvl1pPr>
+          </a:lstStyle>
+          <a:p>
+            <a:endParaRPr lang="en-US"/>
+          </a:p>
+        </p:txBody>
+      </p:sp>
+      <p:sp>
+        <p:nvSpPr>
+          <p:cNvPr id="7" name="Slide Number Placeholder 6"/>
+          <p:cNvSpPr>
+            <a:spLocks noGrp="1"/>
+          </p:cNvSpPr>
+          <p:nvPr>
+            <p:ph type="sldNum" sz="quarter" idx="5"/>
+          </p:nvPr>
+        </p:nvSpPr>
+        <p:spPr>
+          <a:xfrm>
+            <a:off x="3884613" y="8685213"/>
+            <a:ext cx="2971800" cy="458787"/>
+          </a:xfrm>
+          <a:prstGeom prst="rect">
+            <a:avLst/>
+          </a:prstGeom>
+        </p:spPr>
+        <p:txBody>
+          <a:bodyPr vert="horz" lIns="91440" tIns="45720" rIns="91440" bIns="45720" rtlCol="0" anchor="b"/>
+          <a:lstStyle>
+            <a:lvl1pPr algn="r">
+              <a:defRPr sz="1200"/>
+            </a:lvl1pPr>
+          </a:lstStyle>
+          <a:p>
+            <a:fld id="{71E73CF3-760A-4F67-B3BF-81532804270B}" type="slidenum">
+              <a:rPr lang="en-US" smtClean="0"/>
+              <a:t>‹#›</a:t>
+            </a:fld>
+            <a:endParaRPr lang="en-US"/>
+          </a:p>
+        </p:txBody>
+      </p:sp>
+    </p:spTree>
+    <p:extLst>
+      <p:ext uri="{BB962C8B-B14F-4D97-AF65-F5344CB8AC3E}">
+        <p14:creationId xmlns:p14="http://schemas.microsoft.com/office/powerpoint/2010/main" val="3024570173"/>
+      </p:ext>
+    </p:extLst>
+  </p:cSld>
+  <p:clrMap bg1="lt1" tx1="dk1" bg2="lt2" tx2="dk2" accent1="accent1" accent2="accent2" accent3="accent3" accent4="accent4" accent5="accent5" accent6="accent6" hlink="hlink" folHlink="folHlink"/>
+  <p:notesStyle>
+    <a:lvl1pPr marL="0" algn="l" defTabSz="914400" rtl="0" eaLnBrk="1" latinLnBrk="0" hangingPunct="1">
+      <a:defRPr sz="1200" kern="1200">
+        <a:solidFill>
+          <a:schemeClr val="tx1"/>
+        </a:solidFill>
+        <a:latin typeface="+mn-lt"/>
+        <a:ea typeface="+mn-ea"/>
+        <a:cs typeface="+mn-cs"/>
+      </a:defRPr>
+    </a:lvl1pPr>
+    <a:lvl2pPr marL="457200" algn="l" defTabSz="914400" rtl="0" eaLnBrk="1" latinLnBrk="0" hangingPunct="1">
+      <a:defRPr sz="1200" kern="1200">
+        <a:solidFill>
+          <a:schemeClr val="tx1"/>
+        </a:solidFill>
+        <a:latin typeface="+mn-lt"/>
+        <a:ea typeface="+mn-ea"/>
+        <a:cs typeface="+mn-cs"/>
+      </a:defRPr>
+    </a:lvl2pPr>
+    <a:lvl3pPr marL="914400" algn="l" defTabSz="914400" rtl="0" eaLnBrk="1" latinLnBrk="0" hangingPunct="1">
+      <a:defRPr sz="1200" kern="1200">
+        <a:solidFill>
+          <a:schemeClr val="tx1"/>
+        </a:solidFill>
+        <a:latin typeface="+mn-lt"/>
+        <a:ea typeface="+mn-ea"/>
+        <a:cs typeface="+mn-cs"/>
+      </a:defRPr>
+    </a:lvl3pPr>
+    <a:lvl4pPr marL="1371600" algn="l" defTabSz="914400" rtl="0" eaLnBrk="1" latinLnBrk="0" hangingPunct="1">
+      <a:defRPr sz="1200" kern="1200">
+        <a:solidFill>
+          <a:schemeClr val="tx1"/>
+        </a:solidFill>
+        <a:latin typeface="+mn-lt"/>
+        <a:ea typeface="+mn-ea"/>
+        <a:cs typeface="+mn-cs"/>
+      </a:defRPr>
+    </a:lvl4pPr>
+    <a:lvl5pPr marL="1828800" algn="l" defTabSz="914400" rtl="0" eaLnBrk="1" latinLnBrk="0" hangingPunct="1">
+      <a:defRPr sz="1200" kern="1200">
+        <a:solidFill>
+          <a:schemeClr val="tx1"/>
+        </a:solidFill>
+        <a:latin typeface="+mn-lt"/>
+        <a:ea typeface="+mn-ea"/>
+        <a:cs typeface="+mn-cs"/>
+      </a:defRPr>
+    </a:lvl5pPr>
+    <a:lvl6pPr marL="2286000" algn="l" defTabSz="914400" rtl="0" eaLnBrk="1" latinLnBrk="0" hangingPunct="1">
+      <a:defRPr sz="1200" kern="1200">
+        <a:solidFill>
+          <a:schemeClr val="tx1"/>
+        </a:solidFill>
+        <a:latin typeface="+mn-lt"/>
+        <a:ea typeface="+mn-ea"/>
+        <a:cs typeface="+mn-cs"/>
+      </a:defRPr>
+    </a:lvl6pPr>
+    <a:lvl7pPr marL="2743200" algn="l" defTabSz="914400" rtl="0" eaLnBrk="1" latinLnBrk="0" hangingPunct="1">
+      <a:defRPr sz="1200" kern="1200">
+        <a:solidFill>
+          <a:schemeClr val="tx1"/>
+        </a:solidFill>
+        <a:latin typeface="+mn-lt"/>
+        <a:ea typeface="+mn-ea"/>
+        <a:cs typeface="+mn-cs"/>
+      </a:defRPr>
+    </a:lvl7pPr>
+    <a:lvl8pPr marL="3200400" algn="l" defTabSz="914400" rtl="0" eaLnBrk="1" latinLnBrk="0" hangingPunct="1">
+      <a:defRPr sz="1200" kern="1200">
+        <a:solidFill>
+          <a:schemeClr val="tx1"/>
+        </a:solidFill>
+        <a:latin typeface="+mn-lt"/>
+        <a:ea typeface="+mn-ea"/>
+        <a:cs typeface="+mn-cs"/>
+      </a:defRPr>
+    </a:lvl8pPr>
+    <a:lvl9pPr marL="3657600" algn="l" defTabSz="914400" rtl="0" eaLnBrk="1" latinLnBrk="0" hangingPunct="1">
+      <a:defRPr sz="1200" kern="1200">
+        <a:solidFill>
+          <a:schemeClr val="tx1"/>
+        </a:solidFill>
+        <a:latin typeface="+mn-lt"/>
+        <a:ea typeface="+mn-ea"/>
+        <a:cs typeface="+mn-cs"/>
+      </a:defRPr>
+    </a:lvl9pPr>
+  </p:notesStyle>
+</p:notesMaster>
+</file>
+
+<file path=ppt/notesSlides/notesSlide1.xml><?xml version="1.0" encoding="utf-8"?>
+<p:notes xmlns:a="http://schemas.openxmlformats.org/drawingml/2006/main" xmlns:r="http://schemas.openxmlformats.org/officeDocument/2006/relationships" xmlns:p="http://schemas.openxmlformats.org/presentationml/2006/main">
+  <p:cSld>
+    <p:spTree>
+      <p:nvGrpSpPr>
+        <p:cNvPr id="1" name=""/>
+        <p:cNvGrpSpPr/>
+        <p:nvPr/>
+      </p:nvGrpSpPr>
+      <p:grpSpPr>
+        <a:xfrm>
+          <a:off x="0" y="0"/>
+          <a:ext cx="0" cy="0"/>
+          <a:chOff x="0" y="0"/>
+          <a:chExt cx="0" cy="0"/>
+        </a:xfrm>
+      </p:grpSpPr>
+      <p:sp>
+        <p:nvSpPr>
+          <p:cNvPr id="2" name="Slide Image Placeholder 1"/>
+          <p:cNvSpPr>
+            <a:spLocks noGrp="1" noRot="1" noChangeAspect="1"/>
+          </p:cNvSpPr>
+          <p:nvPr>
+            <p:ph type="sldImg"/>
+          </p:nvPr>
+        </p:nvSpPr>
+        <p:spPr/>
+      </p:sp>
+      <p:sp>
+        <p:nvSpPr>
+          <p:cNvPr id="3" name="Notes Placeholder 2"/>
+          <p:cNvSpPr>
+            <a:spLocks noGrp="1"/>
+          </p:cNvSpPr>
+          <p:nvPr>
+            <p:ph type="body" idx="1"/>
+          </p:nvPr>
+        </p:nvSpPr>
+        <p:spPr/>
+        <p:txBody>
+          <a:bodyPr/>
+          <a:lstStyle/>
+          <a:p>
+            <a:endParaRPr lang="en-US" dirty="0"/>
+          </a:p>
+        </p:txBody>
+      </p:sp>
+      <p:sp>
+        <p:nvSpPr>
+          <p:cNvPr id="4" name="Slide Number Placeholder 3"/>
+          <p:cNvSpPr>
+            <a:spLocks noGrp="1"/>
+          </p:cNvSpPr>
+          <p:nvPr>
+            <p:ph type="sldNum" sz="quarter" idx="5"/>
+          </p:nvPr>
+        </p:nvSpPr>
+        <p:spPr/>
+        <p:txBody>
+          <a:bodyPr/>
+          <a:lstStyle/>
+          <a:p>
+            <a:fld id="{71E73CF3-760A-4F67-B3BF-81532804270B}" type="slidenum">
+              <a:rPr lang="en-US" smtClean="0"/>
+              <a:t>8</a:t>
+            </a:fld>
+            <a:endParaRPr lang="en-US"/>
+          </a:p>
+        </p:txBody>
+      </p:sp>
+    </p:spTree>
+    <p:extLst>
+      <p:ext uri="{BB962C8B-B14F-4D97-AF65-F5344CB8AC3E}">
+        <p14:creationId xmlns:p14="http://schemas.microsoft.com/office/powerpoint/2010/main" val="3899501482"/>
+      </p:ext>
+    </p:extLst>
+  </p:cSld>
+  <p:clrMapOvr>
+    <a:masterClrMapping/>
+  </p:clrMapOvr>
+</p:notes>
 </file>
 
 <file path=ppt/slideLayouts/slideLayout1.xml><?xml version="1.0" encoding="utf-8"?>
@@ -165,7 +616,7 @@
           </a:prstGeom>
           <a:blipFill dpi="0" rotWithShape="1">
             <a:blip r:embed="rId2">
-              <a:alphaModFix amt="85000"/>
+              <a:alphaModFix amt="80000"/>
               <a:lum bright="70000" contrast="-70000"/>
               <a:extLst>
                 <a:ext uri="{BEBA8EAE-BF5A-486C-A8C5-ECC9F3942E4B}">
@@ -214,7 +665,7 @@
         </p:nvSpPr>
         <p:spPr>
           <a:xfrm>
-            <a:off x="920834" y="4299696"/>
+            <a:off x="920834" y="4282762"/>
             <a:ext cx="10222992" cy="80683"/>
           </a:xfrm>
           <a:prstGeom prst="rect">
@@ -222,7 +673,7 @@
           </a:prstGeom>
           <a:blipFill dpi="0" rotWithShape="1">
             <a:blip r:embed="rId2">
-              <a:alphaModFix amt="85000"/>
+              <a:alphaModFix amt="80000"/>
               <a:lum bright="70000" contrast="-70000"/>
               <a:extLst>
                 <a:ext uri="{BEBA8EAE-BF5A-486C-A8C5-ECC9F3942E4B}">
@@ -279,7 +730,7 @@
           </a:prstGeom>
           <a:blipFill dpi="0" rotWithShape="1">
             <a:blip r:embed="rId2">
-              <a:alphaModFix amt="85000"/>
+              <a:alphaModFix amt="80000"/>
               <a:lum bright="70000" contrast="-70000"/>
               <a:extLst>
                 <a:ext uri="{BEBA8EAE-BF5A-486C-A8C5-ECC9F3942E4B}">
@@ -351,7 +802,7 @@
             <a:blipFill dpi="0" rotWithShape="1">
               <a:blip r:embed="rId4">
                 <a:duotone>
-                  <a:schemeClr val="accent1">
+                  <a:schemeClr val="accent2">
                     <a:shade val="45000"/>
                     <a:satMod val="135000"/>
                   </a:schemeClr>
@@ -427,9 +878,9 @@
           <a:lstStyle>
             <a:lvl1pPr algn="l">
               <a:lnSpc>
-                <a:spcPct val="80000"/>
+                <a:spcPct val="85000"/>
               </a:lnSpc>
-              <a:defRPr sz="7200" cap="none" baseline="0">
+              <a:defRPr sz="7200" b="1" cap="none" baseline="0">
                 <a:blipFill dpi="0" rotWithShape="1">
                   <a:blip r:embed="rId4"/>
                   <a:srcRect/>
@@ -470,19 +921,21 @@
           <a:lstStyle>
             <a:lvl1pPr marL="0" indent="0" algn="l">
               <a:buNone/>
-              <a:defRPr sz="2200">
+              <a:defRPr sz="2000" b="1">
                 <a:solidFill>
-                  <a:schemeClr val="tx1"/>
+                  <a:schemeClr val="accent2">
+                    <a:lumMod val="75000"/>
+                  </a:schemeClr>
                 </a:solidFill>
               </a:defRPr>
             </a:lvl1pPr>
             <a:lvl2pPr marL="457200" indent="0" algn="ctr">
               <a:buNone/>
-              <a:defRPr sz="2200"/>
+              <a:defRPr sz="2000"/>
             </a:lvl2pPr>
             <a:lvl3pPr marL="914400" indent="0" algn="ctr">
               <a:buNone/>
-              <a:defRPr sz="2200"/>
+              <a:defRPr sz="2000"/>
             </a:lvl3pPr>
             <a:lvl4pPr marL="1371600" indent="0" algn="ctr">
               <a:buNone/>
@@ -535,7 +988,7 @@
           <a:p>
             <a:fld id="{40470BAF-B377-4B28-A1F6-889EA29F45E7}" type="datetimeFigureOut">
               <a:rPr lang="en-US" smtClean="0"/>
-              <a:t>5/31/2022</a:t>
+              <a:t>6/21/2022</a:t>
             </a:fld>
             <a:endParaRPr lang="en-US"/>
           </a:p>
@@ -580,7 +1033,7 @@
           <a:bodyPr/>
           <a:lstStyle>
             <a:lvl1pPr>
-              <a:defRPr sz="2800" b="0"/>
+              <a:defRPr sz="2800" b="1"/>
             </a:lvl1pPr>
           </a:lstStyle>
           <a:p>
@@ -595,7 +1048,7 @@
     </p:spTree>
     <p:extLst>
       <p:ext uri="{BB962C8B-B14F-4D97-AF65-F5344CB8AC3E}">
-        <p14:creationId xmlns:p14="http://schemas.microsoft.com/office/powerpoint/2010/main" val="704231344"/>
+        <p14:creationId xmlns:p14="http://schemas.microsoft.com/office/powerpoint/2010/main" val="3844043038"/>
       </p:ext>
     </p:extLst>
   </p:cSld>
@@ -714,7 +1167,7 @@
           <a:p>
             <a:fld id="{40470BAF-B377-4B28-A1F6-889EA29F45E7}" type="datetimeFigureOut">
               <a:rPr lang="en-US" smtClean="0"/>
-              <a:t>5/31/2022</a:t>
+              <a:t>6/21/2022</a:t>
             </a:fld>
             <a:endParaRPr lang="en-US"/>
           </a:p>
@@ -765,7 +1218,7 @@
     </p:spTree>
     <p:extLst>
       <p:ext uri="{BB962C8B-B14F-4D97-AF65-F5344CB8AC3E}">
-        <p14:creationId xmlns:p14="http://schemas.microsoft.com/office/powerpoint/2010/main" val="1204166994"/>
+        <p14:creationId xmlns:p14="http://schemas.microsoft.com/office/powerpoint/2010/main" val="3884227282"/>
       </p:ext>
     </p:extLst>
   </p:cSld>
@@ -894,7 +1347,7 @@
           <a:p>
             <a:fld id="{40470BAF-B377-4B28-A1F6-889EA29F45E7}" type="datetimeFigureOut">
               <a:rPr lang="en-US" smtClean="0"/>
-              <a:t>5/31/2022</a:t>
+              <a:t>6/21/2022</a:t>
             </a:fld>
             <a:endParaRPr lang="en-US"/>
           </a:p>
@@ -945,7 +1398,7 @@
     </p:spTree>
     <p:extLst>
       <p:ext uri="{BB962C8B-B14F-4D97-AF65-F5344CB8AC3E}">
-        <p14:creationId xmlns:p14="http://schemas.microsoft.com/office/powerpoint/2010/main" val="1795750232"/>
+        <p14:creationId xmlns:p14="http://schemas.microsoft.com/office/powerpoint/2010/main" val="151930987"/>
       </p:ext>
     </p:extLst>
   </p:cSld>
@@ -1064,7 +1517,7 @@
           <a:p>
             <a:fld id="{40470BAF-B377-4B28-A1F6-889EA29F45E7}" type="datetimeFigureOut">
               <a:rPr lang="en-US" smtClean="0"/>
-              <a:t>5/31/2022</a:t>
+              <a:t>6/21/2022</a:t>
             </a:fld>
             <a:endParaRPr lang="en-US"/>
           </a:p>
@@ -1115,7 +1568,7 @@
     </p:spTree>
     <p:extLst>
       <p:ext uri="{BB962C8B-B14F-4D97-AF65-F5344CB8AC3E}">
-        <p14:creationId xmlns:p14="http://schemas.microsoft.com/office/powerpoint/2010/main" val="1284853263"/>
+        <p14:creationId xmlns:p14="http://schemas.microsoft.com/office/powerpoint/2010/main" val="3972287124"/>
       </p:ext>
     </p:extLst>
   </p:cSld>
@@ -1158,7 +1611,7 @@
           </a:prstGeom>
           <a:blipFill dpi="0" rotWithShape="1">
             <a:blip r:embed="rId2">
-              <a:alphaModFix amt="85000"/>
+              <a:alphaModFix amt="80000"/>
               <a:lum bright="70000" contrast="-70000"/>
               <a:extLst>
                 <a:ext uri="{BEBA8EAE-BF5A-486C-A8C5-ECC9F3942E4B}">
@@ -1222,9 +1675,9 @@
           <a:lstStyle>
             <a:lvl1pPr>
               <a:lnSpc>
-                <a:spcPct val="80000"/>
+                <a:spcPct val="85000"/>
               </a:lnSpc>
-              <a:defRPr sz="7200" b="0"/>
+              <a:defRPr sz="7200" b="1"/>
             </a:lvl1pPr>
           </a:lstStyle>
           <a:p>
@@ -1259,9 +1712,11 @@
           <a:lstStyle>
             <a:lvl1pPr marL="0" indent="0">
               <a:buNone/>
-              <a:defRPr sz="2000">
+              <a:defRPr sz="2000" b="1">
                 <a:solidFill>
-                  <a:schemeClr val="tx1"/>
+                  <a:schemeClr val="accent2">
+                    <a:lumMod val="50000"/>
+                  </a:schemeClr>
                 </a:solidFill>
               </a:defRPr>
             </a:lvl1pPr>
@@ -1373,11 +1828,21 @@
         </p:spPr>
         <p:txBody>
           <a:bodyPr/>
-          <a:lstStyle/>
+          <a:lstStyle>
+            <a:lvl1pPr>
+              <a:defRPr>
+                <a:solidFill>
+                  <a:schemeClr val="accent2">
+                    <a:lumMod val="50000"/>
+                  </a:schemeClr>
+                </a:solidFill>
+              </a:defRPr>
+            </a:lvl1pPr>
+          </a:lstStyle>
           <a:p>
             <a:fld id="{40470BAF-B377-4B28-A1F6-889EA29F45E7}" type="datetimeFigureOut">
               <a:rPr lang="en-US" smtClean="0"/>
-              <a:t>5/31/2022</a:t>
+              <a:t>6/21/2022</a:t>
             </a:fld>
             <a:endParaRPr lang="en-US"/>
           </a:p>
@@ -1401,7 +1866,17 @@
         </p:spPr>
         <p:txBody>
           <a:bodyPr/>
-          <a:lstStyle/>
+          <a:lstStyle>
+            <a:lvl1pPr>
+              <a:defRPr>
+                <a:solidFill>
+                  <a:schemeClr val="accent2">
+                    <a:lumMod val="50000"/>
+                  </a:schemeClr>
+                </a:solidFill>
+              </a:defRPr>
+            </a:lvl1pPr>
+          </a:lstStyle>
           <a:p>
             <a:endParaRPr lang="en-US"/>
           </a:p>
@@ -1438,7 +1913,7 @@
             <a:blipFill dpi="0" rotWithShape="1">
               <a:blip r:embed="rId4">
                 <a:duotone>
-                  <a:schemeClr val="accent1">
+                  <a:schemeClr val="accent2">
                     <a:shade val="45000"/>
                     <a:satMod val="135000"/>
                   </a:schemeClr>
@@ -1526,7 +2001,7 @@
     </p:spTree>
     <p:extLst>
       <p:ext uri="{BB962C8B-B14F-4D97-AF65-F5344CB8AC3E}">
-        <p14:creationId xmlns:p14="http://schemas.microsoft.com/office/powerpoint/2010/main" val="1852906672"/>
+        <p14:creationId xmlns:p14="http://schemas.microsoft.com/office/powerpoint/2010/main" val="3862441202"/>
       </p:ext>
     </p:extLst>
   </p:cSld>
@@ -1763,7 +2238,7 @@
           <a:p>
             <a:fld id="{40470BAF-B377-4B28-A1F6-889EA29F45E7}" type="datetimeFigureOut">
               <a:rPr lang="en-US" smtClean="0"/>
-              <a:t>5/31/2022</a:t>
+              <a:t>6/21/2022</a:t>
             </a:fld>
             <a:endParaRPr lang="en-US"/>
           </a:p>
@@ -1814,7 +2289,7 @@
     </p:spTree>
     <p:extLst>
       <p:ext uri="{BB962C8B-B14F-4D97-AF65-F5344CB8AC3E}">
-        <p14:creationId xmlns:p14="http://schemas.microsoft.com/office/powerpoint/2010/main" val="440596401"/>
+        <p14:creationId xmlns:p14="http://schemas.microsoft.com/office/powerpoint/2010/main" val="3291330905"/>
       </p:ext>
     </p:extLst>
   </p:cSld>
@@ -1889,7 +2364,7 @@
               <a:buNone/>
               <a:defRPr sz="2000" b="1">
                 <a:solidFill>
-                  <a:schemeClr val="accent1">
+                  <a:schemeClr val="accent2">
                     <a:lumMod val="75000"/>
                   </a:schemeClr>
                 </a:solidFill>
@@ -2047,7 +2522,7 @@
               <a:buNone/>
               <a:defRPr sz="2000" b="1">
                 <a:solidFill>
-                  <a:schemeClr val="accent1">
+                  <a:schemeClr val="accent2">
                     <a:lumMod val="75000"/>
                   </a:schemeClr>
                 </a:solidFill>
@@ -2197,7 +2672,7 @@
           <a:p>
             <a:fld id="{40470BAF-B377-4B28-A1F6-889EA29F45E7}" type="datetimeFigureOut">
               <a:rPr lang="en-US" smtClean="0"/>
-              <a:t>5/31/2022</a:t>
+              <a:t>6/21/2022</a:t>
             </a:fld>
             <a:endParaRPr lang="en-US"/>
           </a:p>
@@ -2248,7 +2723,7 @@
     </p:spTree>
     <p:extLst>
       <p:ext uri="{BB962C8B-B14F-4D97-AF65-F5344CB8AC3E}">
-        <p14:creationId xmlns:p14="http://schemas.microsoft.com/office/powerpoint/2010/main" val="2098199260"/>
+        <p14:creationId xmlns:p14="http://schemas.microsoft.com/office/powerpoint/2010/main" val="1397398804"/>
       </p:ext>
     </p:extLst>
   </p:cSld>
@@ -2315,7 +2790,7 @@
           <a:p>
             <a:fld id="{40470BAF-B377-4B28-A1F6-889EA29F45E7}" type="datetimeFigureOut">
               <a:rPr lang="en-US" smtClean="0"/>
-              <a:t>5/31/2022</a:t>
+              <a:t>6/21/2022</a:t>
             </a:fld>
             <a:endParaRPr lang="en-US"/>
           </a:p>
@@ -2366,7 +2841,7 @@
     </p:spTree>
     <p:extLst>
       <p:ext uri="{BB962C8B-B14F-4D97-AF65-F5344CB8AC3E}">
-        <p14:creationId xmlns:p14="http://schemas.microsoft.com/office/powerpoint/2010/main" val="3516795908"/>
+        <p14:creationId xmlns:p14="http://schemas.microsoft.com/office/powerpoint/2010/main" val="1529156113"/>
       </p:ext>
     </p:extLst>
   </p:cSld>
@@ -2410,7 +2885,7 @@
           <a:p>
             <a:fld id="{40470BAF-B377-4B28-A1F6-889EA29F45E7}" type="datetimeFigureOut">
               <a:rPr lang="en-US" smtClean="0"/>
-              <a:t>5/31/2022</a:t>
+              <a:t>6/21/2022</a:t>
             </a:fld>
             <a:endParaRPr lang="en-US"/>
           </a:p>
@@ -2461,7 +2936,7 @@
     </p:spTree>
     <p:extLst>
       <p:ext uri="{BB962C8B-B14F-4D97-AF65-F5344CB8AC3E}">
-        <p14:creationId xmlns:p14="http://schemas.microsoft.com/office/powerpoint/2010/main" val="3053209793"/>
+        <p14:creationId xmlns:p14="http://schemas.microsoft.com/office/powerpoint/2010/main" val="404235054"/>
       </p:ext>
     </p:extLst>
   </p:cSld>
@@ -2567,7 +3042,7 @@
           </a:bodyPr>
           <a:lstStyle>
             <a:lvl1pPr>
-              <a:defRPr sz="3200" b="0"/>
+              <a:defRPr sz="3200" b="1"/>
             </a:lvl1pPr>
           </a:lstStyle>
           <a:p>
@@ -2695,7 +3170,7 @@
               <a:buNone/>
               <a:defRPr sz="1400">
                 <a:solidFill>
-                  <a:schemeClr val="accent1">
+                  <a:schemeClr val="accent2">
                     <a:lumMod val="50000"/>
                   </a:schemeClr>
                 </a:solidFill>
@@ -2760,7 +3235,7 @@
           <a:p>
             <a:fld id="{40470BAF-B377-4B28-A1F6-889EA29F45E7}" type="datetimeFigureOut">
               <a:rPr lang="en-US" smtClean="0"/>
-              <a:t>5/31/2022</a:t>
+              <a:t>6/21/2022</a:t>
             </a:fld>
             <a:endParaRPr lang="en-US"/>
           </a:p>
@@ -2818,7 +3293,7 @@
             <a:blipFill dpi="0" rotWithShape="1">
               <a:blip r:embed="rId4">
                 <a:duotone>
-                  <a:schemeClr val="accent1">
+                  <a:schemeClr val="accent2">
                     <a:shade val="45000"/>
                     <a:satMod val="135000"/>
                   </a:schemeClr>
@@ -2900,7 +3375,7 @@
     </p:spTree>
     <p:extLst>
       <p:ext uri="{BB962C8B-B14F-4D97-AF65-F5344CB8AC3E}">
-        <p14:creationId xmlns:p14="http://schemas.microsoft.com/office/powerpoint/2010/main" val="609800954"/>
+        <p14:creationId xmlns:p14="http://schemas.microsoft.com/office/powerpoint/2010/main" val="132965249"/>
       </p:ext>
     </p:extLst>
   </p:cSld>
@@ -3006,7 +3481,7 @@
           </a:bodyPr>
           <a:lstStyle>
             <a:lvl1pPr>
-              <a:defRPr sz="3200" b="0"/>
+              <a:defRPr sz="3200" b="1"/>
             </a:lvl1pPr>
           </a:lstStyle>
           <a:p>
@@ -3120,7 +3595,7 @@
               <a:buNone/>
               <a:defRPr sz="1400">
                 <a:solidFill>
-                  <a:schemeClr val="accent1">
+                  <a:schemeClr val="accent2">
                     <a:lumMod val="50000"/>
                   </a:schemeClr>
                 </a:solidFill>
@@ -3181,11 +3656,21 @@
         <p:spPr/>
         <p:txBody>
           <a:bodyPr/>
-          <a:lstStyle/>
+          <a:lstStyle>
+            <a:lvl1pPr>
+              <a:defRPr>
+                <a:solidFill>
+                  <a:schemeClr val="accent2">
+                    <a:lumMod val="75000"/>
+                  </a:schemeClr>
+                </a:solidFill>
+              </a:defRPr>
+            </a:lvl1pPr>
+          </a:lstStyle>
           <a:p>
             <a:fld id="{40470BAF-B377-4B28-A1F6-889EA29F45E7}" type="datetimeFigureOut">
               <a:rPr lang="en-US" smtClean="0"/>
-              <a:t>5/31/2022</a:t>
+              <a:t>6/21/2022</a:t>
             </a:fld>
             <a:endParaRPr lang="en-US"/>
           </a:p>
@@ -3224,7 +3709,7 @@
             <a:blipFill dpi="0" rotWithShape="1">
               <a:blip r:embed="rId4">
                 <a:duotone>
-                  <a:schemeClr val="accent1">
+                  <a:schemeClr val="accent2">
                     <a:shade val="45000"/>
                     <a:satMod val="135000"/>
                   </a:schemeClr>
@@ -3306,7 +3791,7 @@
     </p:spTree>
     <p:extLst>
       <p:ext uri="{BB962C8B-B14F-4D97-AF65-F5344CB8AC3E}">
-        <p14:creationId xmlns:p14="http://schemas.microsoft.com/office/powerpoint/2010/main" val="2532240364"/>
+        <p14:creationId xmlns:p14="http://schemas.microsoft.com/office/powerpoint/2010/main" val="1980721791"/>
       </p:ext>
     </p:extLst>
   </p:cSld>
@@ -3458,7 +3943,9 @@
             <a:lvl1pPr algn="r">
               <a:defRPr sz="1100">
                 <a:solidFill>
-                  <a:schemeClr val="tx2"/>
+                  <a:schemeClr val="accent2">
+                    <a:lumMod val="50000"/>
+                  </a:schemeClr>
                 </a:solidFill>
               </a:defRPr>
             </a:lvl1pPr>
@@ -3466,7 +3953,7 @@
           <a:p>
             <a:fld id="{40470BAF-B377-4B28-A1F6-889EA29F45E7}" type="datetimeFigureOut">
               <a:rPr lang="en-US" smtClean="0"/>
-              <a:t>5/31/2022</a:t>
+              <a:t>6/21/2022</a:t>
             </a:fld>
             <a:endParaRPr lang="en-US"/>
           </a:p>
@@ -3497,7 +3984,9 @@
             <a:lvl1pPr algn="l">
               <a:defRPr sz="1100">
                 <a:solidFill>
-                  <a:schemeClr val="tx2"/>
+                  <a:schemeClr val="accent2">
+                    <a:lumMod val="50000"/>
+                  </a:schemeClr>
                 </a:solidFill>
               </a:defRPr>
             </a:lvl1pPr>
@@ -3540,7 +4029,7 @@
             <a:blipFill dpi="0" rotWithShape="1">
               <a:blip r:embed="rId13">
                 <a:duotone>
-                  <a:schemeClr val="accent1">
+                  <a:schemeClr val="accent2">
                     <a:shade val="45000"/>
                     <a:satMod val="135000"/>
                   </a:schemeClr>
@@ -3619,7 +4108,7 @@
           <a:bodyPr vert="horz" lIns="91440" tIns="45720" rIns="91440" bIns="45720" rtlCol="0" anchor="ctr"/>
           <a:lstStyle>
             <a:lvl1pPr algn="ctr">
-              <a:defRPr sz="1400" b="0">
+              <a:defRPr sz="1400" b="1">
                 <a:solidFill>
                   <a:srgbClr val="FFFFFF"/>
                 </a:solidFill>
@@ -3639,23 +4128,23 @@
     </p:spTree>
     <p:extLst>
       <p:ext uri="{BB962C8B-B14F-4D97-AF65-F5344CB8AC3E}">
-        <p14:creationId xmlns:p14="http://schemas.microsoft.com/office/powerpoint/2010/main" val="2433395883"/>
+        <p14:creationId xmlns:p14="http://schemas.microsoft.com/office/powerpoint/2010/main" val="186989520"/>
       </p:ext>
     </p:extLst>
   </p:cSld>
   <p:clrMap bg1="lt1" tx1="dk1" bg2="lt2" tx2="dk2" accent1="accent1" accent2="accent2" accent3="accent3" accent4="accent4" accent5="accent5" accent6="accent6" hlink="hlink" folHlink="folHlink"/>
   <p:sldLayoutIdLst>
-    <p:sldLayoutId id="2147483690" r:id="rId1"/>
-    <p:sldLayoutId id="2147483691" r:id="rId2"/>
-    <p:sldLayoutId id="2147483692" r:id="rId3"/>
-    <p:sldLayoutId id="2147483693" r:id="rId4"/>
-    <p:sldLayoutId id="2147483694" r:id="rId5"/>
-    <p:sldLayoutId id="2147483695" r:id="rId6"/>
-    <p:sldLayoutId id="2147483696" r:id="rId7"/>
-    <p:sldLayoutId id="2147483697" r:id="rId8"/>
-    <p:sldLayoutId id="2147483698" r:id="rId9"/>
-    <p:sldLayoutId id="2147483699" r:id="rId10"/>
-    <p:sldLayoutId id="2147483700" r:id="rId11"/>
+    <p:sldLayoutId id="2147483750" r:id="rId1"/>
+    <p:sldLayoutId id="2147483751" r:id="rId2"/>
+    <p:sldLayoutId id="2147483752" r:id="rId3"/>
+    <p:sldLayoutId id="2147483753" r:id="rId4"/>
+    <p:sldLayoutId id="2147483754" r:id="rId5"/>
+    <p:sldLayoutId id="2147483755" r:id="rId6"/>
+    <p:sldLayoutId id="2147483756" r:id="rId7"/>
+    <p:sldLayoutId id="2147483757" r:id="rId8"/>
+    <p:sldLayoutId id="2147483758" r:id="rId9"/>
+    <p:sldLayoutId id="2147483759" r:id="rId10"/>
+    <p:sldLayoutId id="2147483760" r:id="rId11"/>
   </p:sldLayoutIdLst>
   <p:txStyles>
     <p:titleStyle>
@@ -3667,7 +4156,7 @@
           <a:spcPct val="0"/>
         </a:spcBef>
         <a:buNone/>
-        <a:defRPr sz="4800" kern="1200" cap="none" baseline="0">
+        <a:defRPr sz="4800" b="1" kern="1200" cap="none" baseline="0">
           <a:blipFill>
             <a:blip r:embed="rId15">
               <a:extLst>
@@ -3693,9 +4182,7 @@
           <a:spcPts val="1200"/>
         </a:spcBef>
         <a:buClr>
-          <a:schemeClr val="accent1">
-            <a:lumMod val="75000"/>
-          </a:schemeClr>
+          <a:schemeClr val="accent2"/>
         </a:buClr>
         <a:buSzPct val="85000"/>
         <a:buFont typeface="Wingdings" pitchFamily="2" charset="2"/>
@@ -3720,9 +4207,7 @@
           <a:spcPts val="200"/>
         </a:spcAft>
         <a:buClr>
-          <a:schemeClr val="accent1">
-            <a:lumMod val="75000"/>
-          </a:schemeClr>
+          <a:schemeClr val="accent2"/>
         </a:buClr>
         <a:buSzPct val="85000"/>
         <a:buFont typeface="Wingdings" pitchFamily="2" charset="2"/>
@@ -3747,9 +4232,7 @@
           <a:spcPts val="200"/>
         </a:spcAft>
         <a:buClr>
-          <a:schemeClr val="accent1">
-            <a:lumMod val="75000"/>
-          </a:schemeClr>
+          <a:schemeClr val="accent2"/>
         </a:buClr>
         <a:buSzPct val="85000"/>
         <a:buFont typeface="Wingdings" pitchFamily="2" charset="2"/>
@@ -3774,9 +4257,7 @@
           <a:spcPts val="200"/>
         </a:spcAft>
         <a:buClr>
-          <a:schemeClr val="accent1">
-            <a:lumMod val="75000"/>
-          </a:schemeClr>
+          <a:schemeClr val="accent2"/>
         </a:buClr>
         <a:buSzPct val="85000"/>
         <a:buFont typeface="Wingdings" pitchFamily="2" charset="2"/>
@@ -3801,9 +4282,7 @@
           <a:spcPts val="200"/>
         </a:spcAft>
         <a:buClr>
-          <a:schemeClr val="accent1">
-            <a:lumMod val="75000"/>
-          </a:schemeClr>
+          <a:schemeClr val="accent2"/>
         </a:buClr>
         <a:buSzPct val="85000"/>
         <a:buFont typeface="Wingdings" pitchFamily="2" charset="2"/>
@@ -3828,9 +4307,7 @@
           <a:spcPts val="200"/>
         </a:spcAft>
         <a:buClr>
-          <a:schemeClr val="accent1">
-            <a:lumMod val="75000"/>
-          </a:schemeClr>
+          <a:schemeClr val="accent2"/>
         </a:buClr>
         <a:buSzPct val="85000"/>
         <a:buFont typeface="Wingdings" pitchFamily="2" charset="2"/>
@@ -3855,9 +4332,7 @@
           <a:spcPts val="200"/>
         </a:spcAft>
         <a:buClr>
-          <a:schemeClr val="accent1">
-            <a:lumMod val="75000"/>
-          </a:schemeClr>
+          <a:schemeClr val="accent2"/>
         </a:buClr>
         <a:buSzPct val="85000"/>
         <a:buFont typeface="Wingdings" pitchFamily="2" charset="2"/>
@@ -3882,9 +4357,7 @@
           <a:spcPts val="200"/>
         </a:spcAft>
         <a:buClr>
-          <a:schemeClr val="accent1">
-            <a:lumMod val="75000"/>
-          </a:schemeClr>
+          <a:schemeClr val="accent2"/>
         </a:buClr>
         <a:buSzPct val="85000"/>
         <a:buFont typeface="Wingdings" pitchFamily="2" charset="2"/>
@@ -3909,9 +4382,7 @@
           <a:spcPts val="200"/>
         </a:spcAft>
         <a:buClr>
-          <a:schemeClr val="accent1">
-            <a:lumMod val="75000"/>
-          </a:schemeClr>
+          <a:schemeClr val="accent2"/>
         </a:buClr>
         <a:buSzPct val="85000"/>
         <a:buFont typeface="Wingdings" pitchFamily="2" charset="2"/>
@@ -4052,332 +4523,6 @@
       </p:grpSpPr>
       <p:sp>
         <p:nvSpPr>
-          <p:cNvPr id="32" name="Rectangle 31">
-            <a:extLst>
-              <a:ext uri="{FF2B5EF4-FFF2-40B4-BE49-F238E27FC236}">
-                <a16:creationId xmlns:a16="http://schemas.microsoft.com/office/drawing/2014/main" id="{A5D193CF-DFF5-4D9E-9479-AFEA04631AD2}"/>
-              </a:ext>
-              <a:ext uri="{C183D7F6-B498-43B3-948B-1728B52AA6E4}">
-                <adec:decorative xmlns:adec="http://schemas.microsoft.com/office/drawing/2017/decorative" val="1"/>
-              </a:ext>
-            </a:extLst>
-          </p:cNvPr>
-          <p:cNvSpPr>
-            <a:spLocks noGrp="1" noRot="1" noChangeAspect="1" noMove="1" noResize="1" noEditPoints="1" noAdjustHandles="1" noChangeArrowheads="1" noChangeShapeType="1" noTextEdit="1"/>
-          </p:cNvSpPr>
-          <p:nvPr>
-            <p:extLst>
-              <p:ext uri="{386F3935-93C4-4BCD-93E2-E3B085C9AB24}">
-                <p16:designElem xmlns:p16="http://schemas.microsoft.com/office/powerpoint/2015/main" val="1"/>
-              </p:ext>
-            </p:extLst>
-          </p:nvPr>
-        </p:nvSpPr>
-        <p:spPr bwMode="white">
-          <a:xfrm>
-            <a:off x="0" y="0"/>
-            <a:ext cx="12188952" cy="6858001"/>
-          </a:xfrm>
-          <a:prstGeom prst="rect">
-            <a:avLst/>
-          </a:prstGeom>
-          <a:solidFill>
-            <a:schemeClr val="bg1"/>
-          </a:solidFill>
-          <a:ln>
-            <a:noFill/>
-          </a:ln>
-        </p:spPr>
-        <p:style>
-          <a:lnRef idx="2">
-            <a:schemeClr val="accent1">
-              <a:shade val="50000"/>
-            </a:schemeClr>
-          </a:lnRef>
-          <a:fillRef idx="1">
-            <a:schemeClr val="accent1"/>
-          </a:fillRef>
-          <a:effectRef idx="0">
-            <a:schemeClr val="accent1"/>
-          </a:effectRef>
-          <a:fontRef idx="minor">
-            <a:schemeClr val="lt1"/>
-          </a:fontRef>
-        </p:style>
-        <p:txBody>
-          <a:bodyPr rot="0" spcFirstLastPara="0" vert="horz" wrap="square" lIns="91440" tIns="45720" rIns="91440" bIns="45720" numCol="1" spcCol="0" rtlCol="0" fromWordArt="0" anchor="ctr" anchorCtr="0" forceAA="0" compatLnSpc="1">
-            <a:prstTxWarp prst="textNoShape">
-              <a:avLst/>
-            </a:prstTxWarp>
-            <a:noAutofit/>
-          </a:bodyPr>
-          <a:lstStyle>
-            <a:defPPr>
-              <a:defRPr lang="en-US"/>
-            </a:defPPr>
-            <a:lvl1pPr marL="0" algn="l" defTabSz="914400" rtl="0" eaLnBrk="1" latinLnBrk="0" hangingPunct="1">
-              <a:defRPr sz="1800" kern="1200">
-                <a:solidFill>
-                  <a:schemeClr val="lt1"/>
-                </a:solidFill>
-                <a:latin typeface="+mn-lt"/>
-                <a:ea typeface="+mn-ea"/>
-                <a:cs typeface="+mn-cs"/>
-              </a:defRPr>
-            </a:lvl1pPr>
-            <a:lvl2pPr marL="457200" algn="l" defTabSz="914400" rtl="0" eaLnBrk="1" latinLnBrk="0" hangingPunct="1">
-              <a:defRPr sz="1800" kern="1200">
-                <a:solidFill>
-                  <a:schemeClr val="lt1"/>
-                </a:solidFill>
-                <a:latin typeface="+mn-lt"/>
-                <a:ea typeface="+mn-ea"/>
-                <a:cs typeface="+mn-cs"/>
-              </a:defRPr>
-            </a:lvl2pPr>
-            <a:lvl3pPr marL="914400" algn="l" defTabSz="914400" rtl="0" eaLnBrk="1" latinLnBrk="0" hangingPunct="1">
-              <a:defRPr sz="1800" kern="1200">
-                <a:solidFill>
-                  <a:schemeClr val="lt1"/>
-                </a:solidFill>
-                <a:latin typeface="+mn-lt"/>
-                <a:ea typeface="+mn-ea"/>
-                <a:cs typeface="+mn-cs"/>
-              </a:defRPr>
-            </a:lvl3pPr>
-            <a:lvl4pPr marL="1371600" algn="l" defTabSz="914400" rtl="0" eaLnBrk="1" latinLnBrk="0" hangingPunct="1">
-              <a:defRPr sz="1800" kern="1200">
-                <a:solidFill>
-                  <a:schemeClr val="lt1"/>
-                </a:solidFill>
-                <a:latin typeface="+mn-lt"/>
-                <a:ea typeface="+mn-ea"/>
-                <a:cs typeface="+mn-cs"/>
-              </a:defRPr>
-            </a:lvl4pPr>
-            <a:lvl5pPr marL="1828800" algn="l" defTabSz="914400" rtl="0" eaLnBrk="1" latinLnBrk="0" hangingPunct="1">
-              <a:defRPr sz="1800" kern="1200">
-                <a:solidFill>
-                  <a:schemeClr val="lt1"/>
-                </a:solidFill>
-                <a:latin typeface="+mn-lt"/>
-                <a:ea typeface="+mn-ea"/>
-                <a:cs typeface="+mn-cs"/>
-              </a:defRPr>
-            </a:lvl5pPr>
-            <a:lvl6pPr marL="2286000" algn="l" defTabSz="914400" rtl="0" eaLnBrk="1" latinLnBrk="0" hangingPunct="1">
-              <a:defRPr sz="1800" kern="1200">
-                <a:solidFill>
-                  <a:schemeClr val="lt1"/>
-                </a:solidFill>
-                <a:latin typeface="+mn-lt"/>
-                <a:ea typeface="+mn-ea"/>
-                <a:cs typeface="+mn-cs"/>
-              </a:defRPr>
-            </a:lvl6pPr>
-            <a:lvl7pPr marL="2743200" algn="l" defTabSz="914400" rtl="0" eaLnBrk="1" latinLnBrk="0" hangingPunct="1">
-              <a:defRPr sz="1800" kern="1200">
-                <a:solidFill>
-                  <a:schemeClr val="lt1"/>
-                </a:solidFill>
-                <a:latin typeface="+mn-lt"/>
-                <a:ea typeface="+mn-ea"/>
-                <a:cs typeface="+mn-cs"/>
-              </a:defRPr>
-            </a:lvl7pPr>
-            <a:lvl8pPr marL="3200400" algn="l" defTabSz="914400" rtl="0" eaLnBrk="1" latinLnBrk="0" hangingPunct="1">
-              <a:defRPr sz="1800" kern="1200">
-                <a:solidFill>
-                  <a:schemeClr val="lt1"/>
-                </a:solidFill>
-                <a:latin typeface="+mn-lt"/>
-                <a:ea typeface="+mn-ea"/>
-                <a:cs typeface="+mn-cs"/>
-              </a:defRPr>
-            </a:lvl8pPr>
-            <a:lvl9pPr marL="3657600" algn="l" defTabSz="914400" rtl="0" eaLnBrk="1" latinLnBrk="0" hangingPunct="1">
-              <a:defRPr sz="1800" kern="1200">
-                <a:solidFill>
-                  <a:schemeClr val="lt1"/>
-                </a:solidFill>
-                <a:latin typeface="+mn-lt"/>
-                <a:ea typeface="+mn-ea"/>
-                <a:cs typeface="+mn-cs"/>
-              </a:defRPr>
-            </a:lvl9pPr>
-          </a:lstStyle>
-          <a:p>
-            <a:pPr algn="ctr"/>
-            <a:endParaRPr lang="en-US"/>
-          </a:p>
-        </p:txBody>
-      </p:sp>
-      <p:sp>
-        <p:nvSpPr>
-          <p:cNvPr id="34" name="Rectangle 33">
-            <a:extLst>
-              <a:ext uri="{FF2B5EF4-FFF2-40B4-BE49-F238E27FC236}">
-                <a16:creationId xmlns:a16="http://schemas.microsoft.com/office/drawing/2014/main" id="{D399AFD5-A2D3-443B-A1A8-FC933DAEEA0A}"/>
-              </a:ext>
-              <a:ext uri="{C183D7F6-B498-43B3-948B-1728B52AA6E4}">
-                <adec:decorative xmlns:adec="http://schemas.microsoft.com/office/drawing/2017/decorative" val="1"/>
-              </a:ext>
-            </a:extLst>
-          </p:cNvPr>
-          <p:cNvSpPr>
-            <a:spLocks noGrp="1" noRot="1" noChangeAspect="1" noMove="1" noResize="1" noEditPoints="1" noAdjustHandles="1" noChangeArrowheads="1" noChangeShapeType="1" noTextEdit="1"/>
-          </p:cNvSpPr>
-          <p:nvPr>
-            <p:extLst>
-              <p:ext uri="{386F3935-93C4-4BCD-93E2-E3B085C9AB24}">
-                <p16:designElem xmlns:p16="http://schemas.microsoft.com/office/powerpoint/2015/main" val="1"/>
-              </p:ext>
-            </p:extLst>
-          </p:nvPr>
-        </p:nvSpPr>
-        <p:spPr>
-          <a:xfrm>
-            <a:off x="920834" y="928117"/>
-            <a:ext cx="10351008" cy="80683"/>
-          </a:xfrm>
-          <a:prstGeom prst="rect">
-            <a:avLst/>
-          </a:prstGeom>
-          <a:blipFill dpi="0" rotWithShape="1">
-            <a:blip r:embed="rId2">
-              <a:alphaModFix amt="85000"/>
-              <a:lum bright="70000" contrast="-70000"/>
-              <a:extLst>
-                <a:ext uri="{BEBA8EAE-BF5A-486C-A8C5-ECC9F3942E4B}">
-                  <a14:imgProps xmlns:a14="http://schemas.microsoft.com/office/drawing/2010/main">
-                    <a14:imgLayer r:embed="rId3">
-                      <a14:imgEffect>
-                        <a14:sharpenSoften amount="61000"/>
-                      </a14:imgEffect>
-                    </a14:imgLayer>
-                  </a14:imgProps>
-                </a:ext>
-                <a:ext uri="{28A0092B-C50C-407E-A947-70E740481C1C}">
-                  <a14:useLocalDpi xmlns:a14="http://schemas.microsoft.com/office/drawing/2010/main" val="0"/>
-                </a:ext>
-              </a:extLst>
-            </a:blip>
-            <a:srcRect/>
-            <a:tile tx="0" ty="-762000" sx="92000" sy="89000" flip="xy" algn="ctr"/>
-          </a:blipFill>
-          <a:ln>
-            <a:noFill/>
-          </a:ln>
-        </p:spPr>
-        <p:style>
-          <a:lnRef idx="2">
-            <a:schemeClr val="accent1">
-              <a:shade val="50000"/>
-            </a:schemeClr>
-          </a:lnRef>
-          <a:fillRef idx="1">
-            <a:schemeClr val="accent1"/>
-          </a:fillRef>
-          <a:effectRef idx="0">
-            <a:schemeClr val="accent1"/>
-          </a:effectRef>
-          <a:fontRef idx="minor">
-            <a:schemeClr val="lt1"/>
-          </a:fontRef>
-        </p:style>
-        <p:txBody>
-          <a:bodyPr rtlCol="0" anchor="ctr"/>
-          <a:lstStyle/>
-          <a:p>
-            <a:pPr algn="ctr"/>
-            <a:endParaRPr lang="en-US"/>
-          </a:p>
-        </p:txBody>
-      </p:sp>
-      <p:sp>
-        <p:nvSpPr>
-          <p:cNvPr id="36" name="Rectangle 35">
-            <a:extLst>
-              <a:ext uri="{FF2B5EF4-FFF2-40B4-BE49-F238E27FC236}">
-                <a16:creationId xmlns:a16="http://schemas.microsoft.com/office/drawing/2014/main" id="{1F6153E0-BF99-4257-A3A3-16595490AB29}"/>
-              </a:ext>
-              <a:ext uri="{C183D7F6-B498-43B3-948B-1728B52AA6E4}">
-                <adec:decorative xmlns:adec="http://schemas.microsoft.com/office/drawing/2017/decorative" val="1"/>
-              </a:ext>
-            </a:extLst>
-          </p:cNvPr>
-          <p:cNvSpPr>
-            <a:spLocks noGrp="1" noRot="1" noChangeAspect="1" noMove="1" noResize="1" noEditPoints="1" noAdjustHandles="1" noChangeArrowheads="1" noChangeShapeType="1" noTextEdit="1"/>
-          </p:cNvSpPr>
-          <p:nvPr>
-            <p:extLst>
-              <p:ext uri="{386F3935-93C4-4BCD-93E2-E3B085C9AB24}">
-                <p16:designElem xmlns:p16="http://schemas.microsoft.com/office/powerpoint/2015/main" val="1"/>
-              </p:ext>
-            </p:extLst>
-          </p:nvPr>
-        </p:nvSpPr>
-        <p:spPr>
-          <a:xfrm>
-            <a:off x="4641336" y="1110053"/>
-            <a:ext cx="6630506" cy="4580301"/>
-          </a:xfrm>
-          <a:prstGeom prst="rect">
-            <a:avLst/>
-          </a:prstGeom>
-          <a:blipFill dpi="0" rotWithShape="1">
-            <a:blip r:embed="rId2">
-              <a:alphaModFix amt="85000"/>
-              <a:lum bright="70000" contrast="-70000"/>
-              <a:extLst>
-                <a:ext uri="{BEBA8EAE-BF5A-486C-A8C5-ECC9F3942E4B}">
-                  <a14:imgProps xmlns:a14="http://schemas.microsoft.com/office/drawing/2010/main">
-                    <a14:imgLayer r:embed="rId3">
-                      <a14:imgEffect>
-                        <a14:sharpenSoften amount="61000"/>
-                      </a14:imgEffect>
-                    </a14:imgLayer>
-                  </a14:imgProps>
-                </a:ext>
-                <a:ext uri="{28A0092B-C50C-407E-A947-70E740481C1C}">
-                  <a14:useLocalDpi xmlns:a14="http://schemas.microsoft.com/office/drawing/2010/main" val="0"/>
-                </a:ext>
-              </a:extLst>
-            </a:blip>
-            <a:srcRect/>
-            <a:tile tx="0" ty="-704850" sx="92000" sy="89000" flip="xy" algn="ctr"/>
-          </a:blipFill>
-          <a:ln>
-            <a:noFill/>
-          </a:ln>
-        </p:spPr>
-        <p:style>
-          <a:lnRef idx="2">
-            <a:schemeClr val="accent1">
-              <a:shade val="50000"/>
-            </a:schemeClr>
-          </a:lnRef>
-          <a:fillRef idx="1">
-            <a:schemeClr val="accent1"/>
-          </a:fillRef>
-          <a:effectRef idx="0">
-            <a:schemeClr val="accent1"/>
-          </a:effectRef>
-          <a:fontRef idx="minor">
-            <a:schemeClr val="lt1"/>
-          </a:fontRef>
-        </p:style>
-        <p:txBody>
-          <a:bodyPr rtlCol="0" anchor="ctr"/>
-          <a:lstStyle/>
-          <a:p>
-            <a:pPr algn="ctr"/>
-            <a:endParaRPr lang="en-US"/>
-          </a:p>
-        </p:txBody>
-      </p:sp>
-      <p:sp>
-        <p:nvSpPr>
           <p:cNvPr id="2" name="Title 1">
             <a:extLst>
               <a:ext uri="{FF2B5EF4-FFF2-40B4-BE49-F238E27FC236}">
@@ -4405,8 +4550,8 @@
           <a:lstStyle/>
           <a:p>
             <a:r>
-              <a:rPr lang="en-US" sz="5600" dirty="0"/>
-              <a:t>Speculative Multithreaded Processors</a:t>
+              <a:rPr lang="en-US" sz="5400" dirty="0"/>
+              <a:t>Multithreading MPI Communication</a:t>
             </a:r>
           </a:p>
         </p:txBody>
@@ -4461,13 +4606,13 @@
           <p:nvPr/>
         </p:nvPicPr>
         <p:blipFill>
-          <a:blip r:embed="rId4">
+          <a:blip r:embed="rId2">
             <a:extLst>
               <a:ext uri="{28A0092B-C50C-407E-A947-70E740481C1C}">
                 <a14:useLocalDpi xmlns:a14="http://schemas.microsoft.com/office/drawing/2010/main" val="0"/>
               </a:ext>
               <a:ext uri="{96DAC541-7B7A-43D3-8B79-37D633B846F1}">
-                <asvg:svgBlip xmlns:asvg="http://schemas.microsoft.com/office/drawing/2016/SVG/main" r:embed="rId5"/>
+                <asvg:svgBlip xmlns:asvg="http://schemas.microsoft.com/office/drawing/2016/SVG/main" r:embed="rId3"/>
               </a:ext>
             </a:extLst>
           </a:blip>
@@ -4485,282 +4630,6 @@
           </a:prstGeom>
         </p:spPr>
       </p:pic>
-      <p:sp>
-        <p:nvSpPr>
-          <p:cNvPr id="38" name="Rectangle 37">
-            <a:extLst>
-              <a:ext uri="{FF2B5EF4-FFF2-40B4-BE49-F238E27FC236}">
-                <a16:creationId xmlns:a16="http://schemas.microsoft.com/office/drawing/2014/main" id="{60C16A56-CE6C-404F-A1C2-DDC40BFEB34B}"/>
-              </a:ext>
-              <a:ext uri="{C183D7F6-B498-43B3-948B-1728B52AA6E4}">
-                <adec:decorative xmlns:adec="http://schemas.microsoft.com/office/drawing/2017/decorative" val="1"/>
-              </a:ext>
-            </a:extLst>
-          </p:cNvPr>
-          <p:cNvSpPr>
-            <a:spLocks noGrp="1" noRot="1" noChangeAspect="1" noMove="1" noResize="1" noEditPoints="1" noAdjustHandles="1" noChangeArrowheads="1" noChangeShapeType="1" noTextEdit="1"/>
-          </p:cNvSpPr>
-          <p:nvPr>
-            <p:extLst>
-              <p:ext uri="{386F3935-93C4-4BCD-93E2-E3B085C9AB24}">
-                <p16:designElem xmlns:p16="http://schemas.microsoft.com/office/powerpoint/2015/main" val="1"/>
-              </p:ext>
-            </p:extLst>
-          </p:nvPr>
-        </p:nvSpPr>
-        <p:spPr>
-          <a:xfrm>
-            <a:off x="920834" y="5780565"/>
-            <a:ext cx="10351008" cy="80683"/>
-          </a:xfrm>
-          <a:prstGeom prst="rect">
-            <a:avLst/>
-          </a:prstGeom>
-          <a:blipFill dpi="0" rotWithShape="1">
-            <a:blip r:embed="rId2">
-              <a:alphaModFix amt="85000"/>
-              <a:lum bright="70000" contrast="-70000"/>
-              <a:extLst>
-                <a:ext uri="{BEBA8EAE-BF5A-486C-A8C5-ECC9F3942E4B}">
-                  <a14:imgProps xmlns:a14="http://schemas.microsoft.com/office/drawing/2010/main">
-                    <a14:imgLayer r:embed="rId3">
-                      <a14:imgEffect>
-                        <a14:sharpenSoften amount="61000"/>
-                      </a14:imgEffect>
-                    </a14:imgLayer>
-                  </a14:imgProps>
-                </a:ext>
-                <a:ext uri="{28A0092B-C50C-407E-A947-70E740481C1C}">
-                  <a14:useLocalDpi xmlns:a14="http://schemas.microsoft.com/office/drawing/2010/main" val="0"/>
-                </a:ext>
-              </a:extLst>
-            </a:blip>
-            <a:srcRect/>
-            <a:tile tx="0" ty="-717550" sx="92000" sy="89000" flip="xy" algn="ctr"/>
-          </a:blipFill>
-          <a:ln>
-            <a:noFill/>
-          </a:ln>
-        </p:spPr>
-        <p:style>
-          <a:lnRef idx="2">
-            <a:schemeClr val="accent1">
-              <a:shade val="50000"/>
-            </a:schemeClr>
-          </a:lnRef>
-          <a:fillRef idx="1">
-            <a:schemeClr val="accent1"/>
-          </a:fillRef>
-          <a:effectRef idx="0">
-            <a:schemeClr val="accent1"/>
-          </a:effectRef>
-          <a:fontRef idx="minor">
-            <a:schemeClr val="lt1"/>
-          </a:fontRef>
-        </p:style>
-        <p:txBody>
-          <a:bodyPr rtlCol="0" anchor="ctr"/>
-          <a:lstStyle/>
-          <a:p>
-            <a:pPr algn="ctr"/>
-            <a:endParaRPr lang="en-US"/>
-          </a:p>
-        </p:txBody>
-      </p:sp>
-      <p:grpSp>
-        <p:nvGrpSpPr>
-          <p:cNvPr id="40" name="Group 39">
-            <a:extLst>
-              <a:ext uri="{FF2B5EF4-FFF2-40B4-BE49-F238E27FC236}">
-                <a16:creationId xmlns:a16="http://schemas.microsoft.com/office/drawing/2014/main" id="{07E5451F-66A4-42A9-944B-F73FAAE44025}"/>
-              </a:ext>
-              <a:ext uri="{C183D7F6-B498-43B3-948B-1728B52AA6E4}">
-                <adec:decorative xmlns:adec="http://schemas.microsoft.com/office/drawing/2017/decorative" val="1"/>
-              </a:ext>
-            </a:extLst>
-          </p:cNvPr>
-          <p:cNvGrpSpPr>
-            <a:grpSpLocks noGrp="1" noUngrp="1" noRot="1" noChangeAspect="1" noMove="1" noResize="1"/>
-          </p:cNvGrpSpPr>
-          <p:nvPr>
-            <p:extLst>
-              <p:ext uri="{386F3935-93C4-4BCD-93E2-E3B085C9AB24}">
-                <p16:designElem xmlns:p16="http://schemas.microsoft.com/office/powerpoint/2015/main" val="1"/>
-              </p:ext>
-            </p:extLst>
-          </p:nvPr>
-        </p:nvGrpSpPr>
-        <p:grpSpPr>
-          <a:xfrm>
-            <a:off x="9646920" y="5257800"/>
-            <a:ext cx="1080904" cy="1080902"/>
-            <a:chOff x="9685338" y="4460675"/>
-            <a:chExt cx="1080904" cy="1080902"/>
-          </a:xfrm>
-        </p:grpSpPr>
-        <p:sp>
-          <p:nvSpPr>
-            <p:cNvPr id="41" name="Oval 40">
-              <a:extLst>
-                <a:ext uri="{FF2B5EF4-FFF2-40B4-BE49-F238E27FC236}">
-                  <a16:creationId xmlns:a16="http://schemas.microsoft.com/office/drawing/2014/main" id="{453FCA22-5971-4A95-BE0E-ECCFB0EBB398}"/>
-                </a:ext>
-                <a:ext uri="{C183D7F6-B498-43B3-948B-1728B52AA6E4}">
-                  <adec:decorative xmlns:adec="http://schemas.microsoft.com/office/drawing/2017/decorative" val="1"/>
-                </a:ext>
-              </a:extLst>
-            </p:cNvPr>
-            <p:cNvSpPr/>
-            <p:nvPr>
-              <p:extLst>
-                <p:ext uri="{386F3935-93C4-4BCD-93E2-E3B085C9AB24}">
-                  <p16:designElem xmlns:p16="http://schemas.microsoft.com/office/powerpoint/2015/main" val="1"/>
-                </p:ext>
-              </p:extLst>
-            </p:nvPr>
-          </p:nvSpPr>
-          <p:spPr>
-            <a:xfrm>
-              <a:off x="9685338" y="4460675"/>
-              <a:ext cx="1080904" cy="1080902"/>
-            </a:xfrm>
-            <a:prstGeom prst="ellipse">
-              <a:avLst/>
-            </a:prstGeom>
-            <a:blipFill dpi="0" rotWithShape="1">
-              <a:blip r:embed="rId6">
-                <a:duotone>
-                  <a:schemeClr val="accent1">
-                    <a:shade val="45000"/>
-                    <a:satMod val="135000"/>
-                  </a:schemeClr>
-                  <a:prstClr val="white"/>
-                </a:duotone>
-              </a:blip>
-              <a:srcRect/>
-              <a:tile tx="0" ty="0" sx="85000" sy="85000" flip="none" algn="tl"/>
-            </a:blipFill>
-            <a:ln w="25400" cap="flat" cmpd="sng" algn="ctr">
-              <a:noFill/>
-              <a:prstDash val="solid"/>
-            </a:ln>
-            <a:effectLst/>
-          </p:spPr>
-          <p:txBody>
-            <a:bodyPr lIns="0" tIns="0" rIns="0" bIns="0" rtlCol="0" anchor="ctr"/>
-            <a:lstStyle/>
-            <a:p>
-              <a:pPr marL="0" marR="0" lvl="0" indent="0" algn="ctr" defTabSz="914400" eaLnBrk="1" fontAlgn="auto" latinLnBrk="0" hangingPunct="1">
-                <a:lnSpc>
-                  <a:spcPct val="100000"/>
-                </a:lnSpc>
-                <a:spcBef>
-                  <a:spcPts val="0"/>
-                </a:spcBef>
-                <a:spcAft>
-                  <a:spcPts val="0"/>
-                </a:spcAft>
-                <a:buClrTx/>
-                <a:buSzTx/>
-                <a:buFontTx/>
-                <a:buNone/>
-                <a:tabLst/>
-                <a:defRPr/>
-              </a:pPr>
-              <a:endParaRPr kumimoji="0" lang="en-US" sz="2000" b="0" i="0" u="none" strike="noStrike" kern="0" cap="none" spc="0" normalizeH="0" baseline="0" noProof="0" dirty="0">
-                <a:ln>
-                  <a:noFill/>
-                </a:ln>
-                <a:solidFill>
-                  <a:prstClr val="white"/>
-                </a:solidFill>
-                <a:effectLst/>
-                <a:uLnTx/>
-                <a:uFillTx/>
-                <a:latin typeface="Rockwell Extra Bold" pitchFamily="18" charset="0"/>
-                <a:ea typeface="+mn-ea"/>
-                <a:cs typeface="+mn-cs"/>
-              </a:endParaRPr>
-            </a:p>
-          </p:txBody>
-        </p:sp>
-        <p:sp>
-          <p:nvSpPr>
-            <p:cNvPr id="42" name="Oval 41">
-              <a:extLst>
-                <a:ext uri="{FF2B5EF4-FFF2-40B4-BE49-F238E27FC236}">
-                  <a16:creationId xmlns:a16="http://schemas.microsoft.com/office/drawing/2014/main" id="{414D598E-CAC2-4C14-A91E-C65E5E3B088E}"/>
-                </a:ext>
-                <a:ext uri="{C183D7F6-B498-43B3-948B-1728B52AA6E4}">
-                  <adec:decorative xmlns:adec="http://schemas.microsoft.com/office/drawing/2017/decorative" val="1"/>
-                </a:ext>
-              </a:extLst>
-            </p:cNvPr>
-            <p:cNvSpPr/>
-            <p:nvPr>
-              <p:extLst>
-                <p:ext uri="{386F3935-93C4-4BCD-93E2-E3B085C9AB24}">
-                  <p16:designElem xmlns:p16="http://schemas.microsoft.com/office/powerpoint/2015/main" val="1"/>
-                </p:ext>
-              </p:extLst>
-            </p:nvPr>
-          </p:nvSpPr>
-          <p:spPr>
-            <a:xfrm>
-              <a:off x="9793429" y="4568765"/>
-              <a:ext cx="864723" cy="864722"/>
-            </a:xfrm>
-            <a:prstGeom prst="ellipse">
-              <a:avLst/>
-            </a:prstGeom>
-            <a:noFill/>
-            <a:ln w="25400" cap="flat" cmpd="sng" algn="ctr">
-              <a:solidFill>
-                <a:sysClr val="window" lastClr="FFFFFF"/>
-              </a:solidFill>
-              <a:prstDash val="solid"/>
-            </a:ln>
-            <a:effectLst/>
-          </p:spPr>
-          <p:txBody>
-            <a:bodyPr rtlCol="0" anchor="ctr"/>
-            <a:lstStyle/>
-            <a:p>
-              <a:pPr marL="0" marR="0" lvl="0" indent="0" algn="ctr" defTabSz="914400" eaLnBrk="1" fontAlgn="auto" latinLnBrk="0" hangingPunct="1">
-                <a:lnSpc>
-                  <a:spcPct val="100000"/>
-                </a:lnSpc>
-                <a:spcBef>
-                  <a:spcPts val="0"/>
-                </a:spcBef>
-                <a:spcAft>
-                  <a:spcPts val="0"/>
-                </a:spcAft>
-                <a:buClrTx/>
-                <a:buSzTx/>
-                <a:buFontTx/>
-                <a:buNone/>
-                <a:tabLst/>
-                <a:defRPr/>
-              </a:pPr>
-              <a:endParaRPr kumimoji="0" lang="en-US" sz="1800" b="0" i="0" u="none" strike="noStrike" kern="0" cap="none" spc="0" normalizeH="0" baseline="0" noProof="0" dirty="0">
-                <a:ln>
-                  <a:noFill/>
-                </a:ln>
-                <a:solidFill>
-                  <a:prstClr val="white"/>
-                </a:solidFill>
-                <a:effectLst/>
-                <a:uLnTx/>
-                <a:uFillTx/>
-                <a:latin typeface="Calibri"/>
-                <a:ea typeface="+mn-ea"/>
-                <a:cs typeface="+mn-cs"/>
-              </a:endParaRPr>
-            </a:p>
-          </p:txBody>
-        </p:sp>
-      </p:grpSp>
     </p:spTree>
     <p:extLst>
       <p:ext uri="{BB962C8B-B14F-4D97-AF65-F5344CB8AC3E}">
@@ -4866,741 +4735,7 @@
 </p:sld>
 </file>
 
-<file path=ppt/slides/slide2.xml><?xml version="1.0" encoding="utf-8"?>
-<p:sld xmlns:a="http://schemas.openxmlformats.org/drawingml/2006/main" xmlns:r="http://schemas.openxmlformats.org/officeDocument/2006/relationships" xmlns:p="http://schemas.openxmlformats.org/presentationml/2006/main">
-  <p:cSld>
-    <p:spTree>
-      <p:nvGrpSpPr>
-        <p:cNvPr id="1" name=""/>
-        <p:cNvGrpSpPr/>
-        <p:nvPr/>
-      </p:nvGrpSpPr>
-      <p:grpSpPr>
-        <a:xfrm>
-          <a:off x="0" y="0"/>
-          <a:ext cx="0" cy="0"/>
-          <a:chOff x="0" y="0"/>
-          <a:chExt cx="0" cy="0"/>
-        </a:xfrm>
-      </p:grpSpPr>
-      <p:sp>
-        <p:nvSpPr>
-          <p:cNvPr id="2" name="Title 1">
-            <a:extLst>
-              <a:ext uri="{FF2B5EF4-FFF2-40B4-BE49-F238E27FC236}">
-                <a16:creationId xmlns:a16="http://schemas.microsoft.com/office/drawing/2014/main" id="{B23118B8-26F5-4FE3-B634-7EB0E9B7CDF3}"/>
-              </a:ext>
-            </a:extLst>
-          </p:cNvPr>
-          <p:cNvSpPr>
-            <a:spLocks noGrp="1"/>
-          </p:cNvSpPr>
-          <p:nvPr>
-            <p:ph type="title"/>
-          </p:nvPr>
-        </p:nvSpPr>
-        <p:spPr/>
-        <p:txBody>
-          <a:bodyPr>
-            <a:normAutofit/>
-          </a:bodyPr>
-          <a:lstStyle/>
-          <a:p>
-            <a:pPr algn="ctr"/>
-            <a:r>
-              <a:rPr lang="en-US" sz="3600" dirty="0"/>
-              <a:t>OVERVIEW</a:t>
-            </a:r>
-          </a:p>
-        </p:txBody>
-      </p:sp>
-      <p:sp>
-        <p:nvSpPr>
-          <p:cNvPr id="3" name="Content Placeholder 2">
-            <a:extLst>
-              <a:ext uri="{FF2B5EF4-FFF2-40B4-BE49-F238E27FC236}">
-                <a16:creationId xmlns:a16="http://schemas.microsoft.com/office/drawing/2014/main" id="{82E23BDC-8EB3-4481-9A66-7423DAE0B6F7}"/>
-              </a:ext>
-            </a:extLst>
-          </p:cNvPr>
-          <p:cNvSpPr>
-            <a:spLocks noGrp="1"/>
-          </p:cNvSpPr>
-          <p:nvPr>
-            <p:ph idx="1"/>
-          </p:nvPr>
-        </p:nvSpPr>
-        <p:spPr/>
-        <p:txBody>
-          <a:bodyPr/>
-          <a:lstStyle/>
-          <a:p>
-            <a:r>
-              <a:rPr lang="en-US" sz="1800" dirty="0"/>
-              <a:t>speculation is a well-known technique used to improve processor performance</a:t>
-            </a:r>
-          </a:p>
-          <a:p>
-            <a:r>
-              <a:rPr lang="en-US" sz="1800" dirty="0"/>
-              <a:t>the task of dividing programs into threads that will be executed in parallel becomes hard for irregular and non-numerical programs</a:t>
-            </a:r>
-          </a:p>
-          <a:p>
-            <a:r>
-              <a:rPr lang="en-US" sz="1800" dirty="0"/>
-              <a:t>compilers usually fail to discover the potential thread-level parallelism that could be effectively exploited in this class of applications</a:t>
-            </a:r>
-          </a:p>
-          <a:p>
-            <a:r>
-              <a:rPr lang="en-US" sz="1800" dirty="0"/>
-              <a:t>speculative multithreading is a promising approach to solving the problem</a:t>
-            </a:r>
-          </a:p>
-          <a:p>
-            <a:r>
-              <a:rPr lang="en-US" sz="1800" dirty="0"/>
-              <a:t>performance of speculative multithreaded architectures is very sensitive to the policies that determine which parts of the code are executed by speculative threads and when they start execution</a:t>
-            </a:r>
-          </a:p>
-          <a:p>
-            <a:endParaRPr lang="en-US" dirty="0"/>
-          </a:p>
-        </p:txBody>
-      </p:sp>
-    </p:spTree>
-    <p:extLst>
-      <p:ext uri="{BB962C8B-B14F-4D97-AF65-F5344CB8AC3E}">
-        <p14:creationId xmlns:p14="http://schemas.microsoft.com/office/powerpoint/2010/main" val="1736767016"/>
-      </p:ext>
-    </p:extLst>
-  </p:cSld>
-  <p:clrMapOvr>
-    <a:masterClrMapping/>
-  </p:clrMapOvr>
-</p:sld>
-</file>
-
-<file path=ppt/slides/slide3.xml><?xml version="1.0" encoding="utf-8"?>
-<p:sld xmlns:a="http://schemas.openxmlformats.org/drawingml/2006/main" xmlns:r="http://schemas.openxmlformats.org/officeDocument/2006/relationships" xmlns:p="http://schemas.openxmlformats.org/presentationml/2006/main">
-  <p:cSld>
-    <p:spTree>
-      <p:nvGrpSpPr>
-        <p:cNvPr id="1" name=""/>
-        <p:cNvGrpSpPr/>
-        <p:nvPr/>
-      </p:nvGrpSpPr>
-      <p:grpSpPr>
-        <a:xfrm>
-          <a:off x="0" y="0"/>
-          <a:ext cx="0" cy="0"/>
-          <a:chOff x="0" y="0"/>
-          <a:chExt cx="0" cy="0"/>
-        </a:xfrm>
-      </p:grpSpPr>
-      <p:sp>
-        <p:nvSpPr>
-          <p:cNvPr id="2" name="Title 1">
-            <a:extLst>
-              <a:ext uri="{FF2B5EF4-FFF2-40B4-BE49-F238E27FC236}">
-                <a16:creationId xmlns:a16="http://schemas.microsoft.com/office/drawing/2014/main" id="{04040A95-069C-45E9-AA81-144BB7EE9488}"/>
-              </a:ext>
-            </a:extLst>
-          </p:cNvPr>
-          <p:cNvSpPr>
-            <a:spLocks noGrp="1"/>
-          </p:cNvSpPr>
-          <p:nvPr>
-            <p:ph type="title"/>
-          </p:nvPr>
-        </p:nvSpPr>
-        <p:spPr/>
-        <p:txBody>
-          <a:bodyPr>
-            <a:normAutofit/>
-          </a:bodyPr>
-          <a:lstStyle/>
-          <a:p>
-            <a:pPr algn="ctr"/>
-            <a:r>
-              <a:rPr lang="en-US" sz="3600" dirty="0"/>
-              <a:t>SPECULATIVE THREAD-LEVEL PARALLELISM</a:t>
-            </a:r>
-          </a:p>
-        </p:txBody>
-      </p:sp>
-      <p:sp>
-        <p:nvSpPr>
-          <p:cNvPr id="4" name="Content Placeholder 3">
-            <a:extLst>
-              <a:ext uri="{FF2B5EF4-FFF2-40B4-BE49-F238E27FC236}">
-                <a16:creationId xmlns:a16="http://schemas.microsoft.com/office/drawing/2014/main" id="{DE058D8B-29FF-49AD-A327-D7059B2A1F80}"/>
-              </a:ext>
-            </a:extLst>
-          </p:cNvPr>
-          <p:cNvSpPr>
-            <a:spLocks noGrp="1"/>
-          </p:cNvSpPr>
-          <p:nvPr>
-            <p:ph sz="half" idx="1"/>
-          </p:nvPr>
-        </p:nvSpPr>
-        <p:spPr/>
-        <p:txBody>
-          <a:bodyPr>
-            <a:normAutofit/>
-          </a:bodyPr>
-          <a:lstStyle/>
-          <a:p>
-            <a:r>
-              <a:rPr lang="en-US" sz="1800" dirty="0"/>
-              <a:t>thread spawning operation is identified by two instructions in the dynamic instruction stream (spawning and control quasi-independent points)</a:t>
-            </a:r>
-          </a:p>
-          <a:p>
-            <a:r>
-              <a:rPr lang="en-US" sz="1800" dirty="0"/>
-              <a:t>Thread Unit (TU) </a:t>
-            </a:r>
-            <a:r>
-              <a:rPr lang="en-US" sz="1800" i="1" dirty="0"/>
-              <a:t>n</a:t>
-            </a:r>
-            <a:r>
-              <a:rPr lang="en-US" sz="1800" dirty="0"/>
-              <a:t> executes the instruction stream in the same way as a conventional superscalar processor until it reaches a spawning point</a:t>
-            </a:r>
-          </a:p>
-          <a:p>
-            <a:r>
-              <a:rPr lang="en-US" sz="1800" dirty="0"/>
-              <a:t>the processor identifies a future instruction</a:t>
-            </a:r>
-          </a:p>
-          <a:p>
-            <a:r>
-              <a:rPr lang="en-US" sz="1800" dirty="0"/>
-              <a:t>Thread Unit (TU) </a:t>
-            </a:r>
-            <a:r>
-              <a:rPr lang="en-US" sz="1800" i="1" dirty="0"/>
-              <a:t>n+1</a:t>
-            </a:r>
-            <a:r>
-              <a:rPr lang="en-US" sz="1800" dirty="0"/>
-              <a:t> spawns a new thread speculatively starting at the control quasi-independent point while Thread Unit </a:t>
-            </a:r>
-            <a:r>
-              <a:rPr lang="en-US" sz="1800" i="1" dirty="0"/>
-              <a:t>n</a:t>
-            </a:r>
-            <a:r>
-              <a:rPr lang="en-US" sz="1800" dirty="0"/>
-              <a:t> continues executing instructions</a:t>
-            </a:r>
-          </a:p>
-        </p:txBody>
-      </p:sp>
-      <p:pic>
-        <p:nvPicPr>
-          <p:cNvPr id="7" name="Picture 6">
-            <a:extLst>
-              <a:ext uri="{FF2B5EF4-FFF2-40B4-BE49-F238E27FC236}">
-                <a16:creationId xmlns:a16="http://schemas.microsoft.com/office/drawing/2014/main" id="{CF3C986C-823F-4A4A-9EED-72D4354CA6F3}"/>
-              </a:ext>
-            </a:extLst>
-          </p:cNvPr>
-          <p:cNvPicPr>
-            <a:picLocks noChangeAspect="1"/>
-          </p:cNvPicPr>
-          <p:nvPr/>
-        </p:nvPicPr>
-        <p:blipFill>
-          <a:blip r:embed="rId2"/>
-          <a:stretch>
-            <a:fillRect/>
-          </a:stretch>
-        </p:blipFill>
-        <p:spPr>
-          <a:xfrm>
-            <a:off x="6364224" y="2980059"/>
-            <a:ext cx="4758921" cy="2408688"/>
-          </a:xfrm>
-          <a:prstGeom prst="rect">
-            <a:avLst/>
-          </a:prstGeom>
-        </p:spPr>
-      </p:pic>
-    </p:spTree>
-    <p:extLst>
-      <p:ext uri="{BB962C8B-B14F-4D97-AF65-F5344CB8AC3E}">
-        <p14:creationId xmlns:p14="http://schemas.microsoft.com/office/powerpoint/2010/main" val="3284018266"/>
-      </p:ext>
-    </p:extLst>
-  </p:cSld>
-  <p:clrMapOvr>
-    <a:masterClrMapping/>
-  </p:clrMapOvr>
-</p:sld>
-</file>
-
-<file path=ppt/slides/slide4.xml><?xml version="1.0" encoding="utf-8"?>
-<p:sld xmlns:a="http://schemas.openxmlformats.org/drawingml/2006/main" xmlns:r="http://schemas.openxmlformats.org/officeDocument/2006/relationships" xmlns:p="http://schemas.openxmlformats.org/presentationml/2006/main">
-  <p:cSld>
-    <p:spTree>
-      <p:nvGrpSpPr>
-        <p:cNvPr id="1" name=""/>
-        <p:cNvGrpSpPr/>
-        <p:nvPr/>
-      </p:nvGrpSpPr>
-      <p:grpSpPr>
-        <a:xfrm>
-          <a:off x="0" y="0"/>
-          <a:ext cx="0" cy="0"/>
-          <a:chOff x="0" y="0"/>
-          <a:chExt cx="0" cy="0"/>
-        </a:xfrm>
-      </p:grpSpPr>
-      <p:sp>
-        <p:nvSpPr>
-          <p:cNvPr id="2" name="Title 1">
-            <a:extLst>
-              <a:ext uri="{FF2B5EF4-FFF2-40B4-BE49-F238E27FC236}">
-                <a16:creationId xmlns:a16="http://schemas.microsoft.com/office/drawing/2014/main" id="{D6C5939D-20D2-4824-ACA2-33B41F157602}"/>
-              </a:ext>
-            </a:extLst>
-          </p:cNvPr>
-          <p:cNvSpPr>
-            <a:spLocks noGrp="1"/>
-          </p:cNvSpPr>
-          <p:nvPr>
-            <p:ph type="title"/>
-          </p:nvPr>
-        </p:nvSpPr>
-        <p:spPr/>
-        <p:txBody>
-          <a:bodyPr>
-            <a:noAutofit/>
-          </a:bodyPr>
-          <a:lstStyle/>
-          <a:p>
-            <a:pPr algn="ctr"/>
-            <a:r>
-              <a:rPr lang="en-US" sz="3600" dirty="0"/>
-              <a:t>SPECULATIVE MULTITHREADED PROCESSOR MICROARCHITECTURE</a:t>
-            </a:r>
-          </a:p>
-        </p:txBody>
-      </p:sp>
-      <p:sp>
-        <p:nvSpPr>
-          <p:cNvPr id="3" name="Content Placeholder 2">
-            <a:extLst>
-              <a:ext uri="{FF2B5EF4-FFF2-40B4-BE49-F238E27FC236}">
-                <a16:creationId xmlns:a16="http://schemas.microsoft.com/office/drawing/2014/main" id="{28EC82F5-D1F5-4195-A1AB-40F7D4C412EF}"/>
-              </a:ext>
-            </a:extLst>
-          </p:cNvPr>
-          <p:cNvSpPr>
-            <a:spLocks noGrp="1"/>
-          </p:cNvSpPr>
-          <p:nvPr>
-            <p:ph idx="1"/>
-          </p:nvPr>
-        </p:nvSpPr>
-        <p:spPr/>
-        <p:txBody>
-          <a:bodyPr>
-            <a:normAutofit/>
-          </a:bodyPr>
-          <a:lstStyle/>
-          <a:p>
-            <a:r>
-              <a:rPr lang="en-US" sz="1800" dirty="0"/>
-              <a:t>consists of several thread units (TU) that execute concurrently different threads of a sequential program</a:t>
-            </a:r>
-          </a:p>
-          <a:p>
-            <a:r>
-              <a:rPr lang="en-US" sz="1800" dirty="0"/>
-              <a:t>these threads are dynamically obtained by a control speculation mechanism</a:t>
-            </a:r>
-          </a:p>
-          <a:p>
-            <a:r>
-              <a:rPr lang="en-US" sz="1800" dirty="0"/>
-              <a:t>an important feature of SM processors is the aggressive use of speculation techniques</a:t>
-            </a:r>
-          </a:p>
-          <a:p>
-            <a:r>
-              <a:rPr lang="en-US" sz="1800" dirty="0"/>
-              <a:t>speculation mechanisms that can be classified into three categories:</a:t>
-            </a:r>
-          </a:p>
-          <a:p>
-            <a:pPr lvl="1"/>
-            <a:r>
-              <a:rPr lang="en-US" sz="1600" b="1" dirty="0"/>
-              <a:t>control speculation </a:t>
-            </a:r>
-            <a:r>
-              <a:rPr lang="en-US" sz="1600" dirty="0"/>
-              <a:t>(used to obtain threads from a sequential program and to speculate on individual branches inside each thread like superscalar processors do)</a:t>
-            </a:r>
-          </a:p>
-          <a:p>
-            <a:pPr lvl="1"/>
-            <a:r>
-              <a:rPr lang="en-US" sz="1600" b="1" dirty="0"/>
-              <a:t>data dependence speculation</a:t>
-            </a:r>
-            <a:r>
-              <a:rPr lang="en-US" sz="1600" dirty="0"/>
-              <a:t> (dependences among different threads - inter-thread dependences - are predicted by means of address prediction)</a:t>
-            </a:r>
-          </a:p>
-          <a:p>
-            <a:pPr lvl="1"/>
-            <a:r>
-              <a:rPr lang="en-US" sz="1600" b="1" dirty="0"/>
-              <a:t>data value speculation</a:t>
-            </a:r>
-            <a:r>
-              <a:rPr lang="en-US" sz="1600" dirty="0"/>
-              <a:t> (inter-thread data dependences, either through registers or memory, do not cause a serialization between the producer)</a:t>
-            </a:r>
-            <a:endParaRPr lang="en-US" sz="1600" b="1" dirty="0"/>
-          </a:p>
-        </p:txBody>
-      </p:sp>
-    </p:spTree>
-    <p:extLst>
-      <p:ext uri="{BB962C8B-B14F-4D97-AF65-F5344CB8AC3E}">
-        <p14:creationId xmlns:p14="http://schemas.microsoft.com/office/powerpoint/2010/main" val="3460849357"/>
-      </p:ext>
-    </p:extLst>
-  </p:cSld>
-  <p:clrMapOvr>
-    <a:masterClrMapping/>
-  </p:clrMapOvr>
-</p:sld>
-</file>
-
-<file path=ppt/slides/slide5.xml><?xml version="1.0" encoding="utf-8"?>
-<p:sld xmlns:a="http://schemas.openxmlformats.org/drawingml/2006/main" xmlns:r="http://schemas.openxmlformats.org/officeDocument/2006/relationships" xmlns:p="http://schemas.openxmlformats.org/presentationml/2006/main">
-  <p:cSld>
-    <p:spTree>
-      <p:nvGrpSpPr>
-        <p:cNvPr id="1" name=""/>
-        <p:cNvGrpSpPr/>
-        <p:nvPr/>
-      </p:nvGrpSpPr>
-      <p:grpSpPr>
-        <a:xfrm>
-          <a:off x="0" y="0"/>
-          <a:ext cx="0" cy="0"/>
-          <a:chOff x="0" y="0"/>
-          <a:chExt cx="0" cy="0"/>
-        </a:xfrm>
-      </p:grpSpPr>
-      <p:pic>
-        <p:nvPicPr>
-          <p:cNvPr id="7" name="Picture 6">
-            <a:extLst>
-              <a:ext uri="{FF2B5EF4-FFF2-40B4-BE49-F238E27FC236}">
-                <a16:creationId xmlns:a16="http://schemas.microsoft.com/office/drawing/2014/main" id="{0C02D3CE-B813-4A23-880A-481CF22718ED}"/>
-              </a:ext>
-            </a:extLst>
-          </p:cNvPr>
-          <p:cNvPicPr>
-            <a:picLocks noChangeAspect="1"/>
-          </p:cNvPicPr>
-          <p:nvPr/>
-        </p:nvPicPr>
-        <p:blipFill>
-          <a:blip r:embed="rId2"/>
-          <a:stretch>
-            <a:fillRect/>
-          </a:stretch>
-        </p:blipFill>
-        <p:spPr>
-          <a:xfrm>
-            <a:off x="1634526" y="652163"/>
-            <a:ext cx="8922947" cy="5553673"/>
-          </a:xfrm>
-          <a:prstGeom prst="rect">
-            <a:avLst/>
-          </a:prstGeom>
-        </p:spPr>
-      </p:pic>
-    </p:spTree>
-    <p:extLst>
-      <p:ext uri="{BB962C8B-B14F-4D97-AF65-F5344CB8AC3E}">
-        <p14:creationId xmlns:p14="http://schemas.microsoft.com/office/powerpoint/2010/main" val="12395360"/>
-      </p:ext>
-    </p:extLst>
-  </p:cSld>
-  <p:clrMapOvr>
-    <a:masterClrMapping/>
-  </p:clrMapOvr>
-</p:sld>
-</file>
-
-<file path=ppt/slides/slide6.xml><?xml version="1.0" encoding="utf-8"?>
-<p:sld xmlns:a="http://schemas.openxmlformats.org/drawingml/2006/main" xmlns:r="http://schemas.openxmlformats.org/officeDocument/2006/relationships" xmlns:p="http://schemas.openxmlformats.org/presentationml/2006/main">
-  <p:cSld>
-    <p:spTree>
-      <p:nvGrpSpPr>
-        <p:cNvPr id="1" name=""/>
-        <p:cNvGrpSpPr/>
-        <p:nvPr/>
-      </p:nvGrpSpPr>
-      <p:grpSpPr>
-        <a:xfrm>
-          <a:off x="0" y="0"/>
-          <a:ext cx="0" cy="0"/>
-          <a:chOff x="0" y="0"/>
-          <a:chExt cx="0" cy="0"/>
-        </a:xfrm>
-      </p:grpSpPr>
-      <p:sp>
-        <p:nvSpPr>
-          <p:cNvPr id="2" name="Title 1">
-            <a:extLst>
-              <a:ext uri="{FF2B5EF4-FFF2-40B4-BE49-F238E27FC236}">
-                <a16:creationId xmlns:a16="http://schemas.microsoft.com/office/drawing/2014/main" id="{F3DAE395-EDCF-448C-B5F7-26AC4377231C}"/>
-              </a:ext>
-            </a:extLst>
-          </p:cNvPr>
-          <p:cNvSpPr>
-            <a:spLocks noGrp="1"/>
-          </p:cNvSpPr>
-          <p:nvPr>
-            <p:ph type="title"/>
-          </p:nvPr>
-        </p:nvSpPr>
-        <p:spPr/>
-        <p:txBody>
-          <a:bodyPr>
-            <a:normAutofit/>
-          </a:bodyPr>
-          <a:lstStyle/>
-          <a:p>
-            <a:pPr algn="ctr"/>
-            <a:r>
-              <a:rPr lang="en-US" sz="3600" dirty="0"/>
-              <a:t>RELATED WORK</a:t>
-            </a:r>
-          </a:p>
-        </p:txBody>
-      </p:sp>
-      <p:sp>
-        <p:nvSpPr>
-          <p:cNvPr id="3" name="Content Placeholder 2">
-            <a:extLst>
-              <a:ext uri="{FF2B5EF4-FFF2-40B4-BE49-F238E27FC236}">
-                <a16:creationId xmlns:a16="http://schemas.microsoft.com/office/drawing/2014/main" id="{EC066FEA-1888-49E5-A3DE-DA5C7405E38F}"/>
-              </a:ext>
-            </a:extLst>
-          </p:cNvPr>
-          <p:cNvSpPr>
-            <a:spLocks noGrp="1"/>
-          </p:cNvSpPr>
-          <p:nvPr>
-            <p:ph idx="1"/>
-          </p:nvPr>
-        </p:nvSpPr>
-        <p:spPr>
-          <a:xfrm>
-            <a:off x="1066800" y="2119455"/>
-            <a:ext cx="10058400" cy="4050792"/>
-          </a:xfrm>
-        </p:spPr>
-        <p:txBody>
-          <a:bodyPr/>
-          <a:lstStyle/>
-          <a:p>
-            <a:r>
-              <a:rPr lang="en-US" sz="1800" dirty="0"/>
-              <a:t>control speculation has been extensively researched</a:t>
-            </a:r>
-          </a:p>
-          <a:p>
-            <a:r>
-              <a:rPr lang="en-US" sz="1800" dirty="0"/>
-              <a:t>proposed schemes for superscalar processors are based on predicting branches in the sequential order of the program.</a:t>
-            </a:r>
-          </a:p>
-          <a:p>
-            <a:r>
-              <a:rPr lang="en-US" sz="1800" dirty="0"/>
-              <a:t>data dependence speculation is used by some processors in the memory disambiguation stage</a:t>
-            </a:r>
-          </a:p>
-          <a:p>
-            <a:r>
-              <a:rPr lang="en-US" sz="1800" dirty="0"/>
-              <a:t>few proposals in the literature dealing with the dynamic management of a large window that consist of several threads of control not necessarily independent among them obtained from a sequential program:</a:t>
-            </a:r>
-          </a:p>
-          <a:p>
-            <a:pPr lvl="1"/>
-            <a:r>
-              <a:rPr lang="en-US" sz="1600" dirty="0"/>
-              <a:t>SPSM architecture</a:t>
-            </a:r>
-          </a:p>
-          <a:p>
-            <a:pPr lvl="1"/>
-            <a:r>
-              <a:rPr lang="en-US" sz="1600" dirty="0" err="1"/>
-              <a:t>Superthreaded</a:t>
-            </a:r>
-            <a:r>
-              <a:rPr lang="en-US" sz="1600" dirty="0"/>
-              <a:t> architecture</a:t>
-            </a:r>
-          </a:p>
-          <a:p>
-            <a:pPr lvl="1"/>
-            <a:r>
-              <a:rPr lang="en-US" sz="1600" dirty="0"/>
-              <a:t>Multithreaded Decoupled architecture</a:t>
-            </a:r>
-          </a:p>
-          <a:p>
-            <a:pPr lvl="1"/>
-            <a:r>
-              <a:rPr lang="en-US" sz="1600" dirty="0"/>
-              <a:t>etc.</a:t>
-            </a:r>
-          </a:p>
-          <a:p>
-            <a:pPr lvl="1"/>
-            <a:endParaRPr lang="en-US" dirty="0"/>
-          </a:p>
-        </p:txBody>
-      </p:sp>
-    </p:spTree>
-    <p:extLst>
-      <p:ext uri="{BB962C8B-B14F-4D97-AF65-F5344CB8AC3E}">
-        <p14:creationId xmlns:p14="http://schemas.microsoft.com/office/powerpoint/2010/main" val="2204009557"/>
-      </p:ext>
-    </p:extLst>
-  </p:cSld>
-  <p:clrMapOvr>
-    <a:masterClrMapping/>
-  </p:clrMapOvr>
-</p:sld>
-</file>
-
-<file path=ppt/slides/slide7.xml><?xml version="1.0" encoding="utf-8"?>
-<p:sld xmlns:a="http://schemas.openxmlformats.org/drawingml/2006/main" xmlns:r="http://schemas.openxmlformats.org/officeDocument/2006/relationships" xmlns:p="http://schemas.openxmlformats.org/presentationml/2006/main">
-  <p:cSld>
-    <p:spTree>
-      <p:nvGrpSpPr>
-        <p:cNvPr id="1" name=""/>
-        <p:cNvGrpSpPr/>
-        <p:nvPr/>
-      </p:nvGrpSpPr>
-      <p:grpSpPr>
-        <a:xfrm>
-          <a:off x="0" y="0"/>
-          <a:ext cx="0" cy="0"/>
-          <a:chOff x="0" y="0"/>
-          <a:chExt cx="0" cy="0"/>
-        </a:xfrm>
-      </p:grpSpPr>
-      <p:sp>
-        <p:nvSpPr>
-          <p:cNvPr id="2" name="Title 1">
-            <a:extLst>
-              <a:ext uri="{FF2B5EF4-FFF2-40B4-BE49-F238E27FC236}">
-                <a16:creationId xmlns:a16="http://schemas.microsoft.com/office/drawing/2014/main" id="{31CE3B0D-2481-435B-ADF8-AC4794BA71E7}"/>
-              </a:ext>
-            </a:extLst>
-          </p:cNvPr>
-          <p:cNvSpPr>
-            <a:spLocks noGrp="1"/>
-          </p:cNvSpPr>
-          <p:nvPr>
-            <p:ph type="title"/>
-          </p:nvPr>
-        </p:nvSpPr>
-        <p:spPr/>
-        <p:txBody>
-          <a:bodyPr>
-            <a:normAutofit/>
-          </a:bodyPr>
-          <a:lstStyle/>
-          <a:p>
-            <a:pPr algn="ctr"/>
-            <a:r>
-              <a:rPr lang="en-US" sz="3600" dirty="0"/>
-              <a:t>CONCLUSION</a:t>
-            </a:r>
-          </a:p>
-        </p:txBody>
-      </p:sp>
-      <p:sp>
-        <p:nvSpPr>
-          <p:cNvPr id="3" name="Content Placeholder 2">
-            <a:extLst>
-              <a:ext uri="{FF2B5EF4-FFF2-40B4-BE49-F238E27FC236}">
-                <a16:creationId xmlns:a16="http://schemas.microsoft.com/office/drawing/2014/main" id="{C9AD7762-3F4B-4345-94C9-8F4E7D151EF9}"/>
-              </a:ext>
-            </a:extLst>
-          </p:cNvPr>
-          <p:cNvSpPr>
-            <a:spLocks noGrp="1"/>
-          </p:cNvSpPr>
-          <p:nvPr>
-            <p:ph idx="1"/>
-          </p:nvPr>
-        </p:nvSpPr>
-        <p:spPr/>
-        <p:txBody>
-          <a:bodyPr/>
-          <a:lstStyle/>
-          <a:p>
-            <a:r>
-              <a:rPr lang="en-US" sz="1800" dirty="0"/>
-              <a:t>Speculative Multithreaded Processors (SMP) and related designs</a:t>
-            </a:r>
-          </a:p>
-          <a:p>
-            <a:r>
-              <a:rPr lang="en-US" sz="1800" dirty="0"/>
-              <a:t>ability to dynamically extract and execute multiple threads of control from a single sequential program written in a conventional ISA without requiring any compiler support</a:t>
-            </a:r>
-          </a:p>
-          <a:p>
-            <a:r>
-              <a:rPr lang="en-US" sz="1800" dirty="0"/>
-              <a:t>additional instruction level parallelism due to inter-thread parallelism hardly increases the fetch bandwidth requirements since multiple threads share the same code</a:t>
-            </a:r>
-          </a:p>
-          <a:p>
-            <a:endParaRPr lang="en-US" dirty="0"/>
-          </a:p>
-        </p:txBody>
-      </p:sp>
-    </p:spTree>
-    <p:extLst>
-      <p:ext uri="{BB962C8B-B14F-4D97-AF65-F5344CB8AC3E}">
-        <p14:creationId xmlns:p14="http://schemas.microsoft.com/office/powerpoint/2010/main" val="369452242"/>
-      </p:ext>
-    </p:extLst>
-  </p:cSld>
-  <p:clrMapOvr>
-    <a:masterClrMapping/>
-  </p:clrMapOvr>
-</p:sld>
-</file>
-
-<file path=ppt/slides/slide8.xml><?xml version="1.0" encoding="utf-8"?>
+<file path=ppt/slides/slide10.xml><?xml version="1.0" encoding="utf-8"?>
 <p:sld xmlns:a="http://schemas.openxmlformats.org/drawingml/2006/main" xmlns:r="http://schemas.openxmlformats.org/officeDocument/2006/relationships" xmlns:p="http://schemas.openxmlformats.org/presentationml/2006/main">
   <p:cSld>
     <p:bg>
@@ -5625,21 +4760,21 @@
           <a:chExt cx="0" cy="0"/>
         </a:xfrm>
       </p:grpSpPr>
-      <p:sp>
-        <p:nvSpPr>
-          <p:cNvPr id="10" name="Rectangle 9">
+      <p:grpSp>
+        <p:nvGrpSpPr>
+          <p:cNvPr id="13" name="Group 12">
             <a:extLst>
               <a:ext uri="{FF2B5EF4-FFF2-40B4-BE49-F238E27FC236}">
-                <a16:creationId xmlns:a16="http://schemas.microsoft.com/office/drawing/2014/main" id="{19F7A820-AA09-4D36-8BC9-6057B1A5BAD6}"/>
+                <a16:creationId xmlns:a16="http://schemas.microsoft.com/office/drawing/2014/main" id="{48074BE5-7BC2-47A2-AA6E-4ADC25B69C46}"/>
               </a:ext>
               <a:ext uri="{C183D7F6-B498-43B3-948B-1728B52AA6E4}">
                 <adec:decorative xmlns:adec="http://schemas.microsoft.com/office/drawing/2017/decorative" val="1"/>
               </a:ext>
             </a:extLst>
           </p:cNvPr>
-          <p:cNvSpPr>
-            <a:spLocks noGrp="1" noRot="1" noChangeAspect="1" noMove="1" noResize="1" noEditPoints="1" noAdjustHandles="1" noChangeArrowheads="1" noChangeShapeType="1" noTextEdit="1"/>
-          </p:cNvSpPr>
+          <p:cNvGrpSpPr>
+            <a:grpSpLocks noGrp="1" noUngrp="1" noRot="1" noChangeAspect="1" noMove="1" noResize="1"/>
+          </p:cNvGrpSpPr>
           <p:nvPr>
             <p:extLst>
               <p:ext uri="{386F3935-93C4-4BCD-93E2-E3B085C9AB24}">
@@ -5647,6 +4782,214 @@
               </p:ext>
             </p:extLst>
           </p:nvPr>
+        </p:nvGrpSpPr>
+        <p:grpSpPr>
+          <a:xfrm>
+            <a:off x="11401725" y="6229681"/>
+            <a:ext cx="457200" cy="457200"/>
+            <a:chOff x="11361456" y="6195813"/>
+            <a:chExt cx="548640" cy="548640"/>
+          </a:xfrm>
+        </p:grpSpPr>
+        <p:sp>
+          <p:nvSpPr>
+            <p:cNvPr id="14" name="Oval 13">
+              <a:extLst>
+                <a:ext uri="{FF2B5EF4-FFF2-40B4-BE49-F238E27FC236}">
+                  <a16:creationId xmlns:a16="http://schemas.microsoft.com/office/drawing/2014/main" id="{F487D8B5-0D01-4F89-BB86-F85EFEC06F18}"/>
+                </a:ext>
+                <a:ext uri="{C183D7F6-B498-43B3-948B-1728B52AA6E4}">
+                  <adec:decorative xmlns:adec="http://schemas.microsoft.com/office/drawing/2017/decorative" val="1"/>
+                </a:ext>
+              </a:extLst>
+            </p:cNvPr>
+            <p:cNvSpPr/>
+            <p:nvPr>
+              <p:extLst>
+                <p:ext uri="{386F3935-93C4-4BCD-93E2-E3B085C9AB24}">
+                  <p16:designElem xmlns:p16="http://schemas.microsoft.com/office/powerpoint/2015/main" val="1"/>
+                </p:ext>
+              </p:extLst>
+            </p:nvPr>
+          </p:nvSpPr>
+          <p:spPr>
+            <a:xfrm>
+              <a:off x="11361456" y="6195813"/>
+              <a:ext cx="548640" cy="548640"/>
+            </a:xfrm>
+            <a:prstGeom prst="ellipse">
+              <a:avLst/>
+            </a:prstGeom>
+            <a:blipFill dpi="0" rotWithShape="1">
+              <a:blip r:embed="rId2">
+                <a:duotone>
+                  <a:schemeClr val="accent2">
+                    <a:shade val="45000"/>
+                    <a:satMod val="135000"/>
+                  </a:schemeClr>
+                  <a:prstClr val="white"/>
+                </a:duotone>
+                <a:extLst>
+                  <a:ext uri="{BEBA8EAE-BF5A-486C-A8C5-ECC9F3942E4B}">
+                    <a14:imgProps xmlns:a14="http://schemas.microsoft.com/office/drawing/2010/main">
+                      <a14:imgLayer r:embed="rId3">
+                        <a14:imgEffect>
+                          <a14:saturation sat="95000"/>
+                        </a14:imgEffect>
+                        <a14:imgEffect>
+                          <a14:brightnessContrast bright="-40000" contrast="20000"/>
+                        </a14:imgEffect>
+                      </a14:imgLayer>
+                    </a14:imgProps>
+                  </a:ext>
+                </a:extLst>
+              </a:blip>
+              <a:srcRect/>
+              <a:tile tx="50800" ty="0" sx="85000" sy="85000" flip="none" algn="tl"/>
+            </a:blipFill>
+            <a:ln w="25400" cap="flat" cmpd="sng" algn="ctr">
+              <a:noFill/>
+              <a:prstDash val="solid"/>
+            </a:ln>
+            <a:effectLst/>
+          </p:spPr>
+          <p:txBody>
+            <a:bodyPr lIns="0" tIns="0" rIns="0" bIns="0" rtlCol="0" anchor="ctr"/>
+            <a:lstStyle/>
+            <a:p>
+              <a:pPr marL="0" marR="0" lvl="0" indent="0" algn="ctr" defTabSz="914400" eaLnBrk="1" fontAlgn="auto" latinLnBrk="0" hangingPunct="1">
+                <a:lnSpc>
+                  <a:spcPct val="100000"/>
+                </a:lnSpc>
+                <a:spcBef>
+                  <a:spcPts val="0"/>
+                </a:spcBef>
+                <a:spcAft>
+                  <a:spcPts val="0"/>
+                </a:spcAft>
+                <a:buClrTx/>
+                <a:buSzTx/>
+                <a:buFontTx/>
+                <a:buNone/>
+                <a:tabLst/>
+                <a:defRPr/>
+              </a:pPr>
+              <a:endParaRPr kumimoji="0" lang="en-US" sz="2000" b="0" i="0" u="none" strike="noStrike" kern="0" cap="none" spc="0" normalizeH="0" baseline="0" noProof="0" dirty="0">
+                <a:ln>
+                  <a:noFill/>
+                </a:ln>
+                <a:solidFill>
+                  <a:prstClr val="white"/>
+                </a:solidFill>
+                <a:effectLst/>
+                <a:uLnTx/>
+                <a:uFillTx/>
+                <a:latin typeface="Rockwell Extra Bold" pitchFamily="18" charset="0"/>
+                <a:ea typeface="+mn-ea"/>
+                <a:cs typeface="+mn-cs"/>
+              </a:endParaRPr>
+            </a:p>
+          </p:txBody>
+        </p:sp>
+        <p:sp>
+          <p:nvSpPr>
+            <p:cNvPr id="15" name="Oval 14">
+              <a:extLst>
+                <a:ext uri="{FF2B5EF4-FFF2-40B4-BE49-F238E27FC236}">
+                  <a16:creationId xmlns:a16="http://schemas.microsoft.com/office/drawing/2014/main" id="{C13F635F-6CBC-4AA7-9AB9-B788FCC93FF2}"/>
+                </a:ext>
+                <a:ext uri="{C183D7F6-B498-43B3-948B-1728B52AA6E4}">
+                  <adec:decorative xmlns:adec="http://schemas.microsoft.com/office/drawing/2017/decorative" val="1"/>
+                </a:ext>
+              </a:extLst>
+            </p:cNvPr>
+            <p:cNvSpPr/>
+            <p:nvPr>
+              <p:extLst>
+                <p:ext uri="{386F3935-93C4-4BCD-93E2-E3B085C9AB24}">
+                  <p16:designElem xmlns:p16="http://schemas.microsoft.com/office/powerpoint/2015/main" val="1"/>
+                </p:ext>
+              </p:extLst>
+            </p:nvPr>
+          </p:nvSpPr>
+          <p:spPr>
+            <a:xfrm>
+              <a:off x="11396488" y="6230844"/>
+              <a:ext cx="478576" cy="478578"/>
+            </a:xfrm>
+            <a:prstGeom prst="ellipse">
+              <a:avLst/>
+            </a:prstGeom>
+            <a:noFill/>
+            <a:ln w="12700" cap="flat" cmpd="sng" algn="ctr">
+              <a:solidFill>
+                <a:srgbClr val="FFFFFF"/>
+              </a:solidFill>
+              <a:prstDash val="solid"/>
+            </a:ln>
+            <a:effectLst/>
+          </p:spPr>
+          <p:txBody>
+            <a:bodyPr rtlCol="0" anchor="ctr"/>
+            <a:lstStyle/>
+            <a:p>
+              <a:pPr marL="0" marR="0" lvl="0" indent="0" algn="ctr" defTabSz="914400" eaLnBrk="1" fontAlgn="auto" latinLnBrk="0" hangingPunct="1">
+                <a:lnSpc>
+                  <a:spcPct val="100000"/>
+                </a:lnSpc>
+                <a:spcBef>
+                  <a:spcPts val="0"/>
+                </a:spcBef>
+                <a:spcAft>
+                  <a:spcPts val="0"/>
+                </a:spcAft>
+                <a:buClrTx/>
+                <a:buSzTx/>
+                <a:buFontTx/>
+                <a:buNone/>
+                <a:tabLst/>
+                <a:defRPr/>
+              </a:pPr>
+              <a:endParaRPr kumimoji="0" lang="en-US" sz="1800" b="0" i="0" u="none" strike="noStrike" kern="0" cap="none" spc="0" normalizeH="0" baseline="0" noProof="0" dirty="0">
+                <a:ln>
+                  <a:noFill/>
+                </a:ln>
+                <a:solidFill>
+                  <a:prstClr val="white"/>
+                </a:solidFill>
+                <a:effectLst/>
+                <a:uLnTx/>
+                <a:uFillTx/>
+                <a:latin typeface="Calibri"/>
+                <a:ea typeface="+mn-ea"/>
+                <a:cs typeface="+mn-cs"/>
+              </a:endParaRPr>
+            </a:p>
+          </p:txBody>
+        </p:sp>
+      </p:grpSp>
+      <p:sp>
+        <p:nvSpPr>
+          <p:cNvPr id="17" name="Rectangle 16">
+            <a:extLst>
+              <a:ext uri="{FF2B5EF4-FFF2-40B4-BE49-F238E27FC236}">
+                <a16:creationId xmlns:a16="http://schemas.microsoft.com/office/drawing/2014/main" id="{BD9989FB-36A6-49EE-889A-BDBC54F18EB7}"/>
+              </a:ext>
+              <a:ext uri="{C183D7F6-B498-43B3-948B-1728B52AA6E4}">
+                <adec:decorative xmlns:adec="http://schemas.microsoft.com/office/drawing/2017/decorative" val="1"/>
+              </a:ext>
+            </a:extLst>
+          </p:cNvPr>
+          <p:cNvSpPr>
+            <a:spLocks noGrp="1" noRot="1" noChangeAspect="1" noMove="1" noResize="1" noEditPoints="1" noAdjustHandles="1" noChangeArrowheads="1" noChangeShapeType="1" noTextEdit="1"/>
+          </p:cNvSpPr>
+          <p:nvPr>
+            <p:extLst>
+              <p:ext uri="{386F3935-93C4-4BCD-93E2-E3B085C9AB24}">
+                <p16:designElem xmlns:p16="http://schemas.microsoft.com/office/powerpoint/2015/main" val="1"/>
+              </p:ext>
+            </p:extLst>
+          </p:nvPr>
         </p:nvSpPr>
         <p:spPr>
           <a:xfrm>
@@ -5657,13 +5000,13 @@
             <a:avLst/>
           </a:prstGeom>
           <a:blipFill dpi="0" rotWithShape="1">
-            <a:blip r:embed="rId2">
+            <a:blip r:embed="rId4">
               <a:alphaModFix amt="60000"/>
               <a:lum bright="70000" contrast="-70000"/>
               <a:extLst>
                 <a:ext uri="{BEBA8EAE-BF5A-486C-A8C5-ECC9F3942E4B}">
                   <a14:imgProps xmlns:a14="http://schemas.microsoft.com/office/drawing/2010/main">
-                    <a14:imgLayer r:embed="rId3">
+                    <a14:imgLayer r:embed="rId5">
                       <a14:imgEffect>
                         <a14:sharpenSoften amount="61000"/>
                       </a14:imgEffect>
@@ -5707,67 +5050,27 @@
           </a:p>
         </p:txBody>
       </p:sp>
-      <p:sp>
-        <p:nvSpPr>
-          <p:cNvPr id="2" name="Title 1">
+      <p:pic>
+        <p:nvPicPr>
+          <p:cNvPr id="8" name="Content Placeholder 7" descr="Diagram&#10;&#10;Description automatically generated">
             <a:extLst>
               <a:ext uri="{FF2B5EF4-FFF2-40B4-BE49-F238E27FC236}">
-                <a16:creationId xmlns:a16="http://schemas.microsoft.com/office/drawing/2014/main" id="{3DB0492D-138A-458F-8231-DD335AF1FACF}"/>
-              </a:ext>
-            </a:extLst>
-          </p:cNvPr>
-          <p:cNvSpPr>
-            <a:spLocks noGrp="1"/>
-          </p:cNvSpPr>
-          <p:nvPr>
-            <p:ph type="title"/>
-          </p:nvPr>
-        </p:nvSpPr>
-        <p:spPr>
-          <a:xfrm>
-            <a:off x="8156350" y="484632"/>
-            <a:ext cx="3544035" cy="1609344"/>
-          </a:xfrm>
-          <a:ln>
-            <a:noFill/>
-          </a:ln>
-        </p:spPr>
-        <p:txBody>
-          <a:bodyPr>
-            <a:normAutofit/>
-          </a:bodyPr>
-          <a:lstStyle/>
-          <a:p>
-            <a:pPr algn="ctr"/>
-            <a:r>
-              <a:rPr lang="en-US" sz="3200" dirty="0"/>
-              <a:t>THANK YOU</a:t>
-            </a:r>
-          </a:p>
-        </p:txBody>
-      </p:sp>
-      <p:pic>
-        <p:nvPicPr>
-          <p:cNvPr id="7" name="Graphic 6" descr="Smiling Face with No Fill">
-            <a:extLst>
-              <a:ext uri="{FF2B5EF4-FFF2-40B4-BE49-F238E27FC236}">
-                <a16:creationId xmlns:a16="http://schemas.microsoft.com/office/drawing/2014/main" id="{34E25CCD-AF25-781E-67AC-492CF5B7604B}"/>
+                <a16:creationId xmlns:a16="http://schemas.microsoft.com/office/drawing/2014/main" id="{45B4A1C8-FD97-4C3E-8527-16EB15124DE3}"/>
               </a:ext>
             </a:extLst>
           </p:cNvPr>
           <p:cNvPicPr>
-            <a:picLocks noChangeAspect="1"/>
+            <a:picLocks noGrp="1" noChangeAspect="1"/>
           </p:cNvPicPr>
-          <p:nvPr/>
+          <p:nvPr>
+            <p:ph sz="half" idx="1"/>
+          </p:nvPr>
         </p:nvPicPr>
         <p:blipFill>
-          <a:blip r:embed="rId4">
+          <a:blip r:embed="rId6">
             <a:extLst>
               <a:ext uri="{28A0092B-C50C-407E-A947-70E740481C1C}">
                 <a14:useLocalDpi xmlns:a14="http://schemas.microsoft.com/office/drawing/2010/main" val="0"/>
-              </a:ext>
-              <a:ext uri="{96DAC541-7B7A-43D3-8B79-37D633B846F1}">
-                <asvg:svgBlip xmlns:asvg="http://schemas.microsoft.com/office/drawing/2016/SVG/main" r:embed="rId5"/>
               </a:ext>
             </a:extLst>
           </a:blip>
@@ -5777,8 +5080,8 @@
         </p:blipFill>
         <p:spPr>
           <a:xfrm>
-            <a:off x="1281083" y="640080"/>
-            <a:ext cx="5588101" cy="5588101"/>
+            <a:off x="633999" y="1489890"/>
+            <a:ext cx="6882269" cy="3888480"/>
           </a:xfrm>
           <a:prstGeom prst="rect">
             <a:avLst/>
@@ -5787,10 +5090,10 @@
       </p:pic>
       <p:sp>
         <p:nvSpPr>
-          <p:cNvPr id="3" name="Content Placeholder 2">
+          <p:cNvPr id="6" name="Content Placeholder 5">
             <a:extLst>
               <a:ext uri="{FF2B5EF4-FFF2-40B4-BE49-F238E27FC236}">
-                <a16:creationId xmlns:a16="http://schemas.microsoft.com/office/drawing/2014/main" id="{782BB4BE-EF59-4583-9BB8-924AD26167B4}"/>
+                <a16:creationId xmlns:a16="http://schemas.microsoft.com/office/drawing/2014/main" id="{1A9F1807-17E2-4B74-9337-678A697790FF}"/>
               </a:ext>
             </a:extLst>
           </p:cNvPr>
@@ -5798,49 +5101,66 @@
             <a:spLocks noGrp="1"/>
           </p:cNvSpPr>
           <p:nvPr>
-            <p:ph idx="1"/>
+            <p:ph sz="half" idx="2"/>
           </p:nvPr>
         </p:nvSpPr>
         <p:spPr>
           <a:xfrm>
-            <a:off x="8156351" y="2121408"/>
+            <a:off x="8242137" y="1403603"/>
             <a:ext cx="3544034" cy="4050792"/>
           </a:xfrm>
         </p:spPr>
         <p:txBody>
-          <a:bodyPr>
-            <a:normAutofit/>
+          <a:bodyPr vert="horz" lIns="91440" tIns="45720" rIns="91440" bIns="45720" rtlCol="0">
+            <a:normAutofit lnSpcReduction="10000"/>
           </a:bodyPr>
           <a:lstStyle/>
           <a:p>
-            <a:pPr marL="0" indent="0" algn="ctr">
-              <a:buNone/>
-            </a:pPr>
-            <a:endParaRPr lang="en-US" sz="3200" dirty="0"/>
-          </a:p>
-          <a:p>
-            <a:pPr marL="0" indent="0" algn="ctr">
-              <a:buNone/>
-            </a:pPr>
-            <a:endParaRPr lang="en-US" sz="3200" dirty="0"/>
-          </a:p>
-          <a:p>
-            <a:pPr marL="0" indent="0" algn="ctr">
-              <a:buNone/>
-            </a:pPr>
-            <a:r>
-              <a:rPr lang="en-US" sz="3200" dirty="0"/>
-              <a:t>Q&amp;A</a:t>
+            <a:r>
+              <a:rPr lang="en-US" sz="1600" dirty="0"/>
+              <a:t>because of the cost of communication, the overall message rate is considerably lower than with </a:t>
+            </a:r>
+            <a:r>
+              <a:rPr lang="en-US" sz="1600" i="1" dirty="0"/>
+              <a:t>MPI_PROC_NULL</a:t>
+            </a:r>
+          </a:p>
+          <a:p>
+            <a:r>
+              <a:rPr lang="en-US" sz="1600" i="1" dirty="0"/>
+              <a:t>Brief Global </a:t>
+            </a:r>
+            <a:r>
+              <a:rPr lang="en-US" sz="1600" dirty="0"/>
+              <a:t>performs as poorly as </a:t>
+            </a:r>
+            <a:r>
+              <a:rPr lang="en-US" sz="1600" i="1" dirty="0"/>
+              <a:t>Global</a:t>
+            </a:r>
+            <a:r>
+              <a:rPr lang="en-US" sz="1600" dirty="0"/>
+              <a:t>, because it acquires a large critical section during communication, which dominates the overall time</a:t>
+            </a:r>
+          </a:p>
+          <a:p>
+            <a:r>
+              <a:rPr lang="en-US" sz="1600" i="1" dirty="0"/>
+              <a:t>Per Object</a:t>
+            </a:r>
+            <a:r>
+              <a:rPr lang="en-US" sz="1600" dirty="0"/>
+              <a:t> granularity demonstrated very good performance, because the granularity of critical sections in this case is per virtual channel (VC), rather than global</a:t>
             </a:r>
           </a:p>
         </p:txBody>
       </p:sp>
       <p:grpSp>
         <p:nvGrpSpPr>
-          <p:cNvPr id="12" name="Group 11">
+          <p:cNvPr id="19" name="Group 18">
             <a:extLst>
               <a:ext uri="{FF2B5EF4-FFF2-40B4-BE49-F238E27FC236}">
-                <a16:creationId xmlns:a16="http://schemas.microsoft.com/office/drawing/2014/main" id="{950C1A80-C382-44F9-8B72-19D5625BA517}"/>
+                <a16:creationId xmlns:a16="http://schemas.microsoft.com/office/drawing/2014/main" id="{79532E44-64CD-4887-95E4-6D13510171F7}"/>
               </a:ext>
               <a:ext uri="{C183D7F6-B498-43B3-948B-1728B52AA6E4}">
                 <adec:decorative xmlns:adec="http://schemas.microsoft.com/office/drawing/2017/decorative" val="1"/>
@@ -5868,10 +5188,10 @@
         </p:grpSpPr>
         <p:sp>
           <p:nvSpPr>
-            <p:cNvPr id="13" name="Oval 12">
+            <p:cNvPr id="20" name="Oval 19">
               <a:extLst>
                 <a:ext uri="{FF2B5EF4-FFF2-40B4-BE49-F238E27FC236}">
-                  <a16:creationId xmlns:a16="http://schemas.microsoft.com/office/drawing/2014/main" id="{BD7C7BAE-433B-4B8F-9F80-E469A375CDCC}"/>
+                  <a16:creationId xmlns:a16="http://schemas.microsoft.com/office/drawing/2014/main" id="{35C2F53F-F2F7-4BC7-88F8-CCFD6D3CB58A}"/>
                 </a:ext>
                 <a:ext uri="{C183D7F6-B498-43B3-948B-1728B52AA6E4}">
                   <adec:decorative xmlns:adec="http://schemas.microsoft.com/office/drawing/2017/decorative" val="1"/>
@@ -5896,9 +5216,9 @@
               <a:avLst/>
             </a:prstGeom>
             <a:blipFill dpi="0" rotWithShape="1">
-              <a:blip r:embed="rId6">
+              <a:blip r:embed="rId2">
                 <a:duotone>
-                  <a:schemeClr val="accent1">
+                  <a:schemeClr val="accent2">
                     <a:shade val="45000"/>
                     <a:satMod val="135000"/>
                   </a:schemeClr>
@@ -5954,10 +5274,1642 @@
         </p:sp>
         <p:sp>
           <p:nvSpPr>
-            <p:cNvPr id="14" name="Oval 13">
+            <p:cNvPr id="21" name="Oval 20">
               <a:extLst>
                 <a:ext uri="{FF2B5EF4-FFF2-40B4-BE49-F238E27FC236}">
-                  <a16:creationId xmlns:a16="http://schemas.microsoft.com/office/drawing/2014/main" id="{32D7D7E4-5AD3-4B48-9AD1-274BA925B90C}"/>
+                  <a16:creationId xmlns:a16="http://schemas.microsoft.com/office/drawing/2014/main" id="{9B3675A9-8FB2-4982-9BE7-47E456D0D38D}"/>
+                </a:ext>
+                <a:ext uri="{C183D7F6-B498-43B3-948B-1728B52AA6E4}">
+                  <adec:decorative xmlns:adec="http://schemas.microsoft.com/office/drawing/2017/decorative" val="1"/>
+                </a:ext>
+              </a:extLst>
+            </p:cNvPr>
+            <p:cNvSpPr/>
+            <p:nvPr>
+              <p:extLst>
+                <p:ext uri="{386F3935-93C4-4BCD-93E2-E3B085C9AB24}">
+                  <p16:designElem xmlns:p16="http://schemas.microsoft.com/office/powerpoint/2015/main" val="1"/>
+                </p:ext>
+              </p:extLst>
+            </p:nvPr>
+          </p:nvSpPr>
+          <p:spPr>
+            <a:xfrm>
+              <a:off x="11396488" y="6230844"/>
+              <a:ext cx="478576" cy="478578"/>
+            </a:xfrm>
+            <a:prstGeom prst="ellipse">
+              <a:avLst/>
+            </a:prstGeom>
+            <a:noFill/>
+            <a:ln w="12700" cap="flat" cmpd="sng" algn="ctr">
+              <a:solidFill>
+                <a:srgbClr val="FFFFFF"/>
+              </a:solidFill>
+              <a:prstDash val="solid"/>
+            </a:ln>
+            <a:effectLst/>
+          </p:spPr>
+          <p:txBody>
+            <a:bodyPr rtlCol="0" anchor="ctr"/>
+            <a:lstStyle/>
+            <a:p>
+              <a:pPr marL="0" marR="0" lvl="0" indent="0" algn="ctr" defTabSz="914400" eaLnBrk="1" fontAlgn="auto" latinLnBrk="0" hangingPunct="1">
+                <a:lnSpc>
+                  <a:spcPct val="100000"/>
+                </a:lnSpc>
+                <a:spcBef>
+                  <a:spcPts val="0"/>
+                </a:spcBef>
+                <a:spcAft>
+                  <a:spcPts val="0"/>
+                </a:spcAft>
+                <a:buClrTx/>
+                <a:buSzTx/>
+                <a:buFontTx/>
+                <a:buNone/>
+                <a:tabLst/>
+                <a:defRPr/>
+              </a:pPr>
+              <a:endParaRPr kumimoji="0" lang="en-US" sz="1800" b="0" i="0" u="none" strike="noStrike" kern="0" cap="none" spc="0" normalizeH="0" baseline="0" noProof="0" dirty="0">
+                <a:ln>
+                  <a:noFill/>
+                </a:ln>
+                <a:solidFill>
+                  <a:prstClr val="white"/>
+                </a:solidFill>
+                <a:effectLst/>
+                <a:uLnTx/>
+                <a:uFillTx/>
+                <a:latin typeface="Calibri"/>
+                <a:ea typeface="+mn-ea"/>
+                <a:cs typeface="+mn-cs"/>
+              </a:endParaRPr>
+            </a:p>
+          </p:txBody>
+        </p:sp>
+      </p:grpSp>
+    </p:spTree>
+    <p:extLst>
+      <p:ext uri="{BB962C8B-B14F-4D97-AF65-F5344CB8AC3E}">
+        <p14:creationId xmlns:p14="http://schemas.microsoft.com/office/powerpoint/2010/main" val="963072780"/>
+      </p:ext>
+    </p:extLst>
+  </p:cSld>
+  <p:clrMapOvr>
+    <a:masterClrMapping/>
+  </p:clrMapOvr>
+</p:sld>
+</file>
+
+<file path=ppt/slides/slide11.xml><?xml version="1.0" encoding="utf-8"?>
+<p:sld xmlns:a="http://schemas.openxmlformats.org/drawingml/2006/main" xmlns:r="http://schemas.openxmlformats.org/officeDocument/2006/relationships" xmlns:p="http://schemas.openxmlformats.org/presentationml/2006/main">
+  <p:cSld>
+    <p:bg>
+      <p:bgPr>
+        <a:solidFill>
+          <a:schemeClr val="bg1"/>
+        </a:solidFill>
+        <a:effectLst/>
+      </p:bgPr>
+    </p:bg>
+    <p:spTree>
+      <p:nvGrpSpPr>
+        <p:cNvPr id="1" name=""/>
+        <p:cNvGrpSpPr/>
+        <p:nvPr/>
+      </p:nvGrpSpPr>
+      <p:grpSpPr>
+        <a:xfrm>
+          <a:off x="0" y="0"/>
+          <a:ext cx="0" cy="0"/>
+          <a:chOff x="0" y="0"/>
+          <a:chExt cx="0" cy="0"/>
+        </a:xfrm>
+      </p:grpSpPr>
+      <p:sp useBgFill="1">
+        <p:nvSpPr>
+          <p:cNvPr id="25" name="Rectangle 24">
+            <a:extLst>
+              <a:ext uri="{FF2B5EF4-FFF2-40B4-BE49-F238E27FC236}">
+                <a16:creationId xmlns:a16="http://schemas.microsoft.com/office/drawing/2014/main" id="{4FCA88C2-C73C-4062-A097-8FBCE3090BEA}"/>
+              </a:ext>
+              <a:ext uri="{C183D7F6-B498-43B3-948B-1728B52AA6E4}">
+                <adec:decorative xmlns:adec="http://schemas.microsoft.com/office/drawing/2017/decorative" val="1"/>
+              </a:ext>
+            </a:extLst>
+          </p:cNvPr>
+          <p:cNvSpPr>
+            <a:spLocks noGrp="1" noRot="1" noChangeAspect="1" noMove="1" noResize="1" noEditPoints="1" noAdjustHandles="1" noChangeArrowheads="1" noChangeShapeType="1" noTextEdit="1"/>
+          </p:cNvSpPr>
+          <p:nvPr>
+            <p:extLst>
+              <p:ext uri="{386F3935-93C4-4BCD-93E2-E3B085C9AB24}">
+                <p16:designElem xmlns:p16="http://schemas.microsoft.com/office/powerpoint/2015/main" val="1"/>
+              </p:ext>
+            </p:extLst>
+          </p:nvPr>
+        </p:nvSpPr>
+        <p:spPr>
+          <a:xfrm>
+            <a:off x="0" y="0"/>
+            <a:ext cx="12192000" cy="6858000"/>
+          </a:xfrm>
+          <a:prstGeom prst="rect">
+            <a:avLst/>
+          </a:prstGeom>
+          <a:ln>
+            <a:noFill/>
+          </a:ln>
+        </p:spPr>
+        <p:style>
+          <a:lnRef idx="2">
+            <a:schemeClr val="accent1">
+              <a:shade val="50000"/>
+            </a:schemeClr>
+          </a:lnRef>
+          <a:fillRef idx="1">
+            <a:schemeClr val="accent1"/>
+          </a:fillRef>
+          <a:effectRef idx="0">
+            <a:schemeClr val="accent1"/>
+          </a:effectRef>
+          <a:fontRef idx="minor">
+            <a:schemeClr val="lt1"/>
+          </a:fontRef>
+        </p:style>
+        <p:txBody>
+          <a:bodyPr rtlCol="0" anchor="ctr"/>
+          <a:lstStyle/>
+          <a:p>
+            <a:pPr algn="ctr"/>
+            <a:endParaRPr lang="en-US"/>
+          </a:p>
+        </p:txBody>
+      </p:sp>
+      <p:sp>
+        <p:nvSpPr>
+          <p:cNvPr id="27" name="Rectangle 26">
+            <a:extLst>
+              <a:ext uri="{FF2B5EF4-FFF2-40B4-BE49-F238E27FC236}">
+                <a16:creationId xmlns:a16="http://schemas.microsoft.com/office/drawing/2014/main" id="{83981C21-E132-4402-B31B-D725C1CE77D2}"/>
+              </a:ext>
+              <a:ext uri="{C183D7F6-B498-43B3-948B-1728B52AA6E4}">
+                <adec:decorative xmlns:adec="http://schemas.microsoft.com/office/drawing/2017/decorative" val="1"/>
+              </a:ext>
+            </a:extLst>
+          </p:cNvPr>
+          <p:cNvSpPr>
+            <a:spLocks noGrp="1" noRot="1" noChangeAspect="1" noMove="1" noResize="1" noEditPoints="1" noAdjustHandles="1" noChangeArrowheads="1" noChangeShapeType="1" noTextEdit="1"/>
+          </p:cNvSpPr>
+          <p:nvPr>
+            <p:extLst>
+              <p:ext uri="{386F3935-93C4-4BCD-93E2-E3B085C9AB24}">
+                <p16:designElem xmlns:p16="http://schemas.microsoft.com/office/powerpoint/2015/main" val="1"/>
+              </p:ext>
+            </p:extLst>
+          </p:nvPr>
+        </p:nvSpPr>
+        <p:spPr>
+          <a:xfrm>
+            <a:off x="641604" y="653241"/>
+            <a:ext cx="10908792" cy="80683"/>
+          </a:xfrm>
+          <a:prstGeom prst="rect">
+            <a:avLst/>
+          </a:prstGeom>
+          <a:blipFill dpi="0" rotWithShape="1">
+            <a:blip r:embed="rId2">
+              <a:alphaModFix amt="85000"/>
+              <a:lum bright="70000" contrast="-70000"/>
+              <a:extLst>
+                <a:ext uri="{BEBA8EAE-BF5A-486C-A8C5-ECC9F3942E4B}">
+                  <a14:imgProps xmlns:a14="http://schemas.microsoft.com/office/drawing/2010/main">
+                    <a14:imgLayer r:embed="rId3">
+                      <a14:imgEffect>
+                        <a14:sharpenSoften amount="61000"/>
+                      </a14:imgEffect>
+                    </a14:imgLayer>
+                  </a14:imgProps>
+                </a:ext>
+                <a:ext uri="{28A0092B-C50C-407E-A947-70E740481C1C}">
+                  <a14:useLocalDpi xmlns:a14="http://schemas.microsoft.com/office/drawing/2010/main" val="0"/>
+                </a:ext>
+              </a:extLst>
+            </a:blip>
+            <a:srcRect/>
+            <a:tile tx="0" ty="-762000" sx="92000" sy="89000" flip="xy" algn="ctr"/>
+          </a:blipFill>
+          <a:ln>
+            <a:noFill/>
+          </a:ln>
+        </p:spPr>
+        <p:style>
+          <a:lnRef idx="2">
+            <a:schemeClr val="accent1">
+              <a:shade val="50000"/>
+            </a:schemeClr>
+          </a:lnRef>
+          <a:fillRef idx="1">
+            <a:schemeClr val="accent1"/>
+          </a:fillRef>
+          <a:effectRef idx="0">
+            <a:schemeClr val="accent1"/>
+          </a:effectRef>
+          <a:fontRef idx="minor">
+            <a:schemeClr val="lt1"/>
+          </a:fontRef>
+        </p:style>
+        <p:txBody>
+          <a:bodyPr rtlCol="0" anchor="ctr"/>
+          <a:lstStyle/>
+          <a:p>
+            <a:pPr algn="ctr"/>
+            <a:endParaRPr lang="en-US"/>
+          </a:p>
+        </p:txBody>
+      </p:sp>
+      <p:sp>
+        <p:nvSpPr>
+          <p:cNvPr id="29" name="Rectangle 28">
+            <a:extLst>
+              <a:ext uri="{FF2B5EF4-FFF2-40B4-BE49-F238E27FC236}">
+                <a16:creationId xmlns:a16="http://schemas.microsoft.com/office/drawing/2014/main" id="{6A685C77-4E84-486A-9AE5-F3635BE98EFB}"/>
+              </a:ext>
+              <a:ext uri="{C183D7F6-B498-43B3-948B-1728B52AA6E4}">
+                <adec:decorative xmlns:adec="http://schemas.microsoft.com/office/drawing/2017/decorative" val="1"/>
+              </a:ext>
+            </a:extLst>
+          </p:cNvPr>
+          <p:cNvSpPr>
+            <a:spLocks noGrp="1" noRot="1" noChangeAspect="1" noMove="1" noResize="1" noEditPoints="1" noAdjustHandles="1" noChangeArrowheads="1" noChangeShapeType="1" noTextEdit="1"/>
+          </p:cNvSpPr>
+          <p:nvPr>
+            <p:extLst>
+              <p:ext uri="{386F3935-93C4-4BCD-93E2-E3B085C9AB24}">
+                <p16:designElem xmlns:p16="http://schemas.microsoft.com/office/powerpoint/2015/main" val="1"/>
+              </p:ext>
+            </p:extLst>
+          </p:nvPr>
+        </p:nvSpPr>
+        <p:spPr>
+          <a:xfrm>
+            <a:off x="641602" y="822324"/>
+            <a:ext cx="5149596" cy="5228279"/>
+          </a:xfrm>
+          <a:prstGeom prst="rect">
+            <a:avLst/>
+          </a:prstGeom>
+          <a:blipFill dpi="0" rotWithShape="1">
+            <a:blip r:embed="rId2">
+              <a:alphaModFix amt="85000"/>
+              <a:lum bright="70000" contrast="-70000"/>
+              <a:extLst>
+                <a:ext uri="{BEBA8EAE-BF5A-486C-A8C5-ECC9F3942E4B}">
+                  <a14:imgProps xmlns:a14="http://schemas.microsoft.com/office/drawing/2010/main">
+                    <a14:imgLayer r:embed="rId3">
+                      <a14:imgEffect>
+                        <a14:sharpenSoften amount="61000"/>
+                      </a14:imgEffect>
+                    </a14:imgLayer>
+                  </a14:imgProps>
+                </a:ext>
+                <a:ext uri="{28A0092B-C50C-407E-A947-70E740481C1C}">
+                  <a14:useLocalDpi xmlns:a14="http://schemas.microsoft.com/office/drawing/2010/main" val="0"/>
+                </a:ext>
+              </a:extLst>
+            </a:blip>
+            <a:srcRect/>
+            <a:tile tx="0" ty="-704850" sx="92000" sy="89000" flip="xy" algn="ctr"/>
+          </a:blipFill>
+          <a:ln>
+            <a:noFill/>
+          </a:ln>
+        </p:spPr>
+        <p:style>
+          <a:lnRef idx="2">
+            <a:schemeClr val="accent1">
+              <a:shade val="50000"/>
+            </a:schemeClr>
+          </a:lnRef>
+          <a:fillRef idx="1">
+            <a:schemeClr val="accent1"/>
+          </a:fillRef>
+          <a:effectRef idx="0">
+            <a:schemeClr val="accent1"/>
+          </a:effectRef>
+          <a:fontRef idx="minor">
+            <a:schemeClr val="lt1"/>
+          </a:fontRef>
+        </p:style>
+        <p:txBody>
+          <a:bodyPr rtlCol="0" anchor="ctr"/>
+          <a:lstStyle/>
+          <a:p>
+            <a:pPr algn="ctr"/>
+            <a:endParaRPr lang="en-US"/>
+          </a:p>
+        </p:txBody>
+      </p:sp>
+      <p:sp>
+        <p:nvSpPr>
+          <p:cNvPr id="2" name="Title 1">
+            <a:extLst>
+              <a:ext uri="{FF2B5EF4-FFF2-40B4-BE49-F238E27FC236}">
+                <a16:creationId xmlns:a16="http://schemas.microsoft.com/office/drawing/2014/main" id="{2F68A004-DB96-4700-BC96-90128917F652}"/>
+              </a:ext>
+            </a:extLst>
+          </p:cNvPr>
+          <p:cNvSpPr>
+            <a:spLocks noGrp="1"/>
+          </p:cNvSpPr>
+          <p:nvPr>
+            <p:ph type="title"/>
+          </p:nvPr>
+        </p:nvSpPr>
+        <p:spPr>
+          <a:xfrm>
+            <a:off x="1286934" y="1465790"/>
+            <a:ext cx="3860798" cy="3941345"/>
+          </a:xfrm>
+        </p:spPr>
+        <p:txBody>
+          <a:bodyPr>
+            <a:normAutofit/>
+          </a:bodyPr>
+          <a:lstStyle/>
+          <a:p>
+            <a:r>
+              <a:rPr lang="en-US" sz="4200"/>
+              <a:t>Performance with Nonblocking Sends</a:t>
+            </a:r>
+          </a:p>
+        </p:txBody>
+      </p:sp>
+      <p:sp>
+        <p:nvSpPr>
+          <p:cNvPr id="5" name="Content Placeholder 4">
+            <a:extLst>
+              <a:ext uri="{FF2B5EF4-FFF2-40B4-BE49-F238E27FC236}">
+                <a16:creationId xmlns:a16="http://schemas.microsoft.com/office/drawing/2014/main" id="{ADFEFD8D-1F9E-433A-8F0D-9E889290F814}"/>
+              </a:ext>
+            </a:extLst>
+          </p:cNvPr>
+          <p:cNvSpPr>
+            <a:spLocks noGrp="1"/>
+          </p:cNvSpPr>
+          <p:nvPr>
+            <p:ph idx="1"/>
+          </p:nvPr>
+        </p:nvSpPr>
+        <p:spPr>
+          <a:xfrm>
+            <a:off x="6417733" y="1359090"/>
+            <a:ext cx="5132665" cy="4048046"/>
+          </a:xfrm>
+        </p:spPr>
+        <p:txBody>
+          <a:bodyPr anchor="ctr">
+            <a:normAutofit lnSpcReduction="10000"/>
+          </a:bodyPr>
+          <a:lstStyle/>
+          <a:p>
+            <a:r>
+              <a:rPr lang="en-US" dirty="0"/>
+              <a:t>when performing a blocking send for short messages, it is not needed to allocate an </a:t>
+            </a:r>
+            <a:r>
+              <a:rPr lang="en-US" i="1" dirty="0" err="1"/>
+              <a:t>MPI_Request</a:t>
+            </a:r>
+            <a:r>
+              <a:rPr lang="en-US" dirty="0"/>
+              <a:t> object</a:t>
+            </a:r>
+          </a:p>
+          <a:p>
+            <a:r>
+              <a:rPr lang="en-US" dirty="0"/>
+              <a:t>for nonblocking sends, however, a request object must be allocated to keep track of the progress of the communication operation</a:t>
+            </a:r>
+          </a:p>
+          <a:p>
+            <a:r>
+              <a:rPr lang="en-US" dirty="0"/>
+              <a:t>requests are allocated from a common pool of free requests, which must be protected by a critical section</a:t>
+            </a:r>
+          </a:p>
+          <a:p>
+            <a:r>
+              <a:rPr lang="en-US" dirty="0"/>
+              <a:t>each request object also uses a reference count to determine when the operation is complete and when it is safe to free the object</a:t>
+            </a:r>
+          </a:p>
+        </p:txBody>
+      </p:sp>
+      <p:sp>
+        <p:nvSpPr>
+          <p:cNvPr id="31" name="Rectangle 30">
+            <a:extLst>
+              <a:ext uri="{FF2B5EF4-FFF2-40B4-BE49-F238E27FC236}">
+                <a16:creationId xmlns:a16="http://schemas.microsoft.com/office/drawing/2014/main" id="{E55C1C3E-5158-47F3-8FD9-14B22C3E6EAD}"/>
+              </a:ext>
+              <a:ext uri="{C183D7F6-B498-43B3-948B-1728B52AA6E4}">
+                <adec:decorative xmlns:adec="http://schemas.microsoft.com/office/drawing/2017/decorative" val="1"/>
+              </a:ext>
+            </a:extLst>
+          </p:cNvPr>
+          <p:cNvSpPr>
+            <a:spLocks noGrp="1" noRot="1" noChangeAspect="1" noMove="1" noResize="1" noEditPoints="1" noAdjustHandles="1" noChangeArrowheads="1" noChangeShapeType="1" noTextEdit="1"/>
+          </p:cNvSpPr>
+          <p:nvPr>
+            <p:extLst>
+              <p:ext uri="{386F3935-93C4-4BCD-93E2-E3B085C9AB24}">
+                <p16:designElem xmlns:p16="http://schemas.microsoft.com/office/powerpoint/2015/main" val="1"/>
+              </p:ext>
+            </p:extLst>
+          </p:nvPr>
+        </p:nvSpPr>
+        <p:spPr>
+          <a:xfrm>
+            <a:off x="641604" y="6121662"/>
+            <a:ext cx="10908792" cy="80683"/>
+          </a:xfrm>
+          <a:prstGeom prst="rect">
+            <a:avLst/>
+          </a:prstGeom>
+          <a:blipFill dpi="0" rotWithShape="1">
+            <a:blip r:embed="rId2">
+              <a:alphaModFix amt="85000"/>
+              <a:lum bright="70000" contrast="-70000"/>
+              <a:extLst>
+                <a:ext uri="{BEBA8EAE-BF5A-486C-A8C5-ECC9F3942E4B}">
+                  <a14:imgProps xmlns:a14="http://schemas.microsoft.com/office/drawing/2010/main">
+                    <a14:imgLayer r:embed="rId3">
+                      <a14:imgEffect>
+                        <a14:sharpenSoften amount="61000"/>
+                      </a14:imgEffect>
+                    </a14:imgLayer>
+                  </a14:imgProps>
+                </a:ext>
+                <a:ext uri="{28A0092B-C50C-407E-A947-70E740481C1C}">
+                  <a14:useLocalDpi xmlns:a14="http://schemas.microsoft.com/office/drawing/2010/main" val="0"/>
+                </a:ext>
+              </a:extLst>
+            </a:blip>
+            <a:srcRect/>
+            <a:tile tx="0" ty="-762000" sx="92000" sy="89000" flip="xy" algn="ctr"/>
+          </a:blipFill>
+          <a:ln>
+            <a:noFill/>
+          </a:ln>
+        </p:spPr>
+        <p:style>
+          <a:lnRef idx="2">
+            <a:schemeClr val="accent1">
+              <a:shade val="50000"/>
+            </a:schemeClr>
+          </a:lnRef>
+          <a:fillRef idx="1">
+            <a:schemeClr val="accent1"/>
+          </a:fillRef>
+          <a:effectRef idx="0">
+            <a:schemeClr val="accent1"/>
+          </a:effectRef>
+          <a:fontRef idx="minor">
+            <a:schemeClr val="lt1"/>
+          </a:fontRef>
+        </p:style>
+        <p:txBody>
+          <a:bodyPr rtlCol="0" anchor="ctr"/>
+          <a:lstStyle/>
+          <a:p>
+            <a:pPr algn="ctr"/>
+            <a:endParaRPr lang="en-US"/>
+          </a:p>
+        </p:txBody>
+      </p:sp>
+    </p:spTree>
+    <p:extLst>
+      <p:ext uri="{BB962C8B-B14F-4D97-AF65-F5344CB8AC3E}">
+        <p14:creationId xmlns:p14="http://schemas.microsoft.com/office/powerpoint/2010/main" val="272022632"/>
+      </p:ext>
+    </p:extLst>
+  </p:cSld>
+  <p:clrMapOvr>
+    <a:masterClrMapping/>
+  </p:clrMapOvr>
+</p:sld>
+</file>
+
+<file path=ppt/slides/slide12.xml><?xml version="1.0" encoding="utf-8"?>
+<p:sld xmlns:a="http://schemas.openxmlformats.org/drawingml/2006/main" xmlns:r="http://schemas.openxmlformats.org/officeDocument/2006/relationships" xmlns:p="http://schemas.openxmlformats.org/presentationml/2006/main">
+  <p:cSld>
+    <p:bg>
+      <p:bgPr>
+        <a:solidFill>
+          <a:schemeClr val="bg1"/>
+        </a:solidFill>
+        <a:effectLst/>
+      </p:bgPr>
+    </p:bg>
+    <p:spTree>
+      <p:nvGrpSpPr>
+        <p:cNvPr id="1" name=""/>
+        <p:cNvGrpSpPr/>
+        <p:nvPr/>
+      </p:nvGrpSpPr>
+      <p:grpSpPr>
+        <a:xfrm>
+          <a:off x="0" y="0"/>
+          <a:ext cx="0" cy="0"/>
+          <a:chOff x="0" y="0"/>
+          <a:chExt cx="0" cy="0"/>
+        </a:xfrm>
+      </p:grpSpPr>
+      <p:grpSp>
+        <p:nvGrpSpPr>
+          <p:cNvPr id="11" name="Group 10">
+            <a:extLst>
+              <a:ext uri="{FF2B5EF4-FFF2-40B4-BE49-F238E27FC236}">
+                <a16:creationId xmlns:a16="http://schemas.microsoft.com/office/drawing/2014/main" id="{48074BE5-7BC2-47A2-AA6E-4ADC25B69C46}"/>
+              </a:ext>
+              <a:ext uri="{C183D7F6-B498-43B3-948B-1728B52AA6E4}">
+                <adec:decorative xmlns:adec="http://schemas.microsoft.com/office/drawing/2017/decorative" val="1"/>
+              </a:ext>
+            </a:extLst>
+          </p:cNvPr>
+          <p:cNvGrpSpPr>
+            <a:grpSpLocks noGrp="1" noUngrp="1" noRot="1" noChangeAspect="1" noMove="1" noResize="1"/>
+          </p:cNvGrpSpPr>
+          <p:nvPr>
+            <p:extLst>
+              <p:ext uri="{386F3935-93C4-4BCD-93E2-E3B085C9AB24}">
+                <p16:designElem xmlns:p16="http://schemas.microsoft.com/office/powerpoint/2015/main" val="1"/>
+              </p:ext>
+            </p:extLst>
+          </p:nvPr>
+        </p:nvGrpSpPr>
+        <p:grpSpPr>
+          <a:xfrm>
+            <a:off x="11401725" y="6229681"/>
+            <a:ext cx="457200" cy="457200"/>
+            <a:chOff x="11361456" y="6195813"/>
+            <a:chExt cx="548640" cy="548640"/>
+          </a:xfrm>
+        </p:grpSpPr>
+        <p:sp>
+          <p:nvSpPr>
+            <p:cNvPr id="12" name="Oval 11">
+              <a:extLst>
+                <a:ext uri="{FF2B5EF4-FFF2-40B4-BE49-F238E27FC236}">
+                  <a16:creationId xmlns:a16="http://schemas.microsoft.com/office/drawing/2014/main" id="{F487D8B5-0D01-4F89-BB86-F85EFEC06F18}"/>
+                </a:ext>
+                <a:ext uri="{C183D7F6-B498-43B3-948B-1728B52AA6E4}">
+                  <adec:decorative xmlns:adec="http://schemas.microsoft.com/office/drawing/2017/decorative" val="1"/>
+                </a:ext>
+              </a:extLst>
+            </p:cNvPr>
+            <p:cNvSpPr/>
+            <p:nvPr>
+              <p:extLst>
+                <p:ext uri="{386F3935-93C4-4BCD-93E2-E3B085C9AB24}">
+                  <p16:designElem xmlns:p16="http://schemas.microsoft.com/office/powerpoint/2015/main" val="1"/>
+                </p:ext>
+              </p:extLst>
+            </p:nvPr>
+          </p:nvSpPr>
+          <p:spPr>
+            <a:xfrm>
+              <a:off x="11361456" y="6195813"/>
+              <a:ext cx="548640" cy="548640"/>
+            </a:xfrm>
+            <a:prstGeom prst="ellipse">
+              <a:avLst/>
+            </a:prstGeom>
+            <a:blipFill dpi="0" rotWithShape="1">
+              <a:blip r:embed="rId2">
+                <a:duotone>
+                  <a:schemeClr val="accent2">
+                    <a:shade val="45000"/>
+                    <a:satMod val="135000"/>
+                  </a:schemeClr>
+                  <a:prstClr val="white"/>
+                </a:duotone>
+                <a:extLst>
+                  <a:ext uri="{BEBA8EAE-BF5A-486C-A8C5-ECC9F3942E4B}">
+                    <a14:imgProps xmlns:a14="http://schemas.microsoft.com/office/drawing/2010/main">
+                      <a14:imgLayer r:embed="rId3">
+                        <a14:imgEffect>
+                          <a14:saturation sat="95000"/>
+                        </a14:imgEffect>
+                        <a14:imgEffect>
+                          <a14:brightnessContrast bright="-40000" contrast="20000"/>
+                        </a14:imgEffect>
+                      </a14:imgLayer>
+                    </a14:imgProps>
+                  </a:ext>
+                </a:extLst>
+              </a:blip>
+              <a:srcRect/>
+              <a:tile tx="50800" ty="0" sx="85000" sy="85000" flip="none" algn="tl"/>
+            </a:blipFill>
+            <a:ln w="25400" cap="flat" cmpd="sng" algn="ctr">
+              <a:noFill/>
+              <a:prstDash val="solid"/>
+            </a:ln>
+            <a:effectLst/>
+          </p:spPr>
+          <p:txBody>
+            <a:bodyPr lIns="0" tIns="0" rIns="0" bIns="0" rtlCol="0" anchor="ctr"/>
+            <a:lstStyle/>
+            <a:p>
+              <a:pPr marL="0" marR="0" lvl="0" indent="0" algn="ctr" defTabSz="914400" eaLnBrk="1" fontAlgn="auto" latinLnBrk="0" hangingPunct="1">
+                <a:lnSpc>
+                  <a:spcPct val="100000"/>
+                </a:lnSpc>
+                <a:spcBef>
+                  <a:spcPts val="0"/>
+                </a:spcBef>
+                <a:spcAft>
+                  <a:spcPts val="0"/>
+                </a:spcAft>
+                <a:buClrTx/>
+                <a:buSzTx/>
+                <a:buFontTx/>
+                <a:buNone/>
+                <a:tabLst/>
+                <a:defRPr/>
+              </a:pPr>
+              <a:endParaRPr kumimoji="0" lang="en-US" sz="2000" b="0" i="0" u="none" strike="noStrike" kern="0" cap="none" spc="0" normalizeH="0" baseline="0" noProof="0" dirty="0">
+                <a:ln>
+                  <a:noFill/>
+                </a:ln>
+                <a:solidFill>
+                  <a:prstClr val="white"/>
+                </a:solidFill>
+                <a:effectLst/>
+                <a:uLnTx/>
+                <a:uFillTx/>
+                <a:latin typeface="Rockwell Extra Bold" pitchFamily="18" charset="0"/>
+                <a:ea typeface="+mn-ea"/>
+                <a:cs typeface="+mn-cs"/>
+              </a:endParaRPr>
+            </a:p>
+          </p:txBody>
+        </p:sp>
+        <p:sp>
+          <p:nvSpPr>
+            <p:cNvPr id="13" name="Oval 12">
+              <a:extLst>
+                <a:ext uri="{FF2B5EF4-FFF2-40B4-BE49-F238E27FC236}">
+                  <a16:creationId xmlns:a16="http://schemas.microsoft.com/office/drawing/2014/main" id="{C13F635F-6CBC-4AA7-9AB9-B788FCC93FF2}"/>
+                </a:ext>
+                <a:ext uri="{C183D7F6-B498-43B3-948B-1728B52AA6E4}">
+                  <adec:decorative xmlns:adec="http://schemas.microsoft.com/office/drawing/2017/decorative" val="1"/>
+                </a:ext>
+              </a:extLst>
+            </p:cNvPr>
+            <p:cNvSpPr/>
+            <p:nvPr>
+              <p:extLst>
+                <p:ext uri="{386F3935-93C4-4BCD-93E2-E3B085C9AB24}">
+                  <p16:designElem xmlns:p16="http://schemas.microsoft.com/office/powerpoint/2015/main" val="1"/>
+                </p:ext>
+              </p:extLst>
+            </p:nvPr>
+          </p:nvSpPr>
+          <p:spPr>
+            <a:xfrm>
+              <a:off x="11396488" y="6230844"/>
+              <a:ext cx="478576" cy="478578"/>
+            </a:xfrm>
+            <a:prstGeom prst="ellipse">
+              <a:avLst/>
+            </a:prstGeom>
+            <a:noFill/>
+            <a:ln w="12700" cap="flat" cmpd="sng" algn="ctr">
+              <a:solidFill>
+                <a:srgbClr val="FFFFFF"/>
+              </a:solidFill>
+              <a:prstDash val="solid"/>
+            </a:ln>
+            <a:effectLst/>
+          </p:spPr>
+          <p:txBody>
+            <a:bodyPr rtlCol="0" anchor="ctr"/>
+            <a:lstStyle/>
+            <a:p>
+              <a:pPr marL="0" marR="0" lvl="0" indent="0" algn="ctr" defTabSz="914400" eaLnBrk="1" fontAlgn="auto" latinLnBrk="0" hangingPunct="1">
+                <a:lnSpc>
+                  <a:spcPct val="100000"/>
+                </a:lnSpc>
+                <a:spcBef>
+                  <a:spcPts val="0"/>
+                </a:spcBef>
+                <a:spcAft>
+                  <a:spcPts val="0"/>
+                </a:spcAft>
+                <a:buClrTx/>
+                <a:buSzTx/>
+                <a:buFontTx/>
+                <a:buNone/>
+                <a:tabLst/>
+                <a:defRPr/>
+              </a:pPr>
+              <a:endParaRPr kumimoji="0" lang="en-US" sz="1800" b="0" i="0" u="none" strike="noStrike" kern="0" cap="none" spc="0" normalizeH="0" baseline="0" noProof="0" dirty="0">
+                <a:ln>
+                  <a:noFill/>
+                </a:ln>
+                <a:solidFill>
+                  <a:prstClr val="white"/>
+                </a:solidFill>
+                <a:effectLst/>
+                <a:uLnTx/>
+                <a:uFillTx/>
+                <a:latin typeface="Calibri"/>
+                <a:ea typeface="+mn-ea"/>
+                <a:cs typeface="+mn-cs"/>
+              </a:endParaRPr>
+            </a:p>
+          </p:txBody>
+        </p:sp>
+      </p:grpSp>
+      <p:sp>
+        <p:nvSpPr>
+          <p:cNvPr id="15" name="Rectangle 14">
+            <a:extLst>
+              <a:ext uri="{FF2B5EF4-FFF2-40B4-BE49-F238E27FC236}">
+                <a16:creationId xmlns:a16="http://schemas.microsoft.com/office/drawing/2014/main" id="{BD9989FB-36A6-49EE-889A-BDBC54F18EB7}"/>
+              </a:ext>
+              <a:ext uri="{C183D7F6-B498-43B3-948B-1728B52AA6E4}">
+                <adec:decorative xmlns:adec="http://schemas.microsoft.com/office/drawing/2017/decorative" val="1"/>
+              </a:ext>
+            </a:extLst>
+          </p:cNvPr>
+          <p:cNvSpPr>
+            <a:spLocks noGrp="1" noRot="1" noChangeAspect="1" noMove="1" noResize="1" noEditPoints="1" noAdjustHandles="1" noChangeArrowheads="1" noChangeShapeType="1" noTextEdit="1"/>
+          </p:cNvSpPr>
+          <p:nvPr>
+            <p:extLst>
+              <p:ext uri="{386F3935-93C4-4BCD-93E2-E3B085C9AB24}">
+                <p16:designElem xmlns:p16="http://schemas.microsoft.com/office/powerpoint/2015/main" val="1"/>
+              </p:ext>
+            </p:extLst>
+          </p:nvPr>
+        </p:nvSpPr>
+        <p:spPr>
+          <a:xfrm>
+            <a:off x="7836310" y="0"/>
+            <a:ext cx="4355689" cy="6857999"/>
+          </a:xfrm>
+          <a:prstGeom prst="rect">
+            <a:avLst/>
+          </a:prstGeom>
+          <a:blipFill dpi="0" rotWithShape="1">
+            <a:blip r:embed="rId4">
+              <a:alphaModFix amt="60000"/>
+              <a:lum bright="70000" contrast="-70000"/>
+              <a:extLst>
+                <a:ext uri="{BEBA8EAE-BF5A-486C-A8C5-ECC9F3942E4B}">
+                  <a14:imgProps xmlns:a14="http://schemas.microsoft.com/office/drawing/2010/main">
+                    <a14:imgLayer r:embed="rId5">
+                      <a14:imgEffect>
+                        <a14:sharpenSoften amount="61000"/>
+                      </a14:imgEffect>
+                    </a14:imgLayer>
+                  </a14:imgProps>
+                </a:ext>
+                <a:ext uri="{28A0092B-C50C-407E-A947-70E740481C1C}">
+                  <a14:useLocalDpi xmlns:a14="http://schemas.microsoft.com/office/drawing/2010/main" val="0"/>
+                </a:ext>
+              </a:extLst>
+            </a:blip>
+            <a:srcRect/>
+            <a:tile tx="0" ty="-704850" sx="92000" sy="89000" flip="xy" algn="ctr"/>
+          </a:blipFill>
+          <a:ln>
+            <a:noFill/>
+          </a:ln>
+        </p:spPr>
+        <p:style>
+          <a:lnRef idx="2">
+            <a:schemeClr val="accent1">
+              <a:shade val="50000"/>
+            </a:schemeClr>
+          </a:lnRef>
+          <a:fillRef idx="1">
+            <a:schemeClr val="accent1"/>
+          </a:fillRef>
+          <a:effectRef idx="0">
+            <a:schemeClr val="accent1"/>
+          </a:effectRef>
+          <a:fontRef idx="minor">
+            <a:schemeClr val="lt1"/>
+          </a:fontRef>
+        </p:style>
+        <p:txBody>
+          <a:bodyPr rtlCol="0" anchor="ctr"/>
+          <a:lstStyle/>
+          <a:p>
+            <a:pPr algn="ctr"/>
+            <a:endParaRPr lang="en-US"/>
+          </a:p>
+        </p:txBody>
+      </p:sp>
+      <p:pic>
+        <p:nvPicPr>
+          <p:cNvPr id="6" name="Content Placeholder 5" descr="Chart, diagram&#10;&#10;Description automatically generated">
+            <a:extLst>
+              <a:ext uri="{FF2B5EF4-FFF2-40B4-BE49-F238E27FC236}">
+                <a16:creationId xmlns:a16="http://schemas.microsoft.com/office/drawing/2014/main" id="{C052C434-BF21-4877-A5D2-EABC95666641}"/>
+              </a:ext>
+            </a:extLst>
+          </p:cNvPr>
+          <p:cNvPicPr>
+            <a:picLocks noGrp="1" noChangeAspect="1"/>
+          </p:cNvPicPr>
+          <p:nvPr>
+            <p:ph sz="half" idx="2"/>
+          </p:nvPr>
+        </p:nvPicPr>
+        <p:blipFill>
+          <a:blip r:embed="rId6">
+            <a:extLst>
+              <a:ext uri="{28A0092B-C50C-407E-A947-70E740481C1C}">
+                <a14:useLocalDpi xmlns:a14="http://schemas.microsoft.com/office/drawing/2010/main" val="0"/>
+              </a:ext>
+            </a:extLst>
+          </a:blip>
+          <a:stretch>
+            <a:fillRect/>
+          </a:stretch>
+        </p:blipFill>
+        <p:spPr>
+          <a:xfrm>
+            <a:off x="633999" y="1446876"/>
+            <a:ext cx="6882269" cy="3974509"/>
+          </a:xfrm>
+          <a:prstGeom prst="rect">
+            <a:avLst/>
+          </a:prstGeom>
+        </p:spPr>
+      </p:pic>
+      <p:sp>
+        <p:nvSpPr>
+          <p:cNvPr id="3" name="Content Placeholder 2">
+            <a:extLst>
+              <a:ext uri="{FF2B5EF4-FFF2-40B4-BE49-F238E27FC236}">
+                <a16:creationId xmlns:a16="http://schemas.microsoft.com/office/drawing/2014/main" id="{145D608E-3B1B-4B76-9EBB-0FD14E4329EF}"/>
+              </a:ext>
+            </a:extLst>
+          </p:cNvPr>
+          <p:cNvSpPr>
+            <a:spLocks noGrp="1"/>
+          </p:cNvSpPr>
+          <p:nvPr>
+            <p:ph sz="half" idx="1"/>
+          </p:nvPr>
+        </p:nvSpPr>
+        <p:spPr>
+          <a:xfrm>
+            <a:off x="8242137" y="1403603"/>
+            <a:ext cx="3544034" cy="4050792"/>
+          </a:xfrm>
+        </p:spPr>
+        <p:txBody>
+          <a:bodyPr vert="horz" lIns="91440" tIns="45720" rIns="91440" bIns="45720" rtlCol="0">
+            <a:normAutofit/>
+          </a:bodyPr>
+          <a:lstStyle/>
+          <a:p>
+            <a:r>
+              <a:rPr lang="en-US" sz="1600" dirty="0"/>
+              <a:t>the performance of </a:t>
+            </a:r>
+            <a:r>
+              <a:rPr lang="en-US" sz="1600" i="1" dirty="0"/>
+              <a:t>Per Object</a:t>
+            </a:r>
+            <a:r>
+              <a:rPr lang="en-US" sz="1600" dirty="0"/>
+              <a:t> granularity is significantly affected by the contention on the request pool, and the message rate does not increase beyond more than two threads</a:t>
+            </a:r>
+          </a:p>
+          <a:p>
+            <a:r>
+              <a:rPr lang="en-US" sz="1600" dirty="0"/>
+              <a:t>the graph labeled “</a:t>
+            </a:r>
+            <a:r>
+              <a:rPr lang="en-US" sz="1600" i="1" dirty="0"/>
+              <a:t>Per Object</a:t>
+            </a:r>
+            <a:r>
+              <a:rPr lang="en-US" sz="1600" dirty="0"/>
+              <a:t> </a:t>
+            </a:r>
+            <a:r>
+              <a:rPr lang="en-US" sz="1600" dirty="0" err="1"/>
+              <a:t>tlp</a:t>
+            </a:r>
+            <a:r>
+              <a:rPr lang="en-US" sz="1600" dirty="0"/>
+              <a:t>” shows that by adding the thread-local request pool, the message rate improves, but only slightly</a:t>
+            </a:r>
+          </a:p>
+          <a:p>
+            <a:r>
+              <a:rPr lang="en-US" sz="1600" dirty="0"/>
+              <a:t>the contention for the reference-count updates still hurts</a:t>
+            </a:r>
+          </a:p>
+        </p:txBody>
+      </p:sp>
+      <p:grpSp>
+        <p:nvGrpSpPr>
+          <p:cNvPr id="17" name="Group 16">
+            <a:extLst>
+              <a:ext uri="{FF2B5EF4-FFF2-40B4-BE49-F238E27FC236}">
+                <a16:creationId xmlns:a16="http://schemas.microsoft.com/office/drawing/2014/main" id="{79532E44-64CD-4887-95E4-6D13510171F7}"/>
+              </a:ext>
+              <a:ext uri="{C183D7F6-B498-43B3-948B-1728B52AA6E4}">
+                <adec:decorative xmlns:adec="http://schemas.microsoft.com/office/drawing/2017/decorative" val="1"/>
+              </a:ext>
+            </a:extLst>
+          </p:cNvPr>
+          <p:cNvGrpSpPr>
+            <a:grpSpLocks noGrp="1" noUngrp="1" noRot="1" noChangeAspect="1" noMove="1" noResize="1"/>
+          </p:cNvGrpSpPr>
+          <p:nvPr>
+            <p:extLst>
+              <p:ext uri="{386F3935-93C4-4BCD-93E2-E3B085C9AB24}">
+                <p16:designElem xmlns:p16="http://schemas.microsoft.com/office/powerpoint/2015/main" val="1"/>
+              </p:ext>
+            </p:extLst>
+          </p:nvPr>
+        </p:nvGrpSpPr>
+        <p:grpSpPr>
+          <a:xfrm>
+            <a:off x="11401725" y="6229681"/>
+            <a:ext cx="457200" cy="457200"/>
+            <a:chOff x="11361456" y="6195813"/>
+            <a:chExt cx="548640" cy="548640"/>
+          </a:xfrm>
+        </p:grpSpPr>
+        <p:sp>
+          <p:nvSpPr>
+            <p:cNvPr id="18" name="Oval 17">
+              <a:extLst>
+                <a:ext uri="{FF2B5EF4-FFF2-40B4-BE49-F238E27FC236}">
+                  <a16:creationId xmlns:a16="http://schemas.microsoft.com/office/drawing/2014/main" id="{35C2F53F-F2F7-4BC7-88F8-CCFD6D3CB58A}"/>
+                </a:ext>
+                <a:ext uri="{C183D7F6-B498-43B3-948B-1728B52AA6E4}">
+                  <adec:decorative xmlns:adec="http://schemas.microsoft.com/office/drawing/2017/decorative" val="1"/>
+                </a:ext>
+              </a:extLst>
+            </p:cNvPr>
+            <p:cNvSpPr/>
+            <p:nvPr>
+              <p:extLst>
+                <p:ext uri="{386F3935-93C4-4BCD-93E2-E3B085C9AB24}">
+                  <p16:designElem xmlns:p16="http://schemas.microsoft.com/office/powerpoint/2015/main" val="1"/>
+                </p:ext>
+              </p:extLst>
+            </p:nvPr>
+          </p:nvSpPr>
+          <p:spPr>
+            <a:xfrm>
+              <a:off x="11361456" y="6195813"/>
+              <a:ext cx="548640" cy="548640"/>
+            </a:xfrm>
+            <a:prstGeom prst="ellipse">
+              <a:avLst/>
+            </a:prstGeom>
+            <a:blipFill dpi="0" rotWithShape="1">
+              <a:blip r:embed="rId2">
+                <a:duotone>
+                  <a:schemeClr val="accent2">
+                    <a:shade val="45000"/>
+                    <a:satMod val="135000"/>
+                  </a:schemeClr>
+                  <a:prstClr val="white"/>
+                </a:duotone>
+              </a:blip>
+              <a:srcRect/>
+              <a:tile tx="50800" ty="0" sx="85000" sy="85000" flip="none" algn="tl"/>
+            </a:blipFill>
+            <a:ln w="25400" cap="flat" cmpd="sng" algn="ctr">
+              <a:noFill/>
+              <a:prstDash val="solid"/>
+            </a:ln>
+            <a:effectLst/>
+          </p:spPr>
+          <p:txBody>
+            <a:bodyPr lIns="0" tIns="0" rIns="0" bIns="0" rtlCol="0" anchor="ctr"/>
+            <a:lstStyle/>
+            <a:p>
+              <a:pPr marL="0" marR="0" lvl="0" indent="0" algn="ctr" defTabSz="914400" eaLnBrk="1" fontAlgn="auto" latinLnBrk="0" hangingPunct="1">
+                <a:lnSpc>
+                  <a:spcPct val="100000"/>
+                </a:lnSpc>
+                <a:spcBef>
+                  <a:spcPts val="0"/>
+                </a:spcBef>
+                <a:spcAft>
+                  <a:spcPts val="0"/>
+                </a:spcAft>
+                <a:buClrTx/>
+                <a:buSzTx/>
+                <a:buFontTx/>
+                <a:buNone/>
+                <a:tabLst/>
+                <a:defRPr/>
+              </a:pPr>
+              <a:endParaRPr kumimoji="0" lang="en-US" sz="2000" b="0" i="0" u="none" strike="noStrike" kern="0" cap="none" spc="0" normalizeH="0" baseline="0" noProof="0" dirty="0">
+                <a:ln>
+                  <a:noFill/>
+                </a:ln>
+                <a:solidFill>
+                  <a:prstClr val="white"/>
+                </a:solidFill>
+                <a:effectLst/>
+                <a:uLnTx/>
+                <a:uFillTx/>
+                <a:latin typeface="Rockwell Extra Bold" pitchFamily="18" charset="0"/>
+                <a:ea typeface="+mn-ea"/>
+                <a:cs typeface="+mn-cs"/>
+              </a:endParaRPr>
+            </a:p>
+          </p:txBody>
+        </p:sp>
+        <p:sp>
+          <p:nvSpPr>
+            <p:cNvPr id="19" name="Oval 18">
+              <a:extLst>
+                <a:ext uri="{FF2B5EF4-FFF2-40B4-BE49-F238E27FC236}">
+                  <a16:creationId xmlns:a16="http://schemas.microsoft.com/office/drawing/2014/main" id="{9B3675A9-8FB2-4982-9BE7-47E456D0D38D}"/>
+                </a:ext>
+                <a:ext uri="{C183D7F6-B498-43B3-948B-1728B52AA6E4}">
+                  <adec:decorative xmlns:adec="http://schemas.microsoft.com/office/drawing/2017/decorative" val="1"/>
+                </a:ext>
+              </a:extLst>
+            </p:cNvPr>
+            <p:cNvSpPr/>
+            <p:nvPr>
+              <p:extLst>
+                <p:ext uri="{386F3935-93C4-4BCD-93E2-E3B085C9AB24}">
+                  <p16:designElem xmlns:p16="http://schemas.microsoft.com/office/powerpoint/2015/main" val="1"/>
+                </p:ext>
+              </p:extLst>
+            </p:nvPr>
+          </p:nvSpPr>
+          <p:spPr>
+            <a:xfrm>
+              <a:off x="11396488" y="6230844"/>
+              <a:ext cx="478576" cy="478578"/>
+            </a:xfrm>
+            <a:prstGeom prst="ellipse">
+              <a:avLst/>
+            </a:prstGeom>
+            <a:noFill/>
+            <a:ln w="12700" cap="flat" cmpd="sng" algn="ctr">
+              <a:solidFill>
+                <a:srgbClr val="FFFFFF"/>
+              </a:solidFill>
+              <a:prstDash val="solid"/>
+            </a:ln>
+            <a:effectLst/>
+          </p:spPr>
+          <p:txBody>
+            <a:bodyPr rtlCol="0" anchor="ctr"/>
+            <a:lstStyle/>
+            <a:p>
+              <a:pPr marL="0" marR="0" lvl="0" indent="0" algn="ctr" defTabSz="914400" eaLnBrk="1" fontAlgn="auto" latinLnBrk="0" hangingPunct="1">
+                <a:lnSpc>
+                  <a:spcPct val="100000"/>
+                </a:lnSpc>
+                <a:spcBef>
+                  <a:spcPts val="0"/>
+                </a:spcBef>
+                <a:spcAft>
+                  <a:spcPts val="0"/>
+                </a:spcAft>
+                <a:buClrTx/>
+                <a:buSzTx/>
+                <a:buFontTx/>
+                <a:buNone/>
+                <a:tabLst/>
+                <a:defRPr/>
+              </a:pPr>
+              <a:endParaRPr kumimoji="0" lang="en-US" sz="1800" b="0" i="0" u="none" strike="noStrike" kern="0" cap="none" spc="0" normalizeH="0" baseline="0" noProof="0" dirty="0">
+                <a:ln>
+                  <a:noFill/>
+                </a:ln>
+                <a:solidFill>
+                  <a:prstClr val="white"/>
+                </a:solidFill>
+                <a:effectLst/>
+                <a:uLnTx/>
+                <a:uFillTx/>
+                <a:latin typeface="Calibri"/>
+                <a:ea typeface="+mn-ea"/>
+                <a:cs typeface="+mn-cs"/>
+              </a:endParaRPr>
+            </a:p>
+          </p:txBody>
+        </p:sp>
+      </p:grpSp>
+    </p:spTree>
+    <p:extLst>
+      <p:ext uri="{BB962C8B-B14F-4D97-AF65-F5344CB8AC3E}">
+        <p14:creationId xmlns:p14="http://schemas.microsoft.com/office/powerpoint/2010/main" val="4064397187"/>
+      </p:ext>
+    </p:extLst>
+  </p:cSld>
+  <p:clrMapOvr>
+    <a:masterClrMapping/>
+  </p:clrMapOvr>
+</p:sld>
+</file>
+
+<file path=ppt/slides/slide13.xml><?xml version="1.0" encoding="utf-8"?>
+<p:sld xmlns:a="http://schemas.openxmlformats.org/drawingml/2006/main" xmlns:r="http://schemas.openxmlformats.org/officeDocument/2006/relationships" xmlns:p="http://schemas.openxmlformats.org/presentationml/2006/main">
+  <p:cSld>
+    <p:spTree>
+      <p:nvGrpSpPr>
+        <p:cNvPr id="1" name=""/>
+        <p:cNvGrpSpPr/>
+        <p:nvPr/>
+      </p:nvGrpSpPr>
+      <p:grpSpPr>
+        <a:xfrm>
+          <a:off x="0" y="0"/>
+          <a:ext cx="0" cy="0"/>
+          <a:chOff x="0" y="0"/>
+          <a:chExt cx="0" cy="0"/>
+        </a:xfrm>
+      </p:grpSpPr>
+      <p:sp>
+        <p:nvSpPr>
+          <p:cNvPr id="2" name="Title 1">
+            <a:extLst>
+              <a:ext uri="{FF2B5EF4-FFF2-40B4-BE49-F238E27FC236}">
+                <a16:creationId xmlns:a16="http://schemas.microsoft.com/office/drawing/2014/main" id="{31CE3B0D-2481-435B-ADF8-AC4794BA71E7}"/>
+              </a:ext>
+            </a:extLst>
+          </p:cNvPr>
+          <p:cNvSpPr>
+            <a:spLocks noGrp="1"/>
+          </p:cNvSpPr>
+          <p:nvPr>
+            <p:ph type="title"/>
+          </p:nvPr>
+        </p:nvSpPr>
+        <p:spPr/>
+        <p:txBody>
+          <a:bodyPr>
+            <a:normAutofit/>
+          </a:bodyPr>
+          <a:lstStyle/>
+          <a:p>
+            <a:pPr algn="ctr"/>
+            <a:r>
+              <a:rPr lang="en-US" sz="3600" dirty="0"/>
+              <a:t>CONCLUSION</a:t>
+            </a:r>
+          </a:p>
+        </p:txBody>
+      </p:sp>
+      <p:sp>
+        <p:nvSpPr>
+          <p:cNvPr id="3" name="Content Placeholder 2">
+            <a:extLst>
+              <a:ext uri="{FF2B5EF4-FFF2-40B4-BE49-F238E27FC236}">
+                <a16:creationId xmlns:a16="http://schemas.microsoft.com/office/drawing/2014/main" id="{C9AD7762-3F4B-4345-94C9-8F4E7D151EF9}"/>
+              </a:ext>
+            </a:extLst>
+          </p:cNvPr>
+          <p:cNvSpPr>
+            <a:spLocks noGrp="1"/>
+          </p:cNvSpPr>
+          <p:nvPr>
+            <p:ph idx="1"/>
+          </p:nvPr>
+        </p:nvSpPr>
+        <p:spPr/>
+        <p:txBody>
+          <a:bodyPr/>
+          <a:lstStyle/>
+          <a:p>
+            <a:r>
+              <a:rPr lang="en-US" dirty="0"/>
+              <a:t>we have discussed several issues that an implementation must consider when implementing thread safety in MPI</a:t>
+            </a:r>
+          </a:p>
+          <a:p>
+            <a:r>
+              <a:rPr lang="en-US" dirty="0"/>
+              <a:t>some of the issues are subtle, but nonetheless important</a:t>
+            </a:r>
+          </a:p>
+          <a:p>
+            <a:r>
+              <a:rPr lang="en-US" dirty="0"/>
+              <a:t>we have presented several approaches to reduce the critical-section granularity, which can impact performance significantly</a:t>
+            </a:r>
+          </a:p>
+          <a:p>
+            <a:r>
+              <a:rPr lang="en-US" dirty="0"/>
+              <a:t>careful thought and analysis are required in order to implement thread safety correctly and without sacrificing too much performance</a:t>
+            </a:r>
+          </a:p>
+        </p:txBody>
+      </p:sp>
+    </p:spTree>
+    <p:extLst>
+      <p:ext uri="{BB962C8B-B14F-4D97-AF65-F5344CB8AC3E}">
+        <p14:creationId xmlns:p14="http://schemas.microsoft.com/office/powerpoint/2010/main" val="369452242"/>
+      </p:ext>
+    </p:extLst>
+  </p:cSld>
+  <p:clrMapOvr>
+    <a:masterClrMapping/>
+  </p:clrMapOvr>
+</p:sld>
+</file>
+
+<file path=ppt/slides/slide14.xml><?xml version="1.0" encoding="utf-8"?>
+<p:sld xmlns:a="http://schemas.openxmlformats.org/drawingml/2006/main" xmlns:r="http://schemas.openxmlformats.org/officeDocument/2006/relationships" xmlns:p="http://schemas.openxmlformats.org/presentationml/2006/main">
+  <p:cSld>
+    <p:bg>
+      <p:bgPr>
+        <a:solidFill>
+          <a:schemeClr val="bg1"/>
+        </a:solidFill>
+        <a:effectLst/>
+      </p:bgPr>
+    </p:bg>
+    <p:spTree>
+      <p:nvGrpSpPr>
+        <p:cNvPr id="1" name=""/>
+        <p:cNvGrpSpPr/>
+        <p:nvPr/>
+      </p:nvGrpSpPr>
+      <p:grpSpPr>
+        <a:xfrm>
+          <a:off x="0" y="0"/>
+          <a:ext cx="0" cy="0"/>
+          <a:chOff x="0" y="0"/>
+          <a:chExt cx="0" cy="0"/>
+        </a:xfrm>
+      </p:grpSpPr>
+      <p:sp>
+        <p:nvSpPr>
+          <p:cNvPr id="12" name="Rectangle 11">
+            <a:extLst>
+              <a:ext uri="{FF2B5EF4-FFF2-40B4-BE49-F238E27FC236}">
+                <a16:creationId xmlns:a16="http://schemas.microsoft.com/office/drawing/2014/main" id="{BD9989FB-36A6-49EE-889A-BDBC54F18EB7}"/>
+              </a:ext>
+              <a:ext uri="{C183D7F6-B498-43B3-948B-1728B52AA6E4}">
+                <adec:decorative xmlns:adec="http://schemas.microsoft.com/office/drawing/2017/decorative" val="1"/>
+              </a:ext>
+            </a:extLst>
+          </p:cNvPr>
+          <p:cNvSpPr>
+            <a:spLocks noGrp="1" noRot="1" noChangeAspect="1" noMove="1" noResize="1" noEditPoints="1" noAdjustHandles="1" noChangeArrowheads="1" noChangeShapeType="1" noTextEdit="1"/>
+          </p:cNvSpPr>
+          <p:nvPr>
+            <p:extLst>
+              <p:ext uri="{386F3935-93C4-4BCD-93E2-E3B085C9AB24}">
+                <p16:designElem xmlns:p16="http://schemas.microsoft.com/office/powerpoint/2015/main" val="1"/>
+              </p:ext>
+            </p:extLst>
+          </p:nvPr>
+        </p:nvSpPr>
+        <p:spPr>
+          <a:xfrm>
+            <a:off x="7836310" y="0"/>
+            <a:ext cx="4355689" cy="6857999"/>
+          </a:xfrm>
+          <a:prstGeom prst="rect">
+            <a:avLst/>
+          </a:prstGeom>
+          <a:blipFill dpi="0" rotWithShape="1">
+            <a:blip r:embed="rId2">
+              <a:alphaModFix amt="60000"/>
+              <a:lum bright="70000" contrast="-70000"/>
+              <a:extLst>
+                <a:ext uri="{BEBA8EAE-BF5A-486C-A8C5-ECC9F3942E4B}">
+                  <a14:imgProps xmlns:a14="http://schemas.microsoft.com/office/drawing/2010/main">
+                    <a14:imgLayer r:embed="rId3">
+                      <a14:imgEffect>
+                        <a14:sharpenSoften amount="61000"/>
+                      </a14:imgEffect>
+                    </a14:imgLayer>
+                  </a14:imgProps>
+                </a:ext>
+                <a:ext uri="{28A0092B-C50C-407E-A947-70E740481C1C}">
+                  <a14:useLocalDpi xmlns:a14="http://schemas.microsoft.com/office/drawing/2010/main" val="0"/>
+                </a:ext>
+              </a:extLst>
+            </a:blip>
+            <a:srcRect/>
+            <a:tile tx="0" ty="-704850" sx="92000" sy="89000" flip="xy" algn="ctr"/>
+          </a:blipFill>
+          <a:ln>
+            <a:noFill/>
+          </a:ln>
+        </p:spPr>
+        <p:style>
+          <a:lnRef idx="2">
+            <a:schemeClr val="accent1">
+              <a:shade val="50000"/>
+            </a:schemeClr>
+          </a:lnRef>
+          <a:fillRef idx="1">
+            <a:schemeClr val="accent1"/>
+          </a:fillRef>
+          <a:effectRef idx="0">
+            <a:schemeClr val="accent1"/>
+          </a:effectRef>
+          <a:fontRef idx="minor">
+            <a:schemeClr val="lt1"/>
+          </a:fontRef>
+        </p:style>
+        <p:txBody>
+          <a:bodyPr rtlCol="0" anchor="ctr"/>
+          <a:lstStyle/>
+          <a:p>
+            <a:pPr algn="ctr"/>
+            <a:endParaRPr lang="en-US"/>
+          </a:p>
+        </p:txBody>
+      </p:sp>
+      <p:sp>
+        <p:nvSpPr>
+          <p:cNvPr id="2" name="Title 1">
+            <a:extLst>
+              <a:ext uri="{FF2B5EF4-FFF2-40B4-BE49-F238E27FC236}">
+                <a16:creationId xmlns:a16="http://schemas.microsoft.com/office/drawing/2014/main" id="{3DB0492D-138A-458F-8231-DD335AF1FACF}"/>
+              </a:ext>
+            </a:extLst>
+          </p:cNvPr>
+          <p:cNvSpPr>
+            <a:spLocks noGrp="1"/>
+          </p:cNvSpPr>
+          <p:nvPr>
+            <p:ph type="title"/>
+          </p:nvPr>
+        </p:nvSpPr>
+        <p:spPr>
+          <a:xfrm>
+            <a:off x="8156350" y="484632"/>
+            <a:ext cx="3544035" cy="1609344"/>
+          </a:xfrm>
+          <a:ln>
+            <a:noFill/>
+          </a:ln>
+        </p:spPr>
+        <p:txBody>
+          <a:bodyPr>
+            <a:normAutofit/>
+          </a:bodyPr>
+          <a:lstStyle/>
+          <a:p>
+            <a:pPr algn="ctr"/>
+            <a:r>
+              <a:rPr lang="en-US" sz="3600" dirty="0"/>
+              <a:t>THANK YOU</a:t>
+            </a:r>
+          </a:p>
+        </p:txBody>
+      </p:sp>
+      <p:pic>
+        <p:nvPicPr>
+          <p:cNvPr id="7" name="Graphic 6" descr="Smiling Face with No Fill">
+            <a:extLst>
+              <a:ext uri="{FF2B5EF4-FFF2-40B4-BE49-F238E27FC236}">
+                <a16:creationId xmlns:a16="http://schemas.microsoft.com/office/drawing/2014/main" id="{34E25CCD-AF25-781E-67AC-492CF5B7604B}"/>
+              </a:ext>
+            </a:extLst>
+          </p:cNvPr>
+          <p:cNvPicPr>
+            <a:picLocks noChangeAspect="1"/>
+          </p:cNvPicPr>
+          <p:nvPr/>
+        </p:nvPicPr>
+        <p:blipFill>
+          <a:blip r:embed="rId4">
+            <a:extLst>
+              <a:ext uri="{28A0092B-C50C-407E-A947-70E740481C1C}">
+                <a14:useLocalDpi xmlns:a14="http://schemas.microsoft.com/office/drawing/2010/main" val="0"/>
+              </a:ext>
+              <a:ext uri="{96DAC541-7B7A-43D3-8B79-37D633B846F1}">
+                <asvg:svgBlip xmlns:asvg="http://schemas.microsoft.com/office/drawing/2016/SVG/main" r:embed="rId5"/>
+              </a:ext>
+            </a:extLst>
+          </a:blip>
+          <a:stretch>
+            <a:fillRect/>
+          </a:stretch>
+        </p:blipFill>
+        <p:spPr>
+          <a:xfrm>
+            <a:off x="1281083" y="640080"/>
+            <a:ext cx="5588101" cy="5588101"/>
+          </a:xfrm>
+          <a:prstGeom prst="rect">
+            <a:avLst/>
+          </a:prstGeom>
+        </p:spPr>
+      </p:pic>
+      <p:sp>
+        <p:nvSpPr>
+          <p:cNvPr id="3" name="Content Placeholder 2">
+            <a:extLst>
+              <a:ext uri="{FF2B5EF4-FFF2-40B4-BE49-F238E27FC236}">
+                <a16:creationId xmlns:a16="http://schemas.microsoft.com/office/drawing/2014/main" id="{782BB4BE-EF59-4583-9BB8-924AD26167B4}"/>
+              </a:ext>
+            </a:extLst>
+          </p:cNvPr>
+          <p:cNvSpPr>
+            <a:spLocks noGrp="1"/>
+          </p:cNvSpPr>
+          <p:nvPr>
+            <p:ph idx="1"/>
+          </p:nvPr>
+        </p:nvSpPr>
+        <p:spPr>
+          <a:xfrm>
+            <a:off x="8156351" y="2121408"/>
+            <a:ext cx="3544034" cy="4050792"/>
+          </a:xfrm>
+        </p:spPr>
+        <p:txBody>
+          <a:bodyPr>
+            <a:normAutofit/>
+          </a:bodyPr>
+          <a:lstStyle/>
+          <a:p>
+            <a:pPr marL="0" indent="0" algn="ctr">
+              <a:buNone/>
+            </a:pPr>
+            <a:endParaRPr lang="en-US" sz="1600" dirty="0"/>
+          </a:p>
+          <a:p>
+            <a:pPr marL="0" indent="0" algn="ctr">
+              <a:buNone/>
+            </a:pPr>
+            <a:endParaRPr lang="en-US" sz="1600" dirty="0"/>
+          </a:p>
+          <a:p>
+            <a:pPr marL="0" indent="0" algn="ctr">
+              <a:buNone/>
+            </a:pPr>
+            <a:endParaRPr lang="en-US" sz="1600" dirty="0"/>
+          </a:p>
+          <a:p>
+            <a:pPr marL="0" indent="0" algn="ctr">
+              <a:buNone/>
+            </a:pPr>
+            <a:endParaRPr lang="en-US" sz="1600" dirty="0"/>
+          </a:p>
+          <a:p>
+            <a:pPr marL="0" indent="0" algn="ctr">
+              <a:buNone/>
+            </a:pPr>
+            <a:r>
+              <a:rPr lang="en-US" sz="3600" dirty="0"/>
+              <a:t>Q&amp;A</a:t>
+            </a:r>
+          </a:p>
+        </p:txBody>
+      </p:sp>
+      <p:grpSp>
+        <p:nvGrpSpPr>
+          <p:cNvPr id="9" name="Group 13">
+            <a:extLst>
+              <a:ext uri="{FF2B5EF4-FFF2-40B4-BE49-F238E27FC236}">
+                <a16:creationId xmlns:a16="http://schemas.microsoft.com/office/drawing/2014/main" id="{79532E44-64CD-4887-95E4-6D13510171F7}"/>
+              </a:ext>
+              <a:ext uri="{C183D7F6-B498-43B3-948B-1728B52AA6E4}">
+                <adec:decorative xmlns:adec="http://schemas.microsoft.com/office/drawing/2017/decorative" val="1"/>
+              </a:ext>
+            </a:extLst>
+          </p:cNvPr>
+          <p:cNvGrpSpPr>
+            <a:grpSpLocks noGrp="1" noUngrp="1" noRot="1" noChangeAspect="1" noMove="1" noResize="1"/>
+          </p:cNvGrpSpPr>
+          <p:nvPr>
+            <p:extLst>
+              <p:ext uri="{386F3935-93C4-4BCD-93E2-E3B085C9AB24}">
+                <p16:designElem xmlns:p16="http://schemas.microsoft.com/office/powerpoint/2015/main" val="1"/>
+              </p:ext>
+            </p:extLst>
+          </p:nvPr>
+        </p:nvGrpSpPr>
+        <p:grpSpPr>
+          <a:xfrm>
+            <a:off x="11401725" y="6229681"/>
+            <a:ext cx="457200" cy="457200"/>
+            <a:chOff x="11361456" y="6195813"/>
+            <a:chExt cx="548640" cy="548640"/>
+          </a:xfrm>
+        </p:grpSpPr>
+        <p:sp>
+          <p:nvSpPr>
+            <p:cNvPr id="15" name="Oval 14">
+              <a:extLst>
+                <a:ext uri="{FF2B5EF4-FFF2-40B4-BE49-F238E27FC236}">
+                  <a16:creationId xmlns:a16="http://schemas.microsoft.com/office/drawing/2014/main" id="{35C2F53F-F2F7-4BC7-88F8-CCFD6D3CB58A}"/>
+                </a:ext>
+                <a:ext uri="{C183D7F6-B498-43B3-948B-1728B52AA6E4}">
+                  <adec:decorative xmlns:adec="http://schemas.microsoft.com/office/drawing/2017/decorative" val="1"/>
+                </a:ext>
+              </a:extLst>
+            </p:cNvPr>
+            <p:cNvSpPr/>
+            <p:nvPr>
+              <p:extLst>
+                <p:ext uri="{386F3935-93C4-4BCD-93E2-E3B085C9AB24}">
+                  <p16:designElem xmlns:p16="http://schemas.microsoft.com/office/powerpoint/2015/main" val="1"/>
+                </p:ext>
+              </p:extLst>
+            </p:nvPr>
+          </p:nvSpPr>
+          <p:spPr>
+            <a:xfrm>
+              <a:off x="11361456" y="6195813"/>
+              <a:ext cx="548640" cy="548640"/>
+            </a:xfrm>
+            <a:prstGeom prst="ellipse">
+              <a:avLst/>
+            </a:prstGeom>
+            <a:blipFill dpi="0" rotWithShape="1">
+              <a:blip r:embed="rId6">
+                <a:duotone>
+                  <a:schemeClr val="accent2">
+                    <a:shade val="45000"/>
+                    <a:satMod val="135000"/>
+                  </a:schemeClr>
+                  <a:prstClr val="white"/>
+                </a:duotone>
+              </a:blip>
+              <a:srcRect/>
+              <a:tile tx="50800" ty="0" sx="85000" sy="85000" flip="none" algn="tl"/>
+            </a:blipFill>
+            <a:ln w="25400" cap="flat" cmpd="sng" algn="ctr">
+              <a:noFill/>
+              <a:prstDash val="solid"/>
+            </a:ln>
+            <a:effectLst/>
+          </p:spPr>
+          <p:txBody>
+            <a:bodyPr lIns="0" tIns="0" rIns="0" bIns="0" rtlCol="0" anchor="ctr"/>
+            <a:lstStyle/>
+            <a:p>
+              <a:pPr marL="0" marR="0" lvl="0" indent="0" algn="ctr" defTabSz="914400" eaLnBrk="1" fontAlgn="auto" latinLnBrk="0" hangingPunct="1">
+                <a:lnSpc>
+                  <a:spcPct val="100000"/>
+                </a:lnSpc>
+                <a:spcBef>
+                  <a:spcPts val="0"/>
+                </a:spcBef>
+                <a:spcAft>
+                  <a:spcPts val="0"/>
+                </a:spcAft>
+                <a:buClrTx/>
+                <a:buSzTx/>
+                <a:buFontTx/>
+                <a:buNone/>
+                <a:tabLst/>
+                <a:defRPr/>
+              </a:pPr>
+              <a:endParaRPr kumimoji="0" lang="en-US" sz="2000" b="0" i="0" u="none" strike="noStrike" kern="0" cap="none" spc="0" normalizeH="0" baseline="0" noProof="0" dirty="0">
+                <a:ln>
+                  <a:noFill/>
+                </a:ln>
+                <a:solidFill>
+                  <a:prstClr val="white"/>
+                </a:solidFill>
+                <a:effectLst/>
+                <a:uLnTx/>
+                <a:uFillTx/>
+                <a:latin typeface="Rockwell Extra Bold" pitchFamily="18" charset="0"/>
+                <a:ea typeface="+mn-ea"/>
+                <a:cs typeface="+mn-cs"/>
+              </a:endParaRPr>
+            </a:p>
+          </p:txBody>
+        </p:sp>
+        <p:sp>
+          <p:nvSpPr>
+            <p:cNvPr id="16" name="Oval 15">
+              <a:extLst>
+                <a:ext uri="{FF2B5EF4-FFF2-40B4-BE49-F238E27FC236}">
+                  <a16:creationId xmlns:a16="http://schemas.microsoft.com/office/drawing/2014/main" id="{9B3675A9-8FB2-4982-9BE7-47E456D0D38D}"/>
                 </a:ext>
                 <a:ext uri="{C183D7F6-B498-43B3-948B-1728B52AA6E4}">
                   <adec:decorative xmlns:adec="http://schemas.microsoft.com/office/drawing/2017/decorative" val="1"/>
@@ -6042,6 +6994,4529 @@
 </p:sld>
 </file>
 
+<file path=ppt/slides/slide2.xml><?xml version="1.0" encoding="utf-8"?>
+<p:sld xmlns:a="http://schemas.openxmlformats.org/drawingml/2006/main" xmlns:r="http://schemas.openxmlformats.org/officeDocument/2006/relationships" xmlns:p="http://schemas.openxmlformats.org/presentationml/2006/main">
+  <p:cSld>
+    <p:bg>
+      <p:bgPr>
+        <a:solidFill>
+          <a:schemeClr val="bg1"/>
+        </a:solidFill>
+        <a:effectLst/>
+      </p:bgPr>
+    </p:bg>
+    <p:spTree>
+      <p:nvGrpSpPr>
+        <p:cNvPr id="1" name=""/>
+        <p:cNvGrpSpPr/>
+        <p:nvPr/>
+      </p:nvGrpSpPr>
+      <p:grpSpPr>
+        <a:xfrm>
+          <a:off x="0" y="0"/>
+          <a:ext cx="0" cy="0"/>
+          <a:chOff x="0" y="0"/>
+          <a:chExt cx="0" cy="0"/>
+        </a:xfrm>
+      </p:grpSpPr>
+      <p:sp useBgFill="1">
+        <p:nvSpPr>
+          <p:cNvPr id="19" name="Rectangle 18">
+            <a:extLst>
+              <a:ext uri="{FF2B5EF4-FFF2-40B4-BE49-F238E27FC236}">
+                <a16:creationId xmlns:a16="http://schemas.microsoft.com/office/drawing/2014/main" id="{E009DD9B-5EE2-4C0D-8B2B-351C8C102205}"/>
+              </a:ext>
+              <a:ext uri="{C183D7F6-B498-43B3-948B-1728B52AA6E4}">
+                <adec:decorative xmlns:adec="http://schemas.microsoft.com/office/drawing/2017/decorative" val="1"/>
+              </a:ext>
+            </a:extLst>
+          </p:cNvPr>
+          <p:cNvSpPr>
+            <a:spLocks noGrp="1" noRot="1" noChangeAspect="1" noMove="1" noResize="1" noEditPoints="1" noAdjustHandles="1" noChangeArrowheads="1" noChangeShapeType="1" noTextEdit="1"/>
+          </p:cNvSpPr>
+          <p:nvPr>
+            <p:extLst>
+              <p:ext uri="{386F3935-93C4-4BCD-93E2-E3B085C9AB24}">
+                <p16:designElem xmlns:p16="http://schemas.microsoft.com/office/powerpoint/2015/main" val="1"/>
+              </p:ext>
+            </p:extLst>
+          </p:nvPr>
+        </p:nvSpPr>
+        <p:spPr>
+          <a:xfrm>
+            <a:off x="0" y="0"/>
+            <a:ext cx="12192000" cy="6858000"/>
+          </a:xfrm>
+          <a:prstGeom prst="rect">
+            <a:avLst/>
+          </a:prstGeom>
+          <a:ln>
+            <a:noFill/>
+          </a:ln>
+        </p:spPr>
+        <p:style>
+          <a:lnRef idx="2">
+            <a:schemeClr val="accent1">
+              <a:shade val="50000"/>
+            </a:schemeClr>
+          </a:lnRef>
+          <a:fillRef idx="1">
+            <a:schemeClr val="accent1"/>
+          </a:fillRef>
+          <a:effectRef idx="0">
+            <a:schemeClr val="accent1"/>
+          </a:effectRef>
+          <a:fontRef idx="minor">
+            <a:schemeClr val="lt1"/>
+          </a:fontRef>
+        </p:style>
+        <p:txBody>
+          <a:bodyPr rtlCol="0" anchor="ctr"/>
+          <a:lstStyle/>
+          <a:p>
+            <a:pPr algn="ctr"/>
+            <a:endParaRPr lang="en-US"/>
+          </a:p>
+        </p:txBody>
+      </p:sp>
+      <p:sp>
+        <p:nvSpPr>
+          <p:cNvPr id="21" name="Rectangle 20">
+            <a:extLst>
+              <a:ext uri="{FF2B5EF4-FFF2-40B4-BE49-F238E27FC236}">
+                <a16:creationId xmlns:a16="http://schemas.microsoft.com/office/drawing/2014/main" id="{E720DB99-7745-4E75-9D96-AAB6D55C531E}"/>
+              </a:ext>
+              <a:ext uri="{C183D7F6-B498-43B3-948B-1728B52AA6E4}">
+                <adec:decorative xmlns:adec="http://schemas.microsoft.com/office/drawing/2017/decorative" val="1"/>
+              </a:ext>
+            </a:extLst>
+          </p:cNvPr>
+          <p:cNvSpPr>
+            <a:spLocks noGrp="1" noRot="1" noChangeAspect="1" noMove="1" noResize="1" noEditPoints="1" noAdjustHandles="1" noChangeArrowheads="1" noChangeShapeType="1" noTextEdit="1"/>
+          </p:cNvSpPr>
+          <p:nvPr>
+            <p:extLst>
+              <p:ext uri="{386F3935-93C4-4BCD-93E2-E3B085C9AB24}">
+                <p16:designElem xmlns:p16="http://schemas.microsoft.com/office/powerpoint/2015/main" val="1"/>
+              </p:ext>
+            </p:extLst>
+          </p:nvPr>
+        </p:nvSpPr>
+        <p:spPr>
+          <a:xfrm>
+            <a:off x="984504" y="464119"/>
+            <a:ext cx="10222992" cy="80683"/>
+          </a:xfrm>
+          <a:prstGeom prst="rect">
+            <a:avLst/>
+          </a:prstGeom>
+          <a:blipFill dpi="0" rotWithShape="1">
+            <a:blip r:embed="rId2">
+              <a:alphaModFix amt="85000"/>
+              <a:lum bright="70000" contrast="-70000"/>
+              <a:extLst>
+                <a:ext uri="{BEBA8EAE-BF5A-486C-A8C5-ECC9F3942E4B}">
+                  <a14:imgProps xmlns:a14="http://schemas.microsoft.com/office/drawing/2010/main">
+                    <a14:imgLayer r:embed="rId3">
+                      <a14:imgEffect>
+                        <a14:sharpenSoften amount="61000"/>
+                      </a14:imgEffect>
+                    </a14:imgLayer>
+                  </a14:imgProps>
+                </a:ext>
+                <a:ext uri="{28A0092B-C50C-407E-A947-70E740481C1C}">
+                  <a14:useLocalDpi xmlns:a14="http://schemas.microsoft.com/office/drawing/2010/main" val="0"/>
+                </a:ext>
+              </a:extLst>
+            </a:blip>
+            <a:srcRect/>
+            <a:tile tx="0" ty="-762000" sx="92000" sy="89000" flip="xy" algn="ctr"/>
+          </a:blipFill>
+          <a:ln>
+            <a:noFill/>
+          </a:ln>
+        </p:spPr>
+        <p:style>
+          <a:lnRef idx="2">
+            <a:schemeClr val="accent1">
+              <a:shade val="50000"/>
+            </a:schemeClr>
+          </a:lnRef>
+          <a:fillRef idx="1">
+            <a:schemeClr val="accent1"/>
+          </a:fillRef>
+          <a:effectRef idx="0">
+            <a:schemeClr val="accent1"/>
+          </a:effectRef>
+          <a:fontRef idx="minor">
+            <a:schemeClr val="lt1"/>
+          </a:fontRef>
+        </p:style>
+      </p:sp>
+      <p:sp>
+        <p:nvSpPr>
+          <p:cNvPr id="23" name="Rectangle 22">
+            <a:extLst>
+              <a:ext uri="{FF2B5EF4-FFF2-40B4-BE49-F238E27FC236}">
+                <a16:creationId xmlns:a16="http://schemas.microsoft.com/office/drawing/2014/main" id="{D68803C4-E159-4360-B7BB-74205C8F782D}"/>
+              </a:ext>
+              <a:ext uri="{C183D7F6-B498-43B3-948B-1728B52AA6E4}">
+                <adec:decorative xmlns:adec="http://schemas.microsoft.com/office/drawing/2017/decorative" val="1"/>
+              </a:ext>
+            </a:extLst>
+          </p:cNvPr>
+          <p:cNvSpPr>
+            <a:spLocks noGrp="1" noRot="1" noChangeAspect="1" noMove="1" noResize="1" noEditPoints="1" noAdjustHandles="1" noChangeArrowheads="1" noChangeShapeType="1" noTextEdit="1"/>
+          </p:cNvSpPr>
+          <p:nvPr>
+            <p:extLst>
+              <p:ext uri="{386F3935-93C4-4BCD-93E2-E3B085C9AB24}">
+                <p16:designElem xmlns:p16="http://schemas.microsoft.com/office/powerpoint/2015/main" val="1"/>
+              </p:ext>
+            </p:extLst>
+          </p:nvPr>
+        </p:nvSpPr>
+        <p:spPr>
+          <a:xfrm>
+            <a:off x="984504" y="601952"/>
+            <a:ext cx="10222992" cy="1385874"/>
+          </a:xfrm>
+          <a:prstGeom prst="rect">
+            <a:avLst/>
+          </a:prstGeom>
+          <a:blipFill dpi="0" rotWithShape="1">
+            <a:blip r:embed="rId2">
+              <a:alphaModFix amt="85000"/>
+              <a:lum bright="70000" contrast="-70000"/>
+              <a:extLst>
+                <a:ext uri="{BEBA8EAE-BF5A-486C-A8C5-ECC9F3942E4B}">
+                  <a14:imgProps xmlns:a14="http://schemas.microsoft.com/office/drawing/2010/main">
+                    <a14:imgLayer r:embed="rId3">
+                      <a14:imgEffect>
+                        <a14:sharpenSoften amount="61000"/>
+                      </a14:imgEffect>
+                    </a14:imgLayer>
+                  </a14:imgProps>
+                </a:ext>
+                <a:ext uri="{28A0092B-C50C-407E-A947-70E740481C1C}">
+                  <a14:useLocalDpi xmlns:a14="http://schemas.microsoft.com/office/drawing/2010/main" val="0"/>
+                </a:ext>
+              </a:extLst>
+            </a:blip>
+            <a:srcRect/>
+            <a:tile tx="0" ty="-704850" sx="92000" sy="89000" flip="xy" algn="ctr"/>
+          </a:blipFill>
+          <a:ln>
+            <a:noFill/>
+          </a:ln>
+        </p:spPr>
+        <p:style>
+          <a:lnRef idx="2">
+            <a:schemeClr val="accent1">
+              <a:shade val="50000"/>
+            </a:schemeClr>
+          </a:lnRef>
+          <a:fillRef idx="1">
+            <a:schemeClr val="accent1"/>
+          </a:fillRef>
+          <a:effectRef idx="0">
+            <a:schemeClr val="accent1"/>
+          </a:effectRef>
+          <a:fontRef idx="minor">
+            <a:schemeClr val="lt1"/>
+          </a:fontRef>
+        </p:style>
+      </p:sp>
+      <p:sp>
+        <p:nvSpPr>
+          <p:cNvPr id="25" name="Rectangle 24">
+            <a:extLst>
+              <a:ext uri="{FF2B5EF4-FFF2-40B4-BE49-F238E27FC236}">
+                <a16:creationId xmlns:a16="http://schemas.microsoft.com/office/drawing/2014/main" id="{504B0465-3B07-49BF-BEA7-D81476246293}"/>
+              </a:ext>
+              <a:ext uri="{C183D7F6-B498-43B3-948B-1728B52AA6E4}">
+                <adec:decorative xmlns:adec="http://schemas.microsoft.com/office/drawing/2017/decorative" val="1"/>
+              </a:ext>
+            </a:extLst>
+          </p:cNvPr>
+          <p:cNvSpPr>
+            <a:spLocks noGrp="1" noRot="1" noChangeAspect="1" noMove="1" noResize="1" noEditPoints="1" noAdjustHandles="1" noChangeArrowheads="1" noChangeShapeType="1" noTextEdit="1"/>
+          </p:cNvSpPr>
+          <p:nvPr>
+            <p:extLst>
+              <p:ext uri="{386F3935-93C4-4BCD-93E2-E3B085C9AB24}">
+                <p16:designElem xmlns:p16="http://schemas.microsoft.com/office/powerpoint/2015/main" val="1"/>
+              </p:ext>
+            </p:extLst>
+          </p:nvPr>
+        </p:nvSpPr>
+        <p:spPr>
+          <a:xfrm>
+            <a:off x="984504" y="2038655"/>
+            <a:ext cx="10222992" cy="80683"/>
+          </a:xfrm>
+          <a:prstGeom prst="rect">
+            <a:avLst/>
+          </a:prstGeom>
+          <a:blipFill dpi="0" rotWithShape="1">
+            <a:blip r:embed="rId2">
+              <a:alphaModFix amt="85000"/>
+              <a:lum bright="70000" contrast="-70000"/>
+              <a:extLst>
+                <a:ext uri="{BEBA8EAE-BF5A-486C-A8C5-ECC9F3942E4B}">
+                  <a14:imgProps xmlns:a14="http://schemas.microsoft.com/office/drawing/2010/main">
+                    <a14:imgLayer r:embed="rId3">
+                      <a14:imgEffect>
+                        <a14:sharpenSoften amount="61000"/>
+                      </a14:imgEffect>
+                    </a14:imgLayer>
+                  </a14:imgProps>
+                </a:ext>
+                <a:ext uri="{28A0092B-C50C-407E-A947-70E740481C1C}">
+                  <a14:useLocalDpi xmlns:a14="http://schemas.microsoft.com/office/drawing/2010/main" val="0"/>
+                </a:ext>
+              </a:extLst>
+            </a:blip>
+            <a:srcRect/>
+            <a:tile tx="0" ty="-717550" sx="92000" sy="89000" flip="xy" algn="ctr"/>
+          </a:blipFill>
+          <a:ln>
+            <a:noFill/>
+          </a:ln>
+        </p:spPr>
+        <p:style>
+          <a:lnRef idx="2">
+            <a:schemeClr val="accent1">
+              <a:shade val="50000"/>
+            </a:schemeClr>
+          </a:lnRef>
+          <a:fillRef idx="1">
+            <a:schemeClr val="accent1"/>
+          </a:fillRef>
+          <a:effectRef idx="0">
+            <a:schemeClr val="accent1"/>
+          </a:effectRef>
+          <a:fontRef idx="minor">
+            <a:schemeClr val="lt1"/>
+          </a:fontRef>
+        </p:style>
+      </p:sp>
+      <p:sp>
+        <p:nvSpPr>
+          <p:cNvPr id="2" name="Title 1">
+            <a:extLst>
+              <a:ext uri="{FF2B5EF4-FFF2-40B4-BE49-F238E27FC236}">
+                <a16:creationId xmlns:a16="http://schemas.microsoft.com/office/drawing/2014/main" id="{B23118B8-26F5-4FE3-B634-7EB0E9B7CDF3}"/>
+              </a:ext>
+            </a:extLst>
+          </p:cNvPr>
+          <p:cNvSpPr>
+            <a:spLocks noGrp="1"/>
+          </p:cNvSpPr>
+          <p:nvPr>
+            <p:ph type="title"/>
+          </p:nvPr>
+        </p:nvSpPr>
+        <p:spPr>
+          <a:xfrm>
+            <a:off x="1069848" y="484632"/>
+            <a:ext cx="10058400" cy="1609344"/>
+          </a:xfrm>
+        </p:spPr>
+        <p:txBody>
+          <a:bodyPr>
+            <a:normAutofit/>
+          </a:bodyPr>
+          <a:lstStyle/>
+          <a:p>
+            <a:r>
+              <a:rPr lang="en-US"/>
+              <a:t>OVERVIEW</a:t>
+            </a:r>
+          </a:p>
+        </p:txBody>
+      </p:sp>
+      <p:sp>
+        <p:nvSpPr>
+          <p:cNvPr id="3" name="Content Placeholder 2">
+            <a:extLst>
+              <a:ext uri="{FF2B5EF4-FFF2-40B4-BE49-F238E27FC236}">
+                <a16:creationId xmlns:a16="http://schemas.microsoft.com/office/drawing/2014/main" id="{82E23BDC-8EB3-4481-9A66-7423DAE0B6F7}"/>
+              </a:ext>
+            </a:extLst>
+          </p:cNvPr>
+          <p:cNvSpPr>
+            <a:spLocks noGrp="1"/>
+          </p:cNvSpPr>
+          <p:nvPr>
+            <p:ph idx="1"/>
+          </p:nvPr>
+        </p:nvSpPr>
+        <p:spPr>
+          <a:xfrm>
+            <a:off x="1069848" y="2320412"/>
+            <a:ext cx="10058400" cy="3851787"/>
+          </a:xfrm>
+        </p:spPr>
+        <p:txBody>
+          <a:bodyPr>
+            <a:normAutofit/>
+          </a:bodyPr>
+          <a:lstStyle/>
+          <a:p>
+            <a:r>
+              <a:rPr lang="en-US" dirty="0"/>
+              <a:t>processor development is clearly heading to an era where chips comprising multiple processor cores (tens or even hundreds) are ubiquitous</a:t>
+            </a:r>
+          </a:p>
+          <a:p>
+            <a:r>
+              <a:rPr lang="en-US" dirty="0"/>
+              <a:t>parallel systems are increasingly being built with multiple CPU cores on a single node, all sharing memory</a:t>
+            </a:r>
+          </a:p>
+          <a:p>
+            <a:r>
+              <a:rPr lang="en-US" dirty="0"/>
+              <a:t>researchers are evaluating other programming models that involve fewer MPI processes per node and use threads to exploit loop-level and other parallelism</a:t>
+            </a:r>
+          </a:p>
+          <a:p>
+            <a:r>
+              <a:rPr lang="en-US" dirty="0"/>
+              <a:t>MPI implementations have traditionally not provided highly tuned support for multithreaded MPI communication (some implementations do not support thread safety – Microsoft MPI, NEC MPI, IBM MPI for Blue Gene/L – others do – MPICH, Open MPI) </a:t>
+            </a:r>
+          </a:p>
+          <a:p>
+            <a:r>
+              <a:rPr lang="en-US" dirty="0"/>
+              <a:t>designing an efficient, thread-safe MPI implementation is a nontrivial task</a:t>
+            </a:r>
+          </a:p>
+        </p:txBody>
+      </p:sp>
+      <p:sp>
+        <p:nvSpPr>
+          <p:cNvPr id="27" name="Oval 26">
+            <a:extLst>
+              <a:ext uri="{FF2B5EF4-FFF2-40B4-BE49-F238E27FC236}">
+                <a16:creationId xmlns:a16="http://schemas.microsoft.com/office/drawing/2014/main" id="{49B7FFA5-14CB-4A4F-9BCC-CA3AA5D9D276}"/>
+              </a:ext>
+              <a:ext uri="{C183D7F6-B498-43B3-948B-1728B52AA6E4}">
+                <adec:decorative xmlns:adec="http://schemas.microsoft.com/office/drawing/2017/decorative" val="1"/>
+              </a:ext>
+            </a:extLst>
+          </p:cNvPr>
+          <p:cNvSpPr>
+            <a:spLocks noGrp="1" noRot="1" noChangeAspect="1" noMove="1" noResize="1" noEditPoints="1" noAdjustHandles="1" noChangeArrowheads="1" noChangeShapeType="1" noTextEdit="1"/>
+          </p:cNvSpPr>
+          <p:nvPr>
+            <p:extLst>
+              <p:ext uri="{386F3935-93C4-4BCD-93E2-E3B085C9AB24}">
+                <p16:designElem xmlns:p16="http://schemas.microsoft.com/office/powerpoint/2015/main" val="1"/>
+              </p:ext>
+            </p:extLst>
+          </p:nvPr>
+        </p:nvSpPr>
+        <p:spPr>
+          <a:xfrm>
+            <a:off x="11401725" y="6229681"/>
+            <a:ext cx="457200" cy="457200"/>
+          </a:xfrm>
+          <a:prstGeom prst="ellipse">
+            <a:avLst/>
+          </a:prstGeom>
+          <a:blipFill dpi="0" rotWithShape="1">
+            <a:blip r:embed="rId4">
+              <a:duotone>
+                <a:schemeClr val="accent1">
+                  <a:shade val="45000"/>
+                  <a:satMod val="135000"/>
+                </a:schemeClr>
+                <a:prstClr val="white"/>
+              </a:duotone>
+            </a:blip>
+            <a:srcRect/>
+            <a:tile tx="50800" ty="0" sx="85000" sy="85000" flip="none" algn="tl"/>
+          </a:blipFill>
+          <a:ln w="25400" cap="flat" cmpd="sng" algn="ctr">
+            <a:noFill/>
+            <a:prstDash val="solid"/>
+          </a:ln>
+          <a:effectLst/>
+        </p:spPr>
+        <p:txBody>
+          <a:bodyPr lIns="0" tIns="0" rIns="0" bIns="0" rtlCol="0" anchor="ctr"/>
+          <a:lstStyle/>
+          <a:p>
+            <a:pPr marL="0" marR="0" lvl="0" indent="0" algn="ctr" defTabSz="914400" eaLnBrk="1" fontAlgn="auto" latinLnBrk="0" hangingPunct="1">
+              <a:lnSpc>
+                <a:spcPct val="100000"/>
+              </a:lnSpc>
+              <a:spcBef>
+                <a:spcPts val="0"/>
+              </a:spcBef>
+              <a:spcAft>
+                <a:spcPts val="0"/>
+              </a:spcAft>
+              <a:buClrTx/>
+              <a:buSzTx/>
+              <a:buFontTx/>
+              <a:buNone/>
+              <a:tabLst/>
+              <a:defRPr/>
+            </a:pPr>
+            <a:endParaRPr kumimoji="0" lang="en-US" sz="2000" b="0" i="0" u="none" strike="noStrike" kern="0" cap="none" spc="0" normalizeH="0" baseline="0" noProof="0" dirty="0">
+              <a:ln>
+                <a:noFill/>
+              </a:ln>
+              <a:solidFill>
+                <a:prstClr val="white"/>
+              </a:solidFill>
+              <a:effectLst/>
+              <a:uLnTx/>
+              <a:uFillTx/>
+              <a:latin typeface="Rockwell Extra Bold" pitchFamily="18" charset="0"/>
+              <a:ea typeface="+mn-ea"/>
+              <a:cs typeface="+mn-cs"/>
+            </a:endParaRPr>
+          </a:p>
+        </p:txBody>
+      </p:sp>
+      <p:sp>
+        <p:nvSpPr>
+          <p:cNvPr id="29" name="Oval 28">
+            <a:extLst>
+              <a:ext uri="{FF2B5EF4-FFF2-40B4-BE49-F238E27FC236}">
+                <a16:creationId xmlns:a16="http://schemas.microsoft.com/office/drawing/2014/main" id="{04E48745-7512-4EC2-9E20-9092D12150CA}"/>
+              </a:ext>
+              <a:ext uri="{C183D7F6-B498-43B3-948B-1728B52AA6E4}">
+                <adec:decorative xmlns:adec="http://schemas.microsoft.com/office/drawing/2017/decorative" val="1"/>
+              </a:ext>
+            </a:extLst>
+          </p:cNvPr>
+          <p:cNvSpPr>
+            <a:spLocks noGrp="1" noRot="1" noChangeAspect="1" noMove="1" noResize="1" noEditPoints="1" noAdjustHandles="1" noChangeArrowheads="1" noChangeShapeType="1" noTextEdit="1"/>
+          </p:cNvSpPr>
+          <p:nvPr>
+            <p:extLst>
+              <p:ext uri="{386F3935-93C4-4BCD-93E2-E3B085C9AB24}">
+                <p16:designElem xmlns:p16="http://schemas.microsoft.com/office/powerpoint/2015/main" val="1"/>
+              </p:ext>
+            </p:extLst>
+          </p:nvPr>
+        </p:nvSpPr>
+        <p:spPr>
+          <a:xfrm>
+            <a:off x="11430918" y="6258874"/>
+            <a:ext cx="398813" cy="398815"/>
+          </a:xfrm>
+          <a:prstGeom prst="ellipse">
+            <a:avLst/>
+          </a:prstGeom>
+          <a:noFill/>
+          <a:ln w="12700" cap="flat" cmpd="sng" algn="ctr">
+            <a:solidFill>
+              <a:srgbClr val="FFFFFF"/>
+            </a:solidFill>
+            <a:prstDash val="solid"/>
+          </a:ln>
+          <a:effectLst/>
+        </p:spPr>
+        <p:txBody>
+          <a:bodyPr rtlCol="0" anchor="ctr"/>
+          <a:lstStyle/>
+          <a:p>
+            <a:pPr marL="0" marR="0" lvl="0" indent="0" algn="ctr" defTabSz="914400" eaLnBrk="1" fontAlgn="auto" latinLnBrk="0" hangingPunct="1">
+              <a:lnSpc>
+                <a:spcPct val="100000"/>
+              </a:lnSpc>
+              <a:spcBef>
+                <a:spcPts val="0"/>
+              </a:spcBef>
+              <a:spcAft>
+                <a:spcPts val="0"/>
+              </a:spcAft>
+              <a:buClrTx/>
+              <a:buSzTx/>
+              <a:buFontTx/>
+              <a:buNone/>
+              <a:tabLst/>
+              <a:defRPr/>
+            </a:pPr>
+            <a:endParaRPr kumimoji="0" lang="en-US" sz="1800" b="0" i="0" u="none" strike="noStrike" kern="0" cap="none" spc="0" normalizeH="0" baseline="0" noProof="0" dirty="0">
+              <a:ln>
+                <a:noFill/>
+              </a:ln>
+              <a:solidFill>
+                <a:prstClr val="white"/>
+              </a:solidFill>
+              <a:effectLst/>
+              <a:uLnTx/>
+              <a:uFillTx/>
+              <a:latin typeface="Calibri"/>
+              <a:ea typeface="+mn-ea"/>
+              <a:cs typeface="+mn-cs"/>
+            </a:endParaRPr>
+          </a:p>
+        </p:txBody>
+      </p:sp>
+    </p:spTree>
+    <p:extLst>
+      <p:ext uri="{BB962C8B-B14F-4D97-AF65-F5344CB8AC3E}">
+        <p14:creationId xmlns:p14="http://schemas.microsoft.com/office/powerpoint/2010/main" val="1736767016"/>
+      </p:ext>
+    </p:extLst>
+  </p:cSld>
+  <p:clrMapOvr>
+    <a:masterClrMapping/>
+  </p:clrMapOvr>
+</p:sld>
+</file>
+
+<file path=ppt/slides/slide3.xml><?xml version="1.0" encoding="utf-8"?>
+<p:sld xmlns:a="http://schemas.openxmlformats.org/drawingml/2006/main" xmlns:r="http://schemas.openxmlformats.org/officeDocument/2006/relationships" xmlns:p="http://schemas.openxmlformats.org/presentationml/2006/main">
+  <p:cSld>
+    <p:bg>
+      <p:bgPr>
+        <a:solidFill>
+          <a:schemeClr val="bg1"/>
+        </a:solidFill>
+        <a:effectLst/>
+      </p:bgPr>
+    </p:bg>
+    <p:spTree>
+      <p:nvGrpSpPr>
+        <p:cNvPr id="1" name=""/>
+        <p:cNvGrpSpPr/>
+        <p:nvPr/>
+      </p:nvGrpSpPr>
+      <p:grpSpPr>
+        <a:xfrm>
+          <a:off x="0" y="0"/>
+          <a:ext cx="0" cy="0"/>
+          <a:chOff x="0" y="0"/>
+          <a:chExt cx="0" cy="0"/>
+        </a:xfrm>
+      </p:grpSpPr>
+      <p:sp useBgFill="1">
+        <p:nvSpPr>
+          <p:cNvPr id="8" name="Rectangle 7">
+            <a:extLst>
+              <a:ext uri="{FF2B5EF4-FFF2-40B4-BE49-F238E27FC236}">
+                <a16:creationId xmlns:a16="http://schemas.microsoft.com/office/drawing/2014/main" id="{E009DD9B-5EE2-4C0D-8B2B-351C8C102205}"/>
+              </a:ext>
+              <a:ext uri="{C183D7F6-B498-43B3-948B-1728B52AA6E4}">
+                <adec:decorative xmlns:adec="http://schemas.microsoft.com/office/drawing/2017/decorative" val="1"/>
+              </a:ext>
+            </a:extLst>
+          </p:cNvPr>
+          <p:cNvSpPr>
+            <a:spLocks noGrp="1" noRot="1" noChangeAspect="1" noMove="1" noResize="1" noEditPoints="1" noAdjustHandles="1" noChangeArrowheads="1" noChangeShapeType="1" noTextEdit="1"/>
+          </p:cNvSpPr>
+          <p:nvPr>
+            <p:extLst>
+              <p:ext uri="{386F3935-93C4-4BCD-93E2-E3B085C9AB24}">
+                <p16:designElem xmlns:p16="http://schemas.microsoft.com/office/powerpoint/2015/main" val="1"/>
+              </p:ext>
+            </p:extLst>
+          </p:nvPr>
+        </p:nvSpPr>
+        <p:spPr>
+          <a:xfrm>
+            <a:off x="0" y="0"/>
+            <a:ext cx="12192000" cy="6858000"/>
+          </a:xfrm>
+          <a:prstGeom prst="rect">
+            <a:avLst/>
+          </a:prstGeom>
+          <a:ln>
+            <a:noFill/>
+          </a:ln>
+        </p:spPr>
+        <p:style>
+          <a:lnRef idx="2">
+            <a:schemeClr val="accent1">
+              <a:shade val="50000"/>
+            </a:schemeClr>
+          </a:lnRef>
+          <a:fillRef idx="1">
+            <a:schemeClr val="accent1"/>
+          </a:fillRef>
+          <a:effectRef idx="0">
+            <a:schemeClr val="accent1"/>
+          </a:effectRef>
+          <a:fontRef idx="minor">
+            <a:schemeClr val="lt1"/>
+          </a:fontRef>
+        </p:style>
+        <p:txBody>
+          <a:bodyPr rtlCol="0" anchor="ctr"/>
+          <a:lstStyle/>
+          <a:p>
+            <a:pPr algn="ctr"/>
+            <a:endParaRPr lang="en-US"/>
+          </a:p>
+        </p:txBody>
+      </p:sp>
+      <p:sp>
+        <p:nvSpPr>
+          <p:cNvPr id="10" name="Rectangle 9">
+            <a:extLst>
+              <a:ext uri="{FF2B5EF4-FFF2-40B4-BE49-F238E27FC236}">
+                <a16:creationId xmlns:a16="http://schemas.microsoft.com/office/drawing/2014/main" id="{E720DB99-7745-4E75-9D96-AAB6D55C531E}"/>
+              </a:ext>
+              <a:ext uri="{C183D7F6-B498-43B3-948B-1728B52AA6E4}">
+                <adec:decorative xmlns:adec="http://schemas.microsoft.com/office/drawing/2017/decorative" val="1"/>
+              </a:ext>
+            </a:extLst>
+          </p:cNvPr>
+          <p:cNvSpPr>
+            <a:spLocks noGrp="1" noRot="1" noChangeAspect="1" noMove="1" noResize="1" noEditPoints="1" noAdjustHandles="1" noChangeArrowheads="1" noChangeShapeType="1" noTextEdit="1"/>
+          </p:cNvSpPr>
+          <p:nvPr>
+            <p:extLst>
+              <p:ext uri="{386F3935-93C4-4BCD-93E2-E3B085C9AB24}">
+                <p16:designElem xmlns:p16="http://schemas.microsoft.com/office/powerpoint/2015/main" val="1"/>
+              </p:ext>
+            </p:extLst>
+          </p:nvPr>
+        </p:nvSpPr>
+        <p:spPr>
+          <a:xfrm>
+            <a:off x="984504" y="464119"/>
+            <a:ext cx="10222992" cy="80683"/>
+          </a:xfrm>
+          <a:prstGeom prst="rect">
+            <a:avLst/>
+          </a:prstGeom>
+          <a:blipFill dpi="0" rotWithShape="1">
+            <a:blip r:embed="rId2">
+              <a:alphaModFix amt="85000"/>
+              <a:lum bright="70000" contrast="-70000"/>
+              <a:extLst>
+                <a:ext uri="{BEBA8EAE-BF5A-486C-A8C5-ECC9F3942E4B}">
+                  <a14:imgProps xmlns:a14="http://schemas.microsoft.com/office/drawing/2010/main">
+                    <a14:imgLayer r:embed="rId3">
+                      <a14:imgEffect>
+                        <a14:sharpenSoften amount="61000"/>
+                      </a14:imgEffect>
+                    </a14:imgLayer>
+                  </a14:imgProps>
+                </a:ext>
+                <a:ext uri="{28A0092B-C50C-407E-A947-70E740481C1C}">
+                  <a14:useLocalDpi xmlns:a14="http://schemas.microsoft.com/office/drawing/2010/main" val="0"/>
+                </a:ext>
+              </a:extLst>
+            </a:blip>
+            <a:srcRect/>
+            <a:tile tx="0" ty="-762000" sx="92000" sy="89000" flip="xy" algn="ctr"/>
+          </a:blipFill>
+          <a:ln>
+            <a:noFill/>
+          </a:ln>
+        </p:spPr>
+        <p:style>
+          <a:lnRef idx="2">
+            <a:schemeClr val="accent1">
+              <a:shade val="50000"/>
+            </a:schemeClr>
+          </a:lnRef>
+          <a:fillRef idx="1">
+            <a:schemeClr val="accent1"/>
+          </a:fillRef>
+          <a:effectRef idx="0">
+            <a:schemeClr val="accent1"/>
+          </a:effectRef>
+          <a:fontRef idx="minor">
+            <a:schemeClr val="lt1"/>
+          </a:fontRef>
+        </p:style>
+      </p:sp>
+      <p:sp>
+        <p:nvSpPr>
+          <p:cNvPr id="12" name="Rectangle 11">
+            <a:extLst>
+              <a:ext uri="{FF2B5EF4-FFF2-40B4-BE49-F238E27FC236}">
+                <a16:creationId xmlns:a16="http://schemas.microsoft.com/office/drawing/2014/main" id="{D68803C4-E159-4360-B7BB-74205C8F782D}"/>
+              </a:ext>
+              <a:ext uri="{C183D7F6-B498-43B3-948B-1728B52AA6E4}">
+                <adec:decorative xmlns:adec="http://schemas.microsoft.com/office/drawing/2017/decorative" val="1"/>
+              </a:ext>
+            </a:extLst>
+          </p:cNvPr>
+          <p:cNvSpPr>
+            <a:spLocks noGrp="1" noRot="1" noChangeAspect="1" noMove="1" noResize="1" noEditPoints="1" noAdjustHandles="1" noChangeArrowheads="1" noChangeShapeType="1" noTextEdit="1"/>
+          </p:cNvSpPr>
+          <p:nvPr>
+            <p:extLst>
+              <p:ext uri="{386F3935-93C4-4BCD-93E2-E3B085C9AB24}">
+                <p16:designElem xmlns:p16="http://schemas.microsoft.com/office/powerpoint/2015/main" val="1"/>
+              </p:ext>
+            </p:extLst>
+          </p:nvPr>
+        </p:nvSpPr>
+        <p:spPr>
+          <a:xfrm>
+            <a:off x="984504" y="601952"/>
+            <a:ext cx="10222992" cy="1385874"/>
+          </a:xfrm>
+          <a:prstGeom prst="rect">
+            <a:avLst/>
+          </a:prstGeom>
+          <a:blipFill dpi="0" rotWithShape="1">
+            <a:blip r:embed="rId2">
+              <a:alphaModFix amt="85000"/>
+              <a:lum bright="70000" contrast="-70000"/>
+              <a:extLst>
+                <a:ext uri="{BEBA8EAE-BF5A-486C-A8C5-ECC9F3942E4B}">
+                  <a14:imgProps xmlns:a14="http://schemas.microsoft.com/office/drawing/2010/main">
+                    <a14:imgLayer r:embed="rId3">
+                      <a14:imgEffect>
+                        <a14:sharpenSoften amount="61000"/>
+                      </a14:imgEffect>
+                    </a14:imgLayer>
+                  </a14:imgProps>
+                </a:ext>
+                <a:ext uri="{28A0092B-C50C-407E-A947-70E740481C1C}">
+                  <a14:useLocalDpi xmlns:a14="http://schemas.microsoft.com/office/drawing/2010/main" val="0"/>
+                </a:ext>
+              </a:extLst>
+            </a:blip>
+            <a:srcRect/>
+            <a:tile tx="0" ty="-704850" sx="92000" sy="89000" flip="xy" algn="ctr"/>
+          </a:blipFill>
+          <a:ln>
+            <a:noFill/>
+          </a:ln>
+        </p:spPr>
+        <p:style>
+          <a:lnRef idx="2">
+            <a:schemeClr val="accent1">
+              <a:shade val="50000"/>
+            </a:schemeClr>
+          </a:lnRef>
+          <a:fillRef idx="1">
+            <a:schemeClr val="accent1"/>
+          </a:fillRef>
+          <a:effectRef idx="0">
+            <a:schemeClr val="accent1"/>
+          </a:effectRef>
+          <a:fontRef idx="minor">
+            <a:schemeClr val="lt1"/>
+          </a:fontRef>
+        </p:style>
+      </p:sp>
+      <p:sp>
+        <p:nvSpPr>
+          <p:cNvPr id="14" name="Rectangle 13">
+            <a:extLst>
+              <a:ext uri="{FF2B5EF4-FFF2-40B4-BE49-F238E27FC236}">
+                <a16:creationId xmlns:a16="http://schemas.microsoft.com/office/drawing/2014/main" id="{504B0465-3B07-49BF-BEA7-D81476246293}"/>
+              </a:ext>
+              <a:ext uri="{C183D7F6-B498-43B3-948B-1728B52AA6E4}">
+                <adec:decorative xmlns:adec="http://schemas.microsoft.com/office/drawing/2017/decorative" val="1"/>
+              </a:ext>
+            </a:extLst>
+          </p:cNvPr>
+          <p:cNvSpPr>
+            <a:spLocks noGrp="1" noRot="1" noChangeAspect="1" noMove="1" noResize="1" noEditPoints="1" noAdjustHandles="1" noChangeArrowheads="1" noChangeShapeType="1" noTextEdit="1"/>
+          </p:cNvSpPr>
+          <p:nvPr>
+            <p:extLst>
+              <p:ext uri="{386F3935-93C4-4BCD-93E2-E3B085C9AB24}">
+                <p16:designElem xmlns:p16="http://schemas.microsoft.com/office/powerpoint/2015/main" val="1"/>
+              </p:ext>
+            </p:extLst>
+          </p:nvPr>
+        </p:nvSpPr>
+        <p:spPr>
+          <a:xfrm>
+            <a:off x="984504" y="2038655"/>
+            <a:ext cx="10222992" cy="80683"/>
+          </a:xfrm>
+          <a:prstGeom prst="rect">
+            <a:avLst/>
+          </a:prstGeom>
+          <a:blipFill dpi="0" rotWithShape="1">
+            <a:blip r:embed="rId2">
+              <a:alphaModFix amt="85000"/>
+              <a:lum bright="70000" contrast="-70000"/>
+              <a:extLst>
+                <a:ext uri="{BEBA8EAE-BF5A-486C-A8C5-ECC9F3942E4B}">
+                  <a14:imgProps xmlns:a14="http://schemas.microsoft.com/office/drawing/2010/main">
+                    <a14:imgLayer r:embed="rId3">
+                      <a14:imgEffect>
+                        <a14:sharpenSoften amount="61000"/>
+                      </a14:imgEffect>
+                    </a14:imgLayer>
+                  </a14:imgProps>
+                </a:ext>
+                <a:ext uri="{28A0092B-C50C-407E-A947-70E740481C1C}">
+                  <a14:useLocalDpi xmlns:a14="http://schemas.microsoft.com/office/drawing/2010/main" val="0"/>
+                </a:ext>
+              </a:extLst>
+            </a:blip>
+            <a:srcRect/>
+            <a:tile tx="0" ty="-717550" sx="92000" sy="89000" flip="xy" algn="ctr"/>
+          </a:blipFill>
+          <a:ln>
+            <a:noFill/>
+          </a:ln>
+        </p:spPr>
+        <p:style>
+          <a:lnRef idx="2">
+            <a:schemeClr val="accent1">
+              <a:shade val="50000"/>
+            </a:schemeClr>
+          </a:lnRef>
+          <a:fillRef idx="1">
+            <a:schemeClr val="accent1"/>
+          </a:fillRef>
+          <a:effectRef idx="0">
+            <a:schemeClr val="accent1"/>
+          </a:effectRef>
+          <a:fontRef idx="minor">
+            <a:schemeClr val="lt1"/>
+          </a:fontRef>
+        </p:style>
+      </p:sp>
+      <p:sp>
+        <p:nvSpPr>
+          <p:cNvPr id="2" name="Title 1">
+            <a:extLst>
+              <a:ext uri="{FF2B5EF4-FFF2-40B4-BE49-F238E27FC236}">
+                <a16:creationId xmlns:a16="http://schemas.microsoft.com/office/drawing/2014/main" id="{04040A95-069C-45E9-AA81-144BB7EE9488}"/>
+              </a:ext>
+            </a:extLst>
+          </p:cNvPr>
+          <p:cNvSpPr>
+            <a:spLocks noGrp="1"/>
+          </p:cNvSpPr>
+          <p:nvPr>
+            <p:ph type="title"/>
+          </p:nvPr>
+        </p:nvSpPr>
+        <p:spPr>
+          <a:xfrm>
+            <a:off x="1069848" y="484632"/>
+            <a:ext cx="10058400" cy="1609344"/>
+          </a:xfrm>
+        </p:spPr>
+        <p:txBody>
+          <a:bodyPr>
+            <a:normAutofit/>
+          </a:bodyPr>
+          <a:lstStyle/>
+          <a:p>
+            <a:r>
+              <a:rPr lang="en-US"/>
+              <a:t>THREAD SAFETY IN MPI</a:t>
+            </a:r>
+          </a:p>
+        </p:txBody>
+      </p:sp>
+      <p:sp>
+        <p:nvSpPr>
+          <p:cNvPr id="3" name="Content Placeholder 2">
+            <a:extLst>
+              <a:ext uri="{FF2B5EF4-FFF2-40B4-BE49-F238E27FC236}">
+                <a16:creationId xmlns:a16="http://schemas.microsoft.com/office/drawing/2014/main" id="{6384528C-279E-454B-ACE2-0789CC99B18C}"/>
+              </a:ext>
+            </a:extLst>
+          </p:cNvPr>
+          <p:cNvSpPr>
+            <a:spLocks noGrp="1"/>
+          </p:cNvSpPr>
+          <p:nvPr>
+            <p:ph idx="1"/>
+          </p:nvPr>
+        </p:nvSpPr>
+        <p:spPr>
+          <a:xfrm>
+            <a:off x="1069848" y="2320412"/>
+            <a:ext cx="10058400" cy="3851787"/>
+          </a:xfrm>
+        </p:spPr>
+        <p:txBody>
+          <a:bodyPr>
+            <a:normAutofit/>
+          </a:bodyPr>
+          <a:lstStyle/>
+          <a:p>
+            <a:r>
+              <a:rPr lang="en-US" dirty="0"/>
+              <a:t>for performance reasons, MPI defines four “levels” of thread safety, and allows the user to indicate the level desired:</a:t>
+            </a:r>
+          </a:p>
+          <a:p>
+            <a:pPr lvl="1"/>
+            <a:r>
+              <a:rPr lang="en-US" b="1" dirty="0"/>
+              <a:t>MPI_THREAD_SINGLE:</a:t>
+            </a:r>
+            <a:r>
+              <a:rPr lang="en-US" dirty="0"/>
+              <a:t> each process has a single thread of execution</a:t>
+            </a:r>
+          </a:p>
+          <a:p>
+            <a:pPr lvl="1"/>
+            <a:r>
+              <a:rPr lang="en-US" b="1" dirty="0"/>
+              <a:t>MPI_THREAD_FUNNELED:</a:t>
+            </a:r>
+            <a:r>
+              <a:rPr lang="en-US" dirty="0"/>
+              <a:t> a process may be multithreaded, but only the thread that initialized MPI may make MPI calls</a:t>
+            </a:r>
+          </a:p>
+          <a:p>
+            <a:pPr lvl="1"/>
+            <a:r>
+              <a:rPr lang="en-US" b="1" dirty="0"/>
+              <a:t>MPI_THREAD_SERIALIZED:</a:t>
+            </a:r>
+            <a:r>
+              <a:rPr lang="en-US" dirty="0"/>
+              <a:t> a process may be multithreaded, but only one thread at a time may make MPI calls</a:t>
+            </a:r>
+          </a:p>
+          <a:p>
+            <a:pPr lvl="1"/>
+            <a:r>
+              <a:rPr lang="en-US" b="1" dirty="0"/>
+              <a:t>MPI_THREAD_MULTIPLE:</a:t>
+            </a:r>
+            <a:r>
+              <a:rPr lang="en-US" dirty="0"/>
+              <a:t> a process may be multithreaded, and multiple threads may simultaneously call MPI functions (with some restrictions mentioned below)</a:t>
+            </a:r>
+          </a:p>
+          <a:p>
+            <a:r>
+              <a:rPr lang="en-US" dirty="0"/>
+              <a:t>the idea is that the implementation does not need to incur the cost for a higher level of thread safety than the user needs</a:t>
+            </a:r>
+          </a:p>
+          <a:p>
+            <a:endParaRPr lang="en-US" dirty="0"/>
+          </a:p>
+          <a:p>
+            <a:endParaRPr lang="en-US" dirty="0"/>
+          </a:p>
+          <a:p>
+            <a:endParaRPr lang="en-US" dirty="0"/>
+          </a:p>
+        </p:txBody>
+      </p:sp>
+      <p:sp>
+        <p:nvSpPr>
+          <p:cNvPr id="16" name="Oval 15">
+            <a:extLst>
+              <a:ext uri="{FF2B5EF4-FFF2-40B4-BE49-F238E27FC236}">
+                <a16:creationId xmlns:a16="http://schemas.microsoft.com/office/drawing/2014/main" id="{49B7FFA5-14CB-4A4F-9BCC-CA3AA5D9D276}"/>
+              </a:ext>
+              <a:ext uri="{C183D7F6-B498-43B3-948B-1728B52AA6E4}">
+                <adec:decorative xmlns:adec="http://schemas.microsoft.com/office/drawing/2017/decorative" val="1"/>
+              </a:ext>
+            </a:extLst>
+          </p:cNvPr>
+          <p:cNvSpPr>
+            <a:spLocks noGrp="1" noRot="1" noChangeAspect="1" noMove="1" noResize="1" noEditPoints="1" noAdjustHandles="1" noChangeArrowheads="1" noChangeShapeType="1" noTextEdit="1"/>
+          </p:cNvSpPr>
+          <p:nvPr>
+            <p:extLst>
+              <p:ext uri="{386F3935-93C4-4BCD-93E2-E3B085C9AB24}">
+                <p16:designElem xmlns:p16="http://schemas.microsoft.com/office/powerpoint/2015/main" val="1"/>
+              </p:ext>
+            </p:extLst>
+          </p:nvPr>
+        </p:nvSpPr>
+        <p:spPr>
+          <a:xfrm>
+            <a:off x="11401725" y="6229681"/>
+            <a:ext cx="457200" cy="457200"/>
+          </a:xfrm>
+          <a:prstGeom prst="ellipse">
+            <a:avLst/>
+          </a:prstGeom>
+          <a:blipFill dpi="0" rotWithShape="1">
+            <a:blip r:embed="rId4">
+              <a:duotone>
+                <a:schemeClr val="accent1">
+                  <a:shade val="45000"/>
+                  <a:satMod val="135000"/>
+                </a:schemeClr>
+                <a:prstClr val="white"/>
+              </a:duotone>
+            </a:blip>
+            <a:srcRect/>
+            <a:tile tx="50800" ty="0" sx="85000" sy="85000" flip="none" algn="tl"/>
+          </a:blipFill>
+          <a:ln w="25400" cap="flat" cmpd="sng" algn="ctr">
+            <a:noFill/>
+            <a:prstDash val="solid"/>
+          </a:ln>
+          <a:effectLst/>
+        </p:spPr>
+        <p:txBody>
+          <a:bodyPr lIns="0" tIns="0" rIns="0" bIns="0" rtlCol="0" anchor="ctr"/>
+          <a:lstStyle/>
+          <a:p>
+            <a:pPr marL="0" marR="0" lvl="0" indent="0" algn="ctr" defTabSz="914400" eaLnBrk="1" fontAlgn="auto" latinLnBrk="0" hangingPunct="1">
+              <a:lnSpc>
+                <a:spcPct val="100000"/>
+              </a:lnSpc>
+              <a:spcBef>
+                <a:spcPts val="0"/>
+              </a:spcBef>
+              <a:spcAft>
+                <a:spcPts val="0"/>
+              </a:spcAft>
+              <a:buClrTx/>
+              <a:buSzTx/>
+              <a:buFontTx/>
+              <a:buNone/>
+              <a:tabLst/>
+              <a:defRPr/>
+            </a:pPr>
+            <a:endParaRPr kumimoji="0" lang="en-US" sz="2000" b="0" i="0" u="none" strike="noStrike" kern="0" cap="none" spc="0" normalizeH="0" baseline="0" noProof="0" dirty="0">
+              <a:ln>
+                <a:noFill/>
+              </a:ln>
+              <a:solidFill>
+                <a:prstClr val="white"/>
+              </a:solidFill>
+              <a:effectLst/>
+              <a:uLnTx/>
+              <a:uFillTx/>
+              <a:latin typeface="Rockwell Extra Bold" pitchFamily="18" charset="0"/>
+              <a:ea typeface="+mn-ea"/>
+              <a:cs typeface="+mn-cs"/>
+            </a:endParaRPr>
+          </a:p>
+        </p:txBody>
+      </p:sp>
+      <p:sp>
+        <p:nvSpPr>
+          <p:cNvPr id="18" name="Oval 17">
+            <a:extLst>
+              <a:ext uri="{FF2B5EF4-FFF2-40B4-BE49-F238E27FC236}">
+                <a16:creationId xmlns:a16="http://schemas.microsoft.com/office/drawing/2014/main" id="{04E48745-7512-4EC2-9E20-9092D12150CA}"/>
+              </a:ext>
+              <a:ext uri="{C183D7F6-B498-43B3-948B-1728B52AA6E4}">
+                <adec:decorative xmlns:adec="http://schemas.microsoft.com/office/drawing/2017/decorative" val="1"/>
+              </a:ext>
+            </a:extLst>
+          </p:cNvPr>
+          <p:cNvSpPr>
+            <a:spLocks noGrp="1" noRot="1" noChangeAspect="1" noMove="1" noResize="1" noEditPoints="1" noAdjustHandles="1" noChangeArrowheads="1" noChangeShapeType="1" noTextEdit="1"/>
+          </p:cNvSpPr>
+          <p:nvPr>
+            <p:extLst>
+              <p:ext uri="{386F3935-93C4-4BCD-93E2-E3B085C9AB24}">
+                <p16:designElem xmlns:p16="http://schemas.microsoft.com/office/powerpoint/2015/main" val="1"/>
+              </p:ext>
+            </p:extLst>
+          </p:nvPr>
+        </p:nvSpPr>
+        <p:spPr>
+          <a:xfrm>
+            <a:off x="11430918" y="6258874"/>
+            <a:ext cx="398813" cy="398815"/>
+          </a:xfrm>
+          <a:prstGeom prst="ellipse">
+            <a:avLst/>
+          </a:prstGeom>
+          <a:noFill/>
+          <a:ln w="12700" cap="flat" cmpd="sng" algn="ctr">
+            <a:solidFill>
+              <a:srgbClr val="FFFFFF"/>
+            </a:solidFill>
+            <a:prstDash val="solid"/>
+          </a:ln>
+          <a:effectLst/>
+        </p:spPr>
+        <p:txBody>
+          <a:bodyPr rtlCol="0" anchor="ctr"/>
+          <a:lstStyle/>
+          <a:p>
+            <a:pPr marL="0" marR="0" lvl="0" indent="0" algn="ctr" defTabSz="914400" eaLnBrk="1" fontAlgn="auto" latinLnBrk="0" hangingPunct="1">
+              <a:lnSpc>
+                <a:spcPct val="100000"/>
+              </a:lnSpc>
+              <a:spcBef>
+                <a:spcPts val="0"/>
+              </a:spcBef>
+              <a:spcAft>
+                <a:spcPts val="0"/>
+              </a:spcAft>
+              <a:buClrTx/>
+              <a:buSzTx/>
+              <a:buFontTx/>
+              <a:buNone/>
+              <a:tabLst/>
+              <a:defRPr/>
+            </a:pPr>
+            <a:endParaRPr kumimoji="0" lang="en-US" sz="1800" b="0" i="0" u="none" strike="noStrike" kern="0" cap="none" spc="0" normalizeH="0" baseline="0" noProof="0" dirty="0">
+              <a:ln>
+                <a:noFill/>
+              </a:ln>
+              <a:solidFill>
+                <a:prstClr val="white"/>
+              </a:solidFill>
+              <a:effectLst/>
+              <a:uLnTx/>
+              <a:uFillTx/>
+              <a:latin typeface="Calibri"/>
+              <a:ea typeface="+mn-ea"/>
+              <a:cs typeface="+mn-cs"/>
+            </a:endParaRPr>
+          </a:p>
+        </p:txBody>
+      </p:sp>
+    </p:spTree>
+    <p:extLst>
+      <p:ext uri="{BB962C8B-B14F-4D97-AF65-F5344CB8AC3E}">
+        <p14:creationId xmlns:p14="http://schemas.microsoft.com/office/powerpoint/2010/main" val="3284018266"/>
+      </p:ext>
+    </p:extLst>
+  </p:cSld>
+  <p:clrMapOvr>
+    <a:masterClrMapping/>
+  </p:clrMapOvr>
+</p:sld>
+</file>
+
+<file path=ppt/slides/slide4.xml><?xml version="1.0" encoding="utf-8"?>
+<p:sld xmlns:a="http://schemas.openxmlformats.org/drawingml/2006/main" xmlns:r="http://schemas.openxmlformats.org/officeDocument/2006/relationships" xmlns:p="http://schemas.openxmlformats.org/presentationml/2006/main">
+  <p:cSld>
+    <p:bg>
+      <p:bgPr>
+        <a:solidFill>
+          <a:schemeClr val="bg1"/>
+        </a:solidFill>
+        <a:effectLst/>
+      </p:bgPr>
+    </p:bg>
+    <p:spTree>
+      <p:nvGrpSpPr>
+        <p:cNvPr id="1" name=""/>
+        <p:cNvGrpSpPr/>
+        <p:nvPr/>
+      </p:nvGrpSpPr>
+      <p:grpSpPr>
+        <a:xfrm>
+          <a:off x="0" y="0"/>
+          <a:ext cx="0" cy="0"/>
+          <a:chOff x="0" y="0"/>
+          <a:chExt cx="0" cy="0"/>
+        </a:xfrm>
+      </p:grpSpPr>
+      <p:sp useBgFill="1">
+        <p:nvSpPr>
+          <p:cNvPr id="8" name="Rectangle 7">
+            <a:extLst>
+              <a:ext uri="{FF2B5EF4-FFF2-40B4-BE49-F238E27FC236}">
+                <a16:creationId xmlns:a16="http://schemas.microsoft.com/office/drawing/2014/main" id="{E009DD9B-5EE2-4C0D-8B2B-351C8C102205}"/>
+              </a:ext>
+              <a:ext uri="{C183D7F6-B498-43B3-948B-1728B52AA6E4}">
+                <adec:decorative xmlns:adec="http://schemas.microsoft.com/office/drawing/2017/decorative" val="1"/>
+              </a:ext>
+            </a:extLst>
+          </p:cNvPr>
+          <p:cNvSpPr>
+            <a:spLocks noGrp="1" noRot="1" noChangeAspect="1" noMove="1" noResize="1" noEditPoints="1" noAdjustHandles="1" noChangeArrowheads="1" noChangeShapeType="1" noTextEdit="1"/>
+          </p:cNvSpPr>
+          <p:nvPr>
+            <p:extLst>
+              <p:ext uri="{386F3935-93C4-4BCD-93E2-E3B085C9AB24}">
+                <p16:designElem xmlns:p16="http://schemas.microsoft.com/office/powerpoint/2015/main" val="1"/>
+              </p:ext>
+            </p:extLst>
+          </p:nvPr>
+        </p:nvSpPr>
+        <p:spPr>
+          <a:xfrm>
+            <a:off x="0" y="0"/>
+            <a:ext cx="12192000" cy="6858000"/>
+          </a:xfrm>
+          <a:prstGeom prst="rect">
+            <a:avLst/>
+          </a:prstGeom>
+          <a:ln>
+            <a:noFill/>
+          </a:ln>
+        </p:spPr>
+        <p:style>
+          <a:lnRef idx="2">
+            <a:schemeClr val="accent1">
+              <a:shade val="50000"/>
+            </a:schemeClr>
+          </a:lnRef>
+          <a:fillRef idx="1">
+            <a:schemeClr val="accent1"/>
+          </a:fillRef>
+          <a:effectRef idx="0">
+            <a:schemeClr val="accent1"/>
+          </a:effectRef>
+          <a:fontRef idx="minor">
+            <a:schemeClr val="lt1"/>
+          </a:fontRef>
+        </p:style>
+        <p:txBody>
+          <a:bodyPr rtlCol="0" anchor="ctr"/>
+          <a:lstStyle/>
+          <a:p>
+            <a:pPr algn="ctr"/>
+            <a:endParaRPr lang="en-US"/>
+          </a:p>
+        </p:txBody>
+      </p:sp>
+      <p:sp>
+        <p:nvSpPr>
+          <p:cNvPr id="10" name="Rectangle 9">
+            <a:extLst>
+              <a:ext uri="{FF2B5EF4-FFF2-40B4-BE49-F238E27FC236}">
+                <a16:creationId xmlns:a16="http://schemas.microsoft.com/office/drawing/2014/main" id="{E720DB99-7745-4E75-9D96-AAB6D55C531E}"/>
+              </a:ext>
+              <a:ext uri="{C183D7F6-B498-43B3-948B-1728B52AA6E4}">
+                <adec:decorative xmlns:adec="http://schemas.microsoft.com/office/drawing/2017/decorative" val="1"/>
+              </a:ext>
+            </a:extLst>
+          </p:cNvPr>
+          <p:cNvSpPr>
+            <a:spLocks noGrp="1" noRot="1" noChangeAspect="1" noMove="1" noResize="1" noEditPoints="1" noAdjustHandles="1" noChangeArrowheads="1" noChangeShapeType="1" noTextEdit="1"/>
+          </p:cNvSpPr>
+          <p:nvPr>
+            <p:extLst>
+              <p:ext uri="{386F3935-93C4-4BCD-93E2-E3B085C9AB24}">
+                <p16:designElem xmlns:p16="http://schemas.microsoft.com/office/powerpoint/2015/main" val="1"/>
+              </p:ext>
+            </p:extLst>
+          </p:nvPr>
+        </p:nvSpPr>
+        <p:spPr>
+          <a:xfrm>
+            <a:off x="984504" y="464119"/>
+            <a:ext cx="10222992" cy="80683"/>
+          </a:xfrm>
+          <a:prstGeom prst="rect">
+            <a:avLst/>
+          </a:prstGeom>
+          <a:blipFill dpi="0" rotWithShape="1">
+            <a:blip r:embed="rId2">
+              <a:alphaModFix amt="85000"/>
+              <a:lum bright="70000" contrast="-70000"/>
+              <a:extLst>
+                <a:ext uri="{BEBA8EAE-BF5A-486C-A8C5-ECC9F3942E4B}">
+                  <a14:imgProps xmlns:a14="http://schemas.microsoft.com/office/drawing/2010/main">
+                    <a14:imgLayer r:embed="rId3">
+                      <a14:imgEffect>
+                        <a14:sharpenSoften amount="61000"/>
+                      </a14:imgEffect>
+                    </a14:imgLayer>
+                  </a14:imgProps>
+                </a:ext>
+                <a:ext uri="{28A0092B-C50C-407E-A947-70E740481C1C}">
+                  <a14:useLocalDpi xmlns:a14="http://schemas.microsoft.com/office/drawing/2010/main" val="0"/>
+                </a:ext>
+              </a:extLst>
+            </a:blip>
+            <a:srcRect/>
+            <a:tile tx="0" ty="-762000" sx="92000" sy="89000" flip="xy" algn="ctr"/>
+          </a:blipFill>
+          <a:ln>
+            <a:noFill/>
+          </a:ln>
+        </p:spPr>
+        <p:style>
+          <a:lnRef idx="2">
+            <a:schemeClr val="accent1">
+              <a:shade val="50000"/>
+            </a:schemeClr>
+          </a:lnRef>
+          <a:fillRef idx="1">
+            <a:schemeClr val="accent1"/>
+          </a:fillRef>
+          <a:effectRef idx="0">
+            <a:schemeClr val="accent1"/>
+          </a:effectRef>
+          <a:fontRef idx="minor">
+            <a:schemeClr val="lt1"/>
+          </a:fontRef>
+        </p:style>
+      </p:sp>
+      <p:sp>
+        <p:nvSpPr>
+          <p:cNvPr id="12" name="Rectangle 11">
+            <a:extLst>
+              <a:ext uri="{FF2B5EF4-FFF2-40B4-BE49-F238E27FC236}">
+                <a16:creationId xmlns:a16="http://schemas.microsoft.com/office/drawing/2014/main" id="{D68803C4-E159-4360-B7BB-74205C8F782D}"/>
+              </a:ext>
+              <a:ext uri="{C183D7F6-B498-43B3-948B-1728B52AA6E4}">
+                <adec:decorative xmlns:adec="http://schemas.microsoft.com/office/drawing/2017/decorative" val="1"/>
+              </a:ext>
+            </a:extLst>
+          </p:cNvPr>
+          <p:cNvSpPr>
+            <a:spLocks noGrp="1" noRot="1" noChangeAspect="1" noMove="1" noResize="1" noEditPoints="1" noAdjustHandles="1" noChangeArrowheads="1" noChangeShapeType="1" noTextEdit="1"/>
+          </p:cNvSpPr>
+          <p:nvPr>
+            <p:extLst>
+              <p:ext uri="{386F3935-93C4-4BCD-93E2-E3B085C9AB24}">
+                <p16:designElem xmlns:p16="http://schemas.microsoft.com/office/powerpoint/2015/main" val="1"/>
+              </p:ext>
+            </p:extLst>
+          </p:nvPr>
+        </p:nvSpPr>
+        <p:spPr>
+          <a:xfrm>
+            <a:off x="984504" y="601952"/>
+            <a:ext cx="10222992" cy="1385874"/>
+          </a:xfrm>
+          <a:prstGeom prst="rect">
+            <a:avLst/>
+          </a:prstGeom>
+          <a:blipFill dpi="0" rotWithShape="1">
+            <a:blip r:embed="rId2">
+              <a:alphaModFix amt="85000"/>
+              <a:lum bright="70000" contrast="-70000"/>
+              <a:extLst>
+                <a:ext uri="{BEBA8EAE-BF5A-486C-A8C5-ECC9F3942E4B}">
+                  <a14:imgProps xmlns:a14="http://schemas.microsoft.com/office/drawing/2010/main">
+                    <a14:imgLayer r:embed="rId3">
+                      <a14:imgEffect>
+                        <a14:sharpenSoften amount="61000"/>
+                      </a14:imgEffect>
+                    </a14:imgLayer>
+                  </a14:imgProps>
+                </a:ext>
+                <a:ext uri="{28A0092B-C50C-407E-A947-70E740481C1C}">
+                  <a14:useLocalDpi xmlns:a14="http://schemas.microsoft.com/office/drawing/2010/main" val="0"/>
+                </a:ext>
+              </a:extLst>
+            </a:blip>
+            <a:srcRect/>
+            <a:tile tx="0" ty="-704850" sx="92000" sy="89000" flip="xy" algn="ctr"/>
+          </a:blipFill>
+          <a:ln>
+            <a:noFill/>
+          </a:ln>
+        </p:spPr>
+        <p:style>
+          <a:lnRef idx="2">
+            <a:schemeClr val="accent1">
+              <a:shade val="50000"/>
+            </a:schemeClr>
+          </a:lnRef>
+          <a:fillRef idx="1">
+            <a:schemeClr val="accent1"/>
+          </a:fillRef>
+          <a:effectRef idx="0">
+            <a:schemeClr val="accent1"/>
+          </a:effectRef>
+          <a:fontRef idx="minor">
+            <a:schemeClr val="lt1"/>
+          </a:fontRef>
+        </p:style>
+      </p:sp>
+      <p:sp>
+        <p:nvSpPr>
+          <p:cNvPr id="14" name="Rectangle 13">
+            <a:extLst>
+              <a:ext uri="{FF2B5EF4-FFF2-40B4-BE49-F238E27FC236}">
+                <a16:creationId xmlns:a16="http://schemas.microsoft.com/office/drawing/2014/main" id="{504B0465-3B07-49BF-BEA7-D81476246293}"/>
+              </a:ext>
+              <a:ext uri="{C183D7F6-B498-43B3-948B-1728B52AA6E4}">
+                <adec:decorative xmlns:adec="http://schemas.microsoft.com/office/drawing/2017/decorative" val="1"/>
+              </a:ext>
+            </a:extLst>
+          </p:cNvPr>
+          <p:cNvSpPr>
+            <a:spLocks noGrp="1" noRot="1" noChangeAspect="1" noMove="1" noResize="1" noEditPoints="1" noAdjustHandles="1" noChangeArrowheads="1" noChangeShapeType="1" noTextEdit="1"/>
+          </p:cNvSpPr>
+          <p:nvPr>
+            <p:extLst>
+              <p:ext uri="{386F3935-93C4-4BCD-93E2-E3B085C9AB24}">
+                <p16:designElem xmlns:p16="http://schemas.microsoft.com/office/powerpoint/2015/main" val="1"/>
+              </p:ext>
+            </p:extLst>
+          </p:nvPr>
+        </p:nvSpPr>
+        <p:spPr>
+          <a:xfrm>
+            <a:off x="984504" y="2038655"/>
+            <a:ext cx="10222992" cy="80683"/>
+          </a:xfrm>
+          <a:prstGeom prst="rect">
+            <a:avLst/>
+          </a:prstGeom>
+          <a:blipFill dpi="0" rotWithShape="1">
+            <a:blip r:embed="rId2">
+              <a:alphaModFix amt="85000"/>
+              <a:lum bright="70000" contrast="-70000"/>
+              <a:extLst>
+                <a:ext uri="{BEBA8EAE-BF5A-486C-A8C5-ECC9F3942E4B}">
+                  <a14:imgProps xmlns:a14="http://schemas.microsoft.com/office/drawing/2010/main">
+                    <a14:imgLayer r:embed="rId3">
+                      <a14:imgEffect>
+                        <a14:sharpenSoften amount="61000"/>
+                      </a14:imgEffect>
+                    </a14:imgLayer>
+                  </a14:imgProps>
+                </a:ext>
+                <a:ext uri="{28A0092B-C50C-407E-A947-70E740481C1C}">
+                  <a14:useLocalDpi xmlns:a14="http://schemas.microsoft.com/office/drawing/2010/main" val="0"/>
+                </a:ext>
+              </a:extLst>
+            </a:blip>
+            <a:srcRect/>
+            <a:tile tx="0" ty="-717550" sx="92000" sy="89000" flip="xy" algn="ctr"/>
+          </a:blipFill>
+          <a:ln>
+            <a:noFill/>
+          </a:ln>
+        </p:spPr>
+        <p:style>
+          <a:lnRef idx="2">
+            <a:schemeClr val="accent1">
+              <a:shade val="50000"/>
+            </a:schemeClr>
+          </a:lnRef>
+          <a:fillRef idx="1">
+            <a:schemeClr val="accent1"/>
+          </a:fillRef>
+          <a:effectRef idx="0">
+            <a:schemeClr val="accent1"/>
+          </a:effectRef>
+          <a:fontRef idx="minor">
+            <a:schemeClr val="lt1"/>
+          </a:fontRef>
+        </p:style>
+      </p:sp>
+      <p:sp>
+        <p:nvSpPr>
+          <p:cNvPr id="2" name="Title 1">
+            <a:extLst>
+              <a:ext uri="{FF2B5EF4-FFF2-40B4-BE49-F238E27FC236}">
+                <a16:creationId xmlns:a16="http://schemas.microsoft.com/office/drawing/2014/main" id="{D6C5939D-20D2-4824-ACA2-33B41F157602}"/>
+              </a:ext>
+            </a:extLst>
+          </p:cNvPr>
+          <p:cNvSpPr>
+            <a:spLocks noGrp="1"/>
+          </p:cNvSpPr>
+          <p:nvPr>
+            <p:ph type="title"/>
+          </p:nvPr>
+        </p:nvSpPr>
+        <p:spPr>
+          <a:xfrm>
+            <a:off x="1069848" y="484632"/>
+            <a:ext cx="10058400" cy="1609344"/>
+          </a:xfrm>
+        </p:spPr>
+        <p:txBody>
+          <a:bodyPr>
+            <a:normAutofit/>
+          </a:bodyPr>
+          <a:lstStyle/>
+          <a:p>
+            <a:r>
+              <a:rPr lang="en-US"/>
+              <a:t>CHOICES OF CRITICAL-SECTION GRANULARITY</a:t>
+            </a:r>
+          </a:p>
+        </p:txBody>
+      </p:sp>
+      <p:sp>
+        <p:nvSpPr>
+          <p:cNvPr id="3" name="Content Placeholder 2">
+            <a:extLst>
+              <a:ext uri="{FF2B5EF4-FFF2-40B4-BE49-F238E27FC236}">
+                <a16:creationId xmlns:a16="http://schemas.microsoft.com/office/drawing/2014/main" id="{28EC82F5-D1F5-4195-A1AB-40F7D4C412EF}"/>
+              </a:ext>
+            </a:extLst>
+          </p:cNvPr>
+          <p:cNvSpPr>
+            <a:spLocks noGrp="1"/>
+          </p:cNvSpPr>
+          <p:nvPr>
+            <p:ph idx="1"/>
+          </p:nvPr>
+        </p:nvSpPr>
+        <p:spPr>
+          <a:xfrm>
+            <a:off x="1069848" y="2320412"/>
+            <a:ext cx="10058400" cy="3851787"/>
+          </a:xfrm>
+        </p:spPr>
+        <p:txBody>
+          <a:bodyPr>
+            <a:normAutofit/>
+          </a:bodyPr>
+          <a:lstStyle/>
+          <a:p>
+            <a:r>
+              <a:rPr lang="en-US" dirty="0"/>
+              <a:t>to support multithreaded MPI communication, the implementation must protect certain data structures and portions of code from being accessed by multiple threads simultaneously in order to avoid race conditions</a:t>
+            </a:r>
+          </a:p>
+          <a:p>
+            <a:r>
+              <a:rPr lang="en-US" dirty="0"/>
+              <a:t>a portion of code so protected is called a critical section </a:t>
+            </a:r>
+          </a:p>
+          <a:p>
+            <a:r>
+              <a:rPr lang="en-US" dirty="0"/>
+              <a:t>the granularity (size) of the critical section and the exact mechanism used to implement the critical section can have a significant impact on performance</a:t>
+            </a:r>
+          </a:p>
+          <a:p>
+            <a:r>
+              <a:rPr lang="en-US" dirty="0"/>
+              <a:t>a critical section can be implemented either by using mutex locks or in a lock-free manner by using assembly-level atomic operations such as compare-and-swap or fetch-and-add</a:t>
+            </a:r>
+          </a:p>
+        </p:txBody>
+      </p:sp>
+      <p:sp>
+        <p:nvSpPr>
+          <p:cNvPr id="16" name="Oval 15">
+            <a:extLst>
+              <a:ext uri="{FF2B5EF4-FFF2-40B4-BE49-F238E27FC236}">
+                <a16:creationId xmlns:a16="http://schemas.microsoft.com/office/drawing/2014/main" id="{49B7FFA5-14CB-4A4F-9BCC-CA3AA5D9D276}"/>
+              </a:ext>
+              <a:ext uri="{C183D7F6-B498-43B3-948B-1728B52AA6E4}">
+                <adec:decorative xmlns:adec="http://schemas.microsoft.com/office/drawing/2017/decorative" val="1"/>
+              </a:ext>
+            </a:extLst>
+          </p:cNvPr>
+          <p:cNvSpPr>
+            <a:spLocks noGrp="1" noRot="1" noChangeAspect="1" noMove="1" noResize="1" noEditPoints="1" noAdjustHandles="1" noChangeArrowheads="1" noChangeShapeType="1" noTextEdit="1"/>
+          </p:cNvSpPr>
+          <p:nvPr>
+            <p:extLst>
+              <p:ext uri="{386F3935-93C4-4BCD-93E2-E3B085C9AB24}">
+                <p16:designElem xmlns:p16="http://schemas.microsoft.com/office/powerpoint/2015/main" val="1"/>
+              </p:ext>
+            </p:extLst>
+          </p:nvPr>
+        </p:nvSpPr>
+        <p:spPr>
+          <a:xfrm>
+            <a:off x="11401725" y="6229681"/>
+            <a:ext cx="457200" cy="457200"/>
+          </a:xfrm>
+          <a:prstGeom prst="ellipse">
+            <a:avLst/>
+          </a:prstGeom>
+          <a:blipFill dpi="0" rotWithShape="1">
+            <a:blip r:embed="rId4">
+              <a:duotone>
+                <a:schemeClr val="accent1">
+                  <a:shade val="45000"/>
+                  <a:satMod val="135000"/>
+                </a:schemeClr>
+                <a:prstClr val="white"/>
+              </a:duotone>
+            </a:blip>
+            <a:srcRect/>
+            <a:tile tx="50800" ty="0" sx="85000" sy="85000" flip="none" algn="tl"/>
+          </a:blipFill>
+          <a:ln w="25400" cap="flat" cmpd="sng" algn="ctr">
+            <a:noFill/>
+            <a:prstDash val="solid"/>
+          </a:ln>
+          <a:effectLst/>
+        </p:spPr>
+        <p:txBody>
+          <a:bodyPr lIns="0" tIns="0" rIns="0" bIns="0" rtlCol="0" anchor="ctr"/>
+          <a:lstStyle/>
+          <a:p>
+            <a:pPr marL="0" marR="0" lvl="0" indent="0" algn="ctr" defTabSz="914400" eaLnBrk="1" fontAlgn="auto" latinLnBrk="0" hangingPunct="1">
+              <a:lnSpc>
+                <a:spcPct val="100000"/>
+              </a:lnSpc>
+              <a:spcBef>
+                <a:spcPts val="0"/>
+              </a:spcBef>
+              <a:spcAft>
+                <a:spcPts val="0"/>
+              </a:spcAft>
+              <a:buClrTx/>
+              <a:buSzTx/>
+              <a:buFontTx/>
+              <a:buNone/>
+              <a:tabLst/>
+              <a:defRPr/>
+            </a:pPr>
+            <a:endParaRPr kumimoji="0" lang="en-US" sz="2000" b="0" i="0" u="none" strike="noStrike" kern="0" cap="none" spc="0" normalizeH="0" baseline="0" noProof="0" dirty="0">
+              <a:ln>
+                <a:noFill/>
+              </a:ln>
+              <a:solidFill>
+                <a:prstClr val="white"/>
+              </a:solidFill>
+              <a:effectLst/>
+              <a:uLnTx/>
+              <a:uFillTx/>
+              <a:latin typeface="Rockwell Extra Bold" pitchFamily="18" charset="0"/>
+              <a:ea typeface="+mn-ea"/>
+              <a:cs typeface="+mn-cs"/>
+            </a:endParaRPr>
+          </a:p>
+        </p:txBody>
+      </p:sp>
+      <p:sp>
+        <p:nvSpPr>
+          <p:cNvPr id="18" name="Oval 17">
+            <a:extLst>
+              <a:ext uri="{FF2B5EF4-FFF2-40B4-BE49-F238E27FC236}">
+                <a16:creationId xmlns:a16="http://schemas.microsoft.com/office/drawing/2014/main" id="{04E48745-7512-4EC2-9E20-9092D12150CA}"/>
+              </a:ext>
+              <a:ext uri="{C183D7F6-B498-43B3-948B-1728B52AA6E4}">
+                <adec:decorative xmlns:adec="http://schemas.microsoft.com/office/drawing/2017/decorative" val="1"/>
+              </a:ext>
+            </a:extLst>
+          </p:cNvPr>
+          <p:cNvSpPr>
+            <a:spLocks noGrp="1" noRot="1" noChangeAspect="1" noMove="1" noResize="1" noEditPoints="1" noAdjustHandles="1" noChangeArrowheads="1" noChangeShapeType="1" noTextEdit="1"/>
+          </p:cNvSpPr>
+          <p:nvPr>
+            <p:extLst>
+              <p:ext uri="{386F3935-93C4-4BCD-93E2-E3B085C9AB24}">
+                <p16:designElem xmlns:p16="http://schemas.microsoft.com/office/powerpoint/2015/main" val="1"/>
+              </p:ext>
+            </p:extLst>
+          </p:nvPr>
+        </p:nvSpPr>
+        <p:spPr>
+          <a:xfrm>
+            <a:off x="11430918" y="6258874"/>
+            <a:ext cx="398813" cy="398815"/>
+          </a:xfrm>
+          <a:prstGeom prst="ellipse">
+            <a:avLst/>
+          </a:prstGeom>
+          <a:noFill/>
+          <a:ln w="12700" cap="flat" cmpd="sng" algn="ctr">
+            <a:solidFill>
+              <a:srgbClr val="FFFFFF"/>
+            </a:solidFill>
+            <a:prstDash val="solid"/>
+          </a:ln>
+          <a:effectLst/>
+        </p:spPr>
+        <p:txBody>
+          <a:bodyPr rtlCol="0" anchor="ctr"/>
+          <a:lstStyle/>
+          <a:p>
+            <a:pPr marL="0" marR="0" lvl="0" indent="0" algn="ctr" defTabSz="914400" eaLnBrk="1" fontAlgn="auto" latinLnBrk="0" hangingPunct="1">
+              <a:lnSpc>
+                <a:spcPct val="100000"/>
+              </a:lnSpc>
+              <a:spcBef>
+                <a:spcPts val="0"/>
+              </a:spcBef>
+              <a:spcAft>
+                <a:spcPts val="0"/>
+              </a:spcAft>
+              <a:buClrTx/>
+              <a:buSzTx/>
+              <a:buFontTx/>
+              <a:buNone/>
+              <a:tabLst/>
+              <a:defRPr/>
+            </a:pPr>
+            <a:endParaRPr kumimoji="0" lang="en-US" sz="1800" b="0" i="0" u="none" strike="noStrike" kern="0" cap="none" spc="0" normalizeH="0" baseline="0" noProof="0" dirty="0">
+              <a:ln>
+                <a:noFill/>
+              </a:ln>
+              <a:solidFill>
+                <a:prstClr val="white"/>
+              </a:solidFill>
+              <a:effectLst/>
+              <a:uLnTx/>
+              <a:uFillTx/>
+              <a:latin typeface="Calibri"/>
+              <a:ea typeface="+mn-ea"/>
+              <a:cs typeface="+mn-cs"/>
+            </a:endParaRPr>
+          </a:p>
+        </p:txBody>
+      </p:sp>
+    </p:spTree>
+    <p:extLst>
+      <p:ext uri="{BB962C8B-B14F-4D97-AF65-F5344CB8AC3E}">
+        <p14:creationId xmlns:p14="http://schemas.microsoft.com/office/powerpoint/2010/main" val="3460849357"/>
+      </p:ext>
+    </p:extLst>
+  </p:cSld>
+  <p:clrMapOvr>
+    <a:masterClrMapping/>
+  </p:clrMapOvr>
+</p:sld>
+</file>
+
+<file path=ppt/slides/slide5.xml><?xml version="1.0" encoding="utf-8"?>
+<p:sld xmlns:a="http://schemas.openxmlformats.org/drawingml/2006/main" xmlns:r="http://schemas.openxmlformats.org/officeDocument/2006/relationships" xmlns:p="http://schemas.openxmlformats.org/presentationml/2006/main">
+  <p:cSld>
+    <p:bg>
+      <p:bgPr>
+        <a:solidFill>
+          <a:schemeClr val="bg1"/>
+        </a:solidFill>
+        <a:effectLst/>
+      </p:bgPr>
+    </p:bg>
+    <p:spTree>
+      <p:nvGrpSpPr>
+        <p:cNvPr id="1" name=""/>
+        <p:cNvGrpSpPr/>
+        <p:nvPr/>
+      </p:nvGrpSpPr>
+      <p:grpSpPr>
+        <a:xfrm>
+          <a:off x="0" y="0"/>
+          <a:ext cx="0" cy="0"/>
+          <a:chOff x="0" y="0"/>
+          <a:chExt cx="0" cy="0"/>
+        </a:xfrm>
+      </p:grpSpPr>
+      <p:sp useBgFill="1">
+        <p:nvSpPr>
+          <p:cNvPr id="8" name="Rectangle 7">
+            <a:extLst>
+              <a:ext uri="{FF2B5EF4-FFF2-40B4-BE49-F238E27FC236}">
+                <a16:creationId xmlns:a16="http://schemas.microsoft.com/office/drawing/2014/main" id="{E009DD9B-5EE2-4C0D-8B2B-351C8C102205}"/>
+              </a:ext>
+              <a:ext uri="{C183D7F6-B498-43B3-948B-1728B52AA6E4}">
+                <adec:decorative xmlns:adec="http://schemas.microsoft.com/office/drawing/2017/decorative" val="1"/>
+              </a:ext>
+            </a:extLst>
+          </p:cNvPr>
+          <p:cNvSpPr>
+            <a:spLocks noGrp="1" noRot="1" noChangeAspect="1" noMove="1" noResize="1" noEditPoints="1" noAdjustHandles="1" noChangeArrowheads="1" noChangeShapeType="1" noTextEdit="1"/>
+          </p:cNvSpPr>
+          <p:nvPr>
+            <p:extLst>
+              <p:ext uri="{386F3935-93C4-4BCD-93E2-E3B085C9AB24}">
+                <p16:designElem xmlns:p16="http://schemas.microsoft.com/office/powerpoint/2015/main" val="1"/>
+              </p:ext>
+            </p:extLst>
+          </p:nvPr>
+        </p:nvSpPr>
+        <p:spPr>
+          <a:xfrm>
+            <a:off x="0" y="0"/>
+            <a:ext cx="12192000" cy="6858000"/>
+          </a:xfrm>
+          <a:prstGeom prst="rect">
+            <a:avLst/>
+          </a:prstGeom>
+          <a:ln>
+            <a:noFill/>
+          </a:ln>
+        </p:spPr>
+        <p:style>
+          <a:lnRef idx="2">
+            <a:schemeClr val="accent1">
+              <a:shade val="50000"/>
+            </a:schemeClr>
+          </a:lnRef>
+          <a:fillRef idx="1">
+            <a:schemeClr val="accent1"/>
+          </a:fillRef>
+          <a:effectRef idx="0">
+            <a:schemeClr val="accent1"/>
+          </a:effectRef>
+          <a:fontRef idx="minor">
+            <a:schemeClr val="lt1"/>
+          </a:fontRef>
+        </p:style>
+        <p:txBody>
+          <a:bodyPr rtlCol="0" anchor="ctr"/>
+          <a:lstStyle/>
+          <a:p>
+            <a:pPr algn="ctr"/>
+            <a:endParaRPr lang="en-US"/>
+          </a:p>
+        </p:txBody>
+      </p:sp>
+      <p:sp>
+        <p:nvSpPr>
+          <p:cNvPr id="10" name="Rectangle 9">
+            <a:extLst>
+              <a:ext uri="{FF2B5EF4-FFF2-40B4-BE49-F238E27FC236}">
+                <a16:creationId xmlns:a16="http://schemas.microsoft.com/office/drawing/2014/main" id="{E720DB99-7745-4E75-9D96-AAB6D55C531E}"/>
+              </a:ext>
+              <a:ext uri="{C183D7F6-B498-43B3-948B-1728B52AA6E4}">
+                <adec:decorative xmlns:adec="http://schemas.microsoft.com/office/drawing/2017/decorative" val="1"/>
+              </a:ext>
+            </a:extLst>
+          </p:cNvPr>
+          <p:cNvSpPr>
+            <a:spLocks noGrp="1" noRot="1" noChangeAspect="1" noMove="1" noResize="1" noEditPoints="1" noAdjustHandles="1" noChangeArrowheads="1" noChangeShapeType="1" noTextEdit="1"/>
+          </p:cNvSpPr>
+          <p:nvPr>
+            <p:extLst>
+              <p:ext uri="{386F3935-93C4-4BCD-93E2-E3B085C9AB24}">
+                <p16:designElem xmlns:p16="http://schemas.microsoft.com/office/powerpoint/2015/main" val="1"/>
+              </p:ext>
+            </p:extLst>
+          </p:nvPr>
+        </p:nvSpPr>
+        <p:spPr>
+          <a:xfrm>
+            <a:off x="984504" y="464119"/>
+            <a:ext cx="10222992" cy="80683"/>
+          </a:xfrm>
+          <a:prstGeom prst="rect">
+            <a:avLst/>
+          </a:prstGeom>
+          <a:blipFill dpi="0" rotWithShape="1">
+            <a:blip r:embed="rId2">
+              <a:alphaModFix amt="85000"/>
+              <a:lum bright="70000" contrast="-70000"/>
+              <a:extLst>
+                <a:ext uri="{BEBA8EAE-BF5A-486C-A8C5-ECC9F3942E4B}">
+                  <a14:imgProps xmlns:a14="http://schemas.microsoft.com/office/drawing/2010/main">
+                    <a14:imgLayer r:embed="rId3">
+                      <a14:imgEffect>
+                        <a14:sharpenSoften amount="61000"/>
+                      </a14:imgEffect>
+                    </a14:imgLayer>
+                  </a14:imgProps>
+                </a:ext>
+                <a:ext uri="{28A0092B-C50C-407E-A947-70E740481C1C}">
+                  <a14:useLocalDpi xmlns:a14="http://schemas.microsoft.com/office/drawing/2010/main" val="0"/>
+                </a:ext>
+              </a:extLst>
+            </a:blip>
+            <a:srcRect/>
+            <a:tile tx="0" ty="-762000" sx="92000" sy="89000" flip="xy" algn="ctr"/>
+          </a:blipFill>
+          <a:ln>
+            <a:noFill/>
+          </a:ln>
+        </p:spPr>
+        <p:style>
+          <a:lnRef idx="2">
+            <a:schemeClr val="accent1">
+              <a:shade val="50000"/>
+            </a:schemeClr>
+          </a:lnRef>
+          <a:fillRef idx="1">
+            <a:schemeClr val="accent1"/>
+          </a:fillRef>
+          <a:effectRef idx="0">
+            <a:schemeClr val="accent1"/>
+          </a:effectRef>
+          <a:fontRef idx="minor">
+            <a:schemeClr val="lt1"/>
+          </a:fontRef>
+        </p:style>
+      </p:sp>
+      <p:sp>
+        <p:nvSpPr>
+          <p:cNvPr id="12" name="Rectangle 11">
+            <a:extLst>
+              <a:ext uri="{FF2B5EF4-FFF2-40B4-BE49-F238E27FC236}">
+                <a16:creationId xmlns:a16="http://schemas.microsoft.com/office/drawing/2014/main" id="{D68803C4-E159-4360-B7BB-74205C8F782D}"/>
+              </a:ext>
+              <a:ext uri="{C183D7F6-B498-43B3-948B-1728B52AA6E4}">
+                <adec:decorative xmlns:adec="http://schemas.microsoft.com/office/drawing/2017/decorative" val="1"/>
+              </a:ext>
+            </a:extLst>
+          </p:cNvPr>
+          <p:cNvSpPr>
+            <a:spLocks noGrp="1" noRot="1" noChangeAspect="1" noMove="1" noResize="1" noEditPoints="1" noAdjustHandles="1" noChangeArrowheads="1" noChangeShapeType="1" noTextEdit="1"/>
+          </p:cNvSpPr>
+          <p:nvPr>
+            <p:extLst>
+              <p:ext uri="{386F3935-93C4-4BCD-93E2-E3B085C9AB24}">
+                <p16:designElem xmlns:p16="http://schemas.microsoft.com/office/powerpoint/2015/main" val="1"/>
+              </p:ext>
+            </p:extLst>
+          </p:nvPr>
+        </p:nvSpPr>
+        <p:spPr>
+          <a:xfrm>
+            <a:off x="984504" y="601952"/>
+            <a:ext cx="10222992" cy="1385874"/>
+          </a:xfrm>
+          <a:prstGeom prst="rect">
+            <a:avLst/>
+          </a:prstGeom>
+          <a:blipFill dpi="0" rotWithShape="1">
+            <a:blip r:embed="rId2">
+              <a:alphaModFix amt="85000"/>
+              <a:lum bright="70000" contrast="-70000"/>
+              <a:extLst>
+                <a:ext uri="{BEBA8EAE-BF5A-486C-A8C5-ECC9F3942E4B}">
+                  <a14:imgProps xmlns:a14="http://schemas.microsoft.com/office/drawing/2010/main">
+                    <a14:imgLayer r:embed="rId3">
+                      <a14:imgEffect>
+                        <a14:sharpenSoften amount="61000"/>
+                      </a14:imgEffect>
+                    </a14:imgLayer>
+                  </a14:imgProps>
+                </a:ext>
+                <a:ext uri="{28A0092B-C50C-407E-A947-70E740481C1C}">
+                  <a14:useLocalDpi xmlns:a14="http://schemas.microsoft.com/office/drawing/2010/main" val="0"/>
+                </a:ext>
+              </a:extLst>
+            </a:blip>
+            <a:srcRect/>
+            <a:tile tx="0" ty="-704850" sx="92000" sy="89000" flip="xy" algn="ctr"/>
+          </a:blipFill>
+          <a:ln>
+            <a:noFill/>
+          </a:ln>
+        </p:spPr>
+        <p:style>
+          <a:lnRef idx="2">
+            <a:schemeClr val="accent1">
+              <a:shade val="50000"/>
+            </a:schemeClr>
+          </a:lnRef>
+          <a:fillRef idx="1">
+            <a:schemeClr val="accent1"/>
+          </a:fillRef>
+          <a:effectRef idx="0">
+            <a:schemeClr val="accent1"/>
+          </a:effectRef>
+          <a:fontRef idx="minor">
+            <a:schemeClr val="lt1"/>
+          </a:fontRef>
+        </p:style>
+      </p:sp>
+      <p:sp>
+        <p:nvSpPr>
+          <p:cNvPr id="14" name="Rectangle 13">
+            <a:extLst>
+              <a:ext uri="{FF2B5EF4-FFF2-40B4-BE49-F238E27FC236}">
+                <a16:creationId xmlns:a16="http://schemas.microsoft.com/office/drawing/2014/main" id="{504B0465-3B07-49BF-BEA7-D81476246293}"/>
+              </a:ext>
+              <a:ext uri="{C183D7F6-B498-43B3-948B-1728B52AA6E4}">
+                <adec:decorative xmlns:adec="http://schemas.microsoft.com/office/drawing/2017/decorative" val="1"/>
+              </a:ext>
+            </a:extLst>
+          </p:cNvPr>
+          <p:cNvSpPr>
+            <a:spLocks noGrp="1" noRot="1" noChangeAspect="1" noMove="1" noResize="1" noEditPoints="1" noAdjustHandles="1" noChangeArrowheads="1" noChangeShapeType="1" noTextEdit="1"/>
+          </p:cNvSpPr>
+          <p:nvPr>
+            <p:extLst>
+              <p:ext uri="{386F3935-93C4-4BCD-93E2-E3B085C9AB24}">
+                <p16:designElem xmlns:p16="http://schemas.microsoft.com/office/powerpoint/2015/main" val="1"/>
+              </p:ext>
+            </p:extLst>
+          </p:nvPr>
+        </p:nvSpPr>
+        <p:spPr>
+          <a:xfrm>
+            <a:off x="984504" y="2038655"/>
+            <a:ext cx="10222992" cy="80683"/>
+          </a:xfrm>
+          <a:prstGeom prst="rect">
+            <a:avLst/>
+          </a:prstGeom>
+          <a:blipFill dpi="0" rotWithShape="1">
+            <a:blip r:embed="rId2">
+              <a:alphaModFix amt="85000"/>
+              <a:lum bright="70000" contrast="-70000"/>
+              <a:extLst>
+                <a:ext uri="{BEBA8EAE-BF5A-486C-A8C5-ECC9F3942E4B}">
+                  <a14:imgProps xmlns:a14="http://schemas.microsoft.com/office/drawing/2010/main">
+                    <a14:imgLayer r:embed="rId3">
+                      <a14:imgEffect>
+                        <a14:sharpenSoften amount="61000"/>
+                      </a14:imgEffect>
+                    </a14:imgLayer>
+                  </a14:imgProps>
+                </a:ext>
+                <a:ext uri="{28A0092B-C50C-407E-A947-70E740481C1C}">
+                  <a14:useLocalDpi xmlns:a14="http://schemas.microsoft.com/office/drawing/2010/main" val="0"/>
+                </a:ext>
+              </a:extLst>
+            </a:blip>
+            <a:srcRect/>
+            <a:tile tx="0" ty="-717550" sx="92000" sy="89000" flip="xy" algn="ctr"/>
+          </a:blipFill>
+          <a:ln>
+            <a:noFill/>
+          </a:ln>
+        </p:spPr>
+        <p:style>
+          <a:lnRef idx="2">
+            <a:schemeClr val="accent1">
+              <a:shade val="50000"/>
+            </a:schemeClr>
+          </a:lnRef>
+          <a:fillRef idx="1">
+            <a:schemeClr val="accent1"/>
+          </a:fillRef>
+          <a:effectRef idx="0">
+            <a:schemeClr val="accent1"/>
+          </a:effectRef>
+          <a:fontRef idx="minor">
+            <a:schemeClr val="lt1"/>
+          </a:fontRef>
+        </p:style>
+      </p:sp>
+      <p:sp>
+        <p:nvSpPr>
+          <p:cNvPr id="3" name="Content Placeholder 2">
+            <a:extLst>
+              <a:ext uri="{FF2B5EF4-FFF2-40B4-BE49-F238E27FC236}">
+                <a16:creationId xmlns:a16="http://schemas.microsoft.com/office/drawing/2014/main" id="{6A463072-9FC8-4B26-84C5-79496E6A03A4}"/>
+              </a:ext>
+            </a:extLst>
+          </p:cNvPr>
+          <p:cNvSpPr>
+            <a:spLocks noGrp="1"/>
+          </p:cNvSpPr>
+          <p:nvPr>
+            <p:ph idx="1"/>
+          </p:nvPr>
+        </p:nvSpPr>
+        <p:spPr>
+          <a:xfrm>
+            <a:off x="1069848" y="2320412"/>
+            <a:ext cx="10058400" cy="3851787"/>
+          </a:xfrm>
+        </p:spPr>
+        <p:txBody>
+          <a:bodyPr>
+            <a:normAutofit/>
+          </a:bodyPr>
+          <a:lstStyle/>
+          <a:p>
+            <a:r>
+              <a:rPr lang="en-US" dirty="0"/>
+              <a:t>four approaches to the selection of critical-section granularity in a thread-safe MPI implementation:</a:t>
+            </a:r>
+          </a:p>
+          <a:p>
+            <a:pPr lvl="1"/>
+            <a:r>
+              <a:rPr lang="en-US" b="1" dirty="0"/>
+              <a:t>Global:</a:t>
+            </a:r>
+            <a:r>
+              <a:rPr lang="en-US" dirty="0"/>
+              <a:t> there is a single, global critical section that is held for the duration of most MPI functions, except if the function is going to block on a network operation</a:t>
+            </a:r>
+          </a:p>
+          <a:p>
+            <a:pPr lvl="1"/>
+            <a:r>
+              <a:rPr lang="en-US" b="1" dirty="0"/>
+              <a:t>Brief Global:</a:t>
+            </a:r>
+            <a:r>
+              <a:rPr lang="en-US" dirty="0"/>
+              <a:t> there is a single, global critical section, but it is held only when required; this approach permits concurrency between threads making MPI calls, except when common internal data structures are being accessed</a:t>
+            </a:r>
+          </a:p>
+          <a:p>
+            <a:pPr lvl="1"/>
+            <a:r>
+              <a:rPr lang="en-US" b="1" dirty="0"/>
+              <a:t>Per Object:</a:t>
+            </a:r>
+            <a:r>
+              <a:rPr lang="en-US" dirty="0"/>
+              <a:t> there are separate critical sections for different objects and classes of objects</a:t>
+            </a:r>
+          </a:p>
+          <a:p>
+            <a:pPr lvl="1"/>
+            <a:r>
+              <a:rPr lang="en-US" b="1" dirty="0"/>
+              <a:t>Lock Free:</a:t>
+            </a:r>
+            <a:r>
+              <a:rPr lang="en-US" dirty="0"/>
+              <a:t> instead of critical sections, lock-free (or wait-free) synchronization methods, are implemented by using atomic operations that exploit processor specific features; this approach offers the potential for improved performance and greater concurrency; complexity-wise, it is the hardest of the four</a:t>
+            </a:r>
+          </a:p>
+          <a:p>
+            <a:endParaRPr lang="en-US" dirty="0"/>
+          </a:p>
+          <a:p>
+            <a:endParaRPr lang="en-US" dirty="0"/>
+          </a:p>
+        </p:txBody>
+      </p:sp>
+      <p:sp>
+        <p:nvSpPr>
+          <p:cNvPr id="16" name="Oval 15">
+            <a:extLst>
+              <a:ext uri="{FF2B5EF4-FFF2-40B4-BE49-F238E27FC236}">
+                <a16:creationId xmlns:a16="http://schemas.microsoft.com/office/drawing/2014/main" id="{49B7FFA5-14CB-4A4F-9BCC-CA3AA5D9D276}"/>
+              </a:ext>
+              <a:ext uri="{C183D7F6-B498-43B3-948B-1728B52AA6E4}">
+                <adec:decorative xmlns:adec="http://schemas.microsoft.com/office/drawing/2017/decorative" val="1"/>
+              </a:ext>
+            </a:extLst>
+          </p:cNvPr>
+          <p:cNvSpPr>
+            <a:spLocks noGrp="1" noRot="1" noChangeAspect="1" noMove="1" noResize="1" noEditPoints="1" noAdjustHandles="1" noChangeArrowheads="1" noChangeShapeType="1" noTextEdit="1"/>
+          </p:cNvSpPr>
+          <p:nvPr>
+            <p:extLst>
+              <p:ext uri="{386F3935-93C4-4BCD-93E2-E3B085C9AB24}">
+                <p16:designElem xmlns:p16="http://schemas.microsoft.com/office/powerpoint/2015/main" val="1"/>
+              </p:ext>
+            </p:extLst>
+          </p:nvPr>
+        </p:nvSpPr>
+        <p:spPr>
+          <a:xfrm>
+            <a:off x="11401725" y="6229681"/>
+            <a:ext cx="457200" cy="457200"/>
+          </a:xfrm>
+          <a:prstGeom prst="ellipse">
+            <a:avLst/>
+          </a:prstGeom>
+          <a:blipFill dpi="0" rotWithShape="1">
+            <a:blip r:embed="rId4">
+              <a:duotone>
+                <a:schemeClr val="accent1">
+                  <a:shade val="45000"/>
+                  <a:satMod val="135000"/>
+                </a:schemeClr>
+                <a:prstClr val="white"/>
+              </a:duotone>
+            </a:blip>
+            <a:srcRect/>
+            <a:tile tx="50800" ty="0" sx="85000" sy="85000" flip="none" algn="tl"/>
+          </a:blipFill>
+          <a:ln w="25400" cap="flat" cmpd="sng" algn="ctr">
+            <a:noFill/>
+            <a:prstDash val="solid"/>
+          </a:ln>
+          <a:effectLst/>
+        </p:spPr>
+        <p:txBody>
+          <a:bodyPr lIns="0" tIns="0" rIns="0" bIns="0" rtlCol="0" anchor="ctr"/>
+          <a:lstStyle/>
+          <a:p>
+            <a:pPr marL="0" marR="0" lvl="0" indent="0" algn="ctr" defTabSz="914400" eaLnBrk="1" fontAlgn="auto" latinLnBrk="0" hangingPunct="1">
+              <a:lnSpc>
+                <a:spcPct val="100000"/>
+              </a:lnSpc>
+              <a:spcBef>
+                <a:spcPts val="0"/>
+              </a:spcBef>
+              <a:spcAft>
+                <a:spcPts val="0"/>
+              </a:spcAft>
+              <a:buClrTx/>
+              <a:buSzTx/>
+              <a:buFontTx/>
+              <a:buNone/>
+              <a:tabLst/>
+              <a:defRPr/>
+            </a:pPr>
+            <a:endParaRPr kumimoji="0" lang="en-US" sz="2000" b="0" i="0" u="none" strike="noStrike" kern="0" cap="none" spc="0" normalizeH="0" baseline="0" noProof="0" dirty="0">
+              <a:ln>
+                <a:noFill/>
+              </a:ln>
+              <a:solidFill>
+                <a:prstClr val="white"/>
+              </a:solidFill>
+              <a:effectLst/>
+              <a:uLnTx/>
+              <a:uFillTx/>
+              <a:latin typeface="Rockwell Extra Bold" pitchFamily="18" charset="0"/>
+              <a:ea typeface="+mn-ea"/>
+              <a:cs typeface="+mn-cs"/>
+            </a:endParaRPr>
+          </a:p>
+        </p:txBody>
+      </p:sp>
+      <p:sp>
+        <p:nvSpPr>
+          <p:cNvPr id="18" name="Oval 17">
+            <a:extLst>
+              <a:ext uri="{FF2B5EF4-FFF2-40B4-BE49-F238E27FC236}">
+                <a16:creationId xmlns:a16="http://schemas.microsoft.com/office/drawing/2014/main" id="{04E48745-7512-4EC2-9E20-9092D12150CA}"/>
+              </a:ext>
+              <a:ext uri="{C183D7F6-B498-43B3-948B-1728B52AA6E4}">
+                <adec:decorative xmlns:adec="http://schemas.microsoft.com/office/drawing/2017/decorative" val="1"/>
+              </a:ext>
+            </a:extLst>
+          </p:cNvPr>
+          <p:cNvSpPr>
+            <a:spLocks noGrp="1" noRot="1" noChangeAspect="1" noMove="1" noResize="1" noEditPoints="1" noAdjustHandles="1" noChangeArrowheads="1" noChangeShapeType="1" noTextEdit="1"/>
+          </p:cNvSpPr>
+          <p:nvPr>
+            <p:extLst>
+              <p:ext uri="{386F3935-93C4-4BCD-93E2-E3B085C9AB24}">
+                <p16:designElem xmlns:p16="http://schemas.microsoft.com/office/powerpoint/2015/main" val="1"/>
+              </p:ext>
+            </p:extLst>
+          </p:nvPr>
+        </p:nvSpPr>
+        <p:spPr>
+          <a:xfrm>
+            <a:off x="11430918" y="6258874"/>
+            <a:ext cx="398813" cy="398815"/>
+          </a:xfrm>
+          <a:prstGeom prst="ellipse">
+            <a:avLst/>
+          </a:prstGeom>
+          <a:noFill/>
+          <a:ln w="12700" cap="flat" cmpd="sng" algn="ctr">
+            <a:solidFill>
+              <a:srgbClr val="FFFFFF"/>
+            </a:solidFill>
+            <a:prstDash val="solid"/>
+          </a:ln>
+          <a:effectLst/>
+        </p:spPr>
+        <p:txBody>
+          <a:bodyPr rtlCol="0" anchor="ctr"/>
+          <a:lstStyle/>
+          <a:p>
+            <a:pPr marL="0" marR="0" lvl="0" indent="0" algn="ctr" defTabSz="914400" eaLnBrk="1" fontAlgn="auto" latinLnBrk="0" hangingPunct="1">
+              <a:lnSpc>
+                <a:spcPct val="100000"/>
+              </a:lnSpc>
+              <a:spcBef>
+                <a:spcPts val="0"/>
+              </a:spcBef>
+              <a:spcAft>
+                <a:spcPts val="0"/>
+              </a:spcAft>
+              <a:buClrTx/>
+              <a:buSzTx/>
+              <a:buFontTx/>
+              <a:buNone/>
+              <a:tabLst/>
+              <a:defRPr/>
+            </a:pPr>
+            <a:endParaRPr kumimoji="0" lang="en-US" sz="1800" b="0" i="0" u="none" strike="noStrike" kern="0" cap="none" spc="0" normalizeH="0" baseline="0" noProof="0" dirty="0">
+              <a:ln>
+                <a:noFill/>
+              </a:ln>
+              <a:solidFill>
+                <a:prstClr val="white"/>
+              </a:solidFill>
+              <a:effectLst/>
+              <a:uLnTx/>
+              <a:uFillTx/>
+              <a:latin typeface="Calibri"/>
+              <a:ea typeface="+mn-ea"/>
+              <a:cs typeface="+mn-cs"/>
+            </a:endParaRPr>
+          </a:p>
+        </p:txBody>
+      </p:sp>
+    </p:spTree>
+    <p:extLst>
+      <p:ext uri="{BB962C8B-B14F-4D97-AF65-F5344CB8AC3E}">
+        <p14:creationId xmlns:p14="http://schemas.microsoft.com/office/powerpoint/2010/main" val="2287312454"/>
+      </p:ext>
+    </p:extLst>
+  </p:cSld>
+  <p:clrMapOvr>
+    <a:masterClrMapping/>
+  </p:clrMapOvr>
+</p:sld>
+</file>
+
+<file path=ppt/slides/slide6.xml><?xml version="1.0" encoding="utf-8"?>
+<p:sld xmlns:a="http://schemas.openxmlformats.org/drawingml/2006/main" xmlns:r="http://schemas.openxmlformats.org/officeDocument/2006/relationships" xmlns:p="http://schemas.openxmlformats.org/presentationml/2006/main">
+  <p:cSld>
+    <p:bg>
+      <p:bgPr>
+        <a:solidFill>
+          <a:schemeClr val="bg1"/>
+        </a:solidFill>
+        <a:effectLst/>
+      </p:bgPr>
+    </p:bg>
+    <p:spTree>
+      <p:nvGrpSpPr>
+        <p:cNvPr id="1" name=""/>
+        <p:cNvGrpSpPr/>
+        <p:nvPr/>
+      </p:nvGrpSpPr>
+      <p:grpSpPr>
+        <a:xfrm>
+          <a:off x="0" y="0"/>
+          <a:ext cx="0" cy="0"/>
+          <a:chOff x="0" y="0"/>
+          <a:chExt cx="0" cy="0"/>
+        </a:xfrm>
+      </p:grpSpPr>
+      <p:grpSp>
+        <p:nvGrpSpPr>
+          <p:cNvPr id="25" name="Group 24">
+            <a:extLst>
+              <a:ext uri="{FF2B5EF4-FFF2-40B4-BE49-F238E27FC236}">
+                <a16:creationId xmlns:a16="http://schemas.microsoft.com/office/drawing/2014/main" id="{48074BE5-7BC2-47A2-AA6E-4ADC25B69C46}"/>
+              </a:ext>
+              <a:ext uri="{C183D7F6-B498-43B3-948B-1728B52AA6E4}">
+                <adec:decorative xmlns:adec="http://schemas.microsoft.com/office/drawing/2017/decorative" val="1"/>
+              </a:ext>
+            </a:extLst>
+          </p:cNvPr>
+          <p:cNvGrpSpPr>
+            <a:grpSpLocks noGrp="1" noUngrp="1" noRot="1" noChangeAspect="1" noMove="1" noResize="1"/>
+          </p:cNvGrpSpPr>
+          <p:nvPr>
+            <p:extLst>
+              <p:ext uri="{386F3935-93C4-4BCD-93E2-E3B085C9AB24}">
+                <p16:designElem xmlns:p16="http://schemas.microsoft.com/office/powerpoint/2015/main" val="1"/>
+              </p:ext>
+            </p:extLst>
+          </p:nvPr>
+        </p:nvGrpSpPr>
+        <p:grpSpPr>
+          <a:xfrm>
+            <a:off x="11401725" y="6229681"/>
+            <a:ext cx="457200" cy="457200"/>
+            <a:chOff x="11361456" y="6195813"/>
+            <a:chExt cx="548640" cy="548640"/>
+          </a:xfrm>
+        </p:grpSpPr>
+        <p:sp>
+          <p:nvSpPr>
+            <p:cNvPr id="26" name="Oval 25">
+              <a:extLst>
+                <a:ext uri="{FF2B5EF4-FFF2-40B4-BE49-F238E27FC236}">
+                  <a16:creationId xmlns:a16="http://schemas.microsoft.com/office/drawing/2014/main" id="{F487D8B5-0D01-4F89-BB86-F85EFEC06F18}"/>
+                </a:ext>
+                <a:ext uri="{C183D7F6-B498-43B3-948B-1728B52AA6E4}">
+                  <adec:decorative xmlns:adec="http://schemas.microsoft.com/office/drawing/2017/decorative" val="1"/>
+                </a:ext>
+              </a:extLst>
+            </p:cNvPr>
+            <p:cNvSpPr/>
+            <p:nvPr>
+              <p:extLst>
+                <p:ext uri="{386F3935-93C4-4BCD-93E2-E3B085C9AB24}">
+                  <p16:designElem xmlns:p16="http://schemas.microsoft.com/office/powerpoint/2015/main" val="1"/>
+                </p:ext>
+              </p:extLst>
+            </p:nvPr>
+          </p:nvSpPr>
+          <p:spPr>
+            <a:xfrm>
+              <a:off x="11361456" y="6195813"/>
+              <a:ext cx="548640" cy="548640"/>
+            </a:xfrm>
+            <a:prstGeom prst="ellipse">
+              <a:avLst/>
+            </a:prstGeom>
+            <a:blipFill dpi="0" rotWithShape="1">
+              <a:blip r:embed="rId2">
+                <a:duotone>
+                  <a:schemeClr val="accent2">
+                    <a:shade val="45000"/>
+                    <a:satMod val="135000"/>
+                  </a:schemeClr>
+                  <a:prstClr val="white"/>
+                </a:duotone>
+                <a:extLst>
+                  <a:ext uri="{BEBA8EAE-BF5A-486C-A8C5-ECC9F3942E4B}">
+                    <a14:imgProps xmlns:a14="http://schemas.microsoft.com/office/drawing/2010/main">
+                      <a14:imgLayer r:embed="rId3">
+                        <a14:imgEffect>
+                          <a14:saturation sat="95000"/>
+                        </a14:imgEffect>
+                        <a14:imgEffect>
+                          <a14:brightnessContrast bright="-40000" contrast="20000"/>
+                        </a14:imgEffect>
+                      </a14:imgLayer>
+                    </a14:imgProps>
+                  </a:ext>
+                </a:extLst>
+              </a:blip>
+              <a:srcRect/>
+              <a:tile tx="50800" ty="0" sx="85000" sy="85000" flip="none" algn="tl"/>
+            </a:blipFill>
+            <a:ln w="25400" cap="flat" cmpd="sng" algn="ctr">
+              <a:noFill/>
+              <a:prstDash val="solid"/>
+            </a:ln>
+            <a:effectLst/>
+          </p:spPr>
+          <p:txBody>
+            <a:bodyPr lIns="0" tIns="0" rIns="0" bIns="0" rtlCol="0" anchor="ctr"/>
+            <a:lstStyle/>
+            <a:p>
+              <a:pPr marL="0" marR="0" lvl="0" indent="0" algn="ctr" defTabSz="914400" eaLnBrk="1" fontAlgn="auto" latinLnBrk="0" hangingPunct="1">
+                <a:lnSpc>
+                  <a:spcPct val="100000"/>
+                </a:lnSpc>
+                <a:spcBef>
+                  <a:spcPts val="0"/>
+                </a:spcBef>
+                <a:spcAft>
+                  <a:spcPts val="0"/>
+                </a:spcAft>
+                <a:buClrTx/>
+                <a:buSzTx/>
+                <a:buFontTx/>
+                <a:buNone/>
+                <a:tabLst/>
+                <a:defRPr/>
+              </a:pPr>
+              <a:endParaRPr kumimoji="0" lang="en-US" sz="2000" b="0" i="0" u="none" strike="noStrike" kern="0" cap="none" spc="0" normalizeH="0" baseline="0" noProof="0" dirty="0">
+                <a:ln>
+                  <a:noFill/>
+                </a:ln>
+                <a:solidFill>
+                  <a:prstClr val="white"/>
+                </a:solidFill>
+                <a:effectLst/>
+                <a:uLnTx/>
+                <a:uFillTx/>
+                <a:latin typeface="Rockwell Extra Bold" pitchFamily="18" charset="0"/>
+                <a:ea typeface="+mn-ea"/>
+                <a:cs typeface="+mn-cs"/>
+              </a:endParaRPr>
+            </a:p>
+          </p:txBody>
+        </p:sp>
+        <p:sp>
+          <p:nvSpPr>
+            <p:cNvPr id="27" name="Oval 26">
+              <a:extLst>
+                <a:ext uri="{FF2B5EF4-FFF2-40B4-BE49-F238E27FC236}">
+                  <a16:creationId xmlns:a16="http://schemas.microsoft.com/office/drawing/2014/main" id="{C13F635F-6CBC-4AA7-9AB9-B788FCC93FF2}"/>
+                </a:ext>
+                <a:ext uri="{C183D7F6-B498-43B3-948B-1728B52AA6E4}">
+                  <adec:decorative xmlns:adec="http://schemas.microsoft.com/office/drawing/2017/decorative" val="1"/>
+                </a:ext>
+              </a:extLst>
+            </p:cNvPr>
+            <p:cNvSpPr/>
+            <p:nvPr>
+              <p:extLst>
+                <p:ext uri="{386F3935-93C4-4BCD-93E2-E3B085C9AB24}">
+                  <p16:designElem xmlns:p16="http://schemas.microsoft.com/office/powerpoint/2015/main" val="1"/>
+                </p:ext>
+              </p:extLst>
+            </p:nvPr>
+          </p:nvSpPr>
+          <p:spPr>
+            <a:xfrm>
+              <a:off x="11396488" y="6230844"/>
+              <a:ext cx="478576" cy="478578"/>
+            </a:xfrm>
+            <a:prstGeom prst="ellipse">
+              <a:avLst/>
+            </a:prstGeom>
+            <a:noFill/>
+            <a:ln w="12700" cap="flat" cmpd="sng" algn="ctr">
+              <a:solidFill>
+                <a:srgbClr val="FFFFFF"/>
+              </a:solidFill>
+              <a:prstDash val="solid"/>
+            </a:ln>
+            <a:effectLst/>
+          </p:spPr>
+          <p:txBody>
+            <a:bodyPr rtlCol="0" anchor="ctr"/>
+            <a:lstStyle/>
+            <a:p>
+              <a:pPr marL="0" marR="0" lvl="0" indent="0" algn="ctr" defTabSz="914400" eaLnBrk="1" fontAlgn="auto" latinLnBrk="0" hangingPunct="1">
+                <a:lnSpc>
+                  <a:spcPct val="100000"/>
+                </a:lnSpc>
+                <a:spcBef>
+                  <a:spcPts val="0"/>
+                </a:spcBef>
+                <a:spcAft>
+                  <a:spcPts val="0"/>
+                </a:spcAft>
+                <a:buClrTx/>
+                <a:buSzTx/>
+                <a:buFontTx/>
+                <a:buNone/>
+                <a:tabLst/>
+                <a:defRPr/>
+              </a:pPr>
+              <a:endParaRPr kumimoji="0" lang="en-US" sz="1800" b="0" i="0" u="none" strike="noStrike" kern="0" cap="none" spc="0" normalizeH="0" baseline="0" noProof="0" dirty="0">
+                <a:ln>
+                  <a:noFill/>
+                </a:ln>
+                <a:solidFill>
+                  <a:prstClr val="white"/>
+                </a:solidFill>
+                <a:effectLst/>
+                <a:uLnTx/>
+                <a:uFillTx/>
+                <a:latin typeface="Calibri"/>
+                <a:ea typeface="+mn-ea"/>
+                <a:cs typeface="+mn-cs"/>
+              </a:endParaRPr>
+            </a:p>
+          </p:txBody>
+        </p:sp>
+      </p:grpSp>
+      <p:sp>
+        <p:nvSpPr>
+          <p:cNvPr id="29" name="Rectangle 28">
+            <a:extLst>
+              <a:ext uri="{FF2B5EF4-FFF2-40B4-BE49-F238E27FC236}">
+                <a16:creationId xmlns:a16="http://schemas.microsoft.com/office/drawing/2014/main" id="{BD9989FB-36A6-49EE-889A-BDBC54F18EB7}"/>
+              </a:ext>
+              <a:ext uri="{C183D7F6-B498-43B3-948B-1728B52AA6E4}">
+                <adec:decorative xmlns:adec="http://schemas.microsoft.com/office/drawing/2017/decorative" val="1"/>
+              </a:ext>
+            </a:extLst>
+          </p:cNvPr>
+          <p:cNvSpPr>
+            <a:spLocks noGrp="1" noRot="1" noChangeAspect="1" noMove="1" noResize="1" noEditPoints="1" noAdjustHandles="1" noChangeArrowheads="1" noChangeShapeType="1" noTextEdit="1"/>
+          </p:cNvSpPr>
+          <p:nvPr>
+            <p:extLst>
+              <p:ext uri="{386F3935-93C4-4BCD-93E2-E3B085C9AB24}">
+                <p16:designElem xmlns:p16="http://schemas.microsoft.com/office/powerpoint/2015/main" val="1"/>
+              </p:ext>
+            </p:extLst>
+          </p:nvPr>
+        </p:nvSpPr>
+        <p:spPr>
+          <a:xfrm>
+            <a:off x="7836310" y="0"/>
+            <a:ext cx="4355689" cy="6857999"/>
+          </a:xfrm>
+          <a:prstGeom prst="rect">
+            <a:avLst/>
+          </a:prstGeom>
+          <a:blipFill dpi="0" rotWithShape="1">
+            <a:blip r:embed="rId4">
+              <a:alphaModFix amt="60000"/>
+              <a:lum bright="70000" contrast="-70000"/>
+              <a:extLst>
+                <a:ext uri="{BEBA8EAE-BF5A-486C-A8C5-ECC9F3942E4B}">
+                  <a14:imgProps xmlns:a14="http://schemas.microsoft.com/office/drawing/2010/main">
+                    <a14:imgLayer r:embed="rId5">
+                      <a14:imgEffect>
+                        <a14:sharpenSoften amount="61000"/>
+                      </a14:imgEffect>
+                    </a14:imgLayer>
+                  </a14:imgProps>
+                </a:ext>
+                <a:ext uri="{28A0092B-C50C-407E-A947-70E740481C1C}">
+                  <a14:useLocalDpi xmlns:a14="http://schemas.microsoft.com/office/drawing/2010/main" val="0"/>
+                </a:ext>
+              </a:extLst>
+            </a:blip>
+            <a:srcRect/>
+            <a:tile tx="0" ty="-704850" sx="92000" sy="89000" flip="xy" algn="ctr"/>
+          </a:blipFill>
+          <a:ln>
+            <a:noFill/>
+          </a:ln>
+        </p:spPr>
+        <p:style>
+          <a:lnRef idx="2">
+            <a:schemeClr val="accent1">
+              <a:shade val="50000"/>
+            </a:schemeClr>
+          </a:lnRef>
+          <a:fillRef idx="1">
+            <a:schemeClr val="accent1"/>
+          </a:fillRef>
+          <a:effectRef idx="0">
+            <a:schemeClr val="accent1"/>
+          </a:effectRef>
+          <a:fontRef idx="minor">
+            <a:schemeClr val="lt1"/>
+          </a:fontRef>
+        </p:style>
+        <p:txBody>
+          <a:bodyPr rtlCol="0" anchor="ctr"/>
+          <a:lstStyle/>
+          <a:p>
+            <a:pPr algn="ctr"/>
+            <a:endParaRPr lang="en-US"/>
+          </a:p>
+        </p:txBody>
+      </p:sp>
+      <p:sp>
+        <p:nvSpPr>
+          <p:cNvPr id="2" name="Title 1">
+            <a:extLst>
+              <a:ext uri="{FF2B5EF4-FFF2-40B4-BE49-F238E27FC236}">
+                <a16:creationId xmlns:a16="http://schemas.microsoft.com/office/drawing/2014/main" id="{F3DAE395-EDCF-448C-B5F7-26AC4377231C}"/>
+              </a:ext>
+            </a:extLst>
+          </p:cNvPr>
+          <p:cNvSpPr>
+            <a:spLocks noGrp="1"/>
+          </p:cNvSpPr>
+          <p:nvPr>
+            <p:ph type="title"/>
+          </p:nvPr>
+        </p:nvSpPr>
+        <p:spPr>
+          <a:xfrm>
+            <a:off x="8156350" y="484632"/>
+            <a:ext cx="3544035" cy="1609344"/>
+          </a:xfrm>
+          <a:ln>
+            <a:noFill/>
+          </a:ln>
+        </p:spPr>
+        <p:txBody>
+          <a:bodyPr vert="horz" lIns="91440" tIns="45720" rIns="91440" bIns="45720" rtlCol="0" anchor="ctr">
+            <a:normAutofit/>
+          </a:bodyPr>
+          <a:lstStyle/>
+          <a:p>
+            <a:r>
+              <a:rPr lang="en-US" sz="3200"/>
+              <a:t>PERFORMANCE EXPERIMENTS</a:t>
+            </a:r>
+          </a:p>
+        </p:txBody>
+      </p:sp>
+      <p:pic>
+        <p:nvPicPr>
+          <p:cNvPr id="7" name="Content Placeholder 6" descr="Diagram&#10;&#10;Description automatically generated">
+            <a:extLst>
+              <a:ext uri="{FF2B5EF4-FFF2-40B4-BE49-F238E27FC236}">
+                <a16:creationId xmlns:a16="http://schemas.microsoft.com/office/drawing/2014/main" id="{31EC0772-2D79-4A9F-935A-037B3B32A9CB}"/>
+              </a:ext>
+            </a:extLst>
+          </p:cNvPr>
+          <p:cNvPicPr>
+            <a:picLocks noGrp="1" noChangeAspect="1"/>
+          </p:cNvPicPr>
+          <p:nvPr>
+            <p:ph sz="half" idx="2"/>
+          </p:nvPr>
+        </p:nvPicPr>
+        <p:blipFill>
+          <a:blip r:embed="rId6">
+            <a:extLst>
+              <a:ext uri="{28A0092B-C50C-407E-A947-70E740481C1C}">
+                <a14:useLocalDpi xmlns:a14="http://schemas.microsoft.com/office/drawing/2010/main" val="0"/>
+              </a:ext>
+            </a:extLst>
+          </a:blip>
+          <a:stretch>
+            <a:fillRect/>
+          </a:stretch>
+        </p:blipFill>
+        <p:spPr>
+          <a:xfrm>
+            <a:off x="633999" y="2186719"/>
+            <a:ext cx="6882269" cy="2494822"/>
+          </a:xfrm>
+          <a:prstGeom prst="rect">
+            <a:avLst/>
+          </a:prstGeom>
+        </p:spPr>
+      </p:pic>
+      <p:sp>
+        <p:nvSpPr>
+          <p:cNvPr id="3" name="Content Placeholder 2">
+            <a:extLst>
+              <a:ext uri="{FF2B5EF4-FFF2-40B4-BE49-F238E27FC236}">
+                <a16:creationId xmlns:a16="http://schemas.microsoft.com/office/drawing/2014/main" id="{EC066FEA-1888-49E5-A3DE-DA5C7405E38F}"/>
+              </a:ext>
+            </a:extLst>
+          </p:cNvPr>
+          <p:cNvSpPr>
+            <a:spLocks noGrp="1"/>
+          </p:cNvSpPr>
+          <p:nvPr>
+            <p:ph sz="half" idx="1"/>
+          </p:nvPr>
+        </p:nvSpPr>
+        <p:spPr>
+          <a:xfrm>
+            <a:off x="8156351" y="2121408"/>
+            <a:ext cx="3544034" cy="4050792"/>
+          </a:xfrm>
+        </p:spPr>
+        <p:txBody>
+          <a:bodyPr vert="horz" lIns="91440" tIns="45720" rIns="91440" bIns="45720" rtlCol="0">
+            <a:normAutofit/>
+          </a:bodyPr>
+          <a:lstStyle/>
+          <a:p>
+            <a:pPr lvl="1"/>
+            <a:r>
+              <a:rPr lang="en-US" sz="1500" dirty="0"/>
+              <a:t>to assess the performance of each granularity option, a test that measures the message rate achieved by n threads of a process sending to n single-threaded receiving processes was used</a:t>
+            </a:r>
+          </a:p>
+          <a:p>
+            <a:pPr lvl="1"/>
+            <a:r>
+              <a:rPr lang="en-US" sz="1500" dirty="0"/>
+              <a:t>the receiving processes </a:t>
+            </a:r>
+            <a:r>
+              <a:rPr lang="en-US" sz="1500" dirty="0" err="1"/>
+              <a:t>prepost</a:t>
+            </a:r>
+            <a:r>
+              <a:rPr lang="en-US" sz="1500" dirty="0"/>
+              <a:t> 128 receives using </a:t>
+            </a:r>
+            <a:r>
+              <a:rPr lang="en-US" sz="1500" i="1" dirty="0" err="1"/>
+              <a:t>MPI_Irecv</a:t>
+            </a:r>
+            <a:r>
+              <a:rPr lang="en-US" sz="1500" dirty="0"/>
+              <a:t>, send an acknowledgment to the sending threads, and then wait for the receives to complete. </a:t>
+            </a:r>
+          </a:p>
+          <a:p>
+            <a:pPr lvl="1"/>
+            <a:r>
+              <a:rPr lang="en-US" sz="1500" dirty="0"/>
+              <a:t>after receiving the acknowledgment, the threads of the sending process send 128 messages using </a:t>
+            </a:r>
+            <a:r>
+              <a:rPr lang="en-US" sz="1500" i="1" dirty="0" err="1"/>
+              <a:t>MPI_Send</a:t>
+            </a:r>
+            <a:endParaRPr lang="en-US" sz="1500" i="1" dirty="0"/>
+          </a:p>
+        </p:txBody>
+      </p:sp>
+      <p:grpSp>
+        <p:nvGrpSpPr>
+          <p:cNvPr id="31" name="Group 30">
+            <a:extLst>
+              <a:ext uri="{FF2B5EF4-FFF2-40B4-BE49-F238E27FC236}">
+                <a16:creationId xmlns:a16="http://schemas.microsoft.com/office/drawing/2014/main" id="{79532E44-64CD-4887-95E4-6D13510171F7}"/>
+              </a:ext>
+              <a:ext uri="{C183D7F6-B498-43B3-948B-1728B52AA6E4}">
+                <adec:decorative xmlns:adec="http://schemas.microsoft.com/office/drawing/2017/decorative" val="1"/>
+              </a:ext>
+            </a:extLst>
+          </p:cNvPr>
+          <p:cNvGrpSpPr>
+            <a:grpSpLocks noGrp="1" noUngrp="1" noRot="1" noChangeAspect="1" noMove="1" noResize="1"/>
+          </p:cNvGrpSpPr>
+          <p:nvPr>
+            <p:extLst>
+              <p:ext uri="{386F3935-93C4-4BCD-93E2-E3B085C9AB24}">
+                <p16:designElem xmlns:p16="http://schemas.microsoft.com/office/powerpoint/2015/main" val="1"/>
+              </p:ext>
+            </p:extLst>
+          </p:nvPr>
+        </p:nvGrpSpPr>
+        <p:grpSpPr>
+          <a:xfrm>
+            <a:off x="11401725" y="6229681"/>
+            <a:ext cx="457200" cy="457200"/>
+            <a:chOff x="11361456" y="6195813"/>
+            <a:chExt cx="548640" cy="548640"/>
+          </a:xfrm>
+        </p:grpSpPr>
+        <p:sp>
+          <p:nvSpPr>
+            <p:cNvPr id="32" name="Oval 31">
+              <a:extLst>
+                <a:ext uri="{FF2B5EF4-FFF2-40B4-BE49-F238E27FC236}">
+                  <a16:creationId xmlns:a16="http://schemas.microsoft.com/office/drawing/2014/main" id="{35C2F53F-F2F7-4BC7-88F8-CCFD6D3CB58A}"/>
+                </a:ext>
+                <a:ext uri="{C183D7F6-B498-43B3-948B-1728B52AA6E4}">
+                  <adec:decorative xmlns:adec="http://schemas.microsoft.com/office/drawing/2017/decorative" val="1"/>
+                </a:ext>
+              </a:extLst>
+            </p:cNvPr>
+            <p:cNvSpPr/>
+            <p:nvPr>
+              <p:extLst>
+                <p:ext uri="{386F3935-93C4-4BCD-93E2-E3B085C9AB24}">
+                  <p16:designElem xmlns:p16="http://schemas.microsoft.com/office/powerpoint/2015/main" val="1"/>
+                </p:ext>
+              </p:extLst>
+            </p:nvPr>
+          </p:nvSpPr>
+          <p:spPr>
+            <a:xfrm>
+              <a:off x="11361456" y="6195813"/>
+              <a:ext cx="548640" cy="548640"/>
+            </a:xfrm>
+            <a:prstGeom prst="ellipse">
+              <a:avLst/>
+            </a:prstGeom>
+            <a:blipFill dpi="0" rotWithShape="1">
+              <a:blip r:embed="rId2">
+                <a:duotone>
+                  <a:schemeClr val="accent2">
+                    <a:shade val="45000"/>
+                    <a:satMod val="135000"/>
+                  </a:schemeClr>
+                  <a:prstClr val="white"/>
+                </a:duotone>
+              </a:blip>
+              <a:srcRect/>
+              <a:tile tx="50800" ty="0" sx="85000" sy="85000" flip="none" algn="tl"/>
+            </a:blipFill>
+            <a:ln w="25400" cap="flat" cmpd="sng" algn="ctr">
+              <a:noFill/>
+              <a:prstDash val="solid"/>
+            </a:ln>
+            <a:effectLst/>
+          </p:spPr>
+          <p:txBody>
+            <a:bodyPr lIns="0" tIns="0" rIns="0" bIns="0" rtlCol="0" anchor="ctr"/>
+            <a:lstStyle/>
+            <a:p>
+              <a:pPr marL="0" marR="0" lvl="0" indent="0" algn="ctr" defTabSz="914400" eaLnBrk="1" fontAlgn="auto" latinLnBrk="0" hangingPunct="1">
+                <a:lnSpc>
+                  <a:spcPct val="100000"/>
+                </a:lnSpc>
+                <a:spcBef>
+                  <a:spcPts val="0"/>
+                </a:spcBef>
+                <a:spcAft>
+                  <a:spcPts val="0"/>
+                </a:spcAft>
+                <a:buClrTx/>
+                <a:buSzTx/>
+                <a:buFontTx/>
+                <a:buNone/>
+                <a:tabLst/>
+                <a:defRPr/>
+              </a:pPr>
+              <a:endParaRPr kumimoji="0" lang="en-US" sz="2000" b="0" i="0" u="none" strike="noStrike" kern="0" cap="none" spc="0" normalizeH="0" baseline="0" noProof="0" dirty="0">
+                <a:ln>
+                  <a:noFill/>
+                </a:ln>
+                <a:solidFill>
+                  <a:prstClr val="white"/>
+                </a:solidFill>
+                <a:effectLst/>
+                <a:uLnTx/>
+                <a:uFillTx/>
+                <a:latin typeface="Rockwell Extra Bold" pitchFamily="18" charset="0"/>
+                <a:ea typeface="+mn-ea"/>
+                <a:cs typeface="+mn-cs"/>
+              </a:endParaRPr>
+            </a:p>
+          </p:txBody>
+        </p:sp>
+        <p:sp>
+          <p:nvSpPr>
+            <p:cNvPr id="33" name="Oval 32">
+              <a:extLst>
+                <a:ext uri="{FF2B5EF4-FFF2-40B4-BE49-F238E27FC236}">
+                  <a16:creationId xmlns:a16="http://schemas.microsoft.com/office/drawing/2014/main" id="{9B3675A9-8FB2-4982-9BE7-47E456D0D38D}"/>
+                </a:ext>
+                <a:ext uri="{C183D7F6-B498-43B3-948B-1728B52AA6E4}">
+                  <adec:decorative xmlns:adec="http://schemas.microsoft.com/office/drawing/2017/decorative" val="1"/>
+                </a:ext>
+              </a:extLst>
+            </p:cNvPr>
+            <p:cNvSpPr/>
+            <p:nvPr>
+              <p:extLst>
+                <p:ext uri="{386F3935-93C4-4BCD-93E2-E3B085C9AB24}">
+                  <p16:designElem xmlns:p16="http://schemas.microsoft.com/office/powerpoint/2015/main" val="1"/>
+                </p:ext>
+              </p:extLst>
+            </p:nvPr>
+          </p:nvSpPr>
+          <p:spPr>
+            <a:xfrm>
+              <a:off x="11396488" y="6230844"/>
+              <a:ext cx="478576" cy="478578"/>
+            </a:xfrm>
+            <a:prstGeom prst="ellipse">
+              <a:avLst/>
+            </a:prstGeom>
+            <a:noFill/>
+            <a:ln w="12700" cap="flat" cmpd="sng" algn="ctr">
+              <a:solidFill>
+                <a:srgbClr val="FFFFFF"/>
+              </a:solidFill>
+              <a:prstDash val="solid"/>
+            </a:ln>
+            <a:effectLst/>
+          </p:spPr>
+          <p:txBody>
+            <a:bodyPr rtlCol="0" anchor="ctr"/>
+            <a:lstStyle/>
+            <a:p>
+              <a:pPr marL="0" marR="0" lvl="0" indent="0" algn="ctr" defTabSz="914400" eaLnBrk="1" fontAlgn="auto" latinLnBrk="0" hangingPunct="1">
+                <a:lnSpc>
+                  <a:spcPct val="100000"/>
+                </a:lnSpc>
+                <a:spcBef>
+                  <a:spcPts val="0"/>
+                </a:spcBef>
+                <a:spcAft>
+                  <a:spcPts val="0"/>
+                </a:spcAft>
+                <a:buClrTx/>
+                <a:buSzTx/>
+                <a:buFontTx/>
+                <a:buNone/>
+                <a:tabLst/>
+                <a:defRPr/>
+              </a:pPr>
+              <a:endParaRPr kumimoji="0" lang="en-US" sz="1800" b="0" i="0" u="none" strike="noStrike" kern="0" cap="none" spc="0" normalizeH="0" baseline="0" noProof="0" dirty="0">
+                <a:ln>
+                  <a:noFill/>
+                </a:ln>
+                <a:solidFill>
+                  <a:prstClr val="white"/>
+                </a:solidFill>
+                <a:effectLst/>
+                <a:uLnTx/>
+                <a:uFillTx/>
+                <a:latin typeface="Calibri"/>
+                <a:ea typeface="+mn-ea"/>
+                <a:cs typeface="+mn-cs"/>
+              </a:endParaRPr>
+            </a:p>
+          </p:txBody>
+        </p:sp>
+      </p:grpSp>
+    </p:spTree>
+    <p:extLst>
+      <p:ext uri="{BB962C8B-B14F-4D97-AF65-F5344CB8AC3E}">
+        <p14:creationId xmlns:p14="http://schemas.microsoft.com/office/powerpoint/2010/main" val="2204009557"/>
+      </p:ext>
+    </p:extLst>
+  </p:cSld>
+  <p:clrMapOvr>
+    <a:masterClrMapping/>
+  </p:clrMapOvr>
+</p:sld>
+</file>
+
+<file path=ppt/slides/slide7.xml><?xml version="1.0" encoding="utf-8"?>
+<p:sld xmlns:a="http://schemas.openxmlformats.org/drawingml/2006/main" xmlns:r="http://schemas.openxmlformats.org/officeDocument/2006/relationships" xmlns:p="http://schemas.openxmlformats.org/presentationml/2006/main">
+  <p:cSld>
+    <p:bg>
+      <p:bgPr>
+        <a:solidFill>
+          <a:schemeClr val="bg1"/>
+        </a:solidFill>
+        <a:effectLst/>
+      </p:bgPr>
+    </p:bg>
+    <p:spTree>
+      <p:nvGrpSpPr>
+        <p:cNvPr id="1" name=""/>
+        <p:cNvGrpSpPr/>
+        <p:nvPr/>
+      </p:nvGrpSpPr>
+      <p:grpSpPr>
+        <a:xfrm>
+          <a:off x="0" y="0"/>
+          <a:ext cx="0" cy="0"/>
+          <a:chOff x="0" y="0"/>
+          <a:chExt cx="0" cy="0"/>
+        </a:xfrm>
+      </p:grpSpPr>
+      <p:sp useBgFill="1">
+        <p:nvSpPr>
+          <p:cNvPr id="20" name="Rectangle 7">
+            <a:extLst>
+              <a:ext uri="{FF2B5EF4-FFF2-40B4-BE49-F238E27FC236}">
+                <a16:creationId xmlns:a16="http://schemas.microsoft.com/office/drawing/2014/main" id="{4FCA88C2-C73C-4062-A097-8FBCE3090BEA}"/>
+              </a:ext>
+              <a:ext uri="{C183D7F6-B498-43B3-948B-1728B52AA6E4}">
+                <adec:decorative xmlns:adec="http://schemas.microsoft.com/office/drawing/2017/decorative" val="1"/>
+              </a:ext>
+            </a:extLst>
+          </p:cNvPr>
+          <p:cNvSpPr>
+            <a:spLocks noGrp="1" noRot="1" noChangeAspect="1" noMove="1" noResize="1" noEditPoints="1" noAdjustHandles="1" noChangeArrowheads="1" noChangeShapeType="1" noTextEdit="1"/>
+          </p:cNvSpPr>
+          <p:nvPr>
+            <p:extLst>
+              <p:ext uri="{386F3935-93C4-4BCD-93E2-E3B085C9AB24}">
+                <p16:designElem xmlns:p16="http://schemas.microsoft.com/office/powerpoint/2015/main" val="1"/>
+              </p:ext>
+            </p:extLst>
+          </p:nvPr>
+        </p:nvSpPr>
+        <p:spPr>
+          <a:xfrm>
+            <a:off x="0" y="0"/>
+            <a:ext cx="12192000" cy="6858000"/>
+          </a:xfrm>
+          <a:prstGeom prst="rect">
+            <a:avLst/>
+          </a:prstGeom>
+          <a:ln>
+            <a:noFill/>
+          </a:ln>
+        </p:spPr>
+        <p:style>
+          <a:lnRef idx="2">
+            <a:schemeClr val="accent1">
+              <a:shade val="50000"/>
+            </a:schemeClr>
+          </a:lnRef>
+          <a:fillRef idx="1">
+            <a:schemeClr val="accent1"/>
+          </a:fillRef>
+          <a:effectRef idx="0">
+            <a:schemeClr val="accent1"/>
+          </a:effectRef>
+          <a:fontRef idx="minor">
+            <a:schemeClr val="lt1"/>
+          </a:fontRef>
+        </p:style>
+        <p:txBody>
+          <a:bodyPr rtlCol="0" anchor="ctr"/>
+          <a:lstStyle/>
+          <a:p>
+            <a:pPr algn="ctr"/>
+            <a:endParaRPr lang="en-US"/>
+          </a:p>
+        </p:txBody>
+      </p:sp>
+      <p:sp>
+        <p:nvSpPr>
+          <p:cNvPr id="21" name="Rectangle 9">
+            <a:extLst>
+              <a:ext uri="{FF2B5EF4-FFF2-40B4-BE49-F238E27FC236}">
+                <a16:creationId xmlns:a16="http://schemas.microsoft.com/office/drawing/2014/main" id="{83981C21-E132-4402-B31B-D725C1CE77D2}"/>
+              </a:ext>
+              <a:ext uri="{C183D7F6-B498-43B3-948B-1728B52AA6E4}">
+                <adec:decorative xmlns:adec="http://schemas.microsoft.com/office/drawing/2017/decorative" val="1"/>
+              </a:ext>
+            </a:extLst>
+          </p:cNvPr>
+          <p:cNvSpPr>
+            <a:spLocks noGrp="1" noRot="1" noChangeAspect="1" noMove="1" noResize="1" noEditPoints="1" noAdjustHandles="1" noChangeArrowheads="1" noChangeShapeType="1" noTextEdit="1"/>
+          </p:cNvSpPr>
+          <p:nvPr>
+            <p:extLst>
+              <p:ext uri="{386F3935-93C4-4BCD-93E2-E3B085C9AB24}">
+                <p16:designElem xmlns:p16="http://schemas.microsoft.com/office/powerpoint/2015/main" val="1"/>
+              </p:ext>
+            </p:extLst>
+          </p:nvPr>
+        </p:nvSpPr>
+        <p:spPr>
+          <a:xfrm>
+            <a:off x="641604" y="653241"/>
+            <a:ext cx="10908792" cy="80683"/>
+          </a:xfrm>
+          <a:prstGeom prst="rect">
+            <a:avLst/>
+          </a:prstGeom>
+          <a:blipFill dpi="0" rotWithShape="1">
+            <a:blip r:embed="rId2">
+              <a:alphaModFix amt="85000"/>
+              <a:lum bright="70000" contrast="-70000"/>
+              <a:extLst>
+                <a:ext uri="{BEBA8EAE-BF5A-486C-A8C5-ECC9F3942E4B}">
+                  <a14:imgProps xmlns:a14="http://schemas.microsoft.com/office/drawing/2010/main">
+                    <a14:imgLayer r:embed="rId3">
+                      <a14:imgEffect>
+                        <a14:sharpenSoften amount="61000"/>
+                      </a14:imgEffect>
+                    </a14:imgLayer>
+                  </a14:imgProps>
+                </a:ext>
+                <a:ext uri="{28A0092B-C50C-407E-A947-70E740481C1C}">
+                  <a14:useLocalDpi xmlns:a14="http://schemas.microsoft.com/office/drawing/2010/main" val="0"/>
+                </a:ext>
+              </a:extLst>
+            </a:blip>
+            <a:srcRect/>
+            <a:tile tx="0" ty="-762000" sx="92000" sy="89000" flip="xy" algn="ctr"/>
+          </a:blipFill>
+          <a:ln>
+            <a:noFill/>
+          </a:ln>
+        </p:spPr>
+        <p:style>
+          <a:lnRef idx="2">
+            <a:schemeClr val="accent1">
+              <a:shade val="50000"/>
+            </a:schemeClr>
+          </a:lnRef>
+          <a:fillRef idx="1">
+            <a:schemeClr val="accent1"/>
+          </a:fillRef>
+          <a:effectRef idx="0">
+            <a:schemeClr val="accent1"/>
+          </a:effectRef>
+          <a:fontRef idx="minor">
+            <a:schemeClr val="lt1"/>
+          </a:fontRef>
+        </p:style>
+        <p:txBody>
+          <a:bodyPr rtlCol="0" anchor="ctr"/>
+          <a:lstStyle/>
+          <a:p>
+            <a:pPr algn="ctr"/>
+            <a:endParaRPr lang="en-US"/>
+          </a:p>
+        </p:txBody>
+      </p:sp>
+      <p:sp>
+        <p:nvSpPr>
+          <p:cNvPr id="22" name="Rectangle 11">
+            <a:extLst>
+              <a:ext uri="{FF2B5EF4-FFF2-40B4-BE49-F238E27FC236}">
+                <a16:creationId xmlns:a16="http://schemas.microsoft.com/office/drawing/2014/main" id="{6A685C77-4E84-486A-9AE5-F3635BE98EFB}"/>
+              </a:ext>
+              <a:ext uri="{C183D7F6-B498-43B3-948B-1728B52AA6E4}">
+                <adec:decorative xmlns:adec="http://schemas.microsoft.com/office/drawing/2017/decorative" val="1"/>
+              </a:ext>
+            </a:extLst>
+          </p:cNvPr>
+          <p:cNvSpPr>
+            <a:spLocks noGrp="1" noRot="1" noChangeAspect="1" noMove="1" noResize="1" noEditPoints="1" noAdjustHandles="1" noChangeArrowheads="1" noChangeShapeType="1" noTextEdit="1"/>
+          </p:cNvSpPr>
+          <p:nvPr>
+            <p:extLst>
+              <p:ext uri="{386F3935-93C4-4BCD-93E2-E3B085C9AB24}">
+                <p16:designElem xmlns:p16="http://schemas.microsoft.com/office/powerpoint/2015/main" val="1"/>
+              </p:ext>
+            </p:extLst>
+          </p:nvPr>
+        </p:nvSpPr>
+        <p:spPr>
+          <a:xfrm>
+            <a:off x="641602" y="822324"/>
+            <a:ext cx="5149596" cy="5228279"/>
+          </a:xfrm>
+          <a:prstGeom prst="rect">
+            <a:avLst/>
+          </a:prstGeom>
+          <a:blipFill dpi="0" rotWithShape="1">
+            <a:blip r:embed="rId2">
+              <a:alphaModFix amt="85000"/>
+              <a:lum bright="70000" contrast="-70000"/>
+              <a:extLst>
+                <a:ext uri="{BEBA8EAE-BF5A-486C-A8C5-ECC9F3942E4B}">
+                  <a14:imgProps xmlns:a14="http://schemas.microsoft.com/office/drawing/2010/main">
+                    <a14:imgLayer r:embed="rId3">
+                      <a14:imgEffect>
+                        <a14:sharpenSoften amount="61000"/>
+                      </a14:imgEffect>
+                    </a14:imgLayer>
+                  </a14:imgProps>
+                </a:ext>
+                <a:ext uri="{28A0092B-C50C-407E-A947-70E740481C1C}">
+                  <a14:useLocalDpi xmlns:a14="http://schemas.microsoft.com/office/drawing/2010/main" val="0"/>
+                </a:ext>
+              </a:extLst>
+            </a:blip>
+            <a:srcRect/>
+            <a:tile tx="0" ty="-704850" sx="92000" sy="89000" flip="xy" algn="ctr"/>
+          </a:blipFill>
+          <a:ln>
+            <a:noFill/>
+          </a:ln>
+        </p:spPr>
+        <p:style>
+          <a:lnRef idx="2">
+            <a:schemeClr val="accent1">
+              <a:shade val="50000"/>
+            </a:schemeClr>
+          </a:lnRef>
+          <a:fillRef idx="1">
+            <a:schemeClr val="accent1"/>
+          </a:fillRef>
+          <a:effectRef idx="0">
+            <a:schemeClr val="accent1"/>
+          </a:effectRef>
+          <a:fontRef idx="minor">
+            <a:schemeClr val="lt1"/>
+          </a:fontRef>
+        </p:style>
+        <p:txBody>
+          <a:bodyPr rtlCol="0" anchor="ctr"/>
+          <a:lstStyle/>
+          <a:p>
+            <a:pPr algn="ctr"/>
+            <a:endParaRPr lang="en-US"/>
+          </a:p>
+        </p:txBody>
+      </p:sp>
+      <p:sp>
+        <p:nvSpPr>
+          <p:cNvPr id="2" name="Title 1">
+            <a:extLst>
+              <a:ext uri="{FF2B5EF4-FFF2-40B4-BE49-F238E27FC236}">
+                <a16:creationId xmlns:a16="http://schemas.microsoft.com/office/drawing/2014/main" id="{E2435AF6-7AD7-4534-912F-3C3733C25E43}"/>
+              </a:ext>
+            </a:extLst>
+          </p:cNvPr>
+          <p:cNvSpPr>
+            <a:spLocks noGrp="1"/>
+          </p:cNvSpPr>
+          <p:nvPr>
+            <p:ph type="title"/>
+          </p:nvPr>
+        </p:nvSpPr>
+        <p:spPr>
+          <a:xfrm>
+            <a:off x="1286934" y="1465790"/>
+            <a:ext cx="3860798" cy="3941345"/>
+          </a:xfrm>
+        </p:spPr>
+        <p:txBody>
+          <a:bodyPr>
+            <a:normAutofit/>
+          </a:bodyPr>
+          <a:lstStyle/>
+          <a:p>
+            <a:r>
+              <a:rPr lang="en-US" sz="3300"/>
+              <a:t>Performance with </a:t>
+            </a:r>
+            <a:r>
+              <a:rPr lang="en-US" sz="3300" i="1"/>
+              <a:t>MPI_PROC_NULL</a:t>
+            </a:r>
+          </a:p>
+        </p:txBody>
+      </p:sp>
+      <p:sp>
+        <p:nvSpPr>
+          <p:cNvPr id="3" name="Content Placeholder 2">
+            <a:extLst>
+              <a:ext uri="{FF2B5EF4-FFF2-40B4-BE49-F238E27FC236}">
+                <a16:creationId xmlns:a16="http://schemas.microsoft.com/office/drawing/2014/main" id="{41F0D8B3-F352-4D90-8DDE-75B75DF01E13}"/>
+              </a:ext>
+            </a:extLst>
+          </p:cNvPr>
+          <p:cNvSpPr>
+            <a:spLocks noGrp="1"/>
+          </p:cNvSpPr>
+          <p:nvPr>
+            <p:ph idx="1"/>
+          </p:nvPr>
+        </p:nvSpPr>
+        <p:spPr>
+          <a:xfrm>
+            <a:off x="6417733" y="1359090"/>
+            <a:ext cx="5132665" cy="4048046"/>
+          </a:xfrm>
+        </p:spPr>
+        <p:txBody>
+          <a:bodyPr anchor="ctr">
+            <a:normAutofit/>
+          </a:bodyPr>
+          <a:lstStyle/>
+          <a:p>
+            <a:r>
+              <a:rPr lang="en-US" dirty="0"/>
+              <a:t>This test is intended to measure the threading overhead in the MPICH code in the absence of any network communication</a:t>
+            </a:r>
+          </a:p>
+          <a:p>
+            <a:r>
+              <a:rPr lang="en-US" dirty="0"/>
+              <a:t>we use </a:t>
+            </a:r>
+            <a:r>
+              <a:rPr lang="en-US" i="1" dirty="0"/>
+              <a:t>MPI_PROC_NULL</a:t>
+            </a:r>
+            <a:r>
+              <a:rPr lang="en-US" dirty="0"/>
+              <a:t> as the destination in </a:t>
+            </a:r>
+            <a:r>
+              <a:rPr lang="en-US" i="1" dirty="0" err="1"/>
+              <a:t>MPI_Send</a:t>
+            </a:r>
+            <a:r>
+              <a:rPr lang="en-US" dirty="0"/>
+              <a:t> and as a source in </a:t>
+            </a:r>
+            <a:r>
+              <a:rPr lang="en-US" i="1" dirty="0" err="1"/>
+              <a:t>MPI_Irecv</a:t>
+            </a:r>
+            <a:endParaRPr lang="en-US" i="1" dirty="0"/>
+          </a:p>
+          <a:p>
+            <a:r>
+              <a:rPr lang="en-US" i="1" dirty="0" err="1"/>
+              <a:t>MPI_Send</a:t>
+            </a:r>
+            <a:r>
+              <a:rPr lang="en-US" dirty="0"/>
+              <a:t> to </a:t>
+            </a:r>
+            <a:r>
+              <a:rPr lang="en-US" i="1" dirty="0"/>
+              <a:t>MPI_PROC_NULL</a:t>
+            </a:r>
+            <a:r>
+              <a:rPr lang="en-US" dirty="0"/>
+              <a:t> is handled at a layer above the device-specific code and does not involve manipulation of any shared data structures</a:t>
+            </a:r>
+          </a:p>
+        </p:txBody>
+      </p:sp>
+      <p:sp>
+        <p:nvSpPr>
+          <p:cNvPr id="23" name="Rectangle 13">
+            <a:extLst>
+              <a:ext uri="{FF2B5EF4-FFF2-40B4-BE49-F238E27FC236}">
+                <a16:creationId xmlns:a16="http://schemas.microsoft.com/office/drawing/2014/main" id="{E55C1C3E-5158-47F3-8FD9-14B22C3E6EAD}"/>
+              </a:ext>
+              <a:ext uri="{C183D7F6-B498-43B3-948B-1728B52AA6E4}">
+                <adec:decorative xmlns:adec="http://schemas.microsoft.com/office/drawing/2017/decorative" val="1"/>
+              </a:ext>
+            </a:extLst>
+          </p:cNvPr>
+          <p:cNvSpPr>
+            <a:spLocks noGrp="1" noRot="1" noChangeAspect="1" noMove="1" noResize="1" noEditPoints="1" noAdjustHandles="1" noChangeArrowheads="1" noChangeShapeType="1" noTextEdit="1"/>
+          </p:cNvSpPr>
+          <p:nvPr>
+            <p:extLst>
+              <p:ext uri="{386F3935-93C4-4BCD-93E2-E3B085C9AB24}">
+                <p16:designElem xmlns:p16="http://schemas.microsoft.com/office/powerpoint/2015/main" val="1"/>
+              </p:ext>
+            </p:extLst>
+          </p:nvPr>
+        </p:nvSpPr>
+        <p:spPr>
+          <a:xfrm>
+            <a:off x="641604" y="6121662"/>
+            <a:ext cx="10908792" cy="80683"/>
+          </a:xfrm>
+          <a:prstGeom prst="rect">
+            <a:avLst/>
+          </a:prstGeom>
+          <a:blipFill dpi="0" rotWithShape="1">
+            <a:blip r:embed="rId2">
+              <a:alphaModFix amt="85000"/>
+              <a:lum bright="70000" contrast="-70000"/>
+              <a:extLst>
+                <a:ext uri="{BEBA8EAE-BF5A-486C-A8C5-ECC9F3942E4B}">
+                  <a14:imgProps xmlns:a14="http://schemas.microsoft.com/office/drawing/2010/main">
+                    <a14:imgLayer r:embed="rId3">
+                      <a14:imgEffect>
+                        <a14:sharpenSoften amount="61000"/>
+                      </a14:imgEffect>
+                    </a14:imgLayer>
+                  </a14:imgProps>
+                </a:ext>
+                <a:ext uri="{28A0092B-C50C-407E-A947-70E740481C1C}">
+                  <a14:useLocalDpi xmlns:a14="http://schemas.microsoft.com/office/drawing/2010/main" val="0"/>
+                </a:ext>
+              </a:extLst>
+            </a:blip>
+            <a:srcRect/>
+            <a:tile tx="0" ty="-762000" sx="92000" sy="89000" flip="xy" algn="ctr"/>
+          </a:blipFill>
+          <a:ln>
+            <a:noFill/>
+          </a:ln>
+        </p:spPr>
+        <p:style>
+          <a:lnRef idx="2">
+            <a:schemeClr val="accent1">
+              <a:shade val="50000"/>
+            </a:schemeClr>
+          </a:lnRef>
+          <a:fillRef idx="1">
+            <a:schemeClr val="accent1"/>
+          </a:fillRef>
+          <a:effectRef idx="0">
+            <a:schemeClr val="accent1"/>
+          </a:effectRef>
+          <a:fontRef idx="minor">
+            <a:schemeClr val="lt1"/>
+          </a:fontRef>
+        </p:style>
+        <p:txBody>
+          <a:bodyPr rtlCol="0" anchor="ctr"/>
+          <a:lstStyle/>
+          <a:p>
+            <a:pPr algn="ctr"/>
+            <a:endParaRPr lang="en-US"/>
+          </a:p>
+        </p:txBody>
+      </p:sp>
+    </p:spTree>
+    <p:extLst>
+      <p:ext uri="{BB962C8B-B14F-4D97-AF65-F5344CB8AC3E}">
+        <p14:creationId xmlns:p14="http://schemas.microsoft.com/office/powerpoint/2010/main" val="3263356223"/>
+      </p:ext>
+    </p:extLst>
+  </p:cSld>
+  <p:clrMapOvr>
+    <a:masterClrMapping/>
+  </p:clrMapOvr>
+</p:sld>
+</file>
+
+<file path=ppt/slides/slide8.xml><?xml version="1.0" encoding="utf-8"?>
+<p:sld xmlns:a="http://schemas.openxmlformats.org/drawingml/2006/main" xmlns:r="http://schemas.openxmlformats.org/officeDocument/2006/relationships" xmlns:p="http://schemas.openxmlformats.org/presentationml/2006/main">
+  <p:cSld>
+    <p:bg>
+      <p:bgPr>
+        <a:solidFill>
+          <a:schemeClr val="bg1"/>
+        </a:solidFill>
+        <a:effectLst/>
+      </p:bgPr>
+    </p:bg>
+    <p:spTree>
+      <p:nvGrpSpPr>
+        <p:cNvPr id="1" name=""/>
+        <p:cNvGrpSpPr/>
+        <p:nvPr/>
+      </p:nvGrpSpPr>
+      <p:grpSpPr>
+        <a:xfrm>
+          <a:off x="0" y="0"/>
+          <a:ext cx="0" cy="0"/>
+          <a:chOff x="0" y="0"/>
+          <a:chExt cx="0" cy="0"/>
+        </a:xfrm>
+      </p:grpSpPr>
+      <p:grpSp>
+        <p:nvGrpSpPr>
+          <p:cNvPr id="15" name="Group 14">
+            <a:extLst>
+              <a:ext uri="{FF2B5EF4-FFF2-40B4-BE49-F238E27FC236}">
+                <a16:creationId xmlns:a16="http://schemas.microsoft.com/office/drawing/2014/main" id="{48074BE5-7BC2-47A2-AA6E-4ADC25B69C46}"/>
+              </a:ext>
+              <a:ext uri="{C183D7F6-B498-43B3-948B-1728B52AA6E4}">
+                <adec:decorative xmlns:adec="http://schemas.microsoft.com/office/drawing/2017/decorative" val="1"/>
+              </a:ext>
+            </a:extLst>
+          </p:cNvPr>
+          <p:cNvGrpSpPr>
+            <a:grpSpLocks noGrp="1" noUngrp="1" noRot="1" noChangeAspect="1" noMove="1" noResize="1"/>
+          </p:cNvGrpSpPr>
+          <p:nvPr>
+            <p:extLst>
+              <p:ext uri="{386F3935-93C4-4BCD-93E2-E3B085C9AB24}">
+                <p16:designElem xmlns:p16="http://schemas.microsoft.com/office/powerpoint/2015/main" val="1"/>
+              </p:ext>
+            </p:extLst>
+          </p:nvPr>
+        </p:nvGrpSpPr>
+        <p:grpSpPr>
+          <a:xfrm>
+            <a:off x="11401725" y="6229681"/>
+            <a:ext cx="457200" cy="457200"/>
+            <a:chOff x="11361456" y="6195813"/>
+            <a:chExt cx="548640" cy="548640"/>
+          </a:xfrm>
+        </p:grpSpPr>
+        <p:sp>
+          <p:nvSpPr>
+            <p:cNvPr id="16" name="Oval 15">
+              <a:extLst>
+                <a:ext uri="{FF2B5EF4-FFF2-40B4-BE49-F238E27FC236}">
+                  <a16:creationId xmlns:a16="http://schemas.microsoft.com/office/drawing/2014/main" id="{F487D8B5-0D01-4F89-BB86-F85EFEC06F18}"/>
+                </a:ext>
+                <a:ext uri="{C183D7F6-B498-43B3-948B-1728B52AA6E4}">
+                  <adec:decorative xmlns:adec="http://schemas.microsoft.com/office/drawing/2017/decorative" val="1"/>
+                </a:ext>
+              </a:extLst>
+            </p:cNvPr>
+            <p:cNvSpPr/>
+            <p:nvPr>
+              <p:extLst>
+                <p:ext uri="{386F3935-93C4-4BCD-93E2-E3B085C9AB24}">
+                  <p16:designElem xmlns:p16="http://schemas.microsoft.com/office/powerpoint/2015/main" val="1"/>
+                </p:ext>
+              </p:extLst>
+            </p:nvPr>
+          </p:nvSpPr>
+          <p:spPr>
+            <a:xfrm>
+              <a:off x="11361456" y="6195813"/>
+              <a:ext cx="548640" cy="548640"/>
+            </a:xfrm>
+            <a:prstGeom prst="ellipse">
+              <a:avLst/>
+            </a:prstGeom>
+            <a:blipFill dpi="0" rotWithShape="1">
+              <a:blip r:embed="rId3">
+                <a:duotone>
+                  <a:schemeClr val="accent2">
+                    <a:shade val="45000"/>
+                    <a:satMod val="135000"/>
+                  </a:schemeClr>
+                  <a:prstClr val="white"/>
+                </a:duotone>
+                <a:extLst>
+                  <a:ext uri="{BEBA8EAE-BF5A-486C-A8C5-ECC9F3942E4B}">
+                    <a14:imgProps xmlns:a14="http://schemas.microsoft.com/office/drawing/2010/main">
+                      <a14:imgLayer r:embed="rId4">
+                        <a14:imgEffect>
+                          <a14:saturation sat="95000"/>
+                        </a14:imgEffect>
+                        <a14:imgEffect>
+                          <a14:brightnessContrast bright="-40000" contrast="20000"/>
+                        </a14:imgEffect>
+                      </a14:imgLayer>
+                    </a14:imgProps>
+                  </a:ext>
+                </a:extLst>
+              </a:blip>
+              <a:srcRect/>
+              <a:tile tx="50800" ty="0" sx="85000" sy="85000" flip="none" algn="tl"/>
+            </a:blipFill>
+            <a:ln w="25400" cap="flat" cmpd="sng" algn="ctr">
+              <a:noFill/>
+              <a:prstDash val="solid"/>
+            </a:ln>
+            <a:effectLst/>
+          </p:spPr>
+          <p:txBody>
+            <a:bodyPr lIns="0" tIns="0" rIns="0" bIns="0" rtlCol="0" anchor="ctr"/>
+            <a:lstStyle/>
+            <a:p>
+              <a:pPr marL="0" marR="0" lvl="0" indent="0" algn="ctr" defTabSz="914400" eaLnBrk="1" fontAlgn="auto" latinLnBrk="0" hangingPunct="1">
+                <a:lnSpc>
+                  <a:spcPct val="100000"/>
+                </a:lnSpc>
+                <a:spcBef>
+                  <a:spcPts val="0"/>
+                </a:spcBef>
+                <a:spcAft>
+                  <a:spcPts val="0"/>
+                </a:spcAft>
+                <a:buClrTx/>
+                <a:buSzTx/>
+                <a:buFontTx/>
+                <a:buNone/>
+                <a:tabLst/>
+                <a:defRPr/>
+              </a:pPr>
+              <a:endParaRPr kumimoji="0" lang="en-US" sz="2000" b="0" i="0" u="none" strike="noStrike" kern="0" cap="none" spc="0" normalizeH="0" baseline="0" noProof="0" dirty="0">
+                <a:ln>
+                  <a:noFill/>
+                </a:ln>
+                <a:solidFill>
+                  <a:prstClr val="white"/>
+                </a:solidFill>
+                <a:effectLst/>
+                <a:uLnTx/>
+                <a:uFillTx/>
+                <a:latin typeface="Rockwell Extra Bold" pitchFamily="18" charset="0"/>
+                <a:ea typeface="+mn-ea"/>
+                <a:cs typeface="+mn-cs"/>
+              </a:endParaRPr>
+            </a:p>
+          </p:txBody>
+        </p:sp>
+        <p:sp>
+          <p:nvSpPr>
+            <p:cNvPr id="17" name="Oval 16">
+              <a:extLst>
+                <a:ext uri="{FF2B5EF4-FFF2-40B4-BE49-F238E27FC236}">
+                  <a16:creationId xmlns:a16="http://schemas.microsoft.com/office/drawing/2014/main" id="{C13F635F-6CBC-4AA7-9AB9-B788FCC93FF2}"/>
+                </a:ext>
+                <a:ext uri="{C183D7F6-B498-43B3-948B-1728B52AA6E4}">
+                  <adec:decorative xmlns:adec="http://schemas.microsoft.com/office/drawing/2017/decorative" val="1"/>
+                </a:ext>
+              </a:extLst>
+            </p:cNvPr>
+            <p:cNvSpPr/>
+            <p:nvPr>
+              <p:extLst>
+                <p:ext uri="{386F3935-93C4-4BCD-93E2-E3B085C9AB24}">
+                  <p16:designElem xmlns:p16="http://schemas.microsoft.com/office/powerpoint/2015/main" val="1"/>
+                </p:ext>
+              </p:extLst>
+            </p:nvPr>
+          </p:nvSpPr>
+          <p:spPr>
+            <a:xfrm>
+              <a:off x="11396488" y="6230844"/>
+              <a:ext cx="478576" cy="478578"/>
+            </a:xfrm>
+            <a:prstGeom prst="ellipse">
+              <a:avLst/>
+            </a:prstGeom>
+            <a:noFill/>
+            <a:ln w="12700" cap="flat" cmpd="sng" algn="ctr">
+              <a:solidFill>
+                <a:srgbClr val="FFFFFF"/>
+              </a:solidFill>
+              <a:prstDash val="solid"/>
+            </a:ln>
+            <a:effectLst/>
+          </p:spPr>
+          <p:txBody>
+            <a:bodyPr rtlCol="0" anchor="ctr"/>
+            <a:lstStyle/>
+            <a:p>
+              <a:pPr marL="0" marR="0" lvl="0" indent="0" algn="ctr" defTabSz="914400" eaLnBrk="1" fontAlgn="auto" latinLnBrk="0" hangingPunct="1">
+                <a:lnSpc>
+                  <a:spcPct val="100000"/>
+                </a:lnSpc>
+                <a:spcBef>
+                  <a:spcPts val="0"/>
+                </a:spcBef>
+                <a:spcAft>
+                  <a:spcPts val="0"/>
+                </a:spcAft>
+                <a:buClrTx/>
+                <a:buSzTx/>
+                <a:buFontTx/>
+                <a:buNone/>
+                <a:tabLst/>
+                <a:defRPr/>
+              </a:pPr>
+              <a:endParaRPr kumimoji="0" lang="en-US" sz="1800" b="0" i="0" u="none" strike="noStrike" kern="0" cap="none" spc="0" normalizeH="0" baseline="0" noProof="0" dirty="0">
+                <a:ln>
+                  <a:noFill/>
+                </a:ln>
+                <a:solidFill>
+                  <a:prstClr val="white"/>
+                </a:solidFill>
+                <a:effectLst/>
+                <a:uLnTx/>
+                <a:uFillTx/>
+                <a:latin typeface="Calibri"/>
+                <a:ea typeface="+mn-ea"/>
+                <a:cs typeface="+mn-cs"/>
+              </a:endParaRPr>
+            </a:p>
+          </p:txBody>
+        </p:sp>
+      </p:grpSp>
+      <p:sp>
+        <p:nvSpPr>
+          <p:cNvPr id="19" name="Rectangle 18">
+            <a:extLst>
+              <a:ext uri="{FF2B5EF4-FFF2-40B4-BE49-F238E27FC236}">
+                <a16:creationId xmlns:a16="http://schemas.microsoft.com/office/drawing/2014/main" id="{BD9989FB-36A6-49EE-889A-BDBC54F18EB7}"/>
+              </a:ext>
+              <a:ext uri="{C183D7F6-B498-43B3-948B-1728B52AA6E4}">
+                <adec:decorative xmlns:adec="http://schemas.microsoft.com/office/drawing/2017/decorative" val="1"/>
+              </a:ext>
+            </a:extLst>
+          </p:cNvPr>
+          <p:cNvSpPr>
+            <a:spLocks noGrp="1" noRot="1" noChangeAspect="1" noMove="1" noResize="1" noEditPoints="1" noAdjustHandles="1" noChangeArrowheads="1" noChangeShapeType="1" noTextEdit="1"/>
+          </p:cNvSpPr>
+          <p:nvPr>
+            <p:extLst>
+              <p:ext uri="{386F3935-93C4-4BCD-93E2-E3B085C9AB24}">
+                <p16:designElem xmlns:p16="http://schemas.microsoft.com/office/powerpoint/2015/main" val="1"/>
+              </p:ext>
+            </p:extLst>
+          </p:nvPr>
+        </p:nvSpPr>
+        <p:spPr>
+          <a:xfrm>
+            <a:off x="7836310" y="0"/>
+            <a:ext cx="4355689" cy="6857999"/>
+          </a:xfrm>
+          <a:prstGeom prst="rect">
+            <a:avLst/>
+          </a:prstGeom>
+          <a:blipFill dpi="0" rotWithShape="1">
+            <a:blip r:embed="rId5">
+              <a:alphaModFix amt="60000"/>
+              <a:lum bright="70000" contrast="-70000"/>
+              <a:extLst>
+                <a:ext uri="{BEBA8EAE-BF5A-486C-A8C5-ECC9F3942E4B}">
+                  <a14:imgProps xmlns:a14="http://schemas.microsoft.com/office/drawing/2010/main">
+                    <a14:imgLayer r:embed="rId6">
+                      <a14:imgEffect>
+                        <a14:sharpenSoften amount="61000"/>
+                      </a14:imgEffect>
+                    </a14:imgLayer>
+                  </a14:imgProps>
+                </a:ext>
+                <a:ext uri="{28A0092B-C50C-407E-A947-70E740481C1C}">
+                  <a14:useLocalDpi xmlns:a14="http://schemas.microsoft.com/office/drawing/2010/main" val="0"/>
+                </a:ext>
+              </a:extLst>
+            </a:blip>
+            <a:srcRect/>
+            <a:tile tx="0" ty="-704850" sx="92000" sy="89000" flip="xy" algn="ctr"/>
+          </a:blipFill>
+          <a:ln>
+            <a:noFill/>
+          </a:ln>
+        </p:spPr>
+        <p:style>
+          <a:lnRef idx="2">
+            <a:schemeClr val="accent1">
+              <a:shade val="50000"/>
+            </a:schemeClr>
+          </a:lnRef>
+          <a:fillRef idx="1">
+            <a:schemeClr val="accent1"/>
+          </a:fillRef>
+          <a:effectRef idx="0">
+            <a:schemeClr val="accent1"/>
+          </a:effectRef>
+          <a:fontRef idx="minor">
+            <a:schemeClr val="lt1"/>
+          </a:fontRef>
+        </p:style>
+        <p:txBody>
+          <a:bodyPr rtlCol="0" anchor="ctr"/>
+          <a:lstStyle/>
+          <a:p>
+            <a:pPr algn="ctr"/>
+            <a:endParaRPr lang="en-US"/>
+          </a:p>
+        </p:txBody>
+      </p:sp>
+      <p:pic>
+        <p:nvPicPr>
+          <p:cNvPr id="10" name="Content Placeholder 9" descr="Chart, diagram&#10;&#10;Description automatically generated">
+            <a:extLst>
+              <a:ext uri="{FF2B5EF4-FFF2-40B4-BE49-F238E27FC236}">
+                <a16:creationId xmlns:a16="http://schemas.microsoft.com/office/drawing/2014/main" id="{CD84231A-54AD-4C5E-B586-B884851EA90F}"/>
+              </a:ext>
+            </a:extLst>
+          </p:cNvPr>
+          <p:cNvPicPr>
+            <a:picLocks noGrp="1" noChangeAspect="1"/>
+          </p:cNvPicPr>
+          <p:nvPr>
+            <p:ph sz="half" idx="2"/>
+          </p:nvPr>
+        </p:nvPicPr>
+        <p:blipFill>
+          <a:blip r:embed="rId7">
+            <a:extLst>
+              <a:ext uri="{28A0092B-C50C-407E-A947-70E740481C1C}">
+                <a14:useLocalDpi xmlns:a14="http://schemas.microsoft.com/office/drawing/2010/main" val="0"/>
+              </a:ext>
+            </a:extLst>
+          </a:blip>
+          <a:stretch>
+            <a:fillRect/>
+          </a:stretch>
+        </p:blipFill>
+        <p:spPr>
+          <a:xfrm>
+            <a:off x="633999" y="1524301"/>
+            <a:ext cx="6882269" cy="3819658"/>
+          </a:xfrm>
+          <a:prstGeom prst="rect">
+            <a:avLst/>
+          </a:prstGeom>
+        </p:spPr>
+      </p:pic>
+      <p:sp>
+        <p:nvSpPr>
+          <p:cNvPr id="5" name="Content Placeholder 4">
+            <a:extLst>
+              <a:ext uri="{FF2B5EF4-FFF2-40B4-BE49-F238E27FC236}">
+                <a16:creationId xmlns:a16="http://schemas.microsoft.com/office/drawing/2014/main" id="{41C55261-BD5B-46A7-9359-9D9D49F7BBA0}"/>
+              </a:ext>
+            </a:extLst>
+          </p:cNvPr>
+          <p:cNvSpPr>
+            <a:spLocks noGrp="1"/>
+          </p:cNvSpPr>
+          <p:nvPr>
+            <p:ph sz="half" idx="1"/>
+          </p:nvPr>
+        </p:nvSpPr>
+        <p:spPr>
+          <a:xfrm>
+            <a:off x="8242137" y="1403603"/>
+            <a:ext cx="3544034" cy="4050792"/>
+          </a:xfrm>
+        </p:spPr>
+        <p:txBody>
+          <a:bodyPr vert="horz" lIns="91440" tIns="45720" rIns="91440" bIns="45720" rtlCol="0">
+            <a:normAutofit/>
+          </a:bodyPr>
+          <a:lstStyle/>
+          <a:p>
+            <a:r>
+              <a:rPr lang="en-US" sz="1600" dirty="0"/>
+              <a:t>in the multiple-process case, the message rate increases with the number of senders because there is no contention for critical sections</a:t>
+            </a:r>
+          </a:p>
+          <a:p>
+            <a:r>
+              <a:rPr lang="en-US" sz="1600" dirty="0"/>
+              <a:t>in the multithreaded case with </a:t>
+            </a:r>
+            <a:r>
+              <a:rPr lang="en-US" sz="1600" i="1" dirty="0"/>
+              <a:t>Brief Global</a:t>
+            </a:r>
+            <a:r>
+              <a:rPr lang="en-US" sz="1600" dirty="0"/>
+              <a:t>, the performance is almost identical to multiple processes because </a:t>
+            </a:r>
+            <a:r>
+              <a:rPr lang="en-US" sz="1600" i="1" dirty="0"/>
+              <a:t>Brief Global</a:t>
+            </a:r>
+            <a:r>
+              <a:rPr lang="en-US" sz="1600" dirty="0"/>
+              <a:t> acquires critical sections only as needed</a:t>
+            </a:r>
+          </a:p>
+          <a:p>
+            <a:r>
+              <a:rPr lang="en-US" sz="1600" dirty="0"/>
+              <a:t>there is a significant decline in message rate with the </a:t>
+            </a:r>
+            <a:r>
+              <a:rPr lang="en-US" sz="1600" i="1" dirty="0"/>
+              <a:t>Global</a:t>
+            </a:r>
+            <a:r>
+              <a:rPr lang="en-US" sz="1600" dirty="0"/>
+              <a:t> mode, because, in this mode, a critical section is acquired on entry to an MPI function</a:t>
+            </a:r>
+          </a:p>
+        </p:txBody>
+      </p:sp>
+      <p:grpSp>
+        <p:nvGrpSpPr>
+          <p:cNvPr id="21" name="Group 20">
+            <a:extLst>
+              <a:ext uri="{FF2B5EF4-FFF2-40B4-BE49-F238E27FC236}">
+                <a16:creationId xmlns:a16="http://schemas.microsoft.com/office/drawing/2014/main" id="{79532E44-64CD-4887-95E4-6D13510171F7}"/>
+              </a:ext>
+              <a:ext uri="{C183D7F6-B498-43B3-948B-1728B52AA6E4}">
+                <adec:decorative xmlns:adec="http://schemas.microsoft.com/office/drawing/2017/decorative" val="1"/>
+              </a:ext>
+            </a:extLst>
+          </p:cNvPr>
+          <p:cNvGrpSpPr>
+            <a:grpSpLocks noGrp="1" noUngrp="1" noRot="1" noChangeAspect="1" noMove="1" noResize="1"/>
+          </p:cNvGrpSpPr>
+          <p:nvPr>
+            <p:extLst>
+              <p:ext uri="{386F3935-93C4-4BCD-93E2-E3B085C9AB24}">
+                <p16:designElem xmlns:p16="http://schemas.microsoft.com/office/powerpoint/2015/main" val="1"/>
+              </p:ext>
+            </p:extLst>
+          </p:nvPr>
+        </p:nvGrpSpPr>
+        <p:grpSpPr>
+          <a:xfrm>
+            <a:off x="11401725" y="6229681"/>
+            <a:ext cx="457200" cy="457200"/>
+            <a:chOff x="11361456" y="6195813"/>
+            <a:chExt cx="548640" cy="548640"/>
+          </a:xfrm>
+        </p:grpSpPr>
+        <p:sp>
+          <p:nvSpPr>
+            <p:cNvPr id="22" name="Oval 21">
+              <a:extLst>
+                <a:ext uri="{FF2B5EF4-FFF2-40B4-BE49-F238E27FC236}">
+                  <a16:creationId xmlns:a16="http://schemas.microsoft.com/office/drawing/2014/main" id="{35C2F53F-F2F7-4BC7-88F8-CCFD6D3CB58A}"/>
+                </a:ext>
+                <a:ext uri="{C183D7F6-B498-43B3-948B-1728B52AA6E4}">
+                  <adec:decorative xmlns:adec="http://schemas.microsoft.com/office/drawing/2017/decorative" val="1"/>
+                </a:ext>
+              </a:extLst>
+            </p:cNvPr>
+            <p:cNvSpPr/>
+            <p:nvPr>
+              <p:extLst>
+                <p:ext uri="{386F3935-93C4-4BCD-93E2-E3B085C9AB24}">
+                  <p16:designElem xmlns:p16="http://schemas.microsoft.com/office/powerpoint/2015/main" val="1"/>
+                </p:ext>
+              </p:extLst>
+            </p:nvPr>
+          </p:nvSpPr>
+          <p:spPr>
+            <a:xfrm>
+              <a:off x="11361456" y="6195813"/>
+              <a:ext cx="548640" cy="548640"/>
+            </a:xfrm>
+            <a:prstGeom prst="ellipse">
+              <a:avLst/>
+            </a:prstGeom>
+            <a:blipFill dpi="0" rotWithShape="1">
+              <a:blip r:embed="rId3">
+                <a:duotone>
+                  <a:schemeClr val="accent2">
+                    <a:shade val="45000"/>
+                    <a:satMod val="135000"/>
+                  </a:schemeClr>
+                  <a:prstClr val="white"/>
+                </a:duotone>
+              </a:blip>
+              <a:srcRect/>
+              <a:tile tx="50800" ty="0" sx="85000" sy="85000" flip="none" algn="tl"/>
+            </a:blipFill>
+            <a:ln w="25400" cap="flat" cmpd="sng" algn="ctr">
+              <a:noFill/>
+              <a:prstDash val="solid"/>
+            </a:ln>
+            <a:effectLst/>
+          </p:spPr>
+          <p:txBody>
+            <a:bodyPr lIns="0" tIns="0" rIns="0" bIns="0" rtlCol="0" anchor="ctr"/>
+            <a:lstStyle/>
+            <a:p>
+              <a:pPr marL="0" marR="0" lvl="0" indent="0" algn="ctr" defTabSz="914400" eaLnBrk="1" fontAlgn="auto" latinLnBrk="0" hangingPunct="1">
+                <a:lnSpc>
+                  <a:spcPct val="100000"/>
+                </a:lnSpc>
+                <a:spcBef>
+                  <a:spcPts val="0"/>
+                </a:spcBef>
+                <a:spcAft>
+                  <a:spcPts val="0"/>
+                </a:spcAft>
+                <a:buClrTx/>
+                <a:buSzTx/>
+                <a:buFontTx/>
+                <a:buNone/>
+                <a:tabLst/>
+                <a:defRPr/>
+              </a:pPr>
+              <a:endParaRPr kumimoji="0" lang="en-US" sz="2000" b="0" i="0" u="none" strike="noStrike" kern="0" cap="none" spc="0" normalizeH="0" baseline="0" noProof="0" dirty="0">
+                <a:ln>
+                  <a:noFill/>
+                </a:ln>
+                <a:solidFill>
+                  <a:prstClr val="white"/>
+                </a:solidFill>
+                <a:effectLst/>
+                <a:uLnTx/>
+                <a:uFillTx/>
+                <a:latin typeface="Rockwell Extra Bold" pitchFamily="18" charset="0"/>
+                <a:ea typeface="+mn-ea"/>
+                <a:cs typeface="+mn-cs"/>
+              </a:endParaRPr>
+            </a:p>
+          </p:txBody>
+        </p:sp>
+        <p:sp>
+          <p:nvSpPr>
+            <p:cNvPr id="23" name="Oval 22">
+              <a:extLst>
+                <a:ext uri="{FF2B5EF4-FFF2-40B4-BE49-F238E27FC236}">
+                  <a16:creationId xmlns:a16="http://schemas.microsoft.com/office/drawing/2014/main" id="{9B3675A9-8FB2-4982-9BE7-47E456D0D38D}"/>
+                </a:ext>
+                <a:ext uri="{C183D7F6-B498-43B3-948B-1728B52AA6E4}">
+                  <adec:decorative xmlns:adec="http://schemas.microsoft.com/office/drawing/2017/decorative" val="1"/>
+                </a:ext>
+              </a:extLst>
+            </p:cNvPr>
+            <p:cNvSpPr/>
+            <p:nvPr>
+              <p:extLst>
+                <p:ext uri="{386F3935-93C4-4BCD-93E2-E3B085C9AB24}">
+                  <p16:designElem xmlns:p16="http://schemas.microsoft.com/office/powerpoint/2015/main" val="1"/>
+                </p:ext>
+              </p:extLst>
+            </p:nvPr>
+          </p:nvSpPr>
+          <p:spPr>
+            <a:xfrm>
+              <a:off x="11396488" y="6230844"/>
+              <a:ext cx="478576" cy="478578"/>
+            </a:xfrm>
+            <a:prstGeom prst="ellipse">
+              <a:avLst/>
+            </a:prstGeom>
+            <a:noFill/>
+            <a:ln w="12700" cap="flat" cmpd="sng" algn="ctr">
+              <a:solidFill>
+                <a:srgbClr val="FFFFFF"/>
+              </a:solidFill>
+              <a:prstDash val="solid"/>
+            </a:ln>
+            <a:effectLst/>
+          </p:spPr>
+          <p:txBody>
+            <a:bodyPr rtlCol="0" anchor="ctr"/>
+            <a:lstStyle/>
+            <a:p>
+              <a:pPr marL="0" marR="0" lvl="0" indent="0" algn="ctr" defTabSz="914400" eaLnBrk="1" fontAlgn="auto" latinLnBrk="0" hangingPunct="1">
+                <a:lnSpc>
+                  <a:spcPct val="100000"/>
+                </a:lnSpc>
+                <a:spcBef>
+                  <a:spcPts val="0"/>
+                </a:spcBef>
+                <a:spcAft>
+                  <a:spcPts val="0"/>
+                </a:spcAft>
+                <a:buClrTx/>
+                <a:buSzTx/>
+                <a:buFontTx/>
+                <a:buNone/>
+                <a:tabLst/>
+                <a:defRPr/>
+              </a:pPr>
+              <a:endParaRPr kumimoji="0" lang="en-US" sz="1800" b="0" i="0" u="none" strike="noStrike" kern="0" cap="none" spc="0" normalizeH="0" baseline="0" noProof="0" dirty="0">
+                <a:ln>
+                  <a:noFill/>
+                </a:ln>
+                <a:solidFill>
+                  <a:prstClr val="white"/>
+                </a:solidFill>
+                <a:effectLst/>
+                <a:uLnTx/>
+                <a:uFillTx/>
+                <a:latin typeface="Calibri"/>
+                <a:ea typeface="+mn-ea"/>
+                <a:cs typeface="+mn-cs"/>
+              </a:endParaRPr>
+            </a:p>
+          </p:txBody>
+        </p:sp>
+      </p:grpSp>
+    </p:spTree>
+    <p:extLst>
+      <p:ext uri="{BB962C8B-B14F-4D97-AF65-F5344CB8AC3E}">
+        <p14:creationId xmlns:p14="http://schemas.microsoft.com/office/powerpoint/2010/main" val="123502741"/>
+      </p:ext>
+    </p:extLst>
+  </p:cSld>
+  <p:clrMapOvr>
+    <a:masterClrMapping/>
+  </p:clrMapOvr>
+</p:sld>
+</file>
+
+<file path=ppt/slides/slide9.xml><?xml version="1.0" encoding="utf-8"?>
+<p:sld xmlns:a="http://schemas.openxmlformats.org/drawingml/2006/main" xmlns:r="http://schemas.openxmlformats.org/officeDocument/2006/relationships" xmlns:p="http://schemas.openxmlformats.org/presentationml/2006/main">
+  <p:cSld>
+    <p:bg>
+      <p:bgPr>
+        <a:solidFill>
+          <a:schemeClr val="bg1"/>
+        </a:solidFill>
+        <a:effectLst/>
+      </p:bgPr>
+    </p:bg>
+    <p:spTree>
+      <p:nvGrpSpPr>
+        <p:cNvPr id="1" name=""/>
+        <p:cNvGrpSpPr/>
+        <p:nvPr/>
+      </p:nvGrpSpPr>
+      <p:grpSpPr>
+        <a:xfrm>
+          <a:off x="0" y="0"/>
+          <a:ext cx="0" cy="0"/>
+          <a:chOff x="0" y="0"/>
+          <a:chExt cx="0" cy="0"/>
+        </a:xfrm>
+      </p:grpSpPr>
+      <p:sp useBgFill="1">
+        <p:nvSpPr>
+          <p:cNvPr id="9" name="Rectangle 8">
+            <a:extLst>
+              <a:ext uri="{FF2B5EF4-FFF2-40B4-BE49-F238E27FC236}">
+                <a16:creationId xmlns:a16="http://schemas.microsoft.com/office/drawing/2014/main" id="{4FCA88C2-C73C-4062-A097-8FBCE3090BEA}"/>
+              </a:ext>
+              <a:ext uri="{C183D7F6-B498-43B3-948B-1728B52AA6E4}">
+                <adec:decorative xmlns:adec="http://schemas.microsoft.com/office/drawing/2017/decorative" val="1"/>
+              </a:ext>
+            </a:extLst>
+          </p:cNvPr>
+          <p:cNvSpPr>
+            <a:spLocks noGrp="1" noRot="1" noChangeAspect="1" noMove="1" noResize="1" noEditPoints="1" noAdjustHandles="1" noChangeArrowheads="1" noChangeShapeType="1" noTextEdit="1"/>
+          </p:cNvSpPr>
+          <p:nvPr>
+            <p:extLst>
+              <p:ext uri="{386F3935-93C4-4BCD-93E2-E3B085C9AB24}">
+                <p16:designElem xmlns:p16="http://schemas.microsoft.com/office/powerpoint/2015/main" val="1"/>
+              </p:ext>
+            </p:extLst>
+          </p:nvPr>
+        </p:nvSpPr>
+        <p:spPr>
+          <a:xfrm>
+            <a:off x="0" y="0"/>
+            <a:ext cx="12192000" cy="6858000"/>
+          </a:xfrm>
+          <a:prstGeom prst="rect">
+            <a:avLst/>
+          </a:prstGeom>
+          <a:ln>
+            <a:noFill/>
+          </a:ln>
+        </p:spPr>
+        <p:style>
+          <a:lnRef idx="2">
+            <a:schemeClr val="accent1">
+              <a:shade val="50000"/>
+            </a:schemeClr>
+          </a:lnRef>
+          <a:fillRef idx="1">
+            <a:schemeClr val="accent1"/>
+          </a:fillRef>
+          <a:effectRef idx="0">
+            <a:schemeClr val="accent1"/>
+          </a:effectRef>
+          <a:fontRef idx="minor">
+            <a:schemeClr val="lt1"/>
+          </a:fontRef>
+        </p:style>
+        <p:txBody>
+          <a:bodyPr rtlCol="0" anchor="ctr"/>
+          <a:lstStyle/>
+          <a:p>
+            <a:pPr algn="ctr"/>
+            <a:endParaRPr lang="en-US"/>
+          </a:p>
+        </p:txBody>
+      </p:sp>
+      <p:sp>
+        <p:nvSpPr>
+          <p:cNvPr id="11" name="Rectangle 10">
+            <a:extLst>
+              <a:ext uri="{FF2B5EF4-FFF2-40B4-BE49-F238E27FC236}">
+                <a16:creationId xmlns:a16="http://schemas.microsoft.com/office/drawing/2014/main" id="{83981C21-E132-4402-B31B-D725C1CE77D2}"/>
+              </a:ext>
+              <a:ext uri="{C183D7F6-B498-43B3-948B-1728B52AA6E4}">
+                <adec:decorative xmlns:adec="http://schemas.microsoft.com/office/drawing/2017/decorative" val="1"/>
+              </a:ext>
+            </a:extLst>
+          </p:cNvPr>
+          <p:cNvSpPr>
+            <a:spLocks noGrp="1" noRot="1" noChangeAspect="1" noMove="1" noResize="1" noEditPoints="1" noAdjustHandles="1" noChangeArrowheads="1" noChangeShapeType="1" noTextEdit="1"/>
+          </p:cNvSpPr>
+          <p:nvPr>
+            <p:extLst>
+              <p:ext uri="{386F3935-93C4-4BCD-93E2-E3B085C9AB24}">
+                <p16:designElem xmlns:p16="http://schemas.microsoft.com/office/powerpoint/2015/main" val="1"/>
+              </p:ext>
+            </p:extLst>
+          </p:nvPr>
+        </p:nvSpPr>
+        <p:spPr>
+          <a:xfrm>
+            <a:off x="641604" y="653241"/>
+            <a:ext cx="10908792" cy="80683"/>
+          </a:xfrm>
+          <a:prstGeom prst="rect">
+            <a:avLst/>
+          </a:prstGeom>
+          <a:blipFill dpi="0" rotWithShape="1">
+            <a:blip r:embed="rId2">
+              <a:alphaModFix amt="85000"/>
+              <a:lum bright="70000" contrast="-70000"/>
+              <a:extLst>
+                <a:ext uri="{BEBA8EAE-BF5A-486C-A8C5-ECC9F3942E4B}">
+                  <a14:imgProps xmlns:a14="http://schemas.microsoft.com/office/drawing/2010/main">
+                    <a14:imgLayer r:embed="rId3">
+                      <a14:imgEffect>
+                        <a14:sharpenSoften amount="61000"/>
+                      </a14:imgEffect>
+                    </a14:imgLayer>
+                  </a14:imgProps>
+                </a:ext>
+                <a:ext uri="{28A0092B-C50C-407E-A947-70E740481C1C}">
+                  <a14:useLocalDpi xmlns:a14="http://schemas.microsoft.com/office/drawing/2010/main" val="0"/>
+                </a:ext>
+              </a:extLst>
+            </a:blip>
+            <a:srcRect/>
+            <a:tile tx="0" ty="-762000" sx="92000" sy="89000" flip="xy" algn="ctr"/>
+          </a:blipFill>
+          <a:ln>
+            <a:noFill/>
+          </a:ln>
+        </p:spPr>
+        <p:style>
+          <a:lnRef idx="2">
+            <a:schemeClr val="accent1">
+              <a:shade val="50000"/>
+            </a:schemeClr>
+          </a:lnRef>
+          <a:fillRef idx="1">
+            <a:schemeClr val="accent1"/>
+          </a:fillRef>
+          <a:effectRef idx="0">
+            <a:schemeClr val="accent1"/>
+          </a:effectRef>
+          <a:fontRef idx="minor">
+            <a:schemeClr val="lt1"/>
+          </a:fontRef>
+        </p:style>
+        <p:txBody>
+          <a:bodyPr rtlCol="0" anchor="ctr"/>
+          <a:lstStyle/>
+          <a:p>
+            <a:pPr algn="ctr"/>
+            <a:endParaRPr lang="en-US"/>
+          </a:p>
+        </p:txBody>
+      </p:sp>
+      <p:sp>
+        <p:nvSpPr>
+          <p:cNvPr id="13" name="Rectangle 12">
+            <a:extLst>
+              <a:ext uri="{FF2B5EF4-FFF2-40B4-BE49-F238E27FC236}">
+                <a16:creationId xmlns:a16="http://schemas.microsoft.com/office/drawing/2014/main" id="{6A685C77-4E84-486A-9AE5-F3635BE98EFB}"/>
+              </a:ext>
+              <a:ext uri="{C183D7F6-B498-43B3-948B-1728B52AA6E4}">
+                <adec:decorative xmlns:adec="http://schemas.microsoft.com/office/drawing/2017/decorative" val="1"/>
+              </a:ext>
+            </a:extLst>
+          </p:cNvPr>
+          <p:cNvSpPr>
+            <a:spLocks noGrp="1" noRot="1" noChangeAspect="1" noMove="1" noResize="1" noEditPoints="1" noAdjustHandles="1" noChangeArrowheads="1" noChangeShapeType="1" noTextEdit="1"/>
+          </p:cNvSpPr>
+          <p:nvPr>
+            <p:extLst>
+              <p:ext uri="{386F3935-93C4-4BCD-93E2-E3B085C9AB24}">
+                <p16:designElem xmlns:p16="http://schemas.microsoft.com/office/powerpoint/2015/main" val="1"/>
+              </p:ext>
+            </p:extLst>
+          </p:nvPr>
+        </p:nvSpPr>
+        <p:spPr>
+          <a:xfrm>
+            <a:off x="641602" y="822324"/>
+            <a:ext cx="5149596" cy="5228279"/>
+          </a:xfrm>
+          <a:prstGeom prst="rect">
+            <a:avLst/>
+          </a:prstGeom>
+          <a:blipFill dpi="0" rotWithShape="1">
+            <a:blip r:embed="rId2">
+              <a:alphaModFix amt="85000"/>
+              <a:lum bright="70000" contrast="-70000"/>
+              <a:extLst>
+                <a:ext uri="{BEBA8EAE-BF5A-486C-A8C5-ECC9F3942E4B}">
+                  <a14:imgProps xmlns:a14="http://schemas.microsoft.com/office/drawing/2010/main">
+                    <a14:imgLayer r:embed="rId3">
+                      <a14:imgEffect>
+                        <a14:sharpenSoften amount="61000"/>
+                      </a14:imgEffect>
+                    </a14:imgLayer>
+                  </a14:imgProps>
+                </a:ext>
+                <a:ext uri="{28A0092B-C50C-407E-A947-70E740481C1C}">
+                  <a14:useLocalDpi xmlns:a14="http://schemas.microsoft.com/office/drawing/2010/main" val="0"/>
+                </a:ext>
+              </a:extLst>
+            </a:blip>
+            <a:srcRect/>
+            <a:tile tx="0" ty="-704850" sx="92000" sy="89000" flip="xy" algn="ctr"/>
+          </a:blipFill>
+          <a:ln>
+            <a:noFill/>
+          </a:ln>
+        </p:spPr>
+        <p:style>
+          <a:lnRef idx="2">
+            <a:schemeClr val="accent1">
+              <a:shade val="50000"/>
+            </a:schemeClr>
+          </a:lnRef>
+          <a:fillRef idx="1">
+            <a:schemeClr val="accent1"/>
+          </a:fillRef>
+          <a:effectRef idx="0">
+            <a:schemeClr val="accent1"/>
+          </a:effectRef>
+          <a:fontRef idx="minor">
+            <a:schemeClr val="lt1"/>
+          </a:fontRef>
+        </p:style>
+        <p:txBody>
+          <a:bodyPr rtlCol="0" anchor="ctr"/>
+          <a:lstStyle/>
+          <a:p>
+            <a:pPr algn="ctr"/>
+            <a:endParaRPr lang="en-US"/>
+          </a:p>
+        </p:txBody>
+      </p:sp>
+      <p:sp>
+        <p:nvSpPr>
+          <p:cNvPr id="2" name="Title 1">
+            <a:extLst>
+              <a:ext uri="{FF2B5EF4-FFF2-40B4-BE49-F238E27FC236}">
+                <a16:creationId xmlns:a16="http://schemas.microsoft.com/office/drawing/2014/main" id="{7B9F3323-16BA-4C47-9107-584B748C7BC9}"/>
+              </a:ext>
+            </a:extLst>
+          </p:cNvPr>
+          <p:cNvSpPr>
+            <a:spLocks noGrp="1"/>
+          </p:cNvSpPr>
+          <p:nvPr>
+            <p:ph type="title"/>
+          </p:nvPr>
+        </p:nvSpPr>
+        <p:spPr>
+          <a:xfrm>
+            <a:off x="1286934" y="1465790"/>
+            <a:ext cx="3860798" cy="3941345"/>
+          </a:xfrm>
+        </p:spPr>
+        <p:txBody>
+          <a:bodyPr>
+            <a:normAutofit/>
+          </a:bodyPr>
+          <a:lstStyle/>
+          <a:p>
+            <a:r>
+              <a:rPr lang="en-US" sz="4200"/>
+              <a:t>Performance with Blocking Sends</a:t>
+            </a:r>
+          </a:p>
+        </p:txBody>
+      </p:sp>
+      <p:sp>
+        <p:nvSpPr>
+          <p:cNvPr id="4" name="Content Placeholder 3">
+            <a:extLst>
+              <a:ext uri="{FF2B5EF4-FFF2-40B4-BE49-F238E27FC236}">
+                <a16:creationId xmlns:a16="http://schemas.microsoft.com/office/drawing/2014/main" id="{ED243491-60D5-4E1E-B651-B0F76DC0CD75}"/>
+              </a:ext>
+            </a:extLst>
+          </p:cNvPr>
+          <p:cNvSpPr>
+            <a:spLocks noGrp="1"/>
+          </p:cNvSpPr>
+          <p:nvPr>
+            <p:ph idx="1"/>
+          </p:nvPr>
+        </p:nvSpPr>
+        <p:spPr>
+          <a:xfrm>
+            <a:off x="6417733" y="1359090"/>
+            <a:ext cx="5132665" cy="4048046"/>
+          </a:xfrm>
+        </p:spPr>
+        <p:txBody>
+          <a:bodyPr anchor="ctr">
+            <a:normAutofit/>
+          </a:bodyPr>
+          <a:lstStyle/>
+          <a:p>
+            <a:r>
+              <a:rPr lang="en-US" dirty="0"/>
+              <a:t>this test measures the performance when the communication path is exercised, which requires critical sections to be acquired</a:t>
+            </a:r>
+          </a:p>
+          <a:p>
+            <a:r>
+              <a:rPr lang="en-US" dirty="0"/>
+              <a:t>the test measures the message rate for zero-byte blocking sends</a:t>
+            </a:r>
+          </a:p>
+        </p:txBody>
+      </p:sp>
+      <p:sp>
+        <p:nvSpPr>
+          <p:cNvPr id="15" name="Rectangle 14">
+            <a:extLst>
+              <a:ext uri="{FF2B5EF4-FFF2-40B4-BE49-F238E27FC236}">
+                <a16:creationId xmlns:a16="http://schemas.microsoft.com/office/drawing/2014/main" id="{E55C1C3E-5158-47F3-8FD9-14B22C3E6EAD}"/>
+              </a:ext>
+              <a:ext uri="{C183D7F6-B498-43B3-948B-1728B52AA6E4}">
+                <adec:decorative xmlns:adec="http://schemas.microsoft.com/office/drawing/2017/decorative" val="1"/>
+              </a:ext>
+            </a:extLst>
+          </p:cNvPr>
+          <p:cNvSpPr>
+            <a:spLocks noGrp="1" noRot="1" noChangeAspect="1" noMove="1" noResize="1" noEditPoints="1" noAdjustHandles="1" noChangeArrowheads="1" noChangeShapeType="1" noTextEdit="1"/>
+          </p:cNvSpPr>
+          <p:nvPr>
+            <p:extLst>
+              <p:ext uri="{386F3935-93C4-4BCD-93E2-E3B085C9AB24}">
+                <p16:designElem xmlns:p16="http://schemas.microsoft.com/office/powerpoint/2015/main" val="1"/>
+              </p:ext>
+            </p:extLst>
+          </p:nvPr>
+        </p:nvSpPr>
+        <p:spPr>
+          <a:xfrm>
+            <a:off x="641604" y="6121662"/>
+            <a:ext cx="10908792" cy="80683"/>
+          </a:xfrm>
+          <a:prstGeom prst="rect">
+            <a:avLst/>
+          </a:prstGeom>
+          <a:blipFill dpi="0" rotWithShape="1">
+            <a:blip r:embed="rId2">
+              <a:alphaModFix amt="85000"/>
+              <a:lum bright="70000" contrast="-70000"/>
+              <a:extLst>
+                <a:ext uri="{BEBA8EAE-BF5A-486C-A8C5-ECC9F3942E4B}">
+                  <a14:imgProps xmlns:a14="http://schemas.microsoft.com/office/drawing/2010/main">
+                    <a14:imgLayer r:embed="rId3">
+                      <a14:imgEffect>
+                        <a14:sharpenSoften amount="61000"/>
+                      </a14:imgEffect>
+                    </a14:imgLayer>
+                  </a14:imgProps>
+                </a:ext>
+                <a:ext uri="{28A0092B-C50C-407E-A947-70E740481C1C}">
+                  <a14:useLocalDpi xmlns:a14="http://schemas.microsoft.com/office/drawing/2010/main" val="0"/>
+                </a:ext>
+              </a:extLst>
+            </a:blip>
+            <a:srcRect/>
+            <a:tile tx="0" ty="-762000" sx="92000" sy="89000" flip="xy" algn="ctr"/>
+          </a:blipFill>
+          <a:ln>
+            <a:noFill/>
+          </a:ln>
+        </p:spPr>
+        <p:style>
+          <a:lnRef idx="2">
+            <a:schemeClr val="accent1">
+              <a:shade val="50000"/>
+            </a:schemeClr>
+          </a:lnRef>
+          <a:fillRef idx="1">
+            <a:schemeClr val="accent1"/>
+          </a:fillRef>
+          <a:effectRef idx="0">
+            <a:schemeClr val="accent1"/>
+          </a:effectRef>
+          <a:fontRef idx="minor">
+            <a:schemeClr val="lt1"/>
+          </a:fontRef>
+        </p:style>
+        <p:txBody>
+          <a:bodyPr rtlCol="0" anchor="ctr"/>
+          <a:lstStyle/>
+          <a:p>
+            <a:pPr algn="ctr"/>
+            <a:endParaRPr lang="en-US"/>
+          </a:p>
+        </p:txBody>
+      </p:sp>
+    </p:spTree>
+    <p:extLst>
+      <p:ext uri="{BB962C8B-B14F-4D97-AF65-F5344CB8AC3E}">
+        <p14:creationId xmlns:p14="http://schemas.microsoft.com/office/powerpoint/2010/main" val="1484074291"/>
+      </p:ext>
+    </p:extLst>
+  </p:cSld>
+  <p:clrMapOvr>
+    <a:masterClrMapping/>
+  </p:clrMapOvr>
+</p:sld>
+</file>
+
 <file path=ppt/theme/theme1.xml><?xml version="1.0" encoding="utf-8"?>
 <a:theme xmlns:a="http://schemas.openxmlformats.org/drawingml/2006/main" name="Wood Type">
   <a:themeElements>
@@ -6053,48 +11528,48 @@
         <a:sysClr val="window" lastClr="FFFFFF"/>
       </a:lt1>
       <a:dk2>
-        <a:srgbClr val="514949"/>
+        <a:srgbClr val="84ACB6"/>
       </a:dk2>
       <a:lt2>
-        <a:srgbClr val="E1E1DB"/>
+        <a:srgbClr val="EBE9DD"/>
       </a:lt2>
       <a:accent1>
-        <a:srgbClr val="9DBFBE"/>
+        <a:srgbClr val="6F8183"/>
       </a:accent1>
       <a:accent2>
-        <a:srgbClr val="DB8631"/>
+        <a:srgbClr val="967E96"/>
       </a:accent2>
       <a:accent3>
-        <a:srgbClr val="E3CC5A"/>
+        <a:srgbClr val="CCC893"/>
       </a:accent3>
       <a:accent4>
-        <a:srgbClr val="ACADA8"/>
+        <a:srgbClr val="A54D74"/>
       </a:accent4>
       <a:accent5>
-        <a:srgbClr val="927C61"/>
+        <a:srgbClr val="949C6B"/>
       </a:accent5>
       <a:accent6>
-        <a:srgbClr val="B3B435"/>
+        <a:srgbClr val="766A50"/>
       </a:accent6>
       <a:hlink>
-        <a:srgbClr val="0000FF"/>
+        <a:srgbClr val="CC6600"/>
       </a:hlink>
       <a:folHlink>
-        <a:srgbClr val="800080"/>
+        <a:srgbClr val="777777"/>
       </a:folHlink>
     </a:clrScheme>
     <a:fontScheme name="Wood Type">
       <a:majorFont>
-        <a:latin typeface="Arial Black" panose="020B0A04020102020204"/>
+        <a:latin typeface="Century Gothic" panose="020B0502020202020204"/>
         <a:ea typeface=""/>
         <a:cs typeface=""/>
         <a:font script="Jpan" typeface="HGｺﾞｼｯｸM"/>
         <a:font script="Hang" typeface="HY중고딕"/>
-        <a:font script="Hans" typeface="黑体"/>
+        <a:font script="Hans" typeface="幼圆"/>
         <a:font script="Hant" typeface="微軟正黑體"/>
         <a:font script="Arab" typeface="Tahoma"/>
-        <a:font script="Hebr" typeface="Levenim MT"/>
-        <a:font script="Thai" typeface="LilyUPC"/>
+        <a:font script="Hebr" typeface="Gisha"/>
+        <a:font script="Thai" typeface="DilleniaUPC"/>
         <a:font script="Ethi" typeface="Nyala"/>
         <a:font script="Beng" typeface="Vrinda"/>
         <a:font script="Gujr" typeface="Shruti"/>
@@ -6115,24 +11590,26 @@
         <a:font script="Laoo" typeface="DokChampa"/>
         <a:font script="Sinh" typeface="Iskoola Pota"/>
         <a:font script="Mong" typeface="Mongolian Baiti"/>
-        <a:font script="Viet" typeface="Arial"/>
+        <a:font script="Viet" typeface="Tahoma"/>
         <a:font script="Uigh" typeface="Microsoft Uighur"/>
       </a:majorFont>
       <a:minorFont>
-        <a:latin typeface="Arial" panose="020B0604020202020204"/>
+        <a:latin typeface="Bookman Old Style" panose="02050604050505020204"/>
         <a:ea typeface=""/>
         <a:cs typeface=""/>
-        <a:font script="Jpan" typeface="HGｺﾞｼｯｸM"/>
-        <a:font script="Hang" typeface="HY중고딕"/>
-        <a:font script="Hans" typeface="黑体"/>
-        <a:font script="Hant" typeface="微軟正黑體"/>
-        <a:font script="Arab" typeface="Tahoma"/>
-        <a:font script="Hebr" typeface="Levenim MT"/>
-        <a:font script="Thai" typeface="LilyUPC"/>
+        <a:font script="Grek" typeface="Cambria"/>
+        <a:font script="Cyrl" typeface="Cambria"/>
+        <a:font script="Jpan" typeface="HG明朝E"/>
+        <a:font script="Hang" typeface="돋움"/>
+        <a:font script="Hans" typeface="宋体"/>
+        <a:font script="Hant" typeface="標楷體"/>
+        <a:font script="Arab" typeface="Times New Roman"/>
+        <a:font script="Hebr" typeface="Times New Roman"/>
+        <a:font script="Thai" typeface="Browallia New"/>
         <a:font script="Ethi" typeface="Nyala"/>
         <a:font script="Beng" typeface="Vrinda"/>
         <a:font script="Gujr" typeface="Shruti"/>
-        <a:font script="Khmr" typeface="DaunPenh"/>
+        <a:font script="Khmr" typeface="MoolBoran"/>
         <a:font script="Knda" typeface="Tunga"/>
         <a:font script="Guru" typeface="Raavi"/>
         <a:font script="Cans" typeface="Euphemia"/>
@@ -6149,7 +11626,7 @@
         <a:font script="Laoo" typeface="DokChampa"/>
         <a:font script="Sinh" typeface="Iskoola Pota"/>
         <a:font script="Mong" typeface="Mongolian Baiti"/>
-        <a:font script="Viet" typeface="Arial"/>
+        <a:font script="Viet" typeface="Times New Roman"/>
         <a:font script="Uigh" typeface="Microsoft Uighur"/>
       </a:minorFont>
     </a:fontScheme>
@@ -6261,7 +11738,302 @@
   <a:extraClrSchemeLst/>
   <a:extLst>
     <a:ext uri="{05A4C25C-085E-4340-85A3-A5531E510DB2}">
-      <thm15:themeFamily xmlns:thm15="http://schemas.microsoft.com/office/thememl/2012/main" name="Wood Type" id="{7ACABC62-BF99-48CF-A9DC-4DB89C7B13DC}" vid="{BE1B6DD8-9976-4550-A6F4-B2DD4EA939DA}"/>
+      <thm15:themeFamily xmlns:thm15="http://schemas.microsoft.com/office/thememl/2012/main" name="Wood Type" id="{7ACABC62-BF99-48CF-A9DC-4DB89C7B13DC}" vid="{8E89CD47-BF55-4DDE-B823-2283AA7E7695}"/>
+    </a:ext>
+  </a:extLst>
+</a:theme>
+</file>
+
+<file path=ppt/theme/theme2.xml><?xml version="1.0" encoding="utf-8"?>
+<a:theme xmlns:a="http://schemas.openxmlformats.org/drawingml/2006/main" name="Office Theme">
+  <a:themeElements>
+    <a:clrScheme name="Office">
+      <a:dk1>
+        <a:sysClr val="windowText" lastClr="000000"/>
+      </a:dk1>
+      <a:lt1>
+        <a:sysClr val="window" lastClr="FFFFFF"/>
+      </a:lt1>
+      <a:dk2>
+        <a:srgbClr val="44546A"/>
+      </a:dk2>
+      <a:lt2>
+        <a:srgbClr val="E7E6E6"/>
+      </a:lt2>
+      <a:accent1>
+        <a:srgbClr val="4472C4"/>
+      </a:accent1>
+      <a:accent2>
+        <a:srgbClr val="ED7D31"/>
+      </a:accent2>
+      <a:accent3>
+        <a:srgbClr val="A5A5A5"/>
+      </a:accent3>
+      <a:accent4>
+        <a:srgbClr val="FFC000"/>
+      </a:accent4>
+      <a:accent5>
+        <a:srgbClr val="5B9BD5"/>
+      </a:accent5>
+      <a:accent6>
+        <a:srgbClr val="70AD47"/>
+      </a:accent6>
+      <a:hlink>
+        <a:srgbClr val="0563C1"/>
+      </a:hlink>
+      <a:folHlink>
+        <a:srgbClr val="954F72"/>
+      </a:folHlink>
+    </a:clrScheme>
+    <a:fontScheme name="Office">
+      <a:majorFont>
+        <a:latin typeface="Calibri Light" panose="020F0302020204030204"/>
+        <a:ea typeface=""/>
+        <a:cs typeface=""/>
+        <a:font script="Jpan" typeface="游ゴシック Light"/>
+        <a:font script="Hang" typeface="맑은 고딕"/>
+        <a:font script="Hans" typeface="等线 Light"/>
+        <a:font script="Hant" typeface="新細明體"/>
+        <a:font script="Arab" typeface="Times New Roman"/>
+        <a:font script="Hebr" typeface="Times New Roman"/>
+        <a:font script="Thai" typeface="Angsana New"/>
+        <a:font script="Ethi" typeface="Nyala"/>
+        <a:font script="Beng" typeface="Vrinda"/>
+        <a:font script="Gujr" typeface="Shruti"/>
+        <a:font script="Khmr" typeface="MoolBoran"/>
+        <a:font script="Knda" typeface="Tunga"/>
+        <a:font script="Guru" typeface="Raavi"/>
+        <a:font script="Cans" typeface="Euphemia"/>
+        <a:font script="Cher" typeface="Plantagenet Cherokee"/>
+        <a:font script="Yiii" typeface="Microsoft Yi Baiti"/>
+        <a:font script="Tibt" typeface="Microsoft Himalaya"/>
+        <a:font script="Thaa" typeface="MV Boli"/>
+        <a:font script="Deva" typeface="Mangal"/>
+        <a:font script="Telu" typeface="Gautami"/>
+        <a:font script="Taml" typeface="Latha"/>
+        <a:font script="Syrc" typeface="Estrangelo Edessa"/>
+        <a:font script="Orya" typeface="Kalinga"/>
+        <a:font script="Mlym" typeface="Kartika"/>
+        <a:font script="Laoo" typeface="DokChampa"/>
+        <a:font script="Sinh" typeface="Iskoola Pota"/>
+        <a:font script="Mong" typeface="Mongolian Baiti"/>
+        <a:font script="Viet" typeface="Times New Roman"/>
+        <a:font script="Uigh" typeface="Microsoft Uighur"/>
+        <a:font script="Geor" typeface="Sylfaen"/>
+        <a:font script="Armn" typeface="Arial"/>
+        <a:font script="Bugi" typeface="Leelawadee UI"/>
+        <a:font script="Bopo" typeface="Microsoft JhengHei"/>
+        <a:font script="Java" typeface="Javanese Text"/>
+        <a:font script="Lisu" typeface="Segoe UI"/>
+        <a:font script="Mymr" typeface="Myanmar Text"/>
+        <a:font script="Nkoo" typeface="Ebrima"/>
+        <a:font script="Olck" typeface="Nirmala UI"/>
+        <a:font script="Osma" typeface="Ebrima"/>
+        <a:font script="Phag" typeface="Phagspa"/>
+        <a:font script="Syrn" typeface="Estrangelo Edessa"/>
+        <a:font script="Syrj" typeface="Estrangelo Edessa"/>
+        <a:font script="Syre" typeface="Estrangelo Edessa"/>
+        <a:font script="Sora" typeface="Nirmala UI"/>
+        <a:font script="Tale" typeface="Microsoft Tai Le"/>
+        <a:font script="Talu" typeface="Microsoft New Tai Lue"/>
+        <a:font script="Tfng" typeface="Ebrima"/>
+      </a:majorFont>
+      <a:minorFont>
+        <a:latin typeface="Calibri" panose="020F0502020204030204"/>
+        <a:ea typeface=""/>
+        <a:cs typeface=""/>
+        <a:font script="Jpan" typeface="游ゴシック"/>
+        <a:font script="Hang" typeface="맑은 고딕"/>
+        <a:font script="Hans" typeface="等线"/>
+        <a:font script="Hant" typeface="新細明體"/>
+        <a:font script="Arab" typeface="Arial"/>
+        <a:font script="Hebr" typeface="Arial"/>
+        <a:font script="Thai" typeface="Cordia New"/>
+        <a:font script="Ethi" typeface="Nyala"/>
+        <a:font script="Beng" typeface="Vrinda"/>
+        <a:font script="Gujr" typeface="Shruti"/>
+        <a:font script="Khmr" typeface="DaunPenh"/>
+        <a:font script="Knda" typeface="Tunga"/>
+        <a:font script="Guru" typeface="Raavi"/>
+        <a:font script="Cans" typeface="Euphemia"/>
+        <a:font script="Cher" typeface="Plantagenet Cherokee"/>
+        <a:font script="Yiii" typeface="Microsoft Yi Baiti"/>
+        <a:font script="Tibt" typeface="Microsoft Himalaya"/>
+        <a:font script="Thaa" typeface="MV Boli"/>
+        <a:font script="Deva" typeface="Mangal"/>
+        <a:font script="Telu" typeface="Gautami"/>
+        <a:font script="Taml" typeface="Latha"/>
+        <a:font script="Syrc" typeface="Estrangelo Edessa"/>
+        <a:font script="Orya" typeface="Kalinga"/>
+        <a:font script="Mlym" typeface="Kartika"/>
+        <a:font script="Laoo" typeface="DokChampa"/>
+        <a:font script="Sinh" typeface="Iskoola Pota"/>
+        <a:font script="Mong" typeface="Mongolian Baiti"/>
+        <a:font script="Viet" typeface="Arial"/>
+        <a:font script="Uigh" typeface="Microsoft Uighur"/>
+        <a:font script="Geor" typeface="Sylfaen"/>
+        <a:font script="Armn" typeface="Arial"/>
+        <a:font script="Bugi" typeface="Leelawadee UI"/>
+        <a:font script="Bopo" typeface="Microsoft JhengHei"/>
+        <a:font script="Java" typeface="Javanese Text"/>
+        <a:font script="Lisu" typeface="Segoe UI"/>
+        <a:font script="Mymr" typeface="Myanmar Text"/>
+        <a:font script="Nkoo" typeface="Ebrima"/>
+        <a:font script="Olck" typeface="Nirmala UI"/>
+        <a:font script="Osma" typeface="Ebrima"/>
+        <a:font script="Phag" typeface="Phagspa"/>
+        <a:font script="Syrn" typeface="Estrangelo Edessa"/>
+        <a:font script="Syrj" typeface="Estrangelo Edessa"/>
+        <a:font script="Syre" typeface="Estrangelo Edessa"/>
+        <a:font script="Sora" typeface="Nirmala UI"/>
+        <a:font script="Tale" typeface="Microsoft Tai Le"/>
+        <a:font script="Talu" typeface="Microsoft New Tai Lue"/>
+        <a:font script="Tfng" typeface="Ebrima"/>
+      </a:minorFont>
+    </a:fontScheme>
+    <a:fmtScheme name="Office">
+      <a:fillStyleLst>
+        <a:solidFill>
+          <a:schemeClr val="phClr"/>
+        </a:solidFill>
+        <a:gradFill rotWithShape="1">
+          <a:gsLst>
+            <a:gs pos="0">
+              <a:schemeClr val="phClr">
+                <a:lumMod val="110000"/>
+                <a:satMod val="105000"/>
+                <a:tint val="67000"/>
+              </a:schemeClr>
+            </a:gs>
+            <a:gs pos="50000">
+              <a:schemeClr val="phClr">
+                <a:lumMod val="105000"/>
+                <a:satMod val="103000"/>
+                <a:tint val="73000"/>
+              </a:schemeClr>
+            </a:gs>
+            <a:gs pos="100000">
+              <a:schemeClr val="phClr">
+                <a:lumMod val="105000"/>
+                <a:satMod val="109000"/>
+                <a:tint val="81000"/>
+              </a:schemeClr>
+            </a:gs>
+          </a:gsLst>
+          <a:lin ang="5400000" scaled="0"/>
+        </a:gradFill>
+        <a:gradFill rotWithShape="1">
+          <a:gsLst>
+            <a:gs pos="0">
+              <a:schemeClr val="phClr">
+                <a:satMod val="103000"/>
+                <a:lumMod val="102000"/>
+                <a:tint val="94000"/>
+              </a:schemeClr>
+            </a:gs>
+            <a:gs pos="50000">
+              <a:schemeClr val="phClr">
+                <a:satMod val="110000"/>
+                <a:lumMod val="100000"/>
+                <a:shade val="100000"/>
+              </a:schemeClr>
+            </a:gs>
+            <a:gs pos="100000">
+              <a:schemeClr val="phClr">
+                <a:lumMod val="99000"/>
+                <a:satMod val="120000"/>
+                <a:shade val="78000"/>
+              </a:schemeClr>
+            </a:gs>
+          </a:gsLst>
+          <a:lin ang="5400000" scaled="0"/>
+        </a:gradFill>
+      </a:fillStyleLst>
+      <a:lnStyleLst>
+        <a:ln w="6350" cap="flat" cmpd="sng" algn="ctr">
+          <a:solidFill>
+            <a:schemeClr val="phClr"/>
+          </a:solidFill>
+          <a:prstDash val="solid"/>
+          <a:miter lim="800000"/>
+        </a:ln>
+        <a:ln w="12700" cap="flat" cmpd="sng" algn="ctr">
+          <a:solidFill>
+            <a:schemeClr val="phClr"/>
+          </a:solidFill>
+          <a:prstDash val="solid"/>
+          <a:miter lim="800000"/>
+        </a:ln>
+        <a:ln w="19050" cap="flat" cmpd="sng" algn="ctr">
+          <a:solidFill>
+            <a:schemeClr val="phClr"/>
+          </a:solidFill>
+          <a:prstDash val="solid"/>
+          <a:miter lim="800000"/>
+        </a:ln>
+      </a:lnStyleLst>
+      <a:effectStyleLst>
+        <a:effectStyle>
+          <a:effectLst/>
+        </a:effectStyle>
+        <a:effectStyle>
+          <a:effectLst/>
+        </a:effectStyle>
+        <a:effectStyle>
+          <a:effectLst>
+            <a:outerShdw blurRad="57150" dist="19050" dir="5400000" algn="ctr" rotWithShape="0">
+              <a:srgbClr val="000000">
+                <a:alpha val="63000"/>
+              </a:srgbClr>
+            </a:outerShdw>
+          </a:effectLst>
+        </a:effectStyle>
+      </a:effectStyleLst>
+      <a:bgFillStyleLst>
+        <a:solidFill>
+          <a:schemeClr val="phClr"/>
+        </a:solidFill>
+        <a:solidFill>
+          <a:schemeClr val="phClr">
+            <a:tint val="95000"/>
+            <a:satMod val="170000"/>
+          </a:schemeClr>
+        </a:solidFill>
+        <a:gradFill rotWithShape="1">
+          <a:gsLst>
+            <a:gs pos="0">
+              <a:schemeClr val="phClr">
+                <a:tint val="93000"/>
+                <a:satMod val="150000"/>
+                <a:shade val="98000"/>
+                <a:lumMod val="102000"/>
+              </a:schemeClr>
+            </a:gs>
+            <a:gs pos="50000">
+              <a:schemeClr val="phClr">
+                <a:tint val="98000"/>
+                <a:satMod val="130000"/>
+                <a:shade val="90000"/>
+                <a:lumMod val="103000"/>
+              </a:schemeClr>
+            </a:gs>
+            <a:gs pos="100000">
+              <a:schemeClr val="phClr">
+                <a:shade val="63000"/>
+                <a:satMod val="120000"/>
+              </a:schemeClr>
+            </a:gs>
+          </a:gsLst>
+          <a:lin ang="5400000" scaled="0"/>
+        </a:gradFill>
+      </a:bgFillStyleLst>
+    </a:fmtScheme>
+  </a:themeElements>
+  <a:objectDefaults/>
+  <a:extraClrSchemeLst/>
+  <a:extLst>
+    <a:ext uri="{05A4C25C-085E-4340-85A3-A5531E510DB2}">
+      <thm15:themeFamily xmlns:thm15="http://schemas.microsoft.com/office/thememl/2012/main" name="Office Theme" id="{62F939B6-93AF-4DB8-9C6B-D6C7DFDC589F}" vid="{4A3C46E8-61CC-4603-A589-7422A47A8E4A}"/>
     </a:ext>
   </a:extLst>
 </a:theme>

--- a/smpa/project/docs/Multithreading MPI Communication.pptx
+++ b/smpa/project/docs/Multithreading MPI Communication.pptx
@@ -232,7 +232,7 @@
           <a:p>
             <a:fld id="{47B57961-21F6-478A-A589-2E8418FCA4A0}" type="datetimeFigureOut">
               <a:rPr lang="en-US" smtClean="0"/>
-              <a:t>6/21/2022</a:t>
+              <a:t>6/22/2022</a:t>
             </a:fld>
             <a:endParaRPr lang="en-US"/>
           </a:p>
@@ -988,7 +988,7 @@
           <a:p>
             <a:fld id="{40470BAF-B377-4B28-A1F6-889EA29F45E7}" type="datetimeFigureOut">
               <a:rPr lang="en-US" smtClean="0"/>
-              <a:t>6/21/2022</a:t>
+              <a:t>6/22/2022</a:t>
             </a:fld>
             <a:endParaRPr lang="en-US"/>
           </a:p>
@@ -1167,7 +1167,7 @@
           <a:p>
             <a:fld id="{40470BAF-B377-4B28-A1F6-889EA29F45E7}" type="datetimeFigureOut">
               <a:rPr lang="en-US" smtClean="0"/>
-              <a:t>6/21/2022</a:t>
+              <a:t>6/22/2022</a:t>
             </a:fld>
             <a:endParaRPr lang="en-US"/>
           </a:p>
@@ -1347,7 +1347,7 @@
           <a:p>
             <a:fld id="{40470BAF-B377-4B28-A1F6-889EA29F45E7}" type="datetimeFigureOut">
               <a:rPr lang="en-US" smtClean="0"/>
-              <a:t>6/21/2022</a:t>
+              <a:t>6/22/2022</a:t>
             </a:fld>
             <a:endParaRPr lang="en-US"/>
           </a:p>
@@ -1517,7 +1517,7 @@
           <a:p>
             <a:fld id="{40470BAF-B377-4B28-A1F6-889EA29F45E7}" type="datetimeFigureOut">
               <a:rPr lang="en-US" smtClean="0"/>
-              <a:t>6/21/2022</a:t>
+              <a:t>6/22/2022</a:t>
             </a:fld>
             <a:endParaRPr lang="en-US"/>
           </a:p>
@@ -1842,7 +1842,7 @@
           <a:p>
             <a:fld id="{40470BAF-B377-4B28-A1F6-889EA29F45E7}" type="datetimeFigureOut">
               <a:rPr lang="en-US" smtClean="0"/>
-              <a:t>6/21/2022</a:t>
+              <a:t>6/22/2022</a:t>
             </a:fld>
             <a:endParaRPr lang="en-US"/>
           </a:p>
@@ -2238,7 +2238,7 @@
           <a:p>
             <a:fld id="{40470BAF-B377-4B28-A1F6-889EA29F45E7}" type="datetimeFigureOut">
               <a:rPr lang="en-US" smtClean="0"/>
-              <a:t>6/21/2022</a:t>
+              <a:t>6/22/2022</a:t>
             </a:fld>
             <a:endParaRPr lang="en-US"/>
           </a:p>
@@ -2672,7 +2672,7 @@
           <a:p>
             <a:fld id="{40470BAF-B377-4B28-A1F6-889EA29F45E7}" type="datetimeFigureOut">
               <a:rPr lang="en-US" smtClean="0"/>
-              <a:t>6/21/2022</a:t>
+              <a:t>6/22/2022</a:t>
             </a:fld>
             <a:endParaRPr lang="en-US"/>
           </a:p>
@@ -2790,7 +2790,7 @@
           <a:p>
             <a:fld id="{40470BAF-B377-4B28-A1F6-889EA29F45E7}" type="datetimeFigureOut">
               <a:rPr lang="en-US" smtClean="0"/>
-              <a:t>6/21/2022</a:t>
+              <a:t>6/22/2022</a:t>
             </a:fld>
             <a:endParaRPr lang="en-US"/>
           </a:p>
@@ -2885,7 +2885,7 @@
           <a:p>
             <a:fld id="{40470BAF-B377-4B28-A1F6-889EA29F45E7}" type="datetimeFigureOut">
               <a:rPr lang="en-US" smtClean="0"/>
-              <a:t>6/21/2022</a:t>
+              <a:t>6/22/2022</a:t>
             </a:fld>
             <a:endParaRPr lang="en-US"/>
           </a:p>
@@ -3235,7 +3235,7 @@
           <a:p>
             <a:fld id="{40470BAF-B377-4B28-A1F6-889EA29F45E7}" type="datetimeFigureOut">
               <a:rPr lang="en-US" smtClean="0"/>
-              <a:t>6/21/2022</a:t>
+              <a:t>6/22/2022</a:t>
             </a:fld>
             <a:endParaRPr lang="en-US"/>
           </a:p>
@@ -3670,7 +3670,7 @@
           <a:p>
             <a:fld id="{40470BAF-B377-4B28-A1F6-889EA29F45E7}" type="datetimeFigureOut">
               <a:rPr lang="en-US" smtClean="0"/>
-              <a:t>6/21/2022</a:t>
+              <a:t>6/22/2022</a:t>
             </a:fld>
             <a:endParaRPr lang="en-US"/>
           </a:p>
@@ -3953,7 +3953,7 @@
           <a:p>
             <a:fld id="{40470BAF-B377-4B28-A1F6-889EA29F45E7}" type="datetimeFigureOut">
               <a:rPr lang="en-US" smtClean="0"/>
-              <a:t>6/21/2022</a:t>
+              <a:t>6/22/2022</a:t>
             </a:fld>
             <a:endParaRPr lang="en-US"/>
           </a:p>
